--- a/DBD 분석/맵 분석/3. 콜드윈드 농장(★)/3. 썩은 들판(★)/종합.pptx
+++ b/DBD 분석/맵 분석/3. 콜드윈드 농장(★)/3. 썩은 들판(★)/종합.pptx
@@ -215,7 +215,7 @@
           <a:p>
             <a:fld id="{92FB9B8E-7460-4A65-8DD1-5001397F6CD0}" type="datetimeFigureOut">
               <a:rPr lang="ko-KR" altLang="en-US" smtClean="0"/>
-              <a:t>2020-01-31</a:t>
+              <a:t>2020-02-03</a:t>
             </a:fld>
             <a:endParaRPr lang="ko-KR" altLang="en-US"/>
           </a:p>
@@ -792,101 +792,113 @@
             </a:r>
             <a:r>
               <a:rPr lang="ko-KR" altLang="en-US" dirty="0" smtClean="0"/>
-              <a:t>방문 횟수 </a:t>
+              <a:t>방문 지역 </a:t>
+            </a:r>
+            <a:r>
+              <a:rPr lang="en-US" altLang="ko-KR" dirty="0" smtClean="0"/>
+              <a:t>/ </a:t>
+            </a:r>
+            <a:r>
+              <a:rPr lang="ko-KR" altLang="en-US" baseline="0" dirty="0" smtClean="0"/>
+              <a:t>방문 시간 </a:t>
+            </a:r>
+            <a:r>
+              <a:rPr lang="en-US" altLang="ko-KR" baseline="0" dirty="0" smtClean="0"/>
+              <a:t>/ </a:t>
+            </a:r>
+            <a:r>
+              <a:rPr lang="ko-KR" altLang="en-US" baseline="0" dirty="0" smtClean="0"/>
+              <a:t>이벤트 </a:t>
+            </a:r>
+            <a:r>
+              <a:rPr lang="en-US" altLang="ko-KR" baseline="0" dirty="0" smtClean="0"/>
+              <a:t>/ </a:t>
+            </a:r>
+            <a:r>
+              <a:rPr lang="ko-KR" altLang="en-US" baseline="0" dirty="0" err="1" smtClean="0"/>
+              <a:t>멘트</a:t>
+            </a:r>
+            <a:r>
+              <a:rPr lang="ko-KR" altLang="en-US" baseline="0" dirty="0" smtClean="0"/>
+              <a:t> </a:t>
+            </a:r>
+            <a:r>
+              <a:rPr lang="en-US" altLang="ko-KR" baseline="0" dirty="0" smtClean="0"/>
+              <a:t>/ </a:t>
+            </a:r>
+            <a:r>
+              <a:rPr lang="ko-KR" altLang="en-US" baseline="0" dirty="0" smtClean="0"/>
+              <a:t>채팅 </a:t>
+            </a:r>
+            <a:r>
+              <a:rPr lang="en-US" altLang="ko-KR" baseline="0" dirty="0" smtClean="0"/>
+              <a:t>/ </a:t>
+            </a:r>
+            <a:r>
+              <a:rPr lang="ko-KR" altLang="en-US" baseline="0" dirty="0" smtClean="0"/>
+              <a:t>역할</a:t>
+            </a:r>
+            <a:r>
+              <a:rPr lang="en-US" altLang="ko-KR" baseline="0" dirty="0" smtClean="0"/>
+              <a:t>=</a:t>
+            </a:r>
+          </a:p>
+          <a:p>
+            <a:r>
+              <a:rPr lang="en-US" altLang="ko-KR" dirty="0" smtClean="0"/>
+              <a:t>-20_01_</a:t>
+            </a:r>
+            <a:r>
+              <a:rPr lang="ko-KR" altLang="en-US" dirty="0" err="1" smtClean="0"/>
+              <a:t>스피릿</a:t>
+            </a:r>
+            <a:r>
+              <a:rPr lang="en-US" altLang="ko-KR" dirty="0" smtClean="0"/>
+              <a:t>(F14/2:20~2:55/</a:t>
+            </a:r>
+            <a:r>
+              <a:rPr lang="ko-KR" altLang="en-US" dirty="0" err="1" smtClean="0"/>
+              <a:t>상자깡</a:t>
+            </a:r>
+            <a:r>
+              <a:rPr lang="en-US" altLang="ko-KR" dirty="0" smtClean="0"/>
+              <a:t>,</a:t>
+            </a:r>
+            <a:r>
+              <a:rPr lang="ko-KR" altLang="en-US" dirty="0" smtClean="0"/>
+              <a:t>발전기 수리</a:t>
             </a:r>
             <a:r>
               <a:rPr lang="en-US" altLang="ko-KR" dirty="0" smtClean="0"/>
               <a:t>/</a:t>
             </a:r>
             <a:r>
-              <a:rPr lang="en-US" altLang="ko-KR" baseline="0" dirty="0" smtClean="0"/>
-              <a:t> </a:t>
-            </a:r>
-            <a:r>
-              <a:rPr lang="ko-KR" altLang="en-US" baseline="0" dirty="0" smtClean="0"/>
-              <a:t>방문 시간 </a:t>
-            </a:r>
-            <a:r>
-              <a:rPr lang="en-US" altLang="ko-KR" baseline="0" dirty="0" smtClean="0"/>
-              <a:t>/ </a:t>
-            </a:r>
-            <a:r>
-              <a:rPr lang="ko-KR" altLang="en-US" baseline="0" dirty="0" smtClean="0"/>
-              <a:t>이벤트 </a:t>
-            </a:r>
-            <a:r>
-              <a:rPr lang="en-US" altLang="ko-KR" baseline="0" dirty="0" smtClean="0"/>
-              <a:t>/ </a:t>
-            </a:r>
-            <a:r>
-              <a:rPr lang="ko-KR" altLang="en-US" baseline="0" dirty="0" err="1" smtClean="0"/>
-              <a:t>멘트</a:t>
-            </a:r>
-            <a:r>
-              <a:rPr lang="ko-KR" altLang="en-US" baseline="0" dirty="0" smtClean="0"/>
-              <a:t> </a:t>
-            </a:r>
-            <a:r>
-              <a:rPr lang="en-US" altLang="ko-KR" baseline="0" dirty="0" smtClean="0"/>
-              <a:t>/ </a:t>
-            </a:r>
-            <a:r>
-              <a:rPr lang="ko-KR" altLang="en-US" baseline="0" dirty="0" smtClean="0"/>
-              <a:t>채팅 </a:t>
-            </a:r>
-            <a:r>
-              <a:rPr lang="en-US" altLang="ko-KR" baseline="0" dirty="0" smtClean="0"/>
-              <a:t>/ </a:t>
-            </a:r>
-            <a:r>
-              <a:rPr lang="ko-KR" altLang="en-US" baseline="0" dirty="0" smtClean="0"/>
-              <a:t>역할</a:t>
-            </a:r>
-            <a:r>
-              <a:rPr lang="en-US" altLang="ko-KR" baseline="0" dirty="0" smtClean="0"/>
-              <a:t>=</a:t>
-            </a:r>
-          </a:p>
-          <a:p>
+              <a:rPr lang="ko-KR" altLang="en-US" dirty="0" smtClean="0"/>
+              <a:t>정보제공</a:t>
+            </a:r>
             <a:r>
               <a:rPr lang="en-US" altLang="ko-KR" dirty="0" smtClean="0"/>
-              <a:t>-12_6_</a:t>
+              <a:t>,</a:t>
+            </a:r>
+            <a:r>
+              <a:rPr lang="ko-KR" altLang="en-US" dirty="0" smtClean="0"/>
+              <a:t>해설</a:t>
+            </a:r>
+            <a:r>
+              <a:rPr lang="en-US" altLang="ko-KR" dirty="0" smtClean="0"/>
+              <a:t>,</a:t>
             </a:r>
             <a:r>
               <a:rPr lang="ko-KR" altLang="en-US" dirty="0" err="1" smtClean="0"/>
-              <a:t>데모고르곤</a:t>
-            </a:r>
-            <a:r>
-              <a:rPr lang="en-US" altLang="ko-KR" dirty="0" smtClean="0"/>
-              <a:t>(2</a:t>
-            </a:r>
-            <a:r>
-              <a:rPr lang="ko-KR" altLang="en-US" dirty="0" smtClean="0"/>
-              <a:t>회</a:t>
-            </a:r>
-            <a:r>
-              <a:rPr lang="en-US" altLang="ko-KR" dirty="0" smtClean="0"/>
-              <a:t>/10</a:t>
-            </a:r>
-            <a:r>
-              <a:rPr lang="ko-KR" altLang="en-US" dirty="0" smtClean="0"/>
-              <a:t>초</a:t>
-            </a:r>
-            <a:r>
-              <a:rPr lang="en-US" altLang="ko-KR" dirty="0" smtClean="0"/>
-              <a:t>,5</a:t>
-            </a:r>
-            <a:r>
-              <a:rPr lang="ko-KR" altLang="en-US" dirty="0" smtClean="0"/>
-              <a:t>초</a:t>
+              <a:t>드립</a:t>
             </a:r>
             <a:r>
               <a:rPr lang="en-US" altLang="ko-KR" dirty="0" smtClean="0"/>
               <a:t>/</a:t>
             </a:r>
             <a:r>
-              <a:rPr lang="ko-KR" altLang="en-US" dirty="0" smtClean="0"/>
-              <a:t>탈출</a:t>
+              <a:rPr lang="ko-KR" altLang="en-US" dirty="0" err="1" smtClean="0"/>
+              <a:t>리액션</a:t>
             </a:r>
             <a:r>
               <a:rPr lang="en-US" altLang="ko-KR" dirty="0" smtClean="0"/>
@@ -894,7 +906,11 @@
             </a:r>
             <a:r>
               <a:rPr lang="ko-KR" altLang="en-US" dirty="0" smtClean="0"/>
-              <a:t>치료</a:t>
+              <a:t>감정표</a:t>
+            </a:r>
+            <a:r>
+              <a:rPr lang="ko-KR" altLang="en-US" dirty="0" smtClean="0"/>
+              <a:t>현</a:t>
             </a:r>
             <a:r>
               <a:rPr lang="en-US" altLang="ko-KR" dirty="0" smtClean="0"/>
@@ -902,63 +918,13 @@
             </a:r>
             <a:r>
               <a:rPr lang="ko-KR" altLang="en-US" dirty="0" smtClean="0"/>
-              <a:t>감탄</a:t>
-            </a:r>
-            <a:r>
-              <a:rPr lang="en-US" altLang="ko-KR" dirty="0" smtClean="0"/>
-              <a:t>,</a:t>
-            </a:r>
-            <a:r>
-              <a:rPr lang="ko-KR" altLang="en-US" dirty="0" smtClean="0"/>
-              <a:t>환희</a:t>
-            </a:r>
-            <a:r>
-              <a:rPr lang="en-US" altLang="ko-KR" dirty="0" smtClean="0"/>
-              <a:t>/</a:t>
-            </a:r>
-            <a:r>
-              <a:rPr lang="ko-KR" altLang="en-US" dirty="0" smtClean="0"/>
-              <a:t>몰입</a:t>
-            </a:r>
-            <a:r>
-              <a:rPr lang="en-US" altLang="ko-KR" dirty="0" smtClean="0"/>
-              <a:t>,</a:t>
-            </a:r>
-            <a:r>
-              <a:rPr lang="ko-KR" altLang="en-US" dirty="0" smtClean="0"/>
-              <a:t>감탄</a:t>
-            </a:r>
-            <a:r>
-              <a:rPr lang="en-US" altLang="ko-KR" dirty="0" smtClean="0"/>
-              <a:t>,</a:t>
-            </a:r>
-            <a:r>
-              <a:rPr lang="ko-KR" altLang="en-US" dirty="0" smtClean="0"/>
-              <a:t>웃음</a:t>
-            </a:r>
-            <a:r>
-              <a:rPr lang="en-US" altLang="ko-KR" dirty="0" smtClean="0"/>
-              <a:t>/</a:t>
-            </a:r>
-            <a:r>
-              <a:rPr lang="ko-KR" altLang="en-US" dirty="0" smtClean="0"/>
-              <a:t>피난처</a:t>
-            </a:r>
-            <a:r>
-              <a:rPr lang="en-US" altLang="ko-KR" dirty="0" smtClean="0"/>
-              <a:t>,</a:t>
-            </a:r>
-            <a:r>
-              <a:rPr lang="ko-KR" altLang="en-US" dirty="0" smtClean="0"/>
-              <a:t>극적 마무리</a:t>
+              <a:t>흥미 유발</a:t>
             </a:r>
             <a:r>
               <a:rPr lang="en-US" altLang="ko-KR" dirty="0" smtClean="0"/>
               <a:t>)</a:t>
             </a:r>
-          </a:p>
-          <a:p>
-            <a:endParaRPr lang="en-US" altLang="ko-KR" dirty="0" smtClean="0"/>
+            <a:endParaRPr lang="en-US" altLang="ko-KR" baseline="0" dirty="0" smtClean="0"/>
           </a:p>
         </p:txBody>
       </p:sp>
@@ -1048,93 +1014,89 @@
             </a:r>
             <a:r>
               <a:rPr lang="ko-KR" altLang="en-US" dirty="0" smtClean="0"/>
-              <a:t>방문 횟수 </a:t>
+              <a:t>방문 지역 </a:t>
+            </a:r>
+            <a:r>
+              <a:rPr lang="en-US" altLang="ko-KR" dirty="0" smtClean="0"/>
+              <a:t>/ </a:t>
+            </a:r>
+            <a:r>
+              <a:rPr lang="ko-KR" altLang="en-US" baseline="0" dirty="0" smtClean="0"/>
+              <a:t>방문 시간 </a:t>
+            </a:r>
+            <a:r>
+              <a:rPr lang="en-US" altLang="ko-KR" baseline="0" dirty="0" smtClean="0"/>
+              <a:t>/ </a:t>
+            </a:r>
+            <a:r>
+              <a:rPr lang="ko-KR" altLang="en-US" baseline="0" dirty="0" smtClean="0"/>
+              <a:t>이벤트 </a:t>
+            </a:r>
+            <a:r>
+              <a:rPr lang="en-US" altLang="ko-KR" baseline="0" dirty="0" smtClean="0"/>
+              <a:t>/ </a:t>
+            </a:r>
+            <a:r>
+              <a:rPr lang="ko-KR" altLang="en-US" baseline="0" dirty="0" err="1" smtClean="0"/>
+              <a:t>멘트</a:t>
+            </a:r>
+            <a:r>
+              <a:rPr lang="ko-KR" altLang="en-US" baseline="0" dirty="0" smtClean="0"/>
+              <a:t> </a:t>
+            </a:r>
+            <a:r>
+              <a:rPr lang="en-US" altLang="ko-KR" baseline="0" dirty="0" smtClean="0"/>
+              <a:t>/ </a:t>
+            </a:r>
+            <a:r>
+              <a:rPr lang="ko-KR" altLang="en-US" baseline="0" dirty="0" smtClean="0"/>
+              <a:t>채팅 </a:t>
+            </a:r>
+            <a:r>
+              <a:rPr lang="en-US" altLang="ko-KR" baseline="0" dirty="0" smtClean="0"/>
+              <a:t>/ </a:t>
+            </a:r>
+            <a:r>
+              <a:rPr lang="ko-KR" altLang="en-US" baseline="0" dirty="0" smtClean="0"/>
+              <a:t>역할</a:t>
+            </a:r>
+            <a:r>
+              <a:rPr lang="en-US" altLang="ko-KR" baseline="0" dirty="0" smtClean="0"/>
+              <a:t>=</a:t>
+            </a:r>
+          </a:p>
+          <a:p>
+            <a:r>
+              <a:rPr lang="en-US" altLang="ko-KR" dirty="0" smtClean="0"/>
+              <a:t>-20_01_</a:t>
+            </a:r>
+            <a:r>
+              <a:rPr lang="ko-KR" altLang="en-US" dirty="0" err="1" smtClean="0"/>
+              <a:t>스피릿</a:t>
+            </a:r>
+            <a:r>
+              <a:rPr lang="en-US" altLang="ko-KR" dirty="0" smtClean="0"/>
+              <a:t>(W5/4:45~5:10/</a:t>
+            </a:r>
+            <a:r>
+              <a:rPr lang="ko-KR" altLang="en-US" dirty="0" smtClean="0"/>
+              <a:t>치료받음</a:t>
             </a:r>
             <a:r>
               <a:rPr lang="en-US" altLang="ko-KR" dirty="0" smtClean="0"/>
               <a:t>/</a:t>
             </a:r>
             <a:r>
-              <a:rPr lang="en-US" altLang="ko-KR" baseline="0" dirty="0" smtClean="0"/>
-              <a:t> </a:t>
-            </a:r>
-            <a:r>
-              <a:rPr lang="ko-KR" altLang="en-US" baseline="0" dirty="0" smtClean="0"/>
-              <a:t>방문 시간 </a:t>
-            </a:r>
-            <a:r>
-              <a:rPr lang="en-US" altLang="ko-KR" baseline="0" dirty="0" smtClean="0"/>
-              <a:t>/ </a:t>
-            </a:r>
-            <a:r>
-              <a:rPr lang="ko-KR" altLang="en-US" baseline="0" dirty="0" smtClean="0"/>
-              <a:t>이벤트 </a:t>
-            </a:r>
-            <a:r>
-              <a:rPr lang="en-US" altLang="ko-KR" baseline="0" dirty="0" smtClean="0"/>
-              <a:t>/ </a:t>
-            </a:r>
-            <a:r>
-              <a:rPr lang="ko-KR" altLang="en-US" baseline="0" dirty="0" err="1" smtClean="0"/>
-              <a:t>멘트</a:t>
-            </a:r>
-            <a:r>
-              <a:rPr lang="ko-KR" altLang="en-US" baseline="0" dirty="0" smtClean="0"/>
-              <a:t> </a:t>
-            </a:r>
-            <a:r>
-              <a:rPr lang="en-US" altLang="ko-KR" baseline="0" dirty="0" smtClean="0"/>
-              <a:t>/ </a:t>
-            </a:r>
-            <a:r>
-              <a:rPr lang="ko-KR" altLang="en-US" baseline="0" dirty="0" smtClean="0"/>
-              <a:t>채팅 </a:t>
-            </a:r>
-            <a:r>
-              <a:rPr lang="en-US" altLang="ko-KR" baseline="0" dirty="0" smtClean="0"/>
-              <a:t>/ </a:t>
-            </a:r>
-            <a:r>
-              <a:rPr lang="ko-KR" altLang="en-US" baseline="0" dirty="0" smtClean="0"/>
-              <a:t>역할</a:t>
-            </a:r>
-            <a:r>
-              <a:rPr lang="en-US" altLang="ko-KR" baseline="0" dirty="0" smtClean="0"/>
-              <a:t>=</a:t>
-            </a:r>
-          </a:p>
-          <a:p>
+              <a:rPr lang="ko-KR" altLang="en-US" dirty="0" err="1" smtClean="0"/>
+              <a:t>가상대화</a:t>
+            </a:r>
             <a:r>
               <a:rPr lang="en-US" altLang="ko-KR" dirty="0" smtClean="0"/>
-              <a:t>-12_6_</a:t>
-            </a:r>
-            <a:r>
-              <a:rPr lang="ko-KR" altLang="en-US" dirty="0" err="1" smtClean="0"/>
-              <a:t>데모고르곤</a:t>
-            </a:r>
-            <a:r>
-              <a:rPr lang="en-US" altLang="ko-KR" dirty="0" smtClean="0"/>
-              <a:t>(2</a:t>
+              <a:t>,</a:t>
             </a:r>
             <a:r>
               <a:rPr lang="ko-KR" altLang="en-US" dirty="0" smtClean="0"/>
-              <a:t>회</a:t>
-            </a:r>
-            <a:r>
-              <a:rPr lang="en-US" altLang="ko-KR" dirty="0" smtClean="0"/>
-              <a:t>/10</a:t>
-            </a:r>
-            <a:r>
-              <a:rPr lang="ko-KR" altLang="en-US" dirty="0" smtClean="0"/>
-              <a:t>초</a:t>
-            </a:r>
-            <a:r>
-              <a:rPr lang="en-US" altLang="ko-KR" dirty="0" smtClean="0"/>
-              <a:t>,5</a:t>
-            </a:r>
-            <a:r>
-              <a:rPr lang="ko-KR" altLang="en-US" dirty="0" smtClean="0"/>
-              <a:t>초</a:t>
+              <a:t>해설</a:t>
             </a:r>
             <a:r>
               <a:rPr lang="en-US" altLang="ko-KR" dirty="0" smtClean="0"/>
@@ -1142,15 +1104,15 @@
             </a:r>
             <a:r>
               <a:rPr lang="ko-KR" altLang="en-US" dirty="0" smtClean="0"/>
-              <a:t>탈출</a:t>
+              <a:t>질의응답</a:t>
             </a:r>
             <a:r>
               <a:rPr lang="en-US" altLang="ko-KR" dirty="0" smtClean="0"/>
               <a:t>,</a:t>
             </a:r>
             <a:r>
-              <a:rPr lang="ko-KR" altLang="en-US" dirty="0" smtClean="0"/>
-              <a:t>치료</a:t>
+              <a:rPr lang="ko-KR" altLang="en-US" dirty="0" err="1" smtClean="0"/>
+              <a:t>드립</a:t>
             </a:r>
             <a:r>
               <a:rPr lang="en-US" altLang="ko-KR" dirty="0" smtClean="0"/>
@@ -1158,7 +1120,54 @@
             </a:r>
             <a:r>
               <a:rPr lang="ko-KR" altLang="en-US" dirty="0" smtClean="0"/>
-              <a:t>감탄</a:t>
+              <a:t>자유</a:t>
+            </a:r>
+            <a:r>
+              <a:rPr lang="en-US" altLang="ko-KR" dirty="0" smtClean="0"/>
+              <a:t>)</a:t>
+            </a:r>
+          </a:p>
+          <a:p>
+            <a:pPr marL="0" marR="0" indent="0" algn="l" defTabSz="914400" rtl="0" eaLnBrk="1" fontAlgn="auto" latinLnBrk="1" hangingPunct="1">
+              <a:lnSpc>
+                <a:spcPct val="100000"/>
+              </a:lnSpc>
+              <a:spcBef>
+                <a:spcPts val="0"/>
+              </a:spcBef>
+              <a:spcAft>
+                <a:spcPts val="0"/>
+              </a:spcAft>
+              <a:buClrTx/>
+              <a:buSzTx/>
+              <a:buFontTx/>
+              <a:buNone/>
+              <a:tabLst/>
+              <a:defRPr/>
+            </a:pPr>
+            <a:r>
+              <a:rPr lang="en-US" altLang="ko-KR" dirty="0" smtClean="0"/>
+              <a:t>-20_01_</a:t>
+            </a:r>
+            <a:r>
+              <a:rPr lang="ko-KR" altLang="en-US" dirty="0" err="1" smtClean="0"/>
+              <a:t>스피릿</a:t>
+            </a:r>
+            <a:r>
+              <a:rPr lang="en-US" altLang="ko-KR" dirty="0" smtClean="0"/>
+              <a:t>(W1/6:35~8:05/</a:t>
+            </a:r>
+            <a:r>
+              <a:rPr lang="ko-KR" altLang="en-US" dirty="0" err="1" smtClean="0"/>
+              <a:t>발전기수리</a:t>
+            </a:r>
+            <a:r>
+              <a:rPr lang="en-US" altLang="ko-KR" dirty="0" smtClean="0"/>
+              <a:t>/</a:t>
+            </a:r>
+            <a:r>
+              <a:rPr lang="ko-KR" altLang="en-US" dirty="0" smtClean="0"/>
+              <a:t>해설</a:t>
             </a:r>
             <a:r>
               <a:rPr lang="en-US" altLang="ko-KR" dirty="0" smtClean="0"/>
@@ -1166,7 +1175,7 @@
             </a:r>
             <a:r>
               <a:rPr lang="ko-KR" altLang="en-US" dirty="0" smtClean="0"/>
-              <a:t>환희</a:t>
+              <a:t>소통</a:t>
             </a:r>
             <a:r>
               <a:rPr lang="en-US" altLang="ko-KR" dirty="0" smtClean="0"/>
@@ -1174,7 +1183,7 @@
             </a:r>
             <a:r>
               <a:rPr lang="ko-KR" altLang="en-US" dirty="0" smtClean="0"/>
-              <a:t>몰입</a:t>
+              <a:t>상황판단</a:t>
             </a:r>
             <a:r>
               <a:rPr lang="en-US" altLang="ko-KR" dirty="0" smtClean="0"/>
@@ -1182,7 +1191,7 @@
             </a:r>
             <a:r>
               <a:rPr lang="ko-KR" altLang="en-US" dirty="0" smtClean="0"/>
-              <a:t>감탄</a:t>
+              <a:t>소통</a:t>
             </a:r>
             <a:r>
               <a:rPr lang="en-US" altLang="ko-KR" dirty="0" smtClean="0"/>
@@ -1190,31 +1199,21 @@
             </a:r>
             <a:r>
               <a:rPr lang="ko-KR" altLang="en-US" dirty="0" smtClean="0"/>
-              <a:t>웃음</a:t>
+              <a:t>질의응답</a:t>
             </a:r>
             <a:r>
               <a:rPr lang="en-US" altLang="ko-KR" dirty="0" smtClean="0"/>
               <a:t>/</a:t>
             </a:r>
             <a:r>
-              <a:rPr lang="ko-KR" altLang="en-US" dirty="0" smtClean="0"/>
-              <a:t>피난처</a:t>
-            </a:r>
-            <a:r>
-              <a:rPr lang="en-US" altLang="ko-KR" dirty="0" smtClean="0"/>
-              <a:t>,</a:t>
-            </a:r>
-            <a:r>
-              <a:rPr lang="ko-KR" altLang="en-US" dirty="0" smtClean="0"/>
-              <a:t>극적 마무리</a:t>
+              <a:rPr lang="ko-KR" altLang="en-US" dirty="0" err="1" smtClean="0"/>
+              <a:t>상황몰입</a:t>
             </a:r>
             <a:r>
               <a:rPr lang="en-US" altLang="ko-KR" dirty="0" smtClean="0"/>
               <a:t>)</a:t>
             </a:r>
-          </a:p>
-          <a:p>
-            <a:endParaRPr lang="en-US" altLang="ko-KR" dirty="0" smtClean="0"/>
+            <a:endParaRPr lang="en-US" altLang="ko-KR" baseline="0" dirty="0" smtClean="0"/>
           </a:p>
         </p:txBody>
       </p:sp>
@@ -1304,93 +1303,81 @@
             </a:r>
             <a:r>
               <a:rPr lang="ko-KR" altLang="en-US" dirty="0" smtClean="0"/>
-              <a:t>방문 횟수 </a:t>
+              <a:t>방문 지역 </a:t>
+            </a:r>
+            <a:r>
+              <a:rPr lang="en-US" altLang="ko-KR" dirty="0" smtClean="0"/>
+              <a:t>/ </a:t>
+            </a:r>
+            <a:r>
+              <a:rPr lang="ko-KR" altLang="en-US" baseline="0" dirty="0" smtClean="0"/>
+              <a:t>방문 시간 </a:t>
+            </a:r>
+            <a:r>
+              <a:rPr lang="en-US" altLang="ko-KR" baseline="0" dirty="0" smtClean="0"/>
+              <a:t>/ </a:t>
+            </a:r>
+            <a:r>
+              <a:rPr lang="ko-KR" altLang="en-US" baseline="0" dirty="0" smtClean="0"/>
+              <a:t>이벤트 </a:t>
+            </a:r>
+            <a:r>
+              <a:rPr lang="en-US" altLang="ko-KR" baseline="0" dirty="0" smtClean="0"/>
+              <a:t>/ </a:t>
+            </a:r>
+            <a:r>
+              <a:rPr lang="ko-KR" altLang="en-US" baseline="0" dirty="0" err="1" smtClean="0"/>
+              <a:t>멘트</a:t>
+            </a:r>
+            <a:r>
+              <a:rPr lang="ko-KR" altLang="en-US" baseline="0" dirty="0" smtClean="0"/>
+              <a:t> </a:t>
+            </a:r>
+            <a:r>
+              <a:rPr lang="en-US" altLang="ko-KR" baseline="0" dirty="0" smtClean="0"/>
+              <a:t>/ </a:t>
+            </a:r>
+            <a:r>
+              <a:rPr lang="ko-KR" altLang="en-US" baseline="0" dirty="0" smtClean="0"/>
+              <a:t>채팅 </a:t>
+            </a:r>
+            <a:r>
+              <a:rPr lang="en-US" altLang="ko-KR" baseline="0" dirty="0" smtClean="0"/>
+              <a:t>/ </a:t>
+            </a:r>
+            <a:r>
+              <a:rPr lang="ko-KR" altLang="en-US" baseline="0" dirty="0" smtClean="0"/>
+              <a:t>역할</a:t>
+            </a:r>
+            <a:r>
+              <a:rPr lang="en-US" altLang="ko-KR" baseline="0" dirty="0" smtClean="0"/>
+              <a:t>=</a:t>
+            </a:r>
+          </a:p>
+          <a:p>
+            <a:r>
+              <a:rPr lang="en-US" altLang="ko-KR" dirty="0" smtClean="0"/>
+              <a:t>-20_01_</a:t>
+            </a:r>
+            <a:r>
+              <a:rPr lang="ko-KR" altLang="en-US" dirty="0" err="1" smtClean="0"/>
+              <a:t>스피릿</a:t>
+            </a:r>
+            <a:r>
+              <a:rPr lang="en-US" altLang="ko-KR" dirty="0" smtClean="0"/>
+              <a:t>(R5/0:50~1:10/</a:t>
+            </a:r>
+            <a:r>
+              <a:rPr lang="ko-KR" altLang="en-US" dirty="0" err="1" smtClean="0"/>
+              <a:t>상자깡</a:t>
             </a:r>
             <a:r>
               <a:rPr lang="en-US" altLang="ko-KR" dirty="0" smtClean="0"/>
               <a:t>/</a:t>
             </a:r>
             <a:r>
-              <a:rPr lang="en-US" altLang="ko-KR" baseline="0" dirty="0" smtClean="0"/>
-              <a:t> </a:t>
-            </a:r>
-            <a:r>
-              <a:rPr lang="ko-KR" altLang="en-US" baseline="0" dirty="0" smtClean="0"/>
-              <a:t>방문 시간 </a:t>
-            </a:r>
-            <a:r>
-              <a:rPr lang="en-US" altLang="ko-KR" baseline="0" dirty="0" smtClean="0"/>
-              <a:t>/ </a:t>
-            </a:r>
-            <a:r>
-              <a:rPr lang="ko-KR" altLang="en-US" baseline="0" dirty="0" smtClean="0"/>
-              <a:t>이벤트 </a:t>
-            </a:r>
-            <a:r>
-              <a:rPr lang="en-US" altLang="ko-KR" baseline="0" dirty="0" smtClean="0"/>
-              <a:t>/ </a:t>
-            </a:r>
-            <a:r>
-              <a:rPr lang="ko-KR" altLang="en-US" baseline="0" dirty="0" err="1" smtClean="0"/>
-              <a:t>멘트</a:t>
-            </a:r>
-            <a:r>
-              <a:rPr lang="ko-KR" altLang="en-US" baseline="0" dirty="0" smtClean="0"/>
-              <a:t> </a:t>
-            </a:r>
-            <a:r>
-              <a:rPr lang="en-US" altLang="ko-KR" baseline="0" dirty="0" smtClean="0"/>
-              <a:t>/ </a:t>
-            </a:r>
-            <a:r>
-              <a:rPr lang="ko-KR" altLang="en-US" baseline="0" dirty="0" smtClean="0"/>
-              <a:t>채팅 </a:t>
-            </a:r>
-            <a:r>
-              <a:rPr lang="en-US" altLang="ko-KR" baseline="0" dirty="0" smtClean="0"/>
-              <a:t>/ </a:t>
-            </a:r>
-            <a:r>
-              <a:rPr lang="ko-KR" altLang="en-US" baseline="0" dirty="0" smtClean="0"/>
-              <a:t>역할</a:t>
-            </a:r>
-            <a:r>
-              <a:rPr lang="en-US" altLang="ko-KR" baseline="0" dirty="0" smtClean="0"/>
-              <a:t>=</a:t>
-            </a:r>
-          </a:p>
-          <a:p>
-            <a:r>
-              <a:rPr lang="en-US" altLang="ko-KR" dirty="0" smtClean="0"/>
-              <a:t>-12_6_</a:t>
-            </a:r>
-            <a:r>
-              <a:rPr lang="ko-KR" altLang="en-US" dirty="0" err="1" smtClean="0"/>
-              <a:t>데모고르곤</a:t>
-            </a:r>
-            <a:r>
-              <a:rPr lang="en-US" altLang="ko-KR" dirty="0" smtClean="0"/>
-              <a:t>(2</a:t>
-            </a:r>
-            <a:r>
               <a:rPr lang="ko-KR" altLang="en-US" dirty="0" smtClean="0"/>
-              <a:t>회</a:t>
-            </a:r>
-            <a:r>
-              <a:rPr lang="en-US" altLang="ko-KR" dirty="0" smtClean="0"/>
-              <a:t>/10</a:t>
-            </a:r>
-            <a:r>
-              <a:rPr lang="ko-KR" altLang="en-US" dirty="0" smtClean="0"/>
-              <a:t>초</a:t>
-            </a:r>
-            <a:r>
-              <a:rPr lang="en-US" altLang="ko-KR" dirty="0" smtClean="0"/>
-              <a:t>,5</a:t>
-            </a:r>
-            <a:r>
-              <a:rPr lang="ko-KR" altLang="en-US" dirty="0" smtClean="0"/>
-              <a:t>초</a:t>
+              <a:t>게임잡담</a:t>
             </a:r>
             <a:r>
               <a:rPr lang="en-US" altLang="ko-KR" dirty="0" smtClean="0"/>
@@ -1398,7 +1385,15 @@
             </a:r>
             <a:r>
               <a:rPr lang="ko-KR" altLang="en-US" dirty="0" smtClean="0"/>
-              <a:t>탈출</a:t>
+              <a:t>게임잡담</a:t>
+            </a:r>
+            <a:r>
+              <a:rPr lang="en-US" altLang="ko-KR" dirty="0" smtClean="0"/>
+              <a:t>/</a:t>
+            </a:r>
+            <a:r>
+              <a:rPr lang="ko-KR" altLang="en-US" dirty="0" smtClean="0"/>
+              <a:t>시작지점</a:t>
             </a:r>
             <a:r>
               <a:rPr lang="en-US" altLang="ko-KR" dirty="0" smtClean="0"/>
@@ -1406,7 +1401,54 @@
             </a:r>
             <a:r>
               <a:rPr lang="ko-KR" altLang="en-US" dirty="0" smtClean="0"/>
-              <a:t>치료</a:t>
+              <a:t>주의환기</a:t>
+            </a:r>
+            <a:r>
+              <a:rPr lang="en-US" altLang="ko-KR" dirty="0" smtClean="0"/>
+              <a:t>,</a:t>
+            </a:r>
+            <a:r>
+              <a:rPr lang="ko-KR" altLang="en-US" dirty="0" smtClean="0"/>
+              <a:t>정보습득</a:t>
+            </a:r>
+            <a:r>
+              <a:rPr lang="en-US" altLang="ko-KR" dirty="0" smtClean="0"/>
+              <a:t>)</a:t>
+            </a:r>
+          </a:p>
+          <a:p>
+            <a:pPr marL="0" marR="0" indent="0" algn="l" defTabSz="914400" rtl="0" eaLnBrk="1" fontAlgn="auto" latinLnBrk="1" hangingPunct="1">
+              <a:lnSpc>
+                <a:spcPct val="100000"/>
+              </a:lnSpc>
+              <a:spcBef>
+                <a:spcPts val="0"/>
+              </a:spcBef>
+              <a:spcAft>
+                <a:spcPts val="0"/>
+              </a:spcAft>
+              <a:buClrTx/>
+              <a:buSzTx/>
+              <a:buFontTx/>
+              <a:buNone/>
+              <a:tabLst/>
+              <a:defRPr/>
+            </a:pPr>
+            <a:r>
+              <a:rPr lang="en-US" altLang="ko-KR" dirty="0" smtClean="0"/>
+              <a:t>-20_01_</a:t>
+            </a:r>
+            <a:r>
+              <a:rPr lang="ko-KR" altLang="en-US" dirty="0" err="1" smtClean="0"/>
+              <a:t>스피릿</a:t>
+            </a:r>
+            <a:r>
+              <a:rPr lang="en-US" altLang="ko-KR" dirty="0" smtClean="0"/>
+              <a:t>(R6/3:05~3:30/</a:t>
+            </a:r>
+            <a:r>
+              <a:rPr lang="ko-KR" altLang="en-US" dirty="0" smtClean="0"/>
+              <a:t>발전기 수리</a:t>
             </a:r>
             <a:r>
               <a:rPr lang="en-US" altLang="ko-KR" dirty="0" smtClean="0"/>
@@ -1414,7 +1456,7 @@
             </a:r>
             <a:r>
               <a:rPr lang="ko-KR" altLang="en-US" dirty="0" smtClean="0"/>
-              <a:t>감탄</a:t>
+              <a:t>해설</a:t>
             </a:r>
             <a:r>
               <a:rPr lang="en-US" altLang="ko-KR" dirty="0" smtClean="0"/>
@@ -1422,7 +1464,7 @@
             </a:r>
             <a:r>
               <a:rPr lang="ko-KR" altLang="en-US" dirty="0" smtClean="0"/>
-              <a:t>환희</a:t>
+              <a:t>소통</a:t>
             </a:r>
             <a:r>
               <a:rPr lang="en-US" altLang="ko-KR" dirty="0" smtClean="0"/>
@@ -1430,15 +1472,70 @@
             </a:r>
             <a:r>
               <a:rPr lang="ko-KR" altLang="en-US" dirty="0" smtClean="0"/>
-              <a:t>몰입</a:t>
+              <a:t>상황판단</a:t>
             </a:r>
             <a:r>
               <a:rPr lang="en-US" altLang="ko-KR" dirty="0" smtClean="0"/>
               <a:t>,</a:t>
             </a:r>
             <a:r>
+              <a:rPr lang="ko-KR" altLang="en-US" dirty="0" err="1" smtClean="0"/>
+              <a:t>드립</a:t>
+            </a:r>
+            <a:r>
+              <a:rPr lang="en-US" altLang="ko-KR" dirty="0" smtClean="0"/>
+              <a:t>/</a:t>
+            </a:r>
+            <a:r>
               <a:rPr lang="ko-KR" altLang="en-US" dirty="0" smtClean="0"/>
-              <a:t>감탄</a:t>
+              <a:t>소통</a:t>
+            </a:r>
+            <a:r>
+              <a:rPr lang="en-US" altLang="ko-KR" dirty="0" smtClean="0"/>
+              <a:t>)</a:t>
+            </a:r>
+          </a:p>
+          <a:p>
+            <a:pPr marL="0" marR="0" indent="0" algn="l" defTabSz="914400" rtl="0" eaLnBrk="1" fontAlgn="auto" latinLnBrk="1" hangingPunct="1">
+              <a:lnSpc>
+                <a:spcPct val="100000"/>
+              </a:lnSpc>
+              <a:spcBef>
+                <a:spcPts val="0"/>
+              </a:spcBef>
+              <a:spcAft>
+                <a:spcPts val="0"/>
+              </a:spcAft>
+              <a:buClrTx/>
+              <a:buSzTx/>
+              <a:buFontTx/>
+              <a:buNone/>
+              <a:tabLst/>
+              <a:defRPr/>
+            </a:pPr>
+            <a:r>
+              <a:rPr lang="en-US" altLang="ko-KR" dirty="0" smtClean="0"/>
+              <a:t>-20_01_</a:t>
+            </a:r>
+            <a:r>
+              <a:rPr lang="ko-KR" altLang="en-US" dirty="0" err="1" smtClean="0"/>
+              <a:t>스피릿</a:t>
+            </a:r>
+            <a:r>
+              <a:rPr lang="en-US" altLang="ko-KR" dirty="0" smtClean="0"/>
+              <a:t>(R2/5:25~6:10/</a:t>
+            </a:r>
+            <a:r>
+              <a:rPr lang="ko-KR" altLang="en-US" dirty="0" smtClean="0"/>
+              <a:t>발전기 수리</a:t>
+            </a:r>
+            <a:r>
+              <a:rPr lang="en-US" altLang="ko-KR" dirty="0" smtClean="0"/>
+              <a:t>/</a:t>
+            </a:r>
+            <a:r>
+              <a:rPr lang="ko-KR" altLang="en-US" dirty="0" smtClean="0"/>
+              <a:t>해설</a:t>
             </a:r>
             <a:r>
               <a:rPr lang="en-US" altLang="ko-KR" dirty="0" smtClean="0"/>
@@ -1446,7 +1543,15 @@
             </a:r>
             <a:r>
               <a:rPr lang="ko-KR" altLang="en-US" dirty="0" smtClean="0"/>
-              <a:t>웃음</a:t>
+              <a:t>소통</a:t>
+            </a:r>
+            <a:r>
+              <a:rPr lang="en-US" altLang="ko-KR" dirty="0" smtClean="0"/>
+              <a:t>,</a:t>
+            </a:r>
+            <a:r>
+              <a:rPr lang="ko-KR" altLang="en-US" dirty="0" smtClean="0"/>
+              <a:t>정보제공</a:t>
             </a:r>
             <a:r>
               <a:rPr lang="en-US" altLang="ko-KR" dirty="0" smtClean="0"/>
@@ -1454,7 +1559,7 @@
             </a:r>
             <a:r>
               <a:rPr lang="ko-KR" altLang="en-US" dirty="0" smtClean="0"/>
-              <a:t>피난처</a:t>
+              <a:t>상황판단</a:t>
             </a:r>
             <a:r>
               <a:rPr lang="en-US" altLang="ko-KR" dirty="0" smtClean="0"/>
@@ -1462,7 +1567,31 @@
             </a:r>
             <a:r>
               <a:rPr lang="ko-KR" altLang="en-US" dirty="0" smtClean="0"/>
-              <a:t>극적 마무리</a:t>
+              <a:t>소통</a:t>
+            </a:r>
+            <a:r>
+              <a:rPr lang="en-US" altLang="ko-KR" dirty="0" smtClean="0"/>
+              <a:t>,</a:t>
+            </a:r>
+            <a:r>
+              <a:rPr lang="ko-KR" altLang="en-US" dirty="0" smtClean="0"/>
+              <a:t>게임잡담</a:t>
+            </a:r>
+            <a:r>
+              <a:rPr lang="en-US" altLang="ko-KR" dirty="0" smtClean="0"/>
+              <a:t>/</a:t>
+            </a:r>
+            <a:r>
+              <a:rPr lang="ko-KR" altLang="en-US" dirty="0" err="1" smtClean="0"/>
+              <a:t>상황몰입</a:t>
+            </a:r>
+            <a:r>
+              <a:rPr lang="en-US" altLang="ko-KR" dirty="0" smtClean="0"/>
+              <a:t>,</a:t>
+            </a:r>
+            <a:r>
+              <a:rPr lang="ko-KR" altLang="en-US" dirty="0" smtClean="0"/>
+              <a:t>소통</a:t>
             </a:r>
             <a:r>
               <a:rPr lang="en-US" altLang="ko-KR" dirty="0" smtClean="0"/>
@@ -1470,7 +1599,56 @@
             </a:r>
           </a:p>
           <a:p>
-            <a:endParaRPr lang="en-US" altLang="ko-KR" dirty="0" smtClean="0"/>
+            <a:pPr marL="0" marR="0" indent="0" algn="l" defTabSz="914400" rtl="0" eaLnBrk="1" fontAlgn="auto" latinLnBrk="1" hangingPunct="1">
+              <a:lnSpc>
+                <a:spcPct val="100000"/>
+              </a:lnSpc>
+              <a:spcBef>
+                <a:spcPts val="0"/>
+              </a:spcBef>
+              <a:spcAft>
+                <a:spcPts val="0"/>
+              </a:spcAft>
+              <a:buClrTx/>
+              <a:buSzTx/>
+              <a:buFontTx/>
+              <a:buNone/>
+              <a:tabLst/>
+              <a:defRPr/>
+            </a:pPr>
+            <a:r>
+              <a:rPr lang="en-US" altLang="ko-KR" baseline="0" dirty="0" smtClean="0"/>
+              <a:t>(15</a:t>
+            </a:r>
+            <a:r>
+              <a:rPr lang="ko-KR" altLang="en-US" baseline="0" dirty="0" smtClean="0"/>
+              <a:t>번슬라이드까지</a:t>
+            </a:r>
+            <a:r>
+              <a:rPr lang="en-US" altLang="ko-KR" baseline="0" smtClean="0"/>
+              <a:t>)</a:t>
+            </a:r>
+            <a:endParaRPr lang="en-US" altLang="ko-KR" baseline="0" dirty="0" smtClean="0"/>
+          </a:p>
+          <a:p>
+            <a:pPr marL="0" marR="0" indent="0" algn="l" defTabSz="914400" rtl="0" eaLnBrk="1" fontAlgn="auto" latinLnBrk="1" hangingPunct="1">
+              <a:lnSpc>
+                <a:spcPct val="100000"/>
+              </a:lnSpc>
+              <a:spcBef>
+                <a:spcPts val="0"/>
+              </a:spcBef>
+              <a:spcAft>
+                <a:spcPts val="0"/>
+              </a:spcAft>
+              <a:buClrTx/>
+              <a:buSzTx/>
+              <a:buFontTx/>
+              <a:buNone/>
+              <a:tabLst/>
+              <a:defRPr/>
+            </a:pPr>
+            <a:endParaRPr lang="en-US" altLang="ko-KR" baseline="0" dirty="0" smtClean="0"/>
           </a:p>
         </p:txBody>
       </p:sp>
@@ -1560,93 +1738,105 @@
             </a:r>
             <a:r>
               <a:rPr lang="ko-KR" altLang="en-US" dirty="0" smtClean="0"/>
-              <a:t>방문 횟수 </a:t>
+              <a:t>방문 지역 </a:t>
+            </a:r>
+            <a:r>
+              <a:rPr lang="en-US" altLang="ko-KR" dirty="0" smtClean="0"/>
+              <a:t>/ </a:t>
+            </a:r>
+            <a:r>
+              <a:rPr lang="ko-KR" altLang="en-US" baseline="0" dirty="0" smtClean="0"/>
+              <a:t>방문 시간 </a:t>
+            </a:r>
+            <a:r>
+              <a:rPr lang="en-US" altLang="ko-KR" baseline="0" dirty="0" smtClean="0"/>
+              <a:t>/ </a:t>
+            </a:r>
+            <a:r>
+              <a:rPr lang="ko-KR" altLang="en-US" baseline="0" dirty="0" smtClean="0"/>
+              <a:t>이벤트 </a:t>
+            </a:r>
+            <a:r>
+              <a:rPr lang="en-US" altLang="ko-KR" baseline="0" dirty="0" smtClean="0"/>
+              <a:t>/ </a:t>
+            </a:r>
+            <a:r>
+              <a:rPr lang="ko-KR" altLang="en-US" baseline="0" dirty="0" err="1" smtClean="0"/>
+              <a:t>멘트</a:t>
+            </a:r>
+            <a:r>
+              <a:rPr lang="ko-KR" altLang="en-US" baseline="0" dirty="0" smtClean="0"/>
+              <a:t> </a:t>
+            </a:r>
+            <a:r>
+              <a:rPr lang="en-US" altLang="ko-KR" baseline="0" dirty="0" smtClean="0"/>
+              <a:t>/ </a:t>
+            </a:r>
+            <a:r>
+              <a:rPr lang="ko-KR" altLang="en-US" baseline="0" dirty="0" smtClean="0"/>
+              <a:t>채팅 </a:t>
+            </a:r>
+            <a:r>
+              <a:rPr lang="en-US" altLang="ko-KR" baseline="0" dirty="0" smtClean="0"/>
+              <a:t>/ </a:t>
+            </a:r>
+            <a:r>
+              <a:rPr lang="ko-KR" altLang="en-US" baseline="0" dirty="0" smtClean="0"/>
+              <a:t>역할</a:t>
+            </a:r>
+            <a:r>
+              <a:rPr lang="en-US" altLang="ko-KR" baseline="0" dirty="0" smtClean="0"/>
+              <a:t>=</a:t>
+            </a:r>
+          </a:p>
+          <a:p>
+            <a:r>
+              <a:rPr lang="en-US" altLang="ko-KR" dirty="0" smtClean="0"/>
+              <a:t>-20_01_</a:t>
+            </a:r>
+            <a:r>
+              <a:rPr lang="ko-KR" altLang="en-US" dirty="0" err="1" smtClean="0"/>
+              <a:t>스피릿</a:t>
+            </a:r>
+            <a:r>
+              <a:rPr lang="en-US" altLang="ko-KR" dirty="0" smtClean="0"/>
+              <a:t>(U2/4:10~4:45/</a:t>
+            </a:r>
+            <a:r>
+              <a:rPr lang="ko-KR" altLang="en-US" dirty="0" smtClean="0"/>
+              <a:t>갈고리</a:t>
             </a:r>
             <a:r>
               <a:rPr lang="en-US" altLang="ko-KR" dirty="0" smtClean="0"/>
               <a:t>/</a:t>
             </a:r>
             <a:r>
-              <a:rPr lang="en-US" altLang="ko-KR" baseline="0" dirty="0" smtClean="0"/>
-              <a:t> </a:t>
-            </a:r>
-            <a:r>
-              <a:rPr lang="ko-KR" altLang="en-US" baseline="0" dirty="0" smtClean="0"/>
-              <a:t>방문 시간 </a:t>
-            </a:r>
-            <a:r>
-              <a:rPr lang="en-US" altLang="ko-KR" baseline="0" dirty="0" smtClean="0"/>
-              <a:t>/ </a:t>
-            </a:r>
-            <a:r>
-              <a:rPr lang="ko-KR" altLang="en-US" baseline="0" dirty="0" smtClean="0"/>
-              <a:t>이벤트 </a:t>
-            </a:r>
-            <a:r>
-              <a:rPr lang="en-US" altLang="ko-KR" baseline="0" dirty="0" smtClean="0"/>
-              <a:t>/ </a:t>
-            </a:r>
-            <a:r>
-              <a:rPr lang="ko-KR" altLang="en-US" baseline="0" dirty="0" err="1" smtClean="0"/>
-              <a:t>멘트</a:t>
-            </a:r>
-            <a:r>
-              <a:rPr lang="ko-KR" altLang="en-US" baseline="0" dirty="0" smtClean="0"/>
-              <a:t> </a:t>
-            </a:r>
-            <a:r>
-              <a:rPr lang="en-US" altLang="ko-KR" baseline="0" dirty="0" smtClean="0"/>
-              <a:t>/ </a:t>
-            </a:r>
-            <a:r>
-              <a:rPr lang="ko-KR" altLang="en-US" baseline="0" dirty="0" smtClean="0"/>
-              <a:t>채팅 </a:t>
-            </a:r>
-            <a:r>
-              <a:rPr lang="en-US" altLang="ko-KR" baseline="0" dirty="0" smtClean="0"/>
-              <a:t>/ </a:t>
-            </a:r>
-            <a:r>
-              <a:rPr lang="ko-KR" altLang="en-US" baseline="0" dirty="0" smtClean="0"/>
-              <a:t>역할</a:t>
-            </a:r>
-            <a:r>
-              <a:rPr lang="en-US" altLang="ko-KR" baseline="0" dirty="0" smtClean="0"/>
-              <a:t>=</a:t>
-            </a:r>
-          </a:p>
-          <a:p>
+              <a:rPr lang="ko-KR" altLang="en-US" dirty="0" smtClean="0"/>
+              <a:t>감정표현</a:t>
+            </a:r>
             <a:r>
               <a:rPr lang="en-US" altLang="ko-KR" dirty="0" smtClean="0"/>
-              <a:t>-12_6_</a:t>
+              <a:t>,</a:t>
+            </a:r>
+            <a:r>
+              <a:rPr lang="ko-KR" altLang="en-US" dirty="0" smtClean="0"/>
+              <a:t>소통</a:t>
+            </a:r>
+            <a:r>
+              <a:rPr lang="en-US" altLang="ko-KR" dirty="0" smtClean="0"/>
+              <a:t>,</a:t>
+            </a:r>
+            <a:r>
+              <a:rPr lang="ko-KR" altLang="en-US" dirty="0" smtClean="0"/>
+              <a:t>해설</a:t>
+            </a:r>
+            <a:r>
+              <a:rPr lang="en-US" altLang="ko-KR" dirty="0" smtClean="0"/>
+              <a:t>,</a:t>
             </a:r>
             <a:r>
               <a:rPr lang="ko-KR" altLang="en-US" dirty="0" err="1" smtClean="0"/>
-              <a:t>데모고르곤</a:t>
-            </a:r>
-            <a:r>
-              <a:rPr lang="en-US" altLang="ko-KR" dirty="0" smtClean="0"/>
-              <a:t>(2</a:t>
-            </a:r>
-            <a:r>
-              <a:rPr lang="ko-KR" altLang="en-US" dirty="0" smtClean="0"/>
-              <a:t>회</a:t>
-            </a:r>
-            <a:r>
-              <a:rPr lang="en-US" altLang="ko-KR" dirty="0" smtClean="0"/>
-              <a:t>/10</a:t>
-            </a:r>
-            <a:r>
-              <a:rPr lang="ko-KR" altLang="en-US" dirty="0" smtClean="0"/>
-              <a:t>초</a:t>
-            </a:r>
-            <a:r>
-              <a:rPr lang="en-US" altLang="ko-KR" dirty="0" smtClean="0"/>
-              <a:t>,5</a:t>
-            </a:r>
-            <a:r>
-              <a:rPr lang="ko-KR" altLang="en-US" dirty="0" smtClean="0"/>
-              <a:t>초</a:t>
+              <a:t>가상대화</a:t>
             </a:r>
             <a:r>
               <a:rPr lang="en-US" altLang="ko-KR" dirty="0" smtClean="0"/>
@@ -1654,7 +1844,7 @@
             </a:r>
             <a:r>
               <a:rPr lang="ko-KR" altLang="en-US" dirty="0" smtClean="0"/>
-              <a:t>탈출</a:t>
+              <a:t>감정표현</a:t>
             </a:r>
             <a:r>
               <a:rPr lang="en-US" altLang="ko-KR" dirty="0" smtClean="0"/>
@@ -1662,71 +1852,21 @@
             </a:r>
             <a:r>
               <a:rPr lang="ko-KR" altLang="en-US" dirty="0" smtClean="0"/>
-              <a:t>치료</a:t>
+              <a:t>상황판단</a:t>
             </a:r>
             <a:r>
               <a:rPr lang="en-US" altLang="ko-KR" dirty="0" smtClean="0"/>
               <a:t>/</a:t>
             </a:r>
             <a:r>
-              <a:rPr lang="ko-KR" altLang="en-US" dirty="0" smtClean="0"/>
-              <a:t>감탄</a:t>
-            </a:r>
-            <a:r>
-              <a:rPr lang="en-US" altLang="ko-KR" dirty="0" smtClean="0"/>
-              <a:t>,</a:t>
-            </a:r>
-            <a:r>
-              <a:rPr lang="ko-KR" altLang="en-US" dirty="0" smtClean="0"/>
-              <a:t>환희</a:t>
-            </a:r>
-            <a:r>
-              <a:rPr lang="en-US" altLang="ko-KR" dirty="0" smtClean="0"/>
-              <a:t>/</a:t>
-            </a:r>
-            <a:r>
-              <a:rPr lang="ko-KR" altLang="en-US" dirty="0" smtClean="0"/>
-              <a:t>몰입</a:t>
-            </a:r>
-            <a:r>
-              <a:rPr lang="en-US" altLang="ko-KR" dirty="0" smtClean="0"/>
-              <a:t>,</a:t>
-            </a:r>
-            <a:r>
-              <a:rPr lang="ko-KR" altLang="en-US" dirty="0" smtClean="0"/>
-              <a:t>감탄</a:t>
-            </a:r>
-            <a:r>
-              <a:rPr lang="en-US" altLang="ko-KR" dirty="0" smtClean="0"/>
-              <a:t>,</a:t>
-            </a:r>
-            <a:r>
-              <a:rPr lang="ko-KR" altLang="en-US" dirty="0" smtClean="0"/>
-              <a:t>웃음</a:t>
-            </a:r>
-            <a:r>
-              <a:rPr lang="en-US" altLang="ko-KR" dirty="0" smtClean="0"/>
-              <a:t>/</a:t>
-            </a:r>
-            <a:r>
-              <a:rPr lang="ko-KR" altLang="en-US" dirty="0" smtClean="0"/>
-              <a:t>피난처</a:t>
-            </a:r>
-            <a:r>
-              <a:rPr lang="en-US" altLang="ko-KR" dirty="0" smtClean="0"/>
-              <a:t>,</a:t>
-            </a:r>
-            <a:r>
-              <a:rPr lang="ko-KR" altLang="en-US" dirty="0" smtClean="0"/>
-              <a:t>극적 마무리</a:t>
+              <a:rPr lang="ko-KR" altLang="en-US" dirty="0" err="1" smtClean="0"/>
+              <a:t>상황몰입</a:t>
             </a:r>
             <a:r>
               <a:rPr lang="en-US" altLang="ko-KR" dirty="0" smtClean="0"/>
               <a:t>)</a:t>
             </a:r>
-          </a:p>
-          <a:p>
-            <a:endParaRPr lang="en-US" altLang="ko-KR" dirty="0" smtClean="0"/>
+            <a:endParaRPr lang="en-US" altLang="ko-KR" baseline="0" dirty="0" smtClean="0"/>
           </a:p>
         </p:txBody>
       </p:sp>
@@ -1815,94 +1955,107 @@
               <a:t>=</a:t>
             </a:r>
             <a:r>
-              <a:rPr lang="ko-KR" altLang="en-US" dirty="0" smtClean="0"/>
-              <a:t>방문 횟수 </a:t>
+              <a:rPr lang="ko-KR" altLang="en-US" baseline="0" dirty="0" smtClean="0"/>
+              <a:t>방문 지역 </a:t>
+            </a:r>
+            <a:r>
+              <a:rPr lang="en-US" altLang="ko-KR" baseline="0" dirty="0" smtClean="0"/>
+              <a:t>/ </a:t>
+            </a:r>
+            <a:r>
+              <a:rPr lang="ko-KR" altLang="en-US" baseline="0" dirty="0" smtClean="0"/>
+              <a:t>방문 시간 </a:t>
+            </a:r>
+            <a:r>
+              <a:rPr lang="en-US" altLang="ko-KR" baseline="0" dirty="0" smtClean="0"/>
+              <a:t>/ </a:t>
+            </a:r>
+            <a:r>
+              <a:rPr lang="ko-KR" altLang="en-US" baseline="0" dirty="0" smtClean="0"/>
+              <a:t>이벤트 </a:t>
+            </a:r>
+            <a:r>
+              <a:rPr lang="en-US" altLang="ko-KR" baseline="0" dirty="0" smtClean="0"/>
+              <a:t>/ </a:t>
+            </a:r>
+            <a:r>
+              <a:rPr lang="ko-KR" altLang="en-US" baseline="0" dirty="0" err="1" smtClean="0"/>
+              <a:t>멘트</a:t>
+            </a:r>
+            <a:r>
+              <a:rPr lang="ko-KR" altLang="en-US" baseline="0" dirty="0" smtClean="0"/>
+              <a:t> </a:t>
+            </a:r>
+            <a:r>
+              <a:rPr lang="en-US" altLang="ko-KR" baseline="0" dirty="0" smtClean="0"/>
+              <a:t>/ </a:t>
+            </a:r>
+            <a:r>
+              <a:rPr lang="ko-KR" altLang="en-US" baseline="0" dirty="0" smtClean="0"/>
+              <a:t>채팅 </a:t>
+            </a:r>
+            <a:r>
+              <a:rPr lang="en-US" altLang="ko-KR" baseline="0" dirty="0" smtClean="0"/>
+              <a:t>/ </a:t>
+            </a:r>
+            <a:r>
+              <a:rPr lang="ko-KR" altLang="en-US" baseline="0" dirty="0" smtClean="0"/>
+              <a:t>역할</a:t>
+            </a:r>
+            <a:r>
+              <a:rPr lang="en-US" altLang="ko-KR" baseline="0" dirty="0" smtClean="0"/>
+              <a:t>=</a:t>
+            </a:r>
+          </a:p>
+          <a:p>
+            <a:pPr marL="0" marR="0" indent="0" algn="l" defTabSz="914400" rtl="0" eaLnBrk="1" fontAlgn="auto" latinLnBrk="1" hangingPunct="1">
+              <a:lnSpc>
+                <a:spcPct val="100000"/>
+              </a:lnSpc>
+              <a:spcBef>
+                <a:spcPts val="0"/>
+              </a:spcBef>
+              <a:spcAft>
+                <a:spcPts val="0"/>
+              </a:spcAft>
+              <a:buClrTx/>
+              <a:buSzTx/>
+              <a:buFontTx/>
+              <a:buNone/>
+              <a:tabLst/>
+              <a:defRPr/>
+            </a:pPr>
+            <a:r>
+              <a:rPr lang="en-US" altLang="ko-KR" dirty="0" smtClean="0"/>
+              <a:t>-20_01_</a:t>
+            </a:r>
+            <a:r>
+              <a:rPr lang="ko-KR" altLang="en-US" dirty="0" err="1" smtClean="0"/>
+              <a:t>스피릿</a:t>
+            </a:r>
+            <a:r>
+              <a:rPr lang="en-US" altLang="ko-KR" dirty="0" smtClean="0"/>
+              <a:t>(1:25~1:50/</a:t>
+            </a:r>
+            <a:r>
+              <a:rPr lang="ko-KR" altLang="en-US" dirty="0" err="1" smtClean="0"/>
+              <a:t>상자깡</a:t>
             </a:r>
             <a:r>
               <a:rPr lang="en-US" altLang="ko-KR" dirty="0" smtClean="0"/>
               <a:t>/</a:t>
             </a:r>
             <a:r>
-              <a:rPr lang="en-US" altLang="ko-KR" baseline="0" dirty="0" smtClean="0"/>
-              <a:t> </a:t>
-            </a:r>
-            <a:r>
-              <a:rPr lang="ko-KR" altLang="en-US" baseline="0" dirty="0" smtClean="0"/>
-              <a:t>방문 시간 </a:t>
-            </a:r>
-            <a:r>
-              <a:rPr lang="en-US" altLang="ko-KR" baseline="0" dirty="0" smtClean="0"/>
-              <a:t>/ </a:t>
-            </a:r>
-            <a:r>
-              <a:rPr lang="ko-KR" altLang="en-US" baseline="0" dirty="0" smtClean="0"/>
-              <a:t>이벤트 </a:t>
-            </a:r>
-            <a:r>
-              <a:rPr lang="en-US" altLang="ko-KR" baseline="0" dirty="0" smtClean="0"/>
-              <a:t>/ </a:t>
-            </a:r>
-            <a:r>
-              <a:rPr lang="ko-KR" altLang="en-US" baseline="0" dirty="0" err="1" smtClean="0"/>
-              <a:t>멘트</a:t>
-            </a:r>
-            <a:r>
-              <a:rPr lang="ko-KR" altLang="en-US" baseline="0" dirty="0" smtClean="0"/>
-              <a:t> </a:t>
-            </a:r>
-            <a:r>
-              <a:rPr lang="en-US" altLang="ko-KR" baseline="0" dirty="0" smtClean="0"/>
-              <a:t>/ </a:t>
-            </a:r>
-            <a:r>
-              <a:rPr lang="ko-KR" altLang="en-US" baseline="0" dirty="0" smtClean="0"/>
-              <a:t>채팅 </a:t>
-            </a:r>
-            <a:r>
-              <a:rPr lang="en-US" altLang="ko-KR" baseline="0" dirty="0" smtClean="0"/>
-              <a:t>/ </a:t>
-            </a:r>
-            <a:r>
-              <a:rPr lang="ko-KR" altLang="en-US" baseline="0" dirty="0" smtClean="0"/>
-              <a:t>역할</a:t>
-            </a:r>
-            <a:r>
-              <a:rPr lang="en-US" altLang="ko-KR" baseline="0" dirty="0" smtClean="0"/>
-              <a:t>=</a:t>
-            </a:r>
-          </a:p>
-          <a:p>
+              <a:rPr lang="ko-KR" altLang="en-US" dirty="0" smtClean="0"/>
+              <a:t>게임정보 제공</a:t>
+            </a:r>
             <a:r>
               <a:rPr lang="en-US" altLang="ko-KR" dirty="0" smtClean="0"/>
-              <a:t>-12_6_</a:t>
-            </a:r>
-            <a:r>
-              <a:rPr lang="ko-KR" altLang="en-US" dirty="0" err="1" smtClean="0"/>
-              <a:t>데모고르곤</a:t>
-            </a:r>
-            <a:r>
-              <a:rPr lang="en-US" altLang="ko-KR" dirty="0" smtClean="0"/>
-              <a:t>(2</a:t>
+              <a:t>,</a:t>
             </a:r>
             <a:r>
               <a:rPr lang="ko-KR" altLang="en-US" dirty="0" smtClean="0"/>
-              <a:t>회</a:t>
-            </a:r>
-            <a:r>
-              <a:rPr lang="en-US" altLang="ko-KR" dirty="0" smtClean="0"/>
-              <a:t>/10</a:t>
-            </a:r>
-            <a:r>
-              <a:rPr lang="ko-KR" altLang="en-US" dirty="0" smtClean="0"/>
-              <a:t>초</a:t>
-            </a:r>
-            <a:r>
-              <a:rPr lang="en-US" altLang="ko-KR" dirty="0" smtClean="0"/>
-              <a:t>,5</a:t>
-            </a:r>
-            <a:r>
-              <a:rPr lang="ko-KR" altLang="en-US" dirty="0" smtClean="0"/>
-              <a:t>초</a:t>
+              <a:t>해설</a:t>
             </a:r>
             <a:r>
               <a:rPr lang="en-US" altLang="ko-KR" dirty="0" smtClean="0"/>
@@ -1910,7 +2063,7 @@
             </a:r>
             <a:r>
               <a:rPr lang="ko-KR" altLang="en-US" dirty="0" smtClean="0"/>
-              <a:t>탈출</a:t>
+              <a:t>감탄</a:t>
             </a:r>
             <a:r>
               <a:rPr lang="en-US" altLang="ko-KR" dirty="0" smtClean="0"/>
@@ -1918,15 +2071,19 @@
             </a:r>
             <a:r>
               <a:rPr lang="ko-KR" altLang="en-US" dirty="0" smtClean="0"/>
-              <a:t>치료</a:t>
+              <a:t>판단</a:t>
             </a:r>
             <a:r>
               <a:rPr lang="en-US" altLang="ko-KR" dirty="0" smtClean="0"/>
               <a:t>/</a:t>
             </a:r>
             <a:r>
+              <a:rPr lang="ko-KR" altLang="en-US" dirty="0" err="1" smtClean="0"/>
+              <a:t>운적</a:t>
+            </a:r>
+            <a:r>
               <a:rPr lang="ko-KR" altLang="en-US" dirty="0" smtClean="0"/>
-              <a:t>감탄</a:t>
+              <a:t> 요소 부각</a:t>
             </a:r>
             <a:r>
               <a:rPr lang="en-US" altLang="ko-KR" dirty="0" smtClean="0"/>
@@ -1934,55 +2091,13 @@
             </a:r>
             <a:r>
               <a:rPr lang="ko-KR" altLang="en-US" dirty="0" smtClean="0"/>
-              <a:t>환희</a:t>
-            </a:r>
-            <a:r>
-              <a:rPr lang="en-US" altLang="ko-KR" dirty="0" smtClean="0"/>
-              <a:t>/</a:t>
-            </a:r>
-            <a:r>
-              <a:rPr lang="ko-KR" altLang="en-US" dirty="0" smtClean="0"/>
-              <a:t>몰입</a:t>
-            </a:r>
-            <a:r>
-              <a:rPr lang="en-US" altLang="ko-KR" dirty="0" smtClean="0"/>
-              <a:t>,</a:t>
-            </a:r>
-            <a:r>
-              <a:rPr lang="ko-KR" altLang="en-US" dirty="0" smtClean="0"/>
-              <a:t>감탄</a:t>
-            </a:r>
-            <a:r>
-              <a:rPr lang="en-US" altLang="ko-KR" dirty="0" smtClean="0"/>
-              <a:t>,</a:t>
-            </a:r>
-            <a:r>
-              <a:rPr lang="ko-KR" altLang="en-US" dirty="0" smtClean="0"/>
-              <a:t>웃음</a:t>
-            </a:r>
-            <a:r>
-              <a:rPr lang="en-US" altLang="ko-KR" dirty="0" smtClean="0"/>
-              <a:t>/</a:t>
-            </a:r>
-            <a:r>
-              <a:rPr lang="ko-KR" altLang="en-US" dirty="0" smtClean="0"/>
-              <a:t>피난처</a:t>
-            </a:r>
-            <a:r>
-              <a:rPr lang="en-US" altLang="ko-KR" dirty="0" smtClean="0"/>
-              <a:t>,</a:t>
-            </a:r>
-            <a:r>
-              <a:rPr lang="ko-KR" altLang="en-US" dirty="0" smtClean="0"/>
-              <a:t>극적 마무리</a:t>
+              <a:t>기대감 상승</a:t>
             </a:r>
             <a:r>
               <a:rPr lang="en-US" altLang="ko-KR" dirty="0" smtClean="0"/>
               <a:t>)</a:t>
             </a:r>
-          </a:p>
-          <a:p>
-            <a:endParaRPr lang="en-US" altLang="ko-KR" dirty="0" smtClean="0"/>
+            <a:endParaRPr lang="en-US" altLang="ko-KR" baseline="0" dirty="0" smtClean="0"/>
           </a:p>
         </p:txBody>
       </p:sp>
@@ -2072,15 +2187,11 @@
             </a:r>
             <a:r>
               <a:rPr lang="ko-KR" altLang="en-US" dirty="0" smtClean="0"/>
-              <a:t>방문 횟수 </a:t>
+              <a:t>방문 지역 </a:t>
             </a:r>
             <a:r>
               <a:rPr lang="en-US" altLang="ko-KR" dirty="0" smtClean="0"/>
-              <a:t>/</a:t>
-            </a:r>
-            <a:r>
-              <a:rPr lang="en-US" altLang="ko-KR" baseline="0" dirty="0" smtClean="0"/>
-              <a:t> </a:t>
+              <a:t>/ </a:t>
             </a:r>
             <a:r>
               <a:rPr lang="ko-KR" altLang="en-US" baseline="0" dirty="0" smtClean="0"/>
@@ -2493,7 +2604,7 @@
           <a:p>
             <a:fld id="{F86301F8-5A19-4D53-B525-D052BC8201C6}" type="datetimeFigureOut">
               <a:rPr lang="ko-KR" altLang="en-US" smtClean="0"/>
-              <a:t>2020-01-31</a:t>
+              <a:t>2020-02-03</a:t>
             </a:fld>
             <a:endParaRPr lang="ko-KR" altLang="en-US"/>
           </a:p>
@@ -2663,7 +2774,7 @@
           <a:p>
             <a:fld id="{F86301F8-5A19-4D53-B525-D052BC8201C6}" type="datetimeFigureOut">
               <a:rPr lang="ko-KR" altLang="en-US" smtClean="0"/>
-              <a:t>2020-01-31</a:t>
+              <a:t>2020-02-03</a:t>
             </a:fld>
             <a:endParaRPr lang="ko-KR" altLang="en-US"/>
           </a:p>
@@ -2843,7 +2954,7 @@
           <a:p>
             <a:fld id="{F86301F8-5A19-4D53-B525-D052BC8201C6}" type="datetimeFigureOut">
               <a:rPr lang="ko-KR" altLang="en-US" smtClean="0"/>
-              <a:t>2020-01-31</a:t>
+              <a:t>2020-02-03</a:t>
             </a:fld>
             <a:endParaRPr lang="ko-KR" altLang="en-US"/>
           </a:p>
@@ -3013,7 +3124,7 @@
           <a:p>
             <a:fld id="{F86301F8-5A19-4D53-B525-D052BC8201C6}" type="datetimeFigureOut">
               <a:rPr lang="ko-KR" altLang="en-US" smtClean="0"/>
-              <a:t>2020-01-31</a:t>
+              <a:t>2020-02-03</a:t>
             </a:fld>
             <a:endParaRPr lang="ko-KR" altLang="en-US"/>
           </a:p>
@@ -3259,7 +3370,7 @@
           <a:p>
             <a:fld id="{F86301F8-5A19-4D53-B525-D052BC8201C6}" type="datetimeFigureOut">
               <a:rPr lang="ko-KR" altLang="en-US" smtClean="0"/>
-              <a:t>2020-01-31</a:t>
+              <a:t>2020-02-03</a:t>
             </a:fld>
             <a:endParaRPr lang="ko-KR" altLang="en-US"/>
           </a:p>
@@ -3491,7 +3602,7 @@
           <a:p>
             <a:fld id="{F86301F8-5A19-4D53-B525-D052BC8201C6}" type="datetimeFigureOut">
               <a:rPr lang="ko-KR" altLang="en-US" smtClean="0"/>
-              <a:t>2020-01-31</a:t>
+              <a:t>2020-02-03</a:t>
             </a:fld>
             <a:endParaRPr lang="ko-KR" altLang="en-US"/>
           </a:p>
@@ -3858,7 +3969,7 @@
           <a:p>
             <a:fld id="{F86301F8-5A19-4D53-B525-D052BC8201C6}" type="datetimeFigureOut">
               <a:rPr lang="ko-KR" altLang="en-US" smtClean="0"/>
-              <a:t>2020-01-31</a:t>
+              <a:t>2020-02-03</a:t>
             </a:fld>
             <a:endParaRPr lang="ko-KR" altLang="en-US"/>
           </a:p>
@@ -3976,7 +4087,7 @@
           <a:p>
             <a:fld id="{F86301F8-5A19-4D53-B525-D052BC8201C6}" type="datetimeFigureOut">
               <a:rPr lang="ko-KR" altLang="en-US" smtClean="0"/>
-              <a:t>2020-01-31</a:t>
+              <a:t>2020-02-03</a:t>
             </a:fld>
             <a:endParaRPr lang="ko-KR" altLang="en-US"/>
           </a:p>
@@ -4071,7 +4182,7 @@
           <a:p>
             <a:fld id="{F86301F8-5A19-4D53-B525-D052BC8201C6}" type="datetimeFigureOut">
               <a:rPr lang="ko-KR" altLang="en-US" smtClean="0"/>
-              <a:t>2020-01-31</a:t>
+              <a:t>2020-02-03</a:t>
             </a:fld>
             <a:endParaRPr lang="ko-KR" altLang="en-US"/>
           </a:p>
@@ -4348,7 +4459,7 @@
           <a:p>
             <a:fld id="{F86301F8-5A19-4D53-B525-D052BC8201C6}" type="datetimeFigureOut">
               <a:rPr lang="ko-KR" altLang="en-US" smtClean="0"/>
-              <a:t>2020-01-31</a:t>
+              <a:t>2020-02-03</a:t>
             </a:fld>
             <a:endParaRPr lang="ko-KR" altLang="en-US"/>
           </a:p>
@@ -4601,7 +4712,7 @@
           <a:p>
             <a:fld id="{F86301F8-5A19-4D53-B525-D052BC8201C6}" type="datetimeFigureOut">
               <a:rPr lang="ko-KR" altLang="en-US" smtClean="0"/>
-              <a:t>2020-01-31</a:t>
+              <a:t>2020-02-03</a:t>
             </a:fld>
             <a:endParaRPr lang="ko-KR" altLang="en-US"/>
           </a:p>
@@ -4814,7 +4925,7 @@
           <a:p>
             <a:fld id="{F86301F8-5A19-4D53-B525-D052BC8201C6}" type="datetimeFigureOut">
               <a:rPr lang="ko-KR" altLang="en-US" smtClean="0"/>
-              <a:t>2020-01-31</a:t>
+              <a:t>2020-02-03</a:t>
             </a:fld>
             <a:endParaRPr lang="ko-KR" altLang="en-US"/>
           </a:p>

--- a/DBD 분석/맵 분석/3. 콜드윈드 농장(★)/3. 썩은 들판(★)/종합.pptx
+++ b/DBD 분석/맵 분석/3. 콜드윈드 농장(★)/3. 썩은 들판(★)/종합.pptx
@@ -116,7 +116,7 @@
   </p:defaultTextStyle>
   <p:extLst>
     <p:ext uri="{EFAFB233-063F-42B5-8137-9DF3F51BA10A}">
-      <p15:sldGuideLst xmlns:p15="http://schemas.microsoft.com/office/powerpoint/2012/main">
+      <p15:sldGuideLst xmlns:p15="http://schemas.microsoft.com/office/powerpoint/2012/main" xmlns="">
         <p15:guide id="1" orient="horz" pos="2160">
           <p15:clr>
             <a:srgbClr val="A4A3A4"/>
@@ -215,7 +215,7 @@
           <a:p>
             <a:fld id="{92FB9B8E-7460-4A65-8DD1-5001397F6CD0}" type="datetimeFigureOut">
               <a:rPr lang="ko-KR" altLang="en-US" smtClean="0"/>
-              <a:t>2020-02-03</a:t>
+              <a:t>2020-02-04</a:t>
             </a:fld>
             <a:endParaRPr lang="ko-KR" altLang="en-US"/>
           </a:p>
@@ -906,11 +906,7 @@
             </a:r>
             <a:r>
               <a:rPr lang="ko-KR" altLang="en-US" dirty="0" smtClean="0"/>
-              <a:t>감정표</a:t>
-            </a:r>
-            <a:r>
-              <a:rPr lang="ko-KR" altLang="en-US" dirty="0" smtClean="0"/>
-              <a:t>현</a:t>
+              <a:t>감정표현</a:t>
             </a:r>
             <a:r>
               <a:rPr lang="en-US" altLang="ko-KR" dirty="0" smtClean="0"/>
@@ -919,6 +915,77 @@
             <a:r>
               <a:rPr lang="ko-KR" altLang="en-US" dirty="0" smtClean="0"/>
               <a:t>흥미 유발</a:t>
+            </a:r>
+            <a:r>
+              <a:rPr lang="en-US" altLang="ko-KR" dirty="0" smtClean="0"/>
+              <a:t>)</a:t>
+            </a:r>
+          </a:p>
+          <a:p>
+            <a:pPr marL="0" marR="0" indent="0" algn="l" defTabSz="914400" rtl="0" eaLnBrk="1" fontAlgn="auto" latinLnBrk="1" hangingPunct="1">
+              <a:lnSpc>
+                <a:spcPct val="100000"/>
+              </a:lnSpc>
+              <a:spcBef>
+                <a:spcPts val="0"/>
+              </a:spcBef>
+              <a:spcAft>
+                <a:spcPts val="0"/>
+              </a:spcAft>
+              <a:buClrTx/>
+              <a:buSzTx/>
+              <a:buFontTx/>
+              <a:buNone/>
+              <a:tabLst/>
+              <a:defRPr/>
+            </a:pPr>
+            <a:r>
+              <a:rPr lang="en-US" altLang="ko-KR" dirty="0" smtClean="0"/>
+              <a:t>-20_01_</a:t>
+            </a:r>
+            <a:r>
+              <a:rPr lang="ko-KR" altLang="en-US" dirty="0" err="1" smtClean="0"/>
+              <a:t>스피릿</a:t>
+            </a:r>
+            <a:r>
+              <a:rPr lang="en-US" altLang="ko-KR" dirty="0" smtClean="0"/>
+              <a:t>(F14/10:00~10:10/</a:t>
+            </a:r>
+            <a:r>
+              <a:rPr lang="ko-KR" altLang="en-US" dirty="0" smtClean="0"/>
+              <a:t>발전기 수리</a:t>
+            </a:r>
+            <a:r>
+              <a:rPr lang="en-US" altLang="ko-KR" dirty="0" smtClean="0"/>
+              <a:t>/</a:t>
+            </a:r>
+            <a:r>
+              <a:rPr lang="ko-KR" altLang="en-US" dirty="0" smtClean="0"/>
+              <a:t>해설</a:t>
+            </a:r>
+            <a:r>
+              <a:rPr lang="en-US" altLang="ko-KR" dirty="0" smtClean="0"/>
+              <a:t>/</a:t>
+            </a:r>
+            <a:r>
+              <a:rPr lang="ko-KR" altLang="en-US" dirty="0" smtClean="0"/>
+              <a:t>소통</a:t>
+            </a:r>
+            <a:r>
+              <a:rPr lang="en-US" altLang="ko-KR" dirty="0" smtClean="0"/>
+              <a:t>,</a:t>
+            </a:r>
+            <a:r>
+              <a:rPr lang="ko-KR" altLang="en-US" dirty="0" err="1" smtClean="0"/>
+              <a:t>리액션</a:t>
+            </a:r>
+            <a:r>
+              <a:rPr lang="en-US" altLang="ko-KR" dirty="0" smtClean="0"/>
+              <a:t>/</a:t>
+            </a:r>
+            <a:r>
+              <a:rPr lang="ko-KR" altLang="en-US" dirty="0" smtClean="0"/>
+              <a:t>자유</a:t>
             </a:r>
             <a:r>
               <a:rPr lang="en-US" altLang="ko-KR" dirty="0" smtClean="0"/>
@@ -1206,8 +1273,87 @@
               <a:t>/</a:t>
             </a:r>
             <a:r>
+              <a:rPr lang="ko-KR" altLang="en-US" dirty="0" smtClean="0"/>
+              <a:t>상황몰입</a:t>
+            </a:r>
+            <a:r>
+              <a:rPr lang="en-US" altLang="ko-KR" dirty="0" smtClean="0"/>
+              <a:t>)</a:t>
+            </a:r>
+          </a:p>
+          <a:p>
+            <a:pPr marL="0" marR="0" indent="0" algn="l" defTabSz="914400" rtl="0" eaLnBrk="1" fontAlgn="auto" latinLnBrk="1" hangingPunct="1">
+              <a:lnSpc>
+                <a:spcPct val="100000"/>
+              </a:lnSpc>
+              <a:spcBef>
+                <a:spcPts val="0"/>
+              </a:spcBef>
+              <a:spcAft>
+                <a:spcPts val="0"/>
+              </a:spcAft>
+              <a:buClrTx/>
+              <a:buSzTx/>
+              <a:buFontTx/>
+              <a:buNone/>
+              <a:tabLst/>
+              <a:defRPr/>
+            </a:pPr>
+            <a:r>
+              <a:rPr lang="en-US" altLang="ko-KR" dirty="0" smtClean="0"/>
+              <a:t>-20_01_</a:t>
+            </a:r>
+            <a:r>
               <a:rPr lang="ko-KR" altLang="en-US" dirty="0" err="1" smtClean="0"/>
+              <a:t>스피릿</a:t>
+            </a:r>
+            <a:r>
+              <a:rPr lang="en-US" altLang="ko-KR" dirty="0" smtClean="0"/>
+              <a:t>(W4/8:15~8:55/</a:t>
+            </a:r>
+            <a:r>
+              <a:rPr lang="ko-KR" altLang="en-US" dirty="0" smtClean="0"/>
+              <a:t>발전기수리</a:t>
+            </a:r>
+            <a:r>
+              <a:rPr lang="en-US" altLang="ko-KR" dirty="0" smtClean="0"/>
+              <a:t>/</a:t>
+            </a:r>
+            <a:r>
+              <a:rPr lang="ko-KR" altLang="en-US" dirty="0" smtClean="0"/>
+              <a:t>해설</a:t>
+            </a:r>
+            <a:r>
+              <a:rPr lang="en-US" altLang="ko-KR" dirty="0" smtClean="0"/>
+              <a:t>/</a:t>
+            </a:r>
+            <a:r>
+              <a:rPr lang="ko-KR" altLang="en-US" dirty="0" smtClean="0"/>
+              <a:t>상황판단</a:t>
+            </a:r>
+            <a:r>
+              <a:rPr lang="en-US" altLang="ko-KR" dirty="0" smtClean="0"/>
+              <a:t>,</a:t>
+            </a:r>
+            <a:r>
+              <a:rPr lang="ko-KR" altLang="en-US" dirty="0" err="1" smtClean="0"/>
+              <a:t>리액션</a:t>
+            </a:r>
+            <a:r>
+              <a:rPr lang="en-US" altLang="ko-KR" dirty="0" smtClean="0"/>
+              <a:t>/</a:t>
+            </a:r>
+            <a:r>
+              <a:rPr lang="ko-KR" altLang="en-US" dirty="0" smtClean="0"/>
               <a:t>상황몰입</a:t>
+            </a:r>
+            <a:r>
+              <a:rPr lang="en-US" altLang="ko-KR" dirty="0" smtClean="0"/>
+              <a:t>,</a:t>
+            </a:r>
+            <a:r>
+              <a:rPr lang="ko-KR" altLang="en-US" dirty="0" smtClean="0"/>
+              <a:t>정보습득</a:t>
             </a:r>
             <a:r>
               <a:rPr lang="en-US" altLang="ko-KR" dirty="0" smtClean="0"/>
@@ -1594,61 +1740,10 @@
               <a:t>소통</a:t>
             </a:r>
             <a:r>
-              <a:rPr lang="en-US" altLang="ko-KR" dirty="0" smtClean="0"/>
+              <a:rPr lang="en-US" altLang="ko-KR" smtClean="0"/>
               <a:t>)</a:t>
             </a:r>
-          </a:p>
-          <a:p>
-            <a:pPr marL="0" marR="0" indent="0" algn="l" defTabSz="914400" rtl="0" eaLnBrk="1" fontAlgn="auto" latinLnBrk="1" hangingPunct="1">
-              <a:lnSpc>
-                <a:spcPct val="100000"/>
-              </a:lnSpc>
-              <a:spcBef>
-                <a:spcPts val="0"/>
-              </a:spcBef>
-              <a:spcAft>
-                <a:spcPts val="0"/>
-              </a:spcAft>
-              <a:buClrTx/>
-              <a:buSzTx/>
-              <a:buFontTx/>
-              <a:buNone/>
-              <a:tabLst/>
-              <a:defRPr/>
-            </a:pPr>
-            <a:r>
-              <a:rPr lang="en-US" altLang="ko-KR" baseline="0" dirty="0" smtClean="0"/>
-              <a:t>(15</a:t>
-            </a:r>
-            <a:r>
-              <a:rPr lang="ko-KR" altLang="en-US" baseline="0" dirty="0" smtClean="0"/>
-              <a:t>번슬라이드까지</a:t>
-            </a:r>
-            <a:r>
-              <a:rPr lang="en-US" altLang="ko-KR" baseline="0" smtClean="0"/>
-              <a:t>)</a:t>
-            </a:r>
-            <a:endParaRPr lang="en-US" altLang="ko-KR" baseline="0" dirty="0" smtClean="0"/>
-          </a:p>
-          <a:p>
-            <a:pPr marL="0" marR="0" indent="0" algn="l" defTabSz="914400" rtl="0" eaLnBrk="1" fontAlgn="auto" latinLnBrk="1" hangingPunct="1">
-              <a:lnSpc>
-                <a:spcPct val="100000"/>
-              </a:lnSpc>
-              <a:spcBef>
-                <a:spcPts val="0"/>
-              </a:spcBef>
-              <a:spcAft>
-                <a:spcPts val="0"/>
-              </a:spcAft>
-              <a:buClrTx/>
-              <a:buSzTx/>
-              <a:buFontTx/>
-              <a:buNone/>
-              <a:tabLst/>
-              <a:defRPr/>
-            </a:pPr>
-            <a:endParaRPr lang="en-US" altLang="ko-KR" baseline="0" dirty="0" smtClean="0"/>
+            <a:endParaRPr lang="en-US" altLang="ko-KR" dirty="0" smtClean="0"/>
           </a:p>
         </p:txBody>
       </p:sp>
@@ -2433,6 +2528,682 @@
           <a:bodyPr/>
           <a:lstStyle/>
           <a:p>
+            <a:r>
+              <a:rPr lang="en-US" altLang="ko-KR" dirty="0" smtClean="0"/>
+              <a:t>=</a:t>
+            </a:r>
+            <a:r>
+              <a:rPr lang="ko-KR" altLang="en-US" dirty="0" smtClean="0"/>
+              <a:t>방문 지역 </a:t>
+            </a:r>
+            <a:r>
+              <a:rPr lang="en-US" altLang="ko-KR" dirty="0" smtClean="0"/>
+              <a:t>/ </a:t>
+            </a:r>
+            <a:r>
+              <a:rPr lang="ko-KR" altLang="en-US" baseline="0" dirty="0" smtClean="0"/>
+              <a:t>방문 시간 </a:t>
+            </a:r>
+            <a:r>
+              <a:rPr lang="en-US" altLang="ko-KR" baseline="0" dirty="0" smtClean="0"/>
+              <a:t>/ </a:t>
+            </a:r>
+            <a:r>
+              <a:rPr lang="ko-KR" altLang="en-US" baseline="0" dirty="0" smtClean="0"/>
+              <a:t>이벤트 </a:t>
+            </a:r>
+            <a:r>
+              <a:rPr lang="en-US" altLang="ko-KR" baseline="0" dirty="0" smtClean="0"/>
+              <a:t>/ </a:t>
+            </a:r>
+            <a:r>
+              <a:rPr lang="ko-KR" altLang="en-US" baseline="0" dirty="0" err="1" smtClean="0"/>
+              <a:t>멘트</a:t>
+            </a:r>
+            <a:r>
+              <a:rPr lang="ko-KR" altLang="en-US" baseline="0" dirty="0" smtClean="0"/>
+              <a:t> </a:t>
+            </a:r>
+            <a:r>
+              <a:rPr lang="en-US" altLang="ko-KR" baseline="0" dirty="0" smtClean="0"/>
+              <a:t>/ </a:t>
+            </a:r>
+            <a:r>
+              <a:rPr lang="ko-KR" altLang="en-US" baseline="0" dirty="0" smtClean="0"/>
+              <a:t>채팅 </a:t>
+            </a:r>
+            <a:r>
+              <a:rPr lang="en-US" altLang="ko-KR" baseline="0" dirty="0" smtClean="0"/>
+              <a:t>/ </a:t>
+            </a:r>
+            <a:r>
+              <a:rPr lang="ko-KR" altLang="en-US" baseline="0" dirty="0" smtClean="0"/>
+              <a:t>역할</a:t>
+            </a:r>
+            <a:r>
+              <a:rPr lang="en-US" altLang="ko-KR" baseline="0" dirty="0" smtClean="0"/>
+              <a:t>=</a:t>
+            </a:r>
+          </a:p>
+          <a:p>
+            <a:r>
+              <a:rPr lang="en-US" altLang="ko-KR" dirty="0" smtClean="0"/>
+              <a:t>-20_01_</a:t>
+            </a:r>
+            <a:r>
+              <a:rPr lang="ko-KR" altLang="en-US" dirty="0" err="1" smtClean="0"/>
+              <a:t>스피릿</a:t>
+            </a:r>
+            <a:r>
+              <a:rPr lang="en-US" altLang="ko-KR" dirty="0" smtClean="0"/>
+              <a:t>(R2-U1-W1/6:10~6:35/</a:t>
+            </a:r>
+            <a:r>
+              <a:rPr lang="ko-KR" altLang="en-US" dirty="0" smtClean="0"/>
+              <a:t>이동</a:t>
+            </a:r>
+            <a:r>
+              <a:rPr lang="en-US" altLang="ko-KR" dirty="0" smtClean="0"/>
+              <a:t>/</a:t>
+            </a:r>
+            <a:r>
+              <a:rPr lang="ko-KR" altLang="en-US" dirty="0" smtClean="0"/>
+              <a:t>해설</a:t>
+            </a:r>
+            <a:r>
+              <a:rPr lang="en-US" altLang="ko-KR" dirty="0" smtClean="0"/>
+              <a:t>,</a:t>
+            </a:r>
+            <a:r>
+              <a:rPr lang="ko-KR" altLang="en-US" dirty="0" smtClean="0"/>
+              <a:t>도네</a:t>
+            </a:r>
+            <a:r>
+              <a:rPr lang="en-US" altLang="ko-KR" dirty="0" smtClean="0"/>
+              <a:t>/</a:t>
+            </a:r>
+            <a:r>
+              <a:rPr lang="ko-KR" altLang="en-US" dirty="0" smtClean="0"/>
+              <a:t>상황판단</a:t>
+            </a:r>
+            <a:r>
+              <a:rPr lang="en-US" altLang="ko-KR" dirty="0" smtClean="0"/>
+              <a:t>/</a:t>
+            </a:r>
+            <a:r>
+              <a:rPr lang="ko-KR" altLang="en-US" dirty="0" smtClean="0"/>
+              <a:t>상황몰입</a:t>
+            </a:r>
+            <a:r>
+              <a:rPr lang="en-US" altLang="ko-KR" dirty="0" smtClean="0"/>
+              <a:t>)</a:t>
+            </a:r>
+          </a:p>
+          <a:p>
+            <a:pPr marL="0" marR="0" indent="0" algn="l" defTabSz="914400" rtl="0" eaLnBrk="1" fontAlgn="auto" latinLnBrk="1" hangingPunct="1">
+              <a:lnSpc>
+                <a:spcPct val="100000"/>
+              </a:lnSpc>
+              <a:spcBef>
+                <a:spcPts val="0"/>
+              </a:spcBef>
+              <a:spcAft>
+                <a:spcPts val="0"/>
+              </a:spcAft>
+              <a:buClrTx/>
+              <a:buSzTx/>
+              <a:buFontTx/>
+              <a:buNone/>
+              <a:tabLst/>
+              <a:defRPr/>
+            </a:pPr>
+            <a:r>
+              <a:rPr lang="en-US" altLang="ko-KR" dirty="0" smtClean="0"/>
+              <a:t>-20_01_</a:t>
+            </a:r>
+            <a:r>
+              <a:rPr lang="ko-KR" altLang="en-US" dirty="0" err="1" smtClean="0"/>
+              <a:t>스피릿</a:t>
+            </a:r>
+            <a:r>
+              <a:rPr lang="en-US" altLang="ko-KR" dirty="0" smtClean="0"/>
+              <a:t>(W4-U3-F12-W6/8:55~9:15/</a:t>
+            </a:r>
+            <a:r>
+              <a:rPr lang="ko-KR" altLang="en-US" dirty="0" smtClean="0"/>
+              <a:t>이동</a:t>
+            </a:r>
+            <a:r>
+              <a:rPr lang="en-US" altLang="ko-KR" dirty="0" smtClean="0"/>
+              <a:t>,</a:t>
+            </a:r>
+            <a:r>
+              <a:rPr lang="ko-KR" altLang="en-US" dirty="0" smtClean="0"/>
+              <a:t>수색</a:t>
+            </a:r>
+            <a:r>
+              <a:rPr lang="en-US" altLang="ko-KR" dirty="0" smtClean="0"/>
+              <a:t>/</a:t>
+            </a:r>
+            <a:r>
+              <a:rPr lang="ko-KR" altLang="en-US" dirty="0" smtClean="0"/>
+              <a:t>소통</a:t>
+            </a:r>
+            <a:r>
+              <a:rPr lang="en-US" altLang="ko-KR" dirty="0" smtClean="0"/>
+              <a:t>,</a:t>
+            </a:r>
+            <a:r>
+              <a:rPr lang="ko-KR" altLang="en-US" dirty="0" smtClean="0"/>
+              <a:t>해설</a:t>
+            </a:r>
+            <a:r>
+              <a:rPr lang="en-US" altLang="ko-KR" dirty="0" smtClean="0"/>
+              <a:t>/</a:t>
+            </a:r>
+            <a:r>
+              <a:rPr lang="ko-KR" altLang="en-US" dirty="0" err="1" smtClean="0"/>
+              <a:t>리액션</a:t>
+            </a:r>
+            <a:r>
+              <a:rPr lang="en-US" altLang="ko-KR" dirty="0" smtClean="0"/>
+              <a:t>,</a:t>
+            </a:r>
+            <a:r>
+              <a:rPr lang="ko-KR" altLang="en-US" dirty="0" smtClean="0"/>
+              <a:t>게임잡담</a:t>
+            </a:r>
+            <a:r>
+              <a:rPr lang="en-US" altLang="ko-KR" dirty="0" smtClean="0"/>
+              <a:t>/</a:t>
+            </a:r>
+            <a:r>
+              <a:rPr lang="ko-KR" altLang="en-US" dirty="0" smtClean="0"/>
+              <a:t>자유</a:t>
+            </a:r>
+            <a:r>
+              <a:rPr lang="en-US" altLang="ko-KR" dirty="0" smtClean="0"/>
+              <a:t>)</a:t>
+            </a:r>
+          </a:p>
+          <a:p>
+            <a:pPr marL="0" marR="0" indent="0" algn="l" defTabSz="914400" rtl="0" eaLnBrk="1" fontAlgn="auto" latinLnBrk="1" hangingPunct="1">
+              <a:lnSpc>
+                <a:spcPct val="100000"/>
+              </a:lnSpc>
+              <a:spcBef>
+                <a:spcPts val="0"/>
+              </a:spcBef>
+              <a:spcAft>
+                <a:spcPts val="0"/>
+              </a:spcAft>
+              <a:buClrTx/>
+              <a:buSzTx/>
+              <a:buFontTx/>
+              <a:buNone/>
+              <a:tabLst/>
+              <a:defRPr/>
+            </a:pPr>
+            <a:r>
+              <a:rPr lang="en-US" altLang="ko-KR" dirty="0" smtClean="0"/>
+              <a:t>-20_01_</a:t>
+            </a:r>
+            <a:r>
+              <a:rPr lang="ko-KR" altLang="en-US" dirty="0" err="1" smtClean="0"/>
+              <a:t>스피릿</a:t>
+            </a:r>
+            <a:r>
+              <a:rPr lang="en-US" altLang="ko-KR" dirty="0" smtClean="0"/>
+              <a:t>(W6-R5-W4-W1-U1-F6-F14/9:15~10:00/</a:t>
+            </a:r>
+            <a:r>
+              <a:rPr lang="ko-KR" altLang="en-US" dirty="0" smtClean="0"/>
+              <a:t>이동</a:t>
+            </a:r>
+            <a:r>
+              <a:rPr lang="en-US" altLang="ko-KR" dirty="0" smtClean="0"/>
+              <a:t>,</a:t>
+            </a:r>
+            <a:r>
+              <a:rPr lang="ko-KR" altLang="en-US" dirty="0" smtClean="0"/>
+              <a:t>수색</a:t>
+            </a:r>
+            <a:r>
+              <a:rPr lang="en-US" altLang="ko-KR" dirty="0" smtClean="0"/>
+              <a:t>/</a:t>
+            </a:r>
+            <a:r>
+              <a:rPr lang="ko-KR" altLang="en-US" dirty="0" smtClean="0"/>
+              <a:t>해설</a:t>
+            </a:r>
+            <a:r>
+              <a:rPr lang="en-US" altLang="ko-KR" dirty="0" smtClean="0"/>
+              <a:t>/</a:t>
+            </a:r>
+            <a:r>
+              <a:rPr lang="ko-KR" altLang="en-US" dirty="0" smtClean="0"/>
+              <a:t>상황판단</a:t>
+            </a:r>
+            <a:r>
+              <a:rPr lang="en-US" altLang="ko-KR" dirty="0" smtClean="0"/>
+              <a:t>,</a:t>
+            </a:r>
+            <a:r>
+              <a:rPr lang="ko-KR" altLang="en-US" dirty="0" err="1" smtClean="0"/>
+              <a:t>드립</a:t>
+            </a:r>
+            <a:r>
+              <a:rPr lang="en-US" altLang="ko-KR" dirty="0" smtClean="0"/>
+              <a:t>,</a:t>
+            </a:r>
+            <a:r>
+              <a:rPr lang="ko-KR" altLang="en-US" dirty="0" err="1" smtClean="0"/>
+              <a:t>리액션</a:t>
+            </a:r>
+            <a:r>
+              <a:rPr lang="en-US" altLang="ko-KR" dirty="0" smtClean="0"/>
+              <a:t>/</a:t>
+            </a:r>
+            <a:r>
+              <a:rPr lang="ko-KR" altLang="en-US" dirty="0" smtClean="0"/>
+              <a:t>상황몰입</a:t>
+            </a:r>
+            <a:r>
+              <a:rPr lang="en-US" altLang="ko-KR" dirty="0" smtClean="0"/>
+              <a:t>)</a:t>
+            </a:r>
+          </a:p>
+          <a:p>
+            <a:pPr marL="0" marR="0" indent="0" algn="l" defTabSz="914400" rtl="0" eaLnBrk="1" fontAlgn="auto" latinLnBrk="1" hangingPunct="1">
+              <a:lnSpc>
+                <a:spcPct val="100000"/>
+              </a:lnSpc>
+              <a:spcBef>
+                <a:spcPts val="0"/>
+              </a:spcBef>
+              <a:spcAft>
+                <a:spcPts val="0"/>
+              </a:spcAft>
+              <a:buClrTx/>
+              <a:buSzTx/>
+              <a:buFontTx/>
+              <a:buNone/>
+              <a:tabLst/>
+              <a:defRPr/>
+            </a:pPr>
+            <a:r>
+              <a:rPr lang="en-US" altLang="ko-KR" dirty="0" smtClean="0"/>
+              <a:t>-20_01_</a:t>
+            </a:r>
+            <a:r>
+              <a:rPr lang="ko-KR" altLang="en-US" dirty="0" err="1" smtClean="0"/>
+              <a:t>스피릿</a:t>
+            </a:r>
+            <a:r>
+              <a:rPr lang="en-US" altLang="ko-KR" dirty="0" smtClean="0"/>
+              <a:t>(F14-KS-W7-R6-W5-R4-W3-R2-W2-R1-W1-R3-W4-R5-U3-F9/10:10~12:30/</a:t>
+            </a:r>
+            <a:r>
+              <a:rPr lang="ko-KR" altLang="en-US" dirty="0" smtClean="0"/>
+              <a:t>이동</a:t>
+            </a:r>
+            <a:r>
+              <a:rPr lang="en-US" altLang="ko-KR" dirty="0" smtClean="0"/>
+              <a:t>,</a:t>
+            </a:r>
+            <a:r>
+              <a:rPr lang="ko-KR" altLang="en-US" dirty="0" smtClean="0"/>
+              <a:t>수색</a:t>
+            </a:r>
+            <a:r>
+              <a:rPr lang="en-US" altLang="ko-KR" dirty="0" smtClean="0"/>
+              <a:t>,</a:t>
+            </a:r>
+            <a:r>
+              <a:rPr lang="ko-KR" altLang="en-US" dirty="0" err="1" smtClean="0"/>
+              <a:t>스텔스</a:t>
+            </a:r>
+            <a:r>
+              <a:rPr lang="en-US" altLang="ko-KR" dirty="0" smtClean="0"/>
+              <a:t>/</a:t>
+            </a:r>
+            <a:r>
+              <a:rPr lang="ko-KR" altLang="en-US" dirty="0" smtClean="0"/>
+              <a:t>감정표현</a:t>
+            </a:r>
+            <a:r>
+              <a:rPr lang="en-US" altLang="ko-KR" dirty="0" smtClean="0"/>
+              <a:t>,</a:t>
+            </a:r>
+            <a:r>
+              <a:rPr lang="ko-KR" altLang="en-US" dirty="0" smtClean="0"/>
+              <a:t>해설</a:t>
+            </a:r>
+            <a:r>
+              <a:rPr lang="en-US" altLang="ko-KR" dirty="0" smtClean="0"/>
+              <a:t>,</a:t>
+            </a:r>
+            <a:r>
+              <a:rPr lang="ko-KR" altLang="en-US" dirty="0" smtClean="0"/>
+              <a:t>가상대화</a:t>
+            </a:r>
+            <a:r>
+              <a:rPr lang="en-US" altLang="ko-KR" dirty="0" smtClean="0"/>
+              <a:t>,</a:t>
+            </a:r>
+            <a:r>
+              <a:rPr lang="ko-KR" altLang="en-US" dirty="0" err="1" smtClean="0"/>
+              <a:t>드립</a:t>
+            </a:r>
+            <a:r>
+              <a:rPr lang="en-US" altLang="ko-KR" dirty="0" smtClean="0"/>
+              <a:t>/</a:t>
+            </a:r>
+            <a:r>
+              <a:rPr lang="ko-KR" altLang="en-US" dirty="0" err="1" smtClean="0"/>
+              <a:t>리액션</a:t>
+            </a:r>
+            <a:r>
+              <a:rPr lang="en-US" altLang="ko-KR" dirty="0" smtClean="0"/>
+              <a:t>,</a:t>
+            </a:r>
+            <a:r>
+              <a:rPr lang="ko-KR" altLang="en-US" dirty="0" smtClean="0"/>
+              <a:t>감정표현</a:t>
+            </a:r>
+            <a:r>
+              <a:rPr lang="en-US" altLang="ko-KR" dirty="0" smtClean="0"/>
+              <a:t>,</a:t>
+            </a:r>
+            <a:r>
+              <a:rPr lang="ko-KR" altLang="en-US" dirty="0" smtClean="0"/>
+              <a:t>상황판단</a:t>
+            </a:r>
+            <a:r>
+              <a:rPr lang="en-US" altLang="ko-KR" dirty="0" smtClean="0"/>
+              <a:t>,</a:t>
+            </a:r>
+            <a:r>
+              <a:rPr lang="ko-KR" altLang="en-US" dirty="0" err="1" smtClean="0"/>
+              <a:t>드립</a:t>
+            </a:r>
+            <a:r>
+              <a:rPr lang="en-US" altLang="ko-KR" dirty="0" smtClean="0"/>
+              <a:t>/</a:t>
+            </a:r>
+            <a:r>
+              <a:rPr lang="ko-KR" altLang="en-US" dirty="0" smtClean="0"/>
+              <a:t>상황몰입</a:t>
+            </a:r>
+            <a:r>
+              <a:rPr lang="en-US" altLang="ko-KR" dirty="0" smtClean="0"/>
+              <a:t>,</a:t>
+            </a:r>
+            <a:r>
+              <a:rPr lang="ko-KR" altLang="en-US" dirty="0" smtClean="0"/>
+              <a:t>주의환기</a:t>
+            </a:r>
+            <a:r>
+              <a:rPr lang="en-US" altLang="ko-KR" dirty="0" smtClean="0"/>
+              <a:t>,</a:t>
+            </a:r>
+            <a:r>
+              <a:rPr lang="ko-KR" altLang="en-US" dirty="0" smtClean="0"/>
+              <a:t>흥미유발</a:t>
+            </a:r>
+            <a:r>
+              <a:rPr lang="en-US" altLang="ko-KR" dirty="0" smtClean="0"/>
+              <a:t>)</a:t>
+            </a:r>
+          </a:p>
+          <a:p>
+            <a:pPr marL="0" marR="0" indent="0" algn="l" defTabSz="914400" rtl="0" eaLnBrk="1" fontAlgn="auto" latinLnBrk="1" hangingPunct="1">
+              <a:lnSpc>
+                <a:spcPct val="100000"/>
+              </a:lnSpc>
+              <a:spcBef>
+                <a:spcPts val="0"/>
+              </a:spcBef>
+              <a:spcAft>
+                <a:spcPts val="0"/>
+              </a:spcAft>
+              <a:buClrTx/>
+              <a:buSzTx/>
+              <a:buFontTx/>
+              <a:buNone/>
+              <a:tabLst/>
+              <a:defRPr/>
+            </a:pPr>
+            <a:r>
+              <a:rPr lang="en-US" altLang="ko-KR" dirty="0" smtClean="0"/>
+              <a:t>-20_01_</a:t>
+            </a:r>
+            <a:r>
+              <a:rPr lang="ko-KR" altLang="en-US" dirty="0" err="1" smtClean="0"/>
+              <a:t>스피릿</a:t>
+            </a:r>
+            <a:r>
+              <a:rPr lang="en-US" altLang="ko-KR" dirty="0" smtClean="0"/>
+              <a:t>(F9-F6-U1-F4-R4-R6-W7-F14/12:30~14:20/</a:t>
+            </a:r>
+            <a:r>
+              <a:rPr lang="ko-KR" altLang="en-US" dirty="0" smtClean="0"/>
+              <a:t>이동</a:t>
+            </a:r>
+            <a:r>
+              <a:rPr lang="en-US" altLang="ko-KR" dirty="0" smtClean="0"/>
+              <a:t>,</a:t>
+            </a:r>
+            <a:r>
+              <a:rPr lang="ko-KR" altLang="en-US" dirty="0" smtClean="0"/>
+              <a:t>수색</a:t>
+            </a:r>
+            <a:r>
+              <a:rPr lang="en-US" altLang="ko-KR" dirty="0" smtClean="0"/>
+              <a:t>,</a:t>
+            </a:r>
+            <a:r>
+              <a:rPr lang="ko-KR" altLang="en-US" dirty="0" err="1" smtClean="0"/>
+              <a:t>스텔스</a:t>
+            </a:r>
+            <a:r>
+              <a:rPr lang="en-US" altLang="ko-KR" dirty="0" smtClean="0"/>
+              <a:t>/</a:t>
+            </a:r>
+            <a:r>
+              <a:rPr lang="ko-KR" altLang="en-US" dirty="0" smtClean="0"/>
+              <a:t>감정표현</a:t>
+            </a:r>
+            <a:r>
+              <a:rPr lang="en-US" altLang="ko-KR" dirty="0" smtClean="0"/>
+              <a:t>,</a:t>
+            </a:r>
+            <a:r>
+              <a:rPr lang="ko-KR" altLang="en-US" dirty="0" smtClean="0"/>
+              <a:t>가상대화</a:t>
+            </a:r>
+            <a:r>
+              <a:rPr lang="en-US" altLang="ko-KR" dirty="0" smtClean="0"/>
+              <a:t>/</a:t>
+            </a:r>
+            <a:r>
+              <a:rPr lang="ko-KR" altLang="en-US" dirty="0" smtClean="0"/>
+              <a:t>감정표현</a:t>
+            </a:r>
+            <a:r>
+              <a:rPr lang="en-US" altLang="ko-KR" dirty="0" smtClean="0"/>
+              <a:t>,</a:t>
+            </a:r>
+            <a:r>
+              <a:rPr lang="ko-KR" altLang="en-US" dirty="0" smtClean="0"/>
+              <a:t>감정이입</a:t>
+            </a:r>
+            <a:r>
+              <a:rPr lang="en-US" altLang="ko-KR" dirty="0" smtClean="0"/>
+              <a:t>,</a:t>
+            </a:r>
+            <a:r>
+              <a:rPr lang="ko-KR" altLang="en-US" dirty="0" err="1" smtClean="0"/>
+              <a:t>드립</a:t>
+            </a:r>
+            <a:r>
+              <a:rPr lang="en-US" altLang="ko-KR" dirty="0" smtClean="0"/>
+              <a:t>,</a:t>
+            </a:r>
+            <a:r>
+              <a:rPr lang="ko-KR" altLang="en-US" dirty="0" smtClean="0"/>
+              <a:t>상황판단</a:t>
+            </a:r>
+            <a:r>
+              <a:rPr lang="en-US" altLang="ko-KR" dirty="0" smtClean="0"/>
+              <a:t>/</a:t>
+            </a:r>
+            <a:r>
+              <a:rPr lang="ko-KR" altLang="en-US" dirty="0" smtClean="0"/>
+              <a:t>상황몰입</a:t>
+            </a:r>
+            <a:r>
+              <a:rPr lang="en-US" altLang="ko-KR" dirty="0" smtClean="0"/>
+              <a:t>,</a:t>
+            </a:r>
+            <a:r>
+              <a:rPr lang="ko-KR" altLang="en-US" dirty="0" smtClean="0"/>
+              <a:t>흥미유발</a:t>
+            </a:r>
+            <a:r>
+              <a:rPr lang="en-US" altLang="ko-KR" dirty="0" smtClean="0"/>
+              <a:t>)</a:t>
+            </a:r>
+          </a:p>
+          <a:p>
+            <a:pPr marL="0" marR="0" indent="0" algn="l" defTabSz="914400" rtl="0" eaLnBrk="1" fontAlgn="auto" latinLnBrk="1" hangingPunct="1">
+              <a:lnSpc>
+                <a:spcPct val="100000"/>
+              </a:lnSpc>
+              <a:spcBef>
+                <a:spcPts val="0"/>
+              </a:spcBef>
+              <a:spcAft>
+                <a:spcPts val="0"/>
+              </a:spcAft>
+              <a:buClrTx/>
+              <a:buSzTx/>
+              <a:buFontTx/>
+              <a:buNone/>
+              <a:tabLst/>
+              <a:defRPr/>
+            </a:pPr>
+            <a:r>
+              <a:rPr lang="en-US" altLang="ko-KR" dirty="0" smtClean="0"/>
+              <a:t>-20_01_</a:t>
+            </a:r>
+            <a:r>
+              <a:rPr lang="ko-KR" altLang="en-US" dirty="0" err="1" smtClean="0"/>
+              <a:t>스피릿</a:t>
+            </a:r>
+            <a:r>
+              <a:rPr lang="en-US" altLang="ko-KR" dirty="0" smtClean="0"/>
+              <a:t>(F14-F10-F8/14:20~14:50/</a:t>
+            </a:r>
+            <a:r>
+              <a:rPr lang="ko-KR" altLang="en-US" dirty="0" smtClean="0"/>
+              <a:t>이동</a:t>
+            </a:r>
+            <a:r>
+              <a:rPr lang="en-US" altLang="ko-KR" dirty="0" smtClean="0"/>
+              <a:t>,</a:t>
+            </a:r>
+            <a:r>
+              <a:rPr lang="ko-KR" altLang="en-US" dirty="0" smtClean="0"/>
+              <a:t>수색</a:t>
+            </a:r>
+            <a:r>
+              <a:rPr lang="en-US" altLang="ko-KR" dirty="0" smtClean="0"/>
+              <a:t>/</a:t>
+            </a:r>
+            <a:r>
+              <a:rPr lang="ko-KR" altLang="en-US" dirty="0" smtClean="0"/>
+              <a:t>감정표현</a:t>
+            </a:r>
+            <a:r>
+              <a:rPr lang="en-US" altLang="ko-KR" dirty="0" smtClean="0"/>
+              <a:t>,</a:t>
+            </a:r>
+            <a:r>
+              <a:rPr lang="ko-KR" altLang="en-US" dirty="0" smtClean="0"/>
+              <a:t>가상대화</a:t>
+            </a:r>
+            <a:r>
+              <a:rPr lang="en-US" altLang="ko-KR" dirty="0" smtClean="0"/>
+              <a:t>/</a:t>
+            </a:r>
+            <a:r>
+              <a:rPr lang="ko-KR" altLang="en-US" dirty="0" smtClean="0"/>
+              <a:t>감정표현</a:t>
+            </a:r>
+            <a:r>
+              <a:rPr lang="en-US" altLang="ko-KR" dirty="0" smtClean="0"/>
+              <a:t>,</a:t>
+            </a:r>
+            <a:r>
+              <a:rPr lang="ko-KR" altLang="en-US" dirty="0" err="1" smtClean="0"/>
+              <a:t>리액션</a:t>
+            </a:r>
+            <a:r>
+              <a:rPr lang="en-US" altLang="ko-KR" dirty="0" smtClean="0"/>
+              <a:t>,</a:t>
+            </a:r>
+            <a:r>
+              <a:rPr lang="ko-KR" altLang="en-US" dirty="0" smtClean="0"/>
+              <a:t>상황판단</a:t>
+            </a:r>
+            <a:r>
+              <a:rPr lang="en-US" altLang="ko-KR" dirty="0" smtClean="0"/>
+              <a:t>/</a:t>
+            </a:r>
+            <a:r>
+              <a:rPr lang="ko-KR" altLang="en-US" dirty="0" smtClean="0"/>
+              <a:t>상황몰입</a:t>
+            </a:r>
+            <a:r>
+              <a:rPr lang="en-US" altLang="ko-KR" dirty="0" smtClean="0"/>
+              <a:t>,</a:t>
+            </a:r>
+            <a:r>
+              <a:rPr lang="ko-KR" altLang="en-US" dirty="0" smtClean="0"/>
+              <a:t>흥미유발</a:t>
+            </a:r>
+            <a:r>
+              <a:rPr lang="en-US" altLang="ko-KR" dirty="0" smtClean="0"/>
+              <a:t>)</a:t>
+            </a:r>
+          </a:p>
+          <a:p>
+            <a:pPr marL="0" marR="0" indent="0" algn="l" defTabSz="914400" rtl="0" eaLnBrk="1" fontAlgn="auto" latinLnBrk="1" hangingPunct="1">
+              <a:lnSpc>
+                <a:spcPct val="100000"/>
+              </a:lnSpc>
+              <a:spcBef>
+                <a:spcPts val="0"/>
+              </a:spcBef>
+              <a:spcAft>
+                <a:spcPts val="0"/>
+              </a:spcAft>
+              <a:buClrTx/>
+              <a:buSzTx/>
+              <a:buFontTx/>
+              <a:buNone/>
+              <a:tabLst/>
+              <a:defRPr/>
+            </a:pPr>
+            <a:r>
+              <a:rPr lang="en-US" altLang="ko-KR" dirty="0" smtClean="0"/>
+              <a:t>25</a:t>
+            </a:r>
+            <a:r>
+              <a:rPr lang="ko-KR" altLang="en-US" dirty="0" smtClean="0"/>
+              <a:t>슬라이드까지</a:t>
+            </a:r>
             <a:endParaRPr lang="en-US" altLang="ko-KR" dirty="0" smtClean="0"/>
           </a:p>
         </p:txBody>
@@ -2604,7 +3375,7 @@
           <a:p>
             <a:fld id="{F86301F8-5A19-4D53-B525-D052BC8201C6}" type="datetimeFigureOut">
               <a:rPr lang="ko-KR" altLang="en-US" smtClean="0"/>
-              <a:t>2020-02-03</a:t>
+              <a:t>2020-02-04</a:t>
             </a:fld>
             <a:endParaRPr lang="ko-KR" altLang="en-US"/>
           </a:p>
@@ -2774,7 +3545,7 @@
           <a:p>
             <a:fld id="{F86301F8-5A19-4D53-B525-D052BC8201C6}" type="datetimeFigureOut">
               <a:rPr lang="ko-KR" altLang="en-US" smtClean="0"/>
-              <a:t>2020-02-03</a:t>
+              <a:t>2020-02-04</a:t>
             </a:fld>
             <a:endParaRPr lang="ko-KR" altLang="en-US"/>
           </a:p>
@@ -2954,7 +3725,7 @@
           <a:p>
             <a:fld id="{F86301F8-5A19-4D53-B525-D052BC8201C6}" type="datetimeFigureOut">
               <a:rPr lang="ko-KR" altLang="en-US" smtClean="0"/>
-              <a:t>2020-02-03</a:t>
+              <a:t>2020-02-04</a:t>
             </a:fld>
             <a:endParaRPr lang="ko-KR" altLang="en-US"/>
           </a:p>
@@ -3124,7 +3895,7 @@
           <a:p>
             <a:fld id="{F86301F8-5A19-4D53-B525-D052BC8201C6}" type="datetimeFigureOut">
               <a:rPr lang="ko-KR" altLang="en-US" smtClean="0"/>
-              <a:t>2020-02-03</a:t>
+              <a:t>2020-02-04</a:t>
             </a:fld>
             <a:endParaRPr lang="ko-KR" altLang="en-US"/>
           </a:p>
@@ -3370,7 +4141,7 @@
           <a:p>
             <a:fld id="{F86301F8-5A19-4D53-B525-D052BC8201C6}" type="datetimeFigureOut">
               <a:rPr lang="ko-KR" altLang="en-US" smtClean="0"/>
-              <a:t>2020-02-03</a:t>
+              <a:t>2020-02-04</a:t>
             </a:fld>
             <a:endParaRPr lang="ko-KR" altLang="en-US"/>
           </a:p>
@@ -3602,7 +4373,7 @@
           <a:p>
             <a:fld id="{F86301F8-5A19-4D53-B525-D052BC8201C6}" type="datetimeFigureOut">
               <a:rPr lang="ko-KR" altLang="en-US" smtClean="0"/>
-              <a:t>2020-02-03</a:t>
+              <a:t>2020-02-04</a:t>
             </a:fld>
             <a:endParaRPr lang="ko-KR" altLang="en-US"/>
           </a:p>
@@ -3969,7 +4740,7 @@
           <a:p>
             <a:fld id="{F86301F8-5A19-4D53-B525-D052BC8201C6}" type="datetimeFigureOut">
               <a:rPr lang="ko-KR" altLang="en-US" smtClean="0"/>
-              <a:t>2020-02-03</a:t>
+              <a:t>2020-02-04</a:t>
             </a:fld>
             <a:endParaRPr lang="ko-KR" altLang="en-US"/>
           </a:p>
@@ -4087,7 +4858,7 @@
           <a:p>
             <a:fld id="{F86301F8-5A19-4D53-B525-D052BC8201C6}" type="datetimeFigureOut">
               <a:rPr lang="ko-KR" altLang="en-US" smtClean="0"/>
-              <a:t>2020-02-03</a:t>
+              <a:t>2020-02-04</a:t>
             </a:fld>
             <a:endParaRPr lang="ko-KR" altLang="en-US"/>
           </a:p>
@@ -4182,7 +4953,7 @@
           <a:p>
             <a:fld id="{F86301F8-5A19-4D53-B525-D052BC8201C6}" type="datetimeFigureOut">
               <a:rPr lang="ko-KR" altLang="en-US" smtClean="0"/>
-              <a:t>2020-02-03</a:t>
+              <a:t>2020-02-04</a:t>
             </a:fld>
             <a:endParaRPr lang="ko-KR" altLang="en-US"/>
           </a:p>
@@ -4459,7 +5230,7 @@
           <a:p>
             <a:fld id="{F86301F8-5A19-4D53-B525-D052BC8201C6}" type="datetimeFigureOut">
               <a:rPr lang="ko-KR" altLang="en-US" smtClean="0"/>
-              <a:t>2020-02-03</a:t>
+              <a:t>2020-02-04</a:t>
             </a:fld>
             <a:endParaRPr lang="ko-KR" altLang="en-US"/>
           </a:p>
@@ -4712,7 +5483,7 @@
           <a:p>
             <a:fld id="{F86301F8-5A19-4D53-B525-D052BC8201C6}" type="datetimeFigureOut">
               <a:rPr lang="ko-KR" altLang="en-US" smtClean="0"/>
-              <a:t>2020-02-03</a:t>
+              <a:t>2020-02-04</a:t>
             </a:fld>
             <a:endParaRPr lang="ko-KR" altLang="en-US"/>
           </a:p>
@@ -4925,7 +5696,7 @@
           <a:p>
             <a:fld id="{F86301F8-5A19-4D53-B525-D052BC8201C6}" type="datetimeFigureOut">
               <a:rPr lang="ko-KR" altLang="en-US" smtClean="0"/>
-              <a:t>2020-02-03</a:t>
+              <a:t>2020-02-04</a:t>
             </a:fld>
             <a:endParaRPr lang="ko-KR" altLang="en-US"/>
           </a:p>
@@ -21040,7 +21811,7 @@
   <a:extraClrSchemeLst/>
   <a:extLst>
     <a:ext uri="{05A4C25C-085E-4340-85A3-A5531E510DB2}">
-      <thm15:themeFamily xmlns:thm15="http://schemas.microsoft.com/office/thememl/2012/main" name="Office Theme" id="{62F939B6-93AF-4DB8-9C6B-D6C7DFDC589F}" vid="{4A3C46E8-61CC-4603-A589-7422A47A8E4A}"/>
+      <thm15:themeFamily xmlns:thm15="http://schemas.microsoft.com/office/thememl/2012/main" xmlns="" name="Office Theme" id="{62F939B6-93AF-4DB8-9C6B-D6C7DFDC589F}" vid="{4A3C46E8-61CC-4603-A589-7422A47A8E4A}"/>
     </a:ext>
   </a:extLst>
 </a:theme>
@@ -21301,7 +22072,7 @@
   <a:extraClrSchemeLst/>
   <a:extLst>
     <a:ext uri="{05A4C25C-085E-4340-85A3-A5531E510DB2}">
-      <thm15:themeFamily xmlns:thm15="http://schemas.microsoft.com/office/thememl/2012/main" name="Office Theme" id="{62F939B6-93AF-4DB8-9C6B-D6C7DFDC589F}" vid="{4A3C46E8-61CC-4603-A589-7422A47A8E4A}"/>
+      <thm15:themeFamily xmlns:thm15="http://schemas.microsoft.com/office/thememl/2012/main" xmlns="" name="Office Theme" id="{62F939B6-93AF-4DB8-9C6B-D6C7DFDC589F}" vid="{4A3C46E8-61CC-4603-A589-7422A47A8E4A}"/>
     </a:ext>
   </a:extLst>
 </a:theme>

--- a/DBD 분석/맵 분석/3. 콜드윈드 농장(★)/3. 썩은 들판(★)/종합.pptx
+++ b/DBD 분석/맵 분석/3. 콜드윈드 농장(★)/3. 썩은 들판(★)/종합.pptx
@@ -5,7 +5,7 @@
     <p:sldMasterId id="2147483648" r:id="rId1"/>
   </p:sldMasterIdLst>
   <p:notesMasterIdLst>
-    <p:notesMasterId r:id="rId10"/>
+    <p:notesMasterId r:id="rId11"/>
   </p:notesMasterIdLst>
   <p:sldIdLst>
     <p:sldId id="256" r:id="rId2"/>
@@ -16,6 +16,7 @@
     <p:sldId id="279" r:id="rId7"/>
     <p:sldId id="288" r:id="rId8"/>
     <p:sldId id="289" r:id="rId9"/>
+    <p:sldId id="290" r:id="rId10"/>
   </p:sldIdLst>
   <p:sldSz cx="12192000" cy="6858000"/>
   <p:notesSz cx="6858000" cy="9144000"/>
@@ -116,7 +117,7 @@
   </p:defaultTextStyle>
   <p:extLst>
     <p:ext uri="{EFAFB233-063F-42B5-8137-9DF3F51BA10A}">
-      <p15:sldGuideLst xmlns:p15="http://schemas.microsoft.com/office/powerpoint/2012/main" xmlns="">
+      <p15:sldGuideLst xmlns:p15="http://schemas.microsoft.com/office/powerpoint/2012/main">
         <p15:guide id="1" orient="horz" pos="2160">
           <p15:clr>
             <a:srgbClr val="A4A3A4"/>
@@ -589,9 +590,26 @@
             </a:r>
           </a:p>
           <a:p>
-            <a:r>
-              <a:rPr lang="en-US" altLang="ko-KR" dirty="0" smtClean="0"/>
-              <a:t>-12_6_</a:t>
+            <a:pPr marL="0" marR="0" indent="0" algn="l" defTabSz="914400" rtl="0" eaLnBrk="1" fontAlgn="auto" latinLnBrk="1" hangingPunct="1">
+              <a:lnSpc>
+                <a:spcPct val="100000"/>
+              </a:lnSpc>
+              <a:spcBef>
+                <a:spcPts val="0"/>
+              </a:spcBef>
+              <a:spcAft>
+                <a:spcPts val="0"/>
+              </a:spcAft>
+              <a:buClrTx/>
+              <a:buSzTx/>
+              <a:buFontTx/>
+              <a:buNone/>
+              <a:tabLst/>
+              <a:defRPr/>
+            </a:pPr>
+            <a:r>
+              <a:rPr lang="en-US" altLang="ko-KR" dirty="0" smtClean="0"/>
+              <a:t>-19_12_</a:t>
             </a:r>
             <a:r>
               <a:rPr lang="ko-KR" altLang="en-US" dirty="0" err="1" smtClean="0"/>
@@ -599,31 +617,7 @@
             </a:r>
             <a:r>
               <a:rPr lang="en-US" altLang="ko-KR" dirty="0" smtClean="0"/>
-              <a:t>(2</a:t>
-            </a:r>
-            <a:r>
-              <a:rPr lang="ko-KR" altLang="en-US" dirty="0" smtClean="0"/>
-              <a:t>회</a:t>
-            </a:r>
-            <a:r>
-              <a:rPr lang="en-US" altLang="ko-KR" dirty="0" smtClean="0"/>
-              <a:t>/10</a:t>
-            </a:r>
-            <a:r>
-              <a:rPr lang="ko-KR" altLang="en-US" dirty="0" smtClean="0"/>
-              <a:t>초</a:t>
-            </a:r>
-            <a:r>
-              <a:rPr lang="en-US" altLang="ko-KR" dirty="0" smtClean="0"/>
-              <a:t>,5</a:t>
-            </a:r>
-            <a:r>
-              <a:rPr lang="ko-KR" altLang="en-US" dirty="0" smtClean="0"/>
-              <a:t>초</a:t>
-            </a:r>
-            <a:r>
-              <a:rPr lang="en-US" altLang="ko-KR" dirty="0" smtClean="0"/>
-              <a:t>/</a:t>
+              <a:t>(E/10:10~10:30/</a:t>
             </a:r>
             <a:r>
               <a:rPr lang="ko-KR" altLang="en-US" dirty="0" smtClean="0"/>
@@ -631,11 +625,19 @@
             </a:r>
             <a:r>
               <a:rPr lang="en-US" altLang="ko-KR" dirty="0" smtClean="0"/>
+              <a:t>/</a:t>
+            </a:r>
+            <a:r>
+              <a:rPr lang="ko-KR" altLang="en-US" dirty="0" err="1" smtClean="0"/>
+              <a:t>가상대화</a:t>
+            </a:r>
+            <a:r>
+              <a:rPr lang="en-US" altLang="ko-KR" dirty="0" smtClean="0"/>
               <a:t>,</a:t>
             </a:r>
             <a:r>
               <a:rPr lang="ko-KR" altLang="en-US" dirty="0" smtClean="0"/>
-              <a:t>치료</a:t>
+              <a:t>감정표현</a:t>
             </a:r>
             <a:r>
               <a:rPr lang="en-US" altLang="ko-KR" dirty="0" smtClean="0"/>
@@ -643,7 +645,7 @@
             </a:r>
             <a:r>
               <a:rPr lang="ko-KR" altLang="en-US" dirty="0" smtClean="0"/>
-              <a:t>감탄</a:t>
+              <a:t>상황판단</a:t>
             </a:r>
             <a:r>
               <a:rPr lang="en-US" altLang="ko-KR" dirty="0" smtClean="0"/>
@@ -651,58 +653,29 @@
             </a:r>
             <a:r>
               <a:rPr lang="ko-KR" altLang="en-US" dirty="0" smtClean="0"/>
-              <a:t>환희</a:t>
+              <a:t>감정표현</a:t>
             </a:r>
             <a:r>
               <a:rPr lang="en-US" altLang="ko-KR" dirty="0" smtClean="0"/>
               <a:t>/</a:t>
             </a:r>
             <a:r>
-              <a:rPr lang="ko-KR" altLang="en-US" dirty="0" smtClean="0"/>
-              <a:t>몰입</a:t>
+              <a:rPr lang="ko-KR" altLang="en-US" dirty="0" err="1" smtClean="0"/>
+              <a:t>상황몰입</a:t>
             </a:r>
             <a:r>
               <a:rPr lang="en-US" altLang="ko-KR" dirty="0" smtClean="0"/>
               <a:t>,</a:t>
             </a:r>
             <a:r>
-              <a:rPr lang="ko-KR" altLang="en-US" dirty="0" smtClean="0"/>
-              <a:t>감탄</a:t>
-            </a:r>
-            <a:r>
-              <a:rPr lang="en-US" altLang="ko-KR" dirty="0" smtClean="0"/>
-              <a:t>,</a:t>
-            </a:r>
-            <a:r>
-              <a:rPr lang="ko-KR" altLang="en-US" dirty="0" smtClean="0"/>
-              <a:t>웃음</a:t>
-            </a:r>
-            <a:r>
-              <a:rPr lang="en-US" altLang="ko-KR" dirty="0" smtClean="0"/>
-              <a:t>/</a:t>
-            </a:r>
-            <a:r>
-              <a:rPr lang="ko-KR" altLang="en-US" dirty="0" smtClean="0"/>
-              <a:t>피난처</a:t>
-            </a:r>
-            <a:r>
-              <a:rPr lang="en-US" altLang="ko-KR" dirty="0" smtClean="0"/>
-              <a:t>,</a:t>
-            </a:r>
-            <a:r>
-              <a:rPr lang="ko-KR" altLang="en-US" dirty="0" smtClean="0"/>
-              <a:t>극적 마무리</a:t>
+              <a:rPr lang="ko-KR" altLang="en-US" dirty="0" err="1" smtClean="0"/>
+              <a:t>흥미유발</a:t>
             </a:r>
             <a:r>
               <a:rPr lang="en-US" altLang="ko-KR" dirty="0" smtClean="0"/>
               <a:t>)</a:t>
             </a:r>
-          </a:p>
-          <a:p>
-            <a:r>
-              <a:rPr lang="en-US" altLang="ko-KR" dirty="0" smtClean="0"/>
-              <a:t>-</a:t>
-            </a:r>
+            <a:endParaRPr lang="en-US" altLang="ko-KR" dirty="0" smtClean="0"/>
           </a:p>
         </p:txBody>
       </p:sp>
@@ -991,7 +964,65 @@
               <a:rPr lang="en-US" altLang="ko-KR" dirty="0" smtClean="0"/>
               <a:t>)</a:t>
             </a:r>
+          </a:p>
+          <a:p>
+            <a:pPr marL="0" marR="0" indent="0" algn="l" defTabSz="914400" rtl="0" eaLnBrk="1" fontAlgn="auto" latinLnBrk="1" hangingPunct="1">
+              <a:lnSpc>
+                <a:spcPct val="100000"/>
+              </a:lnSpc>
+              <a:spcBef>
+                <a:spcPts val="0"/>
+              </a:spcBef>
+              <a:spcAft>
+                <a:spcPts val="0"/>
+              </a:spcAft>
+              <a:buClrTx/>
+              <a:buSzTx/>
+              <a:buFontTx/>
+              <a:buNone/>
+              <a:tabLst/>
+              <a:defRPr/>
+            </a:pPr>
             <a:endParaRPr lang="en-US" altLang="ko-KR" baseline="0" dirty="0" smtClean="0"/>
+          </a:p>
+          <a:p>
+            <a:r>
+              <a:rPr lang="en-US" altLang="ko-KR" dirty="0" smtClean="0"/>
+              <a:t>-19_12_</a:t>
+            </a:r>
+            <a:r>
+              <a:rPr lang="ko-KR" altLang="en-US" dirty="0" err="1" smtClean="0"/>
+              <a:t>데모고르곤</a:t>
+            </a:r>
+            <a:r>
+              <a:rPr lang="en-US" altLang="ko-KR" dirty="0" smtClean="0"/>
+              <a:t>(F7/1:30~1:38/</a:t>
+            </a:r>
+            <a:r>
+              <a:rPr lang="ko-KR" altLang="en-US" dirty="0" smtClean="0"/>
+              <a:t>발전기 수리</a:t>
+            </a:r>
+            <a:r>
+              <a:rPr lang="en-US" altLang="ko-KR" dirty="0" smtClean="0"/>
+              <a:t>/-/</a:t>
+            </a:r>
+            <a:r>
+              <a:rPr lang="ko-KR" altLang="en-US" dirty="0" err="1" smtClean="0"/>
+              <a:t>게임외잡담</a:t>
+            </a:r>
+            <a:r>
+              <a:rPr lang="en-US" altLang="ko-KR" dirty="0" smtClean="0"/>
+              <a:t>/</a:t>
+            </a:r>
+            <a:r>
+              <a:rPr lang="ko-KR" altLang="en-US" dirty="0" smtClean="0"/>
+              <a:t>자유</a:t>
+            </a:r>
+            <a:r>
+              <a:rPr lang="en-US" altLang="ko-KR" dirty="0" smtClean="0"/>
+              <a:t>)</a:t>
+            </a:r>
+            <a:endParaRPr lang="en-US" altLang="ko-KR" dirty="0" smtClean="0"/>
           </a:p>
         </p:txBody>
       </p:sp>
@@ -1359,7 +1390,287 @@
               <a:rPr lang="en-US" altLang="ko-KR" dirty="0" smtClean="0"/>
               <a:t>)</a:t>
             </a:r>
-            <a:endParaRPr lang="en-US" altLang="ko-KR" baseline="0" dirty="0" smtClean="0"/>
+          </a:p>
+          <a:p>
+            <a:pPr marL="0" marR="0" indent="0" algn="l" defTabSz="914400" rtl="0" eaLnBrk="1" fontAlgn="auto" latinLnBrk="1" hangingPunct="1">
+              <a:lnSpc>
+                <a:spcPct val="100000"/>
+              </a:lnSpc>
+              <a:spcBef>
+                <a:spcPts val="0"/>
+              </a:spcBef>
+              <a:spcAft>
+                <a:spcPts val="0"/>
+              </a:spcAft>
+              <a:buClrTx/>
+              <a:buSzTx/>
+              <a:buFontTx/>
+              <a:buNone/>
+              <a:tabLst/>
+              <a:defRPr/>
+            </a:pPr>
+            <a:endParaRPr lang="en-US" altLang="ko-KR" dirty="0" smtClean="0"/>
+          </a:p>
+          <a:p>
+            <a:pPr marL="0" marR="0" indent="0" algn="l" defTabSz="914400" rtl="0" eaLnBrk="1" fontAlgn="auto" latinLnBrk="1" hangingPunct="1">
+              <a:lnSpc>
+                <a:spcPct val="100000"/>
+              </a:lnSpc>
+              <a:spcBef>
+                <a:spcPts val="0"/>
+              </a:spcBef>
+              <a:spcAft>
+                <a:spcPts val="0"/>
+              </a:spcAft>
+              <a:buClrTx/>
+              <a:buSzTx/>
+              <a:buFontTx/>
+              <a:buNone/>
+              <a:tabLst/>
+              <a:defRPr/>
+            </a:pPr>
+            <a:r>
+              <a:rPr lang="en-US" altLang="ko-KR" dirty="0" smtClean="0"/>
+              <a:t>-19_12_</a:t>
+            </a:r>
+            <a:r>
+              <a:rPr lang="ko-KR" altLang="en-US" dirty="0" err="1" smtClean="0"/>
+              <a:t>데모고르곤</a:t>
+            </a:r>
+            <a:r>
+              <a:rPr lang="en-US" altLang="ko-KR" dirty="0" smtClean="0"/>
+              <a:t>(W2/4:50~5:10/</a:t>
+            </a:r>
+            <a:r>
+              <a:rPr lang="ko-KR" altLang="en-US" dirty="0" smtClean="0"/>
+              <a:t>도망</a:t>
+            </a:r>
+            <a:r>
+              <a:rPr lang="en-US" altLang="ko-KR" dirty="0" smtClean="0"/>
+              <a:t>/</a:t>
+            </a:r>
+            <a:r>
+              <a:rPr lang="ko-KR" altLang="en-US" dirty="0" smtClean="0"/>
+              <a:t>해설</a:t>
+            </a:r>
+            <a:r>
+              <a:rPr lang="en-US" altLang="ko-KR" dirty="0" smtClean="0"/>
+              <a:t>/</a:t>
+            </a:r>
+            <a:r>
+              <a:rPr lang="ko-KR" altLang="en-US" dirty="0" smtClean="0"/>
+              <a:t>상황판단</a:t>
+            </a:r>
+            <a:r>
+              <a:rPr lang="en-US" altLang="ko-KR" dirty="0" smtClean="0"/>
+              <a:t>,</a:t>
+            </a:r>
+            <a:r>
+              <a:rPr lang="ko-KR" altLang="en-US" dirty="0" smtClean="0"/>
+              <a:t>감정표현</a:t>
+            </a:r>
+            <a:r>
+              <a:rPr lang="en-US" altLang="ko-KR" dirty="0" smtClean="0"/>
+              <a:t>/</a:t>
+            </a:r>
+            <a:r>
+              <a:rPr lang="ko-KR" altLang="en-US" dirty="0" err="1" smtClean="0"/>
+              <a:t>상황몰입</a:t>
+            </a:r>
+            <a:r>
+              <a:rPr lang="en-US" altLang="ko-KR" dirty="0" smtClean="0"/>
+              <a:t>,</a:t>
+            </a:r>
+            <a:r>
+              <a:rPr lang="ko-KR" altLang="en-US" dirty="0" err="1" smtClean="0"/>
+              <a:t>흥미유발</a:t>
+            </a:r>
+            <a:r>
+              <a:rPr lang="en-US" altLang="ko-KR" dirty="0" smtClean="0"/>
+              <a:t>)</a:t>
+            </a:r>
+          </a:p>
+          <a:p>
+            <a:pPr marL="0" marR="0" indent="0" algn="l" defTabSz="914400" rtl="0" eaLnBrk="1" fontAlgn="auto" latinLnBrk="1" hangingPunct="1">
+              <a:lnSpc>
+                <a:spcPct val="100000"/>
+              </a:lnSpc>
+              <a:spcBef>
+                <a:spcPts val="0"/>
+              </a:spcBef>
+              <a:spcAft>
+                <a:spcPts val="0"/>
+              </a:spcAft>
+              <a:buClrTx/>
+              <a:buSzTx/>
+              <a:buFontTx/>
+              <a:buNone/>
+              <a:tabLst/>
+              <a:defRPr/>
+            </a:pPr>
+            <a:r>
+              <a:rPr lang="en-US" altLang="ko-KR" dirty="0" smtClean="0"/>
+              <a:t>-19_12_</a:t>
+            </a:r>
+            <a:r>
+              <a:rPr lang="ko-KR" altLang="en-US" dirty="0" err="1" smtClean="0"/>
+              <a:t>데모고르곤</a:t>
+            </a:r>
+            <a:r>
+              <a:rPr lang="en-US" altLang="ko-KR" dirty="0" smtClean="0"/>
+              <a:t>(W2/5:45~6:20/</a:t>
+            </a:r>
+            <a:r>
+              <a:rPr lang="ko-KR" altLang="en-US" dirty="0" smtClean="0"/>
+              <a:t>도망</a:t>
+            </a:r>
+            <a:r>
+              <a:rPr lang="en-US" altLang="ko-KR" dirty="0" smtClean="0"/>
+              <a:t>/</a:t>
+            </a:r>
+            <a:r>
+              <a:rPr lang="ko-KR" altLang="en-US" dirty="0" smtClean="0"/>
+              <a:t>감정표현</a:t>
+            </a:r>
+            <a:r>
+              <a:rPr lang="en-US" altLang="ko-KR" dirty="0" smtClean="0"/>
+              <a:t>,</a:t>
+            </a:r>
+            <a:r>
+              <a:rPr lang="ko-KR" altLang="en-US" dirty="0" smtClean="0"/>
+              <a:t>해설</a:t>
+            </a:r>
+            <a:r>
+              <a:rPr lang="en-US" altLang="ko-KR" dirty="0" smtClean="0"/>
+              <a:t>/</a:t>
+            </a:r>
+            <a:r>
+              <a:rPr lang="ko-KR" altLang="en-US" dirty="0" err="1" smtClean="0"/>
+              <a:t>리액션</a:t>
+            </a:r>
+            <a:r>
+              <a:rPr lang="en-US" altLang="ko-KR" dirty="0" smtClean="0"/>
+              <a:t>,</a:t>
+            </a:r>
+            <a:r>
+              <a:rPr lang="ko-KR" altLang="en-US" dirty="0" err="1" smtClean="0"/>
+              <a:t>드립</a:t>
+            </a:r>
+            <a:r>
+              <a:rPr lang="en-US" altLang="ko-KR" dirty="0" smtClean="0"/>
+              <a:t>,</a:t>
+            </a:r>
+            <a:r>
+              <a:rPr lang="ko-KR" altLang="en-US" dirty="0" smtClean="0"/>
+              <a:t>감정표현</a:t>
+            </a:r>
+            <a:r>
+              <a:rPr lang="en-US" altLang="ko-KR" dirty="0" smtClean="0"/>
+              <a:t>/</a:t>
+            </a:r>
+            <a:r>
+              <a:rPr lang="ko-KR" altLang="en-US" dirty="0" err="1" smtClean="0"/>
+              <a:t>흥미유발</a:t>
+            </a:r>
+            <a:r>
+              <a:rPr lang="en-US" altLang="ko-KR" dirty="0" smtClean="0"/>
+              <a:t>)</a:t>
+            </a:r>
+          </a:p>
+          <a:p>
+            <a:pPr marL="0" marR="0" indent="0" algn="l" defTabSz="914400" rtl="0" eaLnBrk="1" fontAlgn="auto" latinLnBrk="1" hangingPunct="1">
+              <a:lnSpc>
+                <a:spcPct val="100000"/>
+              </a:lnSpc>
+              <a:spcBef>
+                <a:spcPts val="0"/>
+              </a:spcBef>
+              <a:spcAft>
+                <a:spcPts val="0"/>
+              </a:spcAft>
+              <a:buClrTx/>
+              <a:buSzTx/>
+              <a:buFontTx/>
+              <a:buNone/>
+              <a:tabLst/>
+              <a:defRPr/>
+            </a:pPr>
+            <a:r>
+              <a:rPr lang="en-US" altLang="ko-KR" dirty="0" smtClean="0"/>
+              <a:t>-19_12_</a:t>
+            </a:r>
+            <a:r>
+              <a:rPr lang="ko-KR" altLang="en-US" dirty="0" err="1" smtClean="0"/>
+              <a:t>데모고르곤</a:t>
+            </a:r>
+            <a:r>
+              <a:rPr lang="en-US" altLang="ko-KR" dirty="0" smtClean="0"/>
+              <a:t>(W5/7:10~7:47/</a:t>
+            </a:r>
+            <a:r>
+              <a:rPr lang="ko-KR" altLang="en-US" dirty="0" smtClean="0"/>
+              <a:t>갈고리</a:t>
+            </a:r>
+            <a:r>
+              <a:rPr lang="en-US" altLang="ko-KR" dirty="0" smtClean="0"/>
+              <a:t>/</a:t>
+            </a:r>
+            <a:r>
+              <a:rPr lang="ko-KR" altLang="en-US" dirty="0" smtClean="0"/>
+              <a:t>해설</a:t>
+            </a:r>
+            <a:r>
+              <a:rPr lang="en-US" altLang="ko-KR" dirty="0" smtClean="0"/>
+              <a:t>,</a:t>
+            </a:r>
+            <a:r>
+              <a:rPr lang="ko-KR" altLang="en-US" dirty="0" err="1" smtClean="0"/>
+              <a:t>가상대화</a:t>
+            </a:r>
+            <a:r>
+              <a:rPr lang="en-US" altLang="ko-KR" dirty="0" smtClean="0"/>
+              <a:t>/</a:t>
+            </a:r>
+            <a:r>
+              <a:rPr lang="ko-KR" altLang="en-US" dirty="0" err="1" smtClean="0"/>
+              <a:t>리액션</a:t>
+            </a:r>
+            <a:r>
+              <a:rPr lang="en-US" altLang="ko-KR" dirty="0" smtClean="0"/>
+              <a:t>,</a:t>
+            </a:r>
+            <a:r>
+              <a:rPr lang="ko-KR" altLang="en-US" dirty="0" smtClean="0"/>
+              <a:t>상황판단</a:t>
+            </a:r>
+            <a:r>
+              <a:rPr lang="en-US" altLang="ko-KR" dirty="0" smtClean="0"/>
+              <a:t>,</a:t>
+            </a:r>
+            <a:r>
+              <a:rPr lang="ko-KR" altLang="en-US" dirty="0" smtClean="0"/>
+              <a:t>감정표현</a:t>
+            </a:r>
+            <a:r>
+              <a:rPr lang="en-US" altLang="ko-KR" dirty="0" smtClean="0"/>
+              <a:t>/</a:t>
+            </a:r>
+            <a:r>
+              <a:rPr lang="ko-KR" altLang="en-US" dirty="0" err="1" smtClean="0"/>
+              <a:t>상황몰입</a:t>
+            </a:r>
+            <a:r>
+              <a:rPr lang="en-US" altLang="ko-KR" dirty="0" smtClean="0"/>
+              <a:t>,</a:t>
+            </a:r>
+            <a:r>
+              <a:rPr lang="ko-KR" altLang="en-US" dirty="0" err="1" smtClean="0"/>
+              <a:t>흥미유발</a:t>
+            </a:r>
+            <a:r>
+              <a:rPr lang="en-US" altLang="ko-KR" dirty="0" smtClean="0"/>
+              <a:t>)</a:t>
+            </a:r>
           </a:p>
         </p:txBody>
       </p:sp>
@@ -1740,10 +2051,124 @@
               <a:t>소통</a:t>
             </a:r>
             <a:r>
-              <a:rPr lang="en-US" altLang="ko-KR" smtClean="0"/>
+              <a:rPr lang="en-US" altLang="ko-KR" dirty="0" smtClean="0"/>
               <a:t>)</a:t>
             </a:r>
+          </a:p>
+          <a:p>
+            <a:pPr marL="0" marR="0" indent="0" algn="l" defTabSz="914400" rtl="0" eaLnBrk="1" fontAlgn="auto" latinLnBrk="1" hangingPunct="1">
+              <a:lnSpc>
+                <a:spcPct val="100000"/>
+              </a:lnSpc>
+              <a:spcBef>
+                <a:spcPts val="0"/>
+              </a:spcBef>
+              <a:spcAft>
+                <a:spcPts val="0"/>
+              </a:spcAft>
+              <a:buClrTx/>
+              <a:buSzTx/>
+              <a:buFontTx/>
+              <a:buNone/>
+              <a:tabLst/>
+              <a:defRPr/>
+            </a:pPr>
             <a:endParaRPr lang="en-US" altLang="ko-KR" dirty="0" smtClean="0"/>
+          </a:p>
+          <a:p>
+            <a:pPr marL="0" marR="0" indent="0" algn="l" defTabSz="914400" rtl="0" eaLnBrk="1" fontAlgn="auto" latinLnBrk="1" hangingPunct="1">
+              <a:lnSpc>
+                <a:spcPct val="100000"/>
+              </a:lnSpc>
+              <a:spcBef>
+                <a:spcPts val="0"/>
+              </a:spcBef>
+              <a:spcAft>
+                <a:spcPts val="0"/>
+              </a:spcAft>
+              <a:buClrTx/>
+              <a:buSzTx/>
+              <a:buFontTx/>
+              <a:buNone/>
+              <a:tabLst/>
+              <a:defRPr/>
+            </a:pPr>
+            <a:r>
+              <a:rPr lang="en-US" altLang="ko-KR" dirty="0" smtClean="0"/>
+              <a:t>-19_12_</a:t>
+            </a:r>
+            <a:r>
+              <a:rPr lang="ko-KR" altLang="en-US" dirty="0" err="1" smtClean="0"/>
+              <a:t>데모고르곤</a:t>
+            </a:r>
+            <a:r>
+              <a:rPr lang="en-US" altLang="ko-KR" dirty="0" smtClean="0"/>
+              <a:t>(R5/3:35~3:55/</a:t>
+            </a:r>
+            <a:r>
+              <a:rPr lang="ko-KR" altLang="en-US" dirty="0" smtClean="0"/>
+              <a:t>갈고리</a:t>
+            </a:r>
+            <a:r>
+              <a:rPr lang="en-US" altLang="ko-KR" dirty="0" smtClean="0"/>
+              <a:t>/</a:t>
+            </a:r>
+            <a:r>
+              <a:rPr lang="ko-KR" altLang="en-US" dirty="0" smtClean="0"/>
+              <a:t>소통</a:t>
+            </a:r>
+            <a:r>
+              <a:rPr lang="en-US" altLang="ko-KR" dirty="0" smtClean="0"/>
+              <a:t>,</a:t>
+            </a:r>
+            <a:r>
+              <a:rPr lang="ko-KR" altLang="en-US" dirty="0" smtClean="0"/>
+              <a:t> 정보제공</a:t>
+            </a:r>
+            <a:r>
+              <a:rPr lang="en-US" altLang="ko-KR" dirty="0" smtClean="0"/>
+              <a:t>/</a:t>
+            </a:r>
+            <a:r>
+              <a:rPr lang="ko-KR" altLang="en-US" dirty="0" err="1" smtClean="0"/>
+              <a:t>리액션</a:t>
+            </a:r>
+            <a:r>
+              <a:rPr lang="en-US" altLang="ko-KR" dirty="0" smtClean="0"/>
+              <a:t>,</a:t>
+            </a:r>
+            <a:r>
+              <a:rPr lang="ko-KR" altLang="en-US" dirty="0" err="1" smtClean="0"/>
+              <a:t>드립</a:t>
+            </a:r>
+            <a:r>
+              <a:rPr lang="en-US" altLang="ko-KR" dirty="0" smtClean="0"/>
+              <a:t>,</a:t>
+            </a:r>
+            <a:r>
+              <a:rPr lang="ko-KR" altLang="en-US" dirty="0" smtClean="0"/>
+              <a:t>질의응답</a:t>
+            </a:r>
+            <a:r>
+              <a:rPr lang="en-US" altLang="ko-KR" dirty="0" smtClean="0"/>
+              <a:t>/</a:t>
+            </a:r>
+            <a:r>
+              <a:rPr lang="ko-KR" altLang="en-US" dirty="0" smtClean="0"/>
+              <a:t>자유</a:t>
+            </a:r>
+            <a:r>
+              <a:rPr lang="en-US" altLang="ko-KR" dirty="0" smtClean="0"/>
+              <a:t>,</a:t>
+            </a:r>
+            <a:r>
+              <a:rPr lang="ko-KR" altLang="en-US" dirty="0" smtClean="0"/>
+              <a:t>정보습득</a:t>
+            </a:r>
+            <a:r>
+              <a:rPr lang="en-US" altLang="ko-KR" dirty="0" smtClean="0"/>
+              <a:t>)</a:t>
+            </a:r>
           </a:p>
         </p:txBody>
       </p:sp>
@@ -1961,7 +2386,214 @@
               <a:rPr lang="en-US" altLang="ko-KR" dirty="0" smtClean="0"/>
               <a:t>)</a:t>
             </a:r>
+          </a:p>
+          <a:p>
             <a:endParaRPr lang="en-US" altLang="ko-KR" baseline="0" dirty="0" smtClean="0"/>
+          </a:p>
+          <a:p>
+            <a:pPr marL="0" marR="0" indent="0" algn="l" defTabSz="914400" rtl="0" eaLnBrk="1" fontAlgn="auto" latinLnBrk="1" hangingPunct="1">
+              <a:lnSpc>
+                <a:spcPct val="100000"/>
+              </a:lnSpc>
+              <a:spcBef>
+                <a:spcPts val="0"/>
+              </a:spcBef>
+              <a:spcAft>
+                <a:spcPts val="0"/>
+              </a:spcAft>
+              <a:buClrTx/>
+              <a:buSzTx/>
+              <a:buFontTx/>
+              <a:buNone/>
+              <a:tabLst/>
+              <a:defRPr/>
+            </a:pPr>
+            <a:r>
+              <a:rPr lang="en-US" altLang="ko-KR" dirty="0" smtClean="0"/>
+              <a:t>-19_12_</a:t>
+            </a:r>
+            <a:r>
+              <a:rPr lang="ko-KR" altLang="en-US" dirty="0" err="1" smtClean="0"/>
+              <a:t>데모고르곤</a:t>
+            </a:r>
+            <a:r>
+              <a:rPr lang="en-US" altLang="ko-KR" dirty="0" smtClean="0"/>
+              <a:t>(U2/1:43~1:55/</a:t>
+            </a:r>
+            <a:r>
+              <a:rPr lang="ko-KR" altLang="en-US" dirty="0" smtClean="0"/>
+              <a:t>도망</a:t>
+            </a:r>
+            <a:r>
+              <a:rPr lang="en-US" altLang="ko-KR" dirty="0" smtClean="0"/>
+              <a:t>/</a:t>
+            </a:r>
+            <a:r>
+              <a:rPr lang="ko-KR" altLang="en-US" dirty="0" smtClean="0"/>
+              <a:t>해설</a:t>
+            </a:r>
+            <a:r>
+              <a:rPr lang="en-US" altLang="ko-KR" dirty="0" smtClean="0"/>
+              <a:t>/</a:t>
+            </a:r>
+            <a:r>
+              <a:rPr lang="ko-KR" altLang="en-US" dirty="0" err="1" smtClean="0"/>
+              <a:t>리액션</a:t>
+            </a:r>
+            <a:r>
+              <a:rPr lang="en-US" altLang="ko-KR" dirty="0" smtClean="0"/>
+              <a:t>,</a:t>
+            </a:r>
+            <a:r>
+              <a:rPr lang="ko-KR" altLang="en-US" dirty="0" err="1" smtClean="0"/>
+              <a:t>드립</a:t>
+            </a:r>
+            <a:r>
+              <a:rPr lang="en-US" altLang="ko-KR" dirty="0" smtClean="0"/>
+              <a:t>,</a:t>
+            </a:r>
+            <a:r>
+              <a:rPr lang="ko-KR" altLang="en-US" dirty="0" err="1" smtClean="0"/>
+              <a:t>게임외잡담</a:t>
+            </a:r>
+            <a:r>
+              <a:rPr lang="en-US" altLang="ko-KR" dirty="0" smtClean="0"/>
+              <a:t>/</a:t>
+            </a:r>
+            <a:r>
+              <a:rPr lang="ko-KR" altLang="en-US" dirty="0" smtClean="0"/>
+              <a:t>자유</a:t>
+            </a:r>
+            <a:r>
+              <a:rPr lang="en-US" altLang="ko-KR" dirty="0" smtClean="0"/>
+              <a:t>,</a:t>
+            </a:r>
+            <a:r>
+              <a:rPr lang="ko-KR" altLang="en-US" dirty="0" smtClean="0"/>
+              <a:t>주의환기</a:t>
+            </a:r>
+            <a:r>
+              <a:rPr lang="en-US" altLang="ko-KR" dirty="0" smtClean="0"/>
+              <a:t>)</a:t>
+            </a:r>
+          </a:p>
+          <a:p>
+            <a:pPr marL="0" marR="0" indent="0" algn="l" defTabSz="914400" rtl="0" eaLnBrk="1" fontAlgn="auto" latinLnBrk="1" hangingPunct="1">
+              <a:lnSpc>
+                <a:spcPct val="100000"/>
+              </a:lnSpc>
+              <a:spcBef>
+                <a:spcPts val="0"/>
+              </a:spcBef>
+              <a:spcAft>
+                <a:spcPts val="0"/>
+              </a:spcAft>
+              <a:buClrTx/>
+              <a:buSzTx/>
+              <a:buFontTx/>
+              <a:buNone/>
+              <a:tabLst/>
+              <a:defRPr/>
+            </a:pPr>
+            <a:r>
+              <a:rPr lang="en-US" altLang="ko-KR" dirty="0" smtClean="0"/>
+              <a:t>-19_12_</a:t>
+            </a:r>
+            <a:r>
+              <a:rPr lang="ko-KR" altLang="en-US" dirty="0" err="1" smtClean="0"/>
+              <a:t>데모고르곤</a:t>
+            </a:r>
+            <a:r>
+              <a:rPr lang="en-US" altLang="ko-KR" dirty="0" smtClean="0"/>
+              <a:t>(U2/4:30~4:50/</a:t>
+            </a:r>
+            <a:r>
+              <a:rPr lang="ko-KR" altLang="en-US" dirty="0" smtClean="0"/>
+              <a:t>도망</a:t>
+            </a:r>
+            <a:r>
+              <a:rPr lang="en-US" altLang="ko-KR" dirty="0" smtClean="0"/>
+              <a:t>/</a:t>
+            </a:r>
+            <a:r>
+              <a:rPr lang="ko-KR" altLang="en-US" dirty="0" smtClean="0"/>
+              <a:t>해설</a:t>
+            </a:r>
+            <a:r>
+              <a:rPr lang="en-US" altLang="ko-KR" dirty="0" smtClean="0"/>
+              <a:t>/-/</a:t>
+            </a:r>
+            <a:r>
+              <a:rPr lang="ko-KR" altLang="en-US" dirty="0" err="1" smtClean="0"/>
+              <a:t>상황몰입</a:t>
+            </a:r>
+            <a:r>
+              <a:rPr lang="en-US" altLang="ko-KR" dirty="0" smtClean="0"/>
+              <a:t>)</a:t>
+            </a:r>
+          </a:p>
+          <a:p>
+            <a:pPr marL="0" marR="0" indent="0" algn="l" defTabSz="914400" rtl="0" eaLnBrk="1" fontAlgn="auto" latinLnBrk="1" hangingPunct="1">
+              <a:lnSpc>
+                <a:spcPct val="100000"/>
+              </a:lnSpc>
+              <a:spcBef>
+                <a:spcPts val="0"/>
+              </a:spcBef>
+              <a:spcAft>
+                <a:spcPts val="0"/>
+              </a:spcAft>
+              <a:buClrTx/>
+              <a:buSzTx/>
+              <a:buFontTx/>
+              <a:buNone/>
+              <a:tabLst/>
+              <a:defRPr/>
+            </a:pPr>
+            <a:r>
+              <a:rPr lang="en-US" altLang="ko-KR" dirty="0" smtClean="0"/>
+              <a:t>-19_12_</a:t>
+            </a:r>
+            <a:r>
+              <a:rPr lang="ko-KR" altLang="en-US" dirty="0" err="1" smtClean="0"/>
+              <a:t>데모고르곤</a:t>
+            </a:r>
+            <a:r>
+              <a:rPr lang="en-US" altLang="ko-KR" dirty="0" smtClean="0"/>
+              <a:t>(U2/9:50~10:05/</a:t>
+            </a:r>
+            <a:r>
+              <a:rPr lang="ko-KR" altLang="en-US" dirty="0" smtClean="0"/>
+              <a:t>치료받기</a:t>
+            </a:r>
+            <a:r>
+              <a:rPr lang="en-US" altLang="ko-KR" dirty="0" smtClean="0"/>
+              <a:t>/</a:t>
+            </a:r>
+            <a:r>
+              <a:rPr lang="ko-KR" altLang="en-US" dirty="0" smtClean="0"/>
+              <a:t>해설</a:t>
+            </a:r>
+            <a:r>
+              <a:rPr lang="en-US" altLang="ko-KR" dirty="0" smtClean="0"/>
+              <a:t>/</a:t>
+            </a:r>
+            <a:r>
+              <a:rPr lang="ko-KR" altLang="en-US" dirty="0" smtClean="0"/>
+              <a:t>상황판단</a:t>
+            </a:r>
+            <a:r>
+              <a:rPr lang="en-US" altLang="ko-KR" dirty="0" smtClean="0"/>
+              <a:t>/</a:t>
+            </a:r>
+            <a:r>
+              <a:rPr lang="ko-KR" altLang="en-US" dirty="0" err="1" smtClean="0"/>
+              <a:t>상황몰입</a:t>
+            </a:r>
+            <a:r>
+              <a:rPr lang="en-US" altLang="ko-KR" dirty="0" smtClean="0"/>
+              <a:t>)</a:t>
+            </a:r>
           </a:p>
         </p:txBody>
       </p:sp>
@@ -3170,7 +3802,7 @@
               <a:t>,</a:t>
             </a:r>
             <a:r>
-              <a:rPr lang="ko-KR" altLang="en-US" dirty="0" smtClean="0"/>
+              <a:rPr lang="ko-KR" altLang="en-US" dirty="0" err="1" smtClean="0"/>
               <a:t>흥미유발</a:t>
             </a:r>
             <a:r>
@@ -3198,13 +3830,318 @@
             </a:pPr>
             <a:r>
               <a:rPr lang="en-US" altLang="ko-KR" dirty="0" smtClean="0"/>
-              <a:t>25</a:t>
+              <a:t>-20_01_</a:t>
+            </a:r>
+            <a:r>
+              <a:rPr lang="ko-KR" altLang="en-US" dirty="0" err="1" smtClean="0"/>
+              <a:t>스피릿</a:t>
+            </a:r>
+            <a:r>
+              <a:rPr lang="en-US" altLang="ko-KR" dirty="0" smtClean="0"/>
+              <a:t>(F8-F10-F13-R5-W4/14:50~15:35/</a:t>
             </a:r>
             <a:r>
               <a:rPr lang="ko-KR" altLang="en-US" dirty="0" smtClean="0"/>
-              <a:t>슬라이드까지</a:t>
-            </a:r>
-            <a:endParaRPr lang="en-US" altLang="ko-KR" dirty="0" smtClean="0"/>
+              <a:t>도망</a:t>
+            </a:r>
+            <a:r>
+              <a:rPr lang="en-US" altLang="ko-KR" dirty="0" smtClean="0"/>
+              <a:t>,</a:t>
+            </a:r>
+            <a:r>
+              <a:rPr lang="ko-KR" altLang="en-US" dirty="0" smtClean="0"/>
+              <a:t>수색</a:t>
+            </a:r>
+            <a:r>
+              <a:rPr lang="en-US" altLang="ko-KR" dirty="0" smtClean="0"/>
+              <a:t>/</a:t>
+            </a:r>
+            <a:r>
+              <a:rPr lang="ko-KR" altLang="en-US" dirty="0" err="1" smtClean="0"/>
+              <a:t>드립</a:t>
+            </a:r>
+            <a:r>
+              <a:rPr lang="en-US" altLang="ko-KR" dirty="0" smtClean="0"/>
+              <a:t>,</a:t>
+            </a:r>
+            <a:r>
+              <a:rPr lang="ko-KR" altLang="en-US" dirty="0" smtClean="0"/>
+              <a:t>감정표현</a:t>
+            </a:r>
+            <a:r>
+              <a:rPr lang="en-US" altLang="ko-KR" dirty="0" smtClean="0"/>
+              <a:t>,</a:t>
+            </a:r>
+            <a:r>
+              <a:rPr lang="ko-KR" altLang="en-US" dirty="0" smtClean="0"/>
+              <a:t>소통</a:t>
+            </a:r>
+            <a:r>
+              <a:rPr lang="en-US" altLang="ko-KR" dirty="0" smtClean="0"/>
+              <a:t>/</a:t>
+            </a:r>
+            <a:r>
+              <a:rPr lang="ko-KR" altLang="en-US" dirty="0" smtClean="0"/>
+              <a:t>감정표현</a:t>
+            </a:r>
+            <a:r>
+              <a:rPr lang="en-US" altLang="ko-KR" dirty="0" smtClean="0"/>
+              <a:t>,</a:t>
+            </a:r>
+            <a:r>
+              <a:rPr lang="ko-KR" altLang="en-US" dirty="0" err="1" smtClean="0"/>
+              <a:t>리액션</a:t>
+            </a:r>
+            <a:r>
+              <a:rPr lang="en-US" altLang="ko-KR" dirty="0" smtClean="0"/>
+              <a:t>,</a:t>
+            </a:r>
+            <a:r>
+              <a:rPr lang="ko-KR" altLang="en-US" dirty="0" smtClean="0"/>
+              <a:t>감정이입</a:t>
+            </a:r>
+            <a:r>
+              <a:rPr lang="en-US" altLang="ko-KR" dirty="0" smtClean="0"/>
+              <a:t>,</a:t>
+            </a:r>
+            <a:r>
+              <a:rPr lang="ko-KR" altLang="en-US" dirty="0" smtClean="0"/>
+              <a:t>상황판단</a:t>
+            </a:r>
+            <a:r>
+              <a:rPr lang="en-US" altLang="ko-KR" dirty="0" smtClean="0"/>
+              <a:t>/</a:t>
+            </a:r>
+            <a:r>
+              <a:rPr lang="ko-KR" altLang="en-US" dirty="0" err="1" smtClean="0"/>
+              <a:t>상황몰입</a:t>
+            </a:r>
+            <a:r>
+              <a:rPr lang="en-US" altLang="ko-KR" dirty="0" smtClean="0"/>
+              <a:t>,</a:t>
+            </a:r>
+            <a:r>
+              <a:rPr lang="ko-KR" altLang="en-US" dirty="0" err="1" smtClean="0"/>
+              <a:t>흥미유발</a:t>
+            </a:r>
+            <a:r>
+              <a:rPr lang="en-US" altLang="ko-KR" dirty="0" smtClean="0"/>
+              <a:t>)</a:t>
+            </a:r>
+          </a:p>
+          <a:p>
+            <a:pPr marL="0" marR="0" indent="0" algn="l" defTabSz="914400" rtl="0" eaLnBrk="1" fontAlgn="auto" latinLnBrk="1" hangingPunct="1">
+              <a:lnSpc>
+                <a:spcPct val="100000"/>
+              </a:lnSpc>
+              <a:spcBef>
+                <a:spcPts val="0"/>
+              </a:spcBef>
+              <a:spcAft>
+                <a:spcPts val="0"/>
+              </a:spcAft>
+              <a:buClrTx/>
+              <a:buSzTx/>
+              <a:buFontTx/>
+              <a:buNone/>
+              <a:tabLst/>
+              <a:defRPr/>
+            </a:pPr>
+            <a:r>
+              <a:rPr lang="en-US" altLang="ko-KR" dirty="0" smtClean="0"/>
+              <a:t>-20_01_</a:t>
+            </a:r>
+            <a:r>
+              <a:rPr lang="ko-KR" altLang="en-US" dirty="0" err="1" smtClean="0"/>
+              <a:t>스피릿</a:t>
+            </a:r>
+            <a:r>
+              <a:rPr lang="en-US" altLang="ko-KR" dirty="0" smtClean="0"/>
+              <a:t>(W4-U1-W2-W3-W5-W7-F10-F12-F6/15:35~17:00/</a:t>
+            </a:r>
+            <a:r>
+              <a:rPr lang="ko-KR" altLang="en-US" dirty="0" smtClean="0"/>
+              <a:t>이동</a:t>
+            </a:r>
+            <a:r>
+              <a:rPr lang="en-US" altLang="ko-KR" dirty="0" smtClean="0"/>
+              <a:t>,</a:t>
+            </a:r>
+            <a:r>
+              <a:rPr lang="ko-KR" altLang="en-US" dirty="0" smtClean="0"/>
+              <a:t>수색</a:t>
+            </a:r>
+            <a:r>
+              <a:rPr lang="en-US" altLang="ko-KR" dirty="0" smtClean="0"/>
+              <a:t>/</a:t>
+            </a:r>
+            <a:r>
+              <a:rPr lang="ko-KR" altLang="en-US" dirty="0" smtClean="0"/>
+              <a:t>감정표현</a:t>
+            </a:r>
+            <a:r>
+              <a:rPr lang="en-US" altLang="ko-KR" dirty="0" smtClean="0"/>
+              <a:t>,</a:t>
+            </a:r>
+            <a:r>
+              <a:rPr lang="ko-KR" altLang="en-US" dirty="0" smtClean="0"/>
+              <a:t>소통</a:t>
+            </a:r>
+            <a:r>
+              <a:rPr lang="en-US" altLang="ko-KR" dirty="0" smtClean="0"/>
+              <a:t>/</a:t>
+            </a:r>
+            <a:r>
+              <a:rPr lang="ko-KR" altLang="en-US" dirty="0" smtClean="0"/>
+              <a:t>상황판단</a:t>
+            </a:r>
+            <a:r>
+              <a:rPr lang="en-US" altLang="ko-KR" dirty="0" smtClean="0"/>
+              <a:t>,</a:t>
+            </a:r>
+            <a:r>
+              <a:rPr lang="ko-KR" altLang="en-US" dirty="0" err="1" smtClean="0"/>
+              <a:t>리액션</a:t>
+            </a:r>
+            <a:r>
+              <a:rPr lang="en-US" altLang="ko-KR" dirty="0" smtClean="0"/>
+              <a:t>,</a:t>
+            </a:r>
+            <a:r>
+              <a:rPr lang="ko-KR" altLang="en-US" dirty="0" smtClean="0"/>
+              <a:t>소통</a:t>
+            </a:r>
+            <a:r>
+              <a:rPr lang="en-US" altLang="ko-KR" dirty="0" smtClean="0"/>
+              <a:t>/</a:t>
+            </a:r>
+            <a:r>
+              <a:rPr lang="ko-KR" altLang="en-US" dirty="0" err="1" smtClean="0"/>
+              <a:t>상황몰입</a:t>
+            </a:r>
+            <a:r>
+              <a:rPr lang="en-US" altLang="ko-KR" dirty="0" smtClean="0"/>
+              <a:t>,</a:t>
+            </a:r>
+            <a:r>
+              <a:rPr lang="ko-KR" altLang="en-US" dirty="0" smtClean="0"/>
+              <a:t>소통</a:t>
+            </a:r>
+            <a:r>
+              <a:rPr lang="en-US" altLang="ko-KR" dirty="0" smtClean="0"/>
+              <a:t>)</a:t>
+            </a:r>
+          </a:p>
+          <a:p>
+            <a:pPr marL="0" marR="0" indent="0" algn="l" defTabSz="914400" rtl="0" eaLnBrk="1" fontAlgn="auto" latinLnBrk="1" hangingPunct="1">
+              <a:lnSpc>
+                <a:spcPct val="100000"/>
+              </a:lnSpc>
+              <a:spcBef>
+                <a:spcPts val="0"/>
+              </a:spcBef>
+              <a:spcAft>
+                <a:spcPts val="0"/>
+              </a:spcAft>
+              <a:buClrTx/>
+              <a:buSzTx/>
+              <a:buFontTx/>
+              <a:buNone/>
+              <a:tabLst/>
+              <a:defRPr/>
+            </a:pPr>
+            <a:r>
+              <a:rPr lang="en-US" altLang="ko-KR" dirty="0" smtClean="0"/>
+              <a:t>-20_01_</a:t>
+            </a:r>
+            <a:r>
+              <a:rPr lang="ko-KR" altLang="en-US" dirty="0" err="1" smtClean="0"/>
+              <a:t>스피릿</a:t>
+            </a:r>
+            <a:r>
+              <a:rPr lang="en-US" altLang="ko-KR" dirty="0" smtClean="0"/>
+              <a:t>(U1-W2-W3-W5-F14-F8/17:00~18:10/</a:t>
+            </a:r>
+            <a:r>
+              <a:rPr lang="ko-KR" altLang="en-US" dirty="0" smtClean="0"/>
+              <a:t>이동</a:t>
+            </a:r>
+            <a:r>
+              <a:rPr lang="en-US" altLang="ko-KR" dirty="0" smtClean="0"/>
+              <a:t>,</a:t>
+            </a:r>
+            <a:r>
+              <a:rPr lang="ko-KR" altLang="en-US" dirty="0" smtClean="0"/>
+              <a:t>수색</a:t>
+            </a:r>
+            <a:r>
+              <a:rPr lang="en-US" altLang="ko-KR" dirty="0" smtClean="0"/>
+              <a:t>,</a:t>
+            </a:r>
+            <a:r>
+              <a:rPr lang="ko-KR" altLang="en-US" dirty="0" smtClean="0"/>
+              <a:t>사망</a:t>
+            </a:r>
+            <a:r>
+              <a:rPr lang="en-US" altLang="ko-KR" dirty="0" smtClean="0"/>
+              <a:t>/</a:t>
+            </a:r>
+            <a:r>
+              <a:rPr lang="ko-KR" altLang="en-US" dirty="0" err="1" smtClean="0"/>
+              <a:t>가상대화</a:t>
+            </a:r>
+            <a:r>
+              <a:rPr lang="en-US" altLang="ko-KR" dirty="0" smtClean="0"/>
+              <a:t>,</a:t>
+            </a:r>
+            <a:r>
+              <a:rPr lang="ko-KR" altLang="en-US" dirty="0" smtClean="0"/>
+              <a:t>감정표현</a:t>
+            </a:r>
+            <a:r>
+              <a:rPr lang="en-US" altLang="ko-KR" dirty="0" smtClean="0"/>
+              <a:t>/</a:t>
+            </a:r>
+            <a:r>
+              <a:rPr lang="ko-KR" altLang="en-US" dirty="0" smtClean="0"/>
+              <a:t>상황판단</a:t>
+            </a:r>
+            <a:r>
+              <a:rPr lang="en-US" altLang="ko-KR" dirty="0" smtClean="0"/>
+              <a:t>,</a:t>
+            </a:r>
+            <a:r>
+              <a:rPr lang="ko-KR" altLang="en-US" dirty="0" err="1" smtClean="0"/>
+              <a:t>리액션</a:t>
+            </a:r>
+            <a:r>
+              <a:rPr lang="en-US" altLang="ko-KR" dirty="0" smtClean="0"/>
+              <a:t>,</a:t>
+            </a:r>
+            <a:r>
+              <a:rPr lang="ko-KR" altLang="en-US" dirty="0" smtClean="0"/>
+              <a:t>감정표현</a:t>
+            </a:r>
+            <a:r>
+              <a:rPr lang="en-US" altLang="ko-KR" dirty="0" smtClean="0"/>
+              <a:t>/</a:t>
+            </a:r>
+            <a:r>
+              <a:rPr lang="ko-KR" altLang="en-US" dirty="0" err="1" smtClean="0"/>
+              <a:t>상황몰입</a:t>
+            </a:r>
+            <a:r>
+              <a:rPr lang="en-US" altLang="ko-KR" dirty="0" smtClean="0"/>
+              <a:t>,</a:t>
+            </a:r>
+            <a:r>
+              <a:rPr lang="ko-KR" altLang="en-US" dirty="0" err="1" smtClean="0"/>
+              <a:t>흥미유발</a:t>
+            </a:r>
+            <a:r>
+              <a:rPr lang="en-US" altLang="ko-KR" dirty="0" smtClean="0"/>
+              <a:t>)</a:t>
+            </a:r>
           </a:p>
         </p:txBody>
       </p:sp>
@@ -3235,6 +4172,849 @@
     <p:extLst>
       <p:ext uri="{BB962C8B-B14F-4D97-AF65-F5344CB8AC3E}">
         <p14:creationId xmlns:p14="http://schemas.microsoft.com/office/powerpoint/2010/main" val="3579056379"/>
+      </p:ext>
+    </p:extLst>
+  </p:cSld>
+  <p:clrMapOvr>
+    <a:masterClrMapping/>
+  </p:clrMapOvr>
+</p:notes>
+</file>
+
+<file path=ppt/notesSlides/notesSlide9.xml><?xml version="1.0" encoding="utf-8"?>
+<p:notes xmlns:a="http://schemas.openxmlformats.org/drawingml/2006/main" xmlns:r="http://schemas.openxmlformats.org/officeDocument/2006/relationships" xmlns:p="http://schemas.openxmlformats.org/presentationml/2006/main">
+  <p:cSld>
+    <p:spTree>
+      <p:nvGrpSpPr>
+        <p:cNvPr id="1" name=""/>
+        <p:cNvGrpSpPr/>
+        <p:nvPr/>
+      </p:nvGrpSpPr>
+      <p:grpSpPr>
+        <a:xfrm>
+          <a:off x="0" y="0"/>
+          <a:ext cx="0" cy="0"/>
+          <a:chOff x="0" y="0"/>
+          <a:chExt cx="0" cy="0"/>
+        </a:xfrm>
+      </p:grpSpPr>
+      <p:sp>
+        <p:nvSpPr>
+          <p:cNvPr id="2" name="슬라이드 이미지 개체 틀 1"/>
+          <p:cNvSpPr>
+            <a:spLocks noGrp="1" noRot="1" noChangeAspect="1"/>
+          </p:cNvSpPr>
+          <p:nvPr>
+            <p:ph type="sldImg"/>
+          </p:nvPr>
+        </p:nvSpPr>
+        <p:spPr/>
+      </p:sp>
+      <p:sp>
+        <p:nvSpPr>
+          <p:cNvPr id="3" name="슬라이드 노트 개체 틀 2"/>
+          <p:cNvSpPr>
+            <a:spLocks noGrp="1"/>
+          </p:cNvSpPr>
+          <p:nvPr>
+            <p:ph type="body" idx="1"/>
+          </p:nvPr>
+        </p:nvSpPr>
+        <p:spPr/>
+        <p:txBody>
+          <a:bodyPr/>
+          <a:lstStyle/>
+          <a:p>
+            <a:r>
+              <a:rPr lang="en-US" altLang="ko-KR" dirty="0" smtClean="0"/>
+              <a:t>=</a:t>
+            </a:r>
+            <a:r>
+              <a:rPr lang="ko-KR" altLang="en-US" dirty="0" smtClean="0"/>
+              <a:t>방문 지역 </a:t>
+            </a:r>
+            <a:r>
+              <a:rPr lang="en-US" altLang="ko-KR" dirty="0" smtClean="0"/>
+              <a:t>/ </a:t>
+            </a:r>
+            <a:r>
+              <a:rPr lang="ko-KR" altLang="en-US" baseline="0" dirty="0" smtClean="0"/>
+              <a:t>방문 시간 </a:t>
+            </a:r>
+            <a:r>
+              <a:rPr lang="en-US" altLang="ko-KR" baseline="0" dirty="0" smtClean="0"/>
+              <a:t>/ </a:t>
+            </a:r>
+            <a:r>
+              <a:rPr lang="ko-KR" altLang="en-US" baseline="0" dirty="0" smtClean="0"/>
+              <a:t>이벤트 </a:t>
+            </a:r>
+            <a:r>
+              <a:rPr lang="en-US" altLang="ko-KR" baseline="0" dirty="0" smtClean="0"/>
+              <a:t>/ </a:t>
+            </a:r>
+            <a:r>
+              <a:rPr lang="ko-KR" altLang="en-US" baseline="0" dirty="0" err="1" smtClean="0"/>
+              <a:t>멘트</a:t>
+            </a:r>
+            <a:r>
+              <a:rPr lang="ko-KR" altLang="en-US" baseline="0" dirty="0" smtClean="0"/>
+              <a:t> </a:t>
+            </a:r>
+            <a:r>
+              <a:rPr lang="en-US" altLang="ko-KR" baseline="0" dirty="0" smtClean="0"/>
+              <a:t>/ </a:t>
+            </a:r>
+            <a:r>
+              <a:rPr lang="ko-KR" altLang="en-US" baseline="0" dirty="0" smtClean="0"/>
+              <a:t>채팅 </a:t>
+            </a:r>
+            <a:r>
+              <a:rPr lang="en-US" altLang="ko-KR" baseline="0" dirty="0" smtClean="0"/>
+              <a:t>/ </a:t>
+            </a:r>
+            <a:r>
+              <a:rPr lang="ko-KR" altLang="en-US" baseline="0" dirty="0" smtClean="0"/>
+              <a:t>역할</a:t>
+            </a:r>
+            <a:r>
+              <a:rPr lang="en-US" altLang="ko-KR" baseline="0" dirty="0" smtClean="0"/>
+              <a:t>=</a:t>
+            </a:r>
+          </a:p>
+          <a:p>
+            <a:pPr marL="0" marR="0" indent="0" algn="l" defTabSz="914400" rtl="0" eaLnBrk="1" fontAlgn="auto" latinLnBrk="1" hangingPunct="1">
+              <a:lnSpc>
+                <a:spcPct val="100000"/>
+              </a:lnSpc>
+              <a:spcBef>
+                <a:spcPts val="0"/>
+              </a:spcBef>
+              <a:spcAft>
+                <a:spcPts val="0"/>
+              </a:spcAft>
+              <a:buClrTx/>
+              <a:buSzTx/>
+              <a:buFontTx/>
+              <a:buNone/>
+              <a:tabLst/>
+              <a:defRPr/>
+            </a:pPr>
+            <a:r>
+              <a:rPr lang="en-US" altLang="ko-KR" dirty="0" smtClean="0"/>
+              <a:t>-19_12_</a:t>
+            </a:r>
+            <a:r>
+              <a:rPr lang="ko-KR" altLang="en-US" dirty="0" err="1" smtClean="0"/>
+              <a:t>데모고르곤</a:t>
+            </a:r>
+            <a:r>
+              <a:rPr lang="en-US" altLang="ko-KR" dirty="0" smtClean="0"/>
+              <a:t>(W3-F3-F7/1:05~1:30/</a:t>
+            </a:r>
+            <a:r>
+              <a:rPr lang="ko-KR" altLang="en-US" dirty="0" smtClean="0"/>
+              <a:t>이동</a:t>
+            </a:r>
+            <a:r>
+              <a:rPr lang="en-US" altLang="ko-KR" dirty="0" smtClean="0"/>
+              <a:t>,</a:t>
+            </a:r>
+            <a:r>
+              <a:rPr lang="ko-KR" altLang="en-US" dirty="0" smtClean="0"/>
+              <a:t>수색</a:t>
+            </a:r>
+            <a:r>
+              <a:rPr lang="en-US" altLang="ko-KR" dirty="0" smtClean="0"/>
+              <a:t>/</a:t>
+            </a:r>
+            <a:r>
+              <a:rPr lang="ko-KR" altLang="en-US" dirty="0" err="1" smtClean="0"/>
+              <a:t>게임외잡담</a:t>
+            </a:r>
+            <a:r>
+              <a:rPr lang="en-US" altLang="ko-KR" dirty="0" smtClean="0"/>
+              <a:t>/</a:t>
+            </a:r>
+            <a:r>
+              <a:rPr lang="ko-KR" altLang="en-US" dirty="0" err="1" smtClean="0"/>
+              <a:t>리액션</a:t>
+            </a:r>
+            <a:r>
+              <a:rPr lang="en-US" altLang="ko-KR" dirty="0" smtClean="0"/>
+              <a:t>,</a:t>
+            </a:r>
+            <a:r>
+              <a:rPr lang="ko-KR" altLang="en-US" dirty="0" err="1" smtClean="0"/>
+              <a:t>게임외잡담</a:t>
+            </a:r>
+            <a:r>
+              <a:rPr lang="en-US" altLang="ko-KR" dirty="0" smtClean="0"/>
+              <a:t>/</a:t>
+            </a:r>
+            <a:r>
+              <a:rPr lang="ko-KR" altLang="en-US" dirty="0" smtClean="0"/>
+              <a:t>시작지점</a:t>
+            </a:r>
+            <a:r>
+              <a:rPr lang="en-US" altLang="ko-KR" dirty="0" smtClean="0"/>
+              <a:t>,</a:t>
+            </a:r>
+            <a:r>
+              <a:rPr lang="ko-KR" altLang="en-US" dirty="0" smtClean="0"/>
+              <a:t>자유</a:t>
+            </a:r>
+            <a:r>
+              <a:rPr lang="en-US" altLang="ko-KR" dirty="0" smtClean="0"/>
+              <a:t>)</a:t>
+            </a:r>
+          </a:p>
+          <a:p>
+            <a:pPr marL="0" marR="0" indent="0" algn="l" defTabSz="914400" rtl="0" eaLnBrk="1" fontAlgn="auto" latinLnBrk="1" hangingPunct="1">
+              <a:lnSpc>
+                <a:spcPct val="100000"/>
+              </a:lnSpc>
+              <a:spcBef>
+                <a:spcPts val="0"/>
+              </a:spcBef>
+              <a:spcAft>
+                <a:spcPts val="0"/>
+              </a:spcAft>
+              <a:buClrTx/>
+              <a:buSzTx/>
+              <a:buFontTx/>
+              <a:buNone/>
+              <a:tabLst/>
+              <a:defRPr/>
+            </a:pPr>
+            <a:r>
+              <a:rPr lang="en-US" altLang="ko-KR" dirty="0" smtClean="0"/>
+              <a:t>-19_12_</a:t>
+            </a:r>
+            <a:r>
+              <a:rPr lang="ko-KR" altLang="en-US" dirty="0" err="1" smtClean="0"/>
+              <a:t>데모고르곤</a:t>
+            </a:r>
+            <a:r>
+              <a:rPr lang="en-US" altLang="ko-KR" dirty="0" smtClean="0"/>
+              <a:t>(U2-F3-W2-W1/1:55~2:30/</a:t>
+            </a:r>
+            <a:r>
+              <a:rPr lang="ko-KR" altLang="en-US" dirty="0" smtClean="0"/>
+              <a:t>도망</a:t>
+            </a:r>
+            <a:r>
+              <a:rPr lang="en-US" altLang="ko-KR" dirty="0" smtClean="0"/>
+              <a:t>/</a:t>
+            </a:r>
+            <a:r>
+              <a:rPr lang="ko-KR" altLang="en-US" dirty="0" smtClean="0"/>
+              <a:t>해설</a:t>
+            </a:r>
+            <a:r>
+              <a:rPr lang="en-US" altLang="ko-KR" dirty="0" smtClean="0"/>
+              <a:t>,</a:t>
+            </a:r>
+            <a:r>
+              <a:rPr lang="ko-KR" altLang="en-US" dirty="0" err="1" smtClean="0"/>
+              <a:t>게임외잡담</a:t>
+            </a:r>
+            <a:r>
+              <a:rPr lang="en-US" altLang="ko-KR" dirty="0" smtClean="0"/>
+              <a:t>,</a:t>
+            </a:r>
+            <a:r>
+              <a:rPr lang="ko-KR" altLang="en-US" dirty="0" smtClean="0"/>
+              <a:t>소통</a:t>
+            </a:r>
+            <a:r>
+              <a:rPr lang="en-US" altLang="ko-KR" dirty="0" smtClean="0"/>
+              <a:t>/</a:t>
+            </a:r>
+            <a:r>
+              <a:rPr lang="ko-KR" altLang="en-US" dirty="0" err="1" smtClean="0"/>
+              <a:t>리액션</a:t>
+            </a:r>
+            <a:r>
+              <a:rPr lang="en-US" altLang="ko-KR" dirty="0" smtClean="0"/>
+              <a:t>,</a:t>
+            </a:r>
+            <a:r>
+              <a:rPr lang="ko-KR" altLang="en-US" dirty="0" err="1" smtClean="0"/>
+              <a:t>게임외잡담</a:t>
+            </a:r>
+            <a:r>
+              <a:rPr lang="en-US" altLang="ko-KR" dirty="0" smtClean="0"/>
+              <a:t>/</a:t>
+            </a:r>
+            <a:r>
+              <a:rPr lang="ko-KR" altLang="en-US" dirty="0" smtClean="0"/>
+              <a:t>자유</a:t>
+            </a:r>
+            <a:r>
+              <a:rPr lang="en-US" altLang="ko-KR" dirty="0" smtClean="0"/>
+              <a:t>,</a:t>
+            </a:r>
+            <a:r>
+              <a:rPr lang="ko-KR" altLang="en-US" dirty="0" smtClean="0"/>
+              <a:t>주의환기</a:t>
+            </a:r>
+            <a:r>
+              <a:rPr lang="en-US" altLang="ko-KR" dirty="0" smtClean="0"/>
+              <a:t>)</a:t>
+            </a:r>
+          </a:p>
+          <a:p>
+            <a:pPr marL="0" marR="0" indent="0" algn="l" defTabSz="914400" rtl="0" eaLnBrk="1" fontAlgn="auto" latinLnBrk="1" hangingPunct="1">
+              <a:lnSpc>
+                <a:spcPct val="100000"/>
+              </a:lnSpc>
+              <a:spcBef>
+                <a:spcPts val="0"/>
+              </a:spcBef>
+              <a:spcAft>
+                <a:spcPts val="0"/>
+              </a:spcAft>
+              <a:buClrTx/>
+              <a:buSzTx/>
+              <a:buFontTx/>
+              <a:buNone/>
+              <a:tabLst/>
+              <a:defRPr/>
+            </a:pPr>
+            <a:r>
+              <a:rPr lang="en-US" altLang="ko-KR" dirty="0" smtClean="0"/>
+              <a:t>-19_12_</a:t>
+            </a:r>
+            <a:r>
+              <a:rPr lang="ko-KR" altLang="en-US" dirty="0" err="1" smtClean="0"/>
+              <a:t>데모고르곤</a:t>
+            </a:r>
+            <a:r>
+              <a:rPr lang="en-US" altLang="ko-KR" dirty="0" smtClean="0"/>
+              <a:t>(W1-W2-W1-U3-R5/2:30~3:35/</a:t>
+            </a:r>
+            <a:r>
+              <a:rPr lang="ko-KR" altLang="en-US" dirty="0" smtClean="0"/>
+              <a:t>도망</a:t>
+            </a:r>
+            <a:r>
+              <a:rPr lang="en-US" altLang="ko-KR" dirty="0" smtClean="0"/>
+              <a:t>/</a:t>
+            </a:r>
+            <a:r>
+              <a:rPr lang="ko-KR" altLang="en-US" dirty="0" err="1" smtClean="0"/>
+              <a:t>도네이션</a:t>
+            </a:r>
+            <a:r>
+              <a:rPr lang="en-US" altLang="ko-KR" dirty="0" smtClean="0"/>
+              <a:t>,</a:t>
+            </a:r>
+            <a:r>
+              <a:rPr lang="ko-KR" altLang="en-US" dirty="0" smtClean="0"/>
+              <a:t>해설</a:t>
+            </a:r>
+            <a:r>
+              <a:rPr lang="en-US" altLang="ko-KR" dirty="0" smtClean="0"/>
+              <a:t>,</a:t>
+            </a:r>
+            <a:r>
+              <a:rPr lang="ko-KR" altLang="en-US" dirty="0" err="1" smtClean="0"/>
+              <a:t>드립</a:t>
+            </a:r>
+            <a:r>
+              <a:rPr lang="en-US" altLang="ko-KR" dirty="0" smtClean="0"/>
+              <a:t>/</a:t>
+            </a:r>
+            <a:r>
+              <a:rPr lang="ko-KR" altLang="en-US" dirty="0" err="1" smtClean="0"/>
+              <a:t>게임외잡담</a:t>
+            </a:r>
+            <a:r>
+              <a:rPr lang="en-US" altLang="ko-KR" dirty="0" smtClean="0"/>
+              <a:t>,</a:t>
+            </a:r>
+            <a:r>
+              <a:rPr lang="ko-KR" altLang="en-US" dirty="0" smtClean="0"/>
+              <a:t>게임잡담</a:t>
+            </a:r>
+            <a:r>
+              <a:rPr lang="en-US" altLang="ko-KR" dirty="0" smtClean="0"/>
+              <a:t>,</a:t>
+            </a:r>
+            <a:r>
+              <a:rPr lang="ko-KR" altLang="en-US" dirty="0" err="1" smtClean="0"/>
+              <a:t>드립</a:t>
+            </a:r>
+            <a:r>
+              <a:rPr lang="en-US" altLang="ko-KR" dirty="0" smtClean="0"/>
+              <a:t>/</a:t>
+            </a:r>
+            <a:r>
+              <a:rPr lang="ko-KR" altLang="en-US" dirty="0" smtClean="0"/>
+              <a:t>자유</a:t>
+            </a:r>
+            <a:r>
+              <a:rPr lang="en-US" altLang="ko-KR" dirty="0" smtClean="0"/>
+              <a:t>,</a:t>
+            </a:r>
+            <a:r>
+              <a:rPr lang="ko-KR" altLang="en-US" dirty="0" err="1" smtClean="0"/>
+              <a:t>흥미유발</a:t>
+            </a:r>
+            <a:r>
+              <a:rPr lang="en-US" altLang="ko-KR" dirty="0" smtClean="0"/>
+              <a:t>)</a:t>
+            </a:r>
+          </a:p>
+          <a:p>
+            <a:pPr marL="0" marR="0" indent="0" algn="l" defTabSz="914400" rtl="0" eaLnBrk="1" fontAlgn="auto" latinLnBrk="1" hangingPunct="1">
+              <a:lnSpc>
+                <a:spcPct val="100000"/>
+              </a:lnSpc>
+              <a:spcBef>
+                <a:spcPts val="0"/>
+              </a:spcBef>
+              <a:spcAft>
+                <a:spcPts val="0"/>
+              </a:spcAft>
+              <a:buClrTx/>
+              <a:buSzTx/>
+              <a:buFontTx/>
+              <a:buNone/>
+              <a:tabLst/>
+              <a:defRPr/>
+            </a:pPr>
+            <a:r>
+              <a:rPr lang="en-US" altLang="ko-KR" dirty="0" smtClean="0"/>
+              <a:t>-19_12_</a:t>
+            </a:r>
+            <a:r>
+              <a:rPr lang="ko-KR" altLang="en-US" dirty="0" err="1" smtClean="0"/>
+              <a:t>데모고르곤</a:t>
+            </a:r>
+            <a:r>
+              <a:rPr lang="en-US" altLang="ko-KR" dirty="0" smtClean="0"/>
+              <a:t>(R5-W6-KS-U2/3:55~4:30/</a:t>
+            </a:r>
+            <a:r>
+              <a:rPr lang="ko-KR" altLang="en-US" dirty="0" smtClean="0"/>
+              <a:t>도망</a:t>
+            </a:r>
+            <a:r>
+              <a:rPr lang="en-US" altLang="ko-KR" dirty="0" smtClean="0"/>
+              <a:t>/</a:t>
+            </a:r>
+            <a:r>
+              <a:rPr lang="ko-KR" altLang="en-US" dirty="0" smtClean="0"/>
+              <a:t>해설</a:t>
+            </a:r>
+            <a:r>
+              <a:rPr lang="en-US" altLang="ko-KR" dirty="0" smtClean="0"/>
+              <a:t>/</a:t>
+            </a:r>
+            <a:r>
+              <a:rPr lang="ko-KR" altLang="en-US" dirty="0" smtClean="0"/>
+              <a:t>감정표현</a:t>
+            </a:r>
+            <a:r>
+              <a:rPr lang="en-US" altLang="ko-KR" dirty="0" smtClean="0"/>
+              <a:t>,</a:t>
+            </a:r>
+            <a:r>
+              <a:rPr lang="ko-KR" altLang="en-US" dirty="0" smtClean="0"/>
+              <a:t>상황판단</a:t>
+            </a:r>
+            <a:r>
+              <a:rPr lang="en-US" altLang="ko-KR" dirty="0" smtClean="0"/>
+              <a:t>/</a:t>
+            </a:r>
+            <a:r>
+              <a:rPr lang="ko-KR" altLang="en-US" dirty="0" err="1" smtClean="0"/>
+              <a:t>상황몰입</a:t>
+            </a:r>
+            <a:r>
+              <a:rPr lang="en-US" altLang="ko-KR" dirty="0" smtClean="0"/>
+              <a:t>,</a:t>
+            </a:r>
+            <a:r>
+              <a:rPr lang="ko-KR" altLang="en-US" dirty="0" err="1" smtClean="0"/>
+              <a:t>흥미유발</a:t>
+            </a:r>
+            <a:r>
+              <a:rPr lang="en-US" altLang="ko-KR" dirty="0" smtClean="0"/>
+              <a:t>)</a:t>
+            </a:r>
+          </a:p>
+          <a:p>
+            <a:pPr marL="0" marR="0" indent="0" algn="l" defTabSz="914400" rtl="0" eaLnBrk="1" fontAlgn="auto" latinLnBrk="1" hangingPunct="1">
+              <a:lnSpc>
+                <a:spcPct val="100000"/>
+              </a:lnSpc>
+              <a:spcBef>
+                <a:spcPts val="0"/>
+              </a:spcBef>
+              <a:spcAft>
+                <a:spcPts val="0"/>
+              </a:spcAft>
+              <a:buClrTx/>
+              <a:buSzTx/>
+              <a:buFontTx/>
+              <a:buNone/>
+              <a:tabLst/>
+              <a:defRPr/>
+            </a:pPr>
+            <a:r>
+              <a:rPr lang="en-US" altLang="ko-KR" dirty="0" smtClean="0"/>
+              <a:t>-19_12_</a:t>
+            </a:r>
+            <a:r>
+              <a:rPr lang="ko-KR" altLang="en-US" dirty="0" err="1" smtClean="0"/>
+              <a:t>데모고르곤</a:t>
+            </a:r>
+            <a:r>
+              <a:rPr lang="en-US" altLang="ko-KR" dirty="0" smtClean="0"/>
+              <a:t>(W5-U2-R4-W3-W2/5:10~5:45/</a:t>
+            </a:r>
+            <a:r>
+              <a:rPr lang="ko-KR" altLang="en-US" dirty="0" smtClean="0"/>
+              <a:t>도망</a:t>
+            </a:r>
+            <a:r>
+              <a:rPr lang="en-US" altLang="ko-KR" dirty="0" smtClean="0"/>
+              <a:t>/</a:t>
+            </a:r>
+            <a:r>
+              <a:rPr lang="ko-KR" altLang="en-US" dirty="0" err="1" smtClean="0"/>
+              <a:t>가상대화</a:t>
+            </a:r>
+            <a:r>
+              <a:rPr lang="en-US" altLang="ko-KR" dirty="0" smtClean="0"/>
+              <a:t>/</a:t>
+            </a:r>
+            <a:r>
+              <a:rPr lang="ko-KR" altLang="en-US" dirty="0" err="1" smtClean="0"/>
+              <a:t>드립</a:t>
+            </a:r>
+            <a:r>
+              <a:rPr lang="en-US" altLang="ko-KR" dirty="0" smtClean="0"/>
+              <a:t>,</a:t>
+            </a:r>
+            <a:r>
+              <a:rPr lang="ko-KR" altLang="en-US" dirty="0" smtClean="0"/>
+              <a:t>감정표현</a:t>
+            </a:r>
+            <a:r>
+              <a:rPr lang="en-US" altLang="ko-KR" dirty="0" smtClean="0"/>
+              <a:t>,</a:t>
+            </a:r>
+            <a:r>
+              <a:rPr lang="ko-KR" altLang="en-US" dirty="0" err="1" smtClean="0"/>
+              <a:t>리액션</a:t>
+            </a:r>
+            <a:r>
+              <a:rPr lang="en-US" altLang="ko-KR" dirty="0" smtClean="0"/>
+              <a:t>/</a:t>
+            </a:r>
+            <a:r>
+              <a:rPr lang="ko-KR" altLang="en-US" dirty="0" err="1" smtClean="0"/>
+              <a:t>흥미유발</a:t>
+            </a:r>
+            <a:r>
+              <a:rPr lang="en-US" altLang="ko-KR" dirty="0" smtClean="0"/>
+              <a:t>)</a:t>
+            </a:r>
+          </a:p>
+          <a:p>
+            <a:pPr marL="0" marR="0" indent="0" algn="l" defTabSz="914400" rtl="0" eaLnBrk="1" fontAlgn="auto" latinLnBrk="1" hangingPunct="1">
+              <a:lnSpc>
+                <a:spcPct val="100000"/>
+              </a:lnSpc>
+              <a:spcBef>
+                <a:spcPts val="0"/>
+              </a:spcBef>
+              <a:spcAft>
+                <a:spcPts val="0"/>
+              </a:spcAft>
+              <a:buClrTx/>
+              <a:buSzTx/>
+              <a:buFontTx/>
+              <a:buNone/>
+              <a:tabLst/>
+              <a:defRPr/>
+            </a:pPr>
+            <a:r>
+              <a:rPr lang="en-US" altLang="ko-KR" dirty="0" smtClean="0"/>
+              <a:t>-19_12_</a:t>
+            </a:r>
+            <a:r>
+              <a:rPr lang="ko-KR" altLang="en-US" dirty="0" err="1" smtClean="0"/>
+              <a:t>데모고르곤</a:t>
+            </a:r>
+            <a:r>
+              <a:rPr lang="en-US" altLang="ko-KR" dirty="0" smtClean="0"/>
+              <a:t>(W2-W3-W5/6:20~7:10/</a:t>
+            </a:r>
+            <a:r>
+              <a:rPr lang="ko-KR" altLang="en-US" dirty="0" smtClean="0"/>
+              <a:t>도망</a:t>
+            </a:r>
+            <a:r>
+              <a:rPr lang="en-US" altLang="ko-KR" dirty="0" smtClean="0"/>
+              <a:t>/</a:t>
+            </a:r>
+            <a:r>
+              <a:rPr lang="ko-KR" altLang="en-US" dirty="0" smtClean="0"/>
+              <a:t>감정표현</a:t>
+            </a:r>
+            <a:r>
+              <a:rPr lang="en-US" altLang="ko-KR" dirty="0" smtClean="0"/>
+              <a:t>,</a:t>
+            </a:r>
+            <a:r>
+              <a:rPr lang="ko-KR" altLang="en-US" dirty="0" smtClean="0"/>
+              <a:t>해설</a:t>
+            </a:r>
+            <a:r>
+              <a:rPr lang="en-US" altLang="ko-KR" dirty="0" smtClean="0"/>
+              <a:t>,</a:t>
+            </a:r>
+            <a:r>
+              <a:rPr lang="ko-KR" altLang="en-US" dirty="0" err="1" smtClean="0"/>
+              <a:t>가상대화</a:t>
+            </a:r>
+            <a:r>
+              <a:rPr lang="en-US" altLang="ko-KR" dirty="0" smtClean="0"/>
+              <a:t>/</a:t>
+            </a:r>
+            <a:r>
+              <a:rPr lang="ko-KR" altLang="en-US" dirty="0" err="1" smtClean="0"/>
+              <a:t>리액션</a:t>
+            </a:r>
+            <a:r>
+              <a:rPr lang="en-US" altLang="ko-KR" dirty="0" smtClean="0"/>
+              <a:t>,</a:t>
+            </a:r>
+            <a:r>
+              <a:rPr lang="ko-KR" altLang="en-US" dirty="0" smtClean="0"/>
+              <a:t>감정표현</a:t>
+            </a:r>
+            <a:r>
+              <a:rPr lang="en-US" altLang="ko-KR" dirty="0" smtClean="0"/>
+              <a:t>,</a:t>
+            </a:r>
+            <a:r>
+              <a:rPr lang="ko-KR" altLang="en-US" dirty="0" err="1" smtClean="0"/>
+              <a:t>드립</a:t>
+            </a:r>
+            <a:r>
+              <a:rPr lang="en-US" altLang="ko-KR" dirty="0" smtClean="0"/>
+              <a:t>/</a:t>
+            </a:r>
+            <a:r>
+              <a:rPr lang="ko-KR" altLang="en-US" dirty="0" err="1" smtClean="0"/>
+              <a:t>흥미유발</a:t>
+            </a:r>
+            <a:r>
+              <a:rPr lang="en-US" altLang="ko-KR" dirty="0" smtClean="0"/>
+              <a:t>)</a:t>
+            </a:r>
+          </a:p>
+          <a:p>
+            <a:pPr marL="0" marR="0" indent="0" algn="l" defTabSz="914400" rtl="0" eaLnBrk="1" fontAlgn="auto" latinLnBrk="1" hangingPunct="1">
+              <a:lnSpc>
+                <a:spcPct val="100000"/>
+              </a:lnSpc>
+              <a:spcBef>
+                <a:spcPts val="0"/>
+              </a:spcBef>
+              <a:spcAft>
+                <a:spcPts val="0"/>
+              </a:spcAft>
+              <a:buClrTx/>
+              <a:buSzTx/>
+              <a:buFontTx/>
+              <a:buNone/>
+              <a:tabLst/>
+              <a:defRPr/>
+            </a:pPr>
+            <a:r>
+              <a:rPr lang="en-US" altLang="ko-KR" dirty="0" smtClean="0"/>
+              <a:t>-19_12_</a:t>
+            </a:r>
+            <a:r>
+              <a:rPr lang="ko-KR" altLang="en-US" dirty="0" err="1" smtClean="0"/>
+              <a:t>데모고르곤</a:t>
+            </a:r>
+            <a:r>
+              <a:rPr lang="en-US" altLang="ko-KR" dirty="0" smtClean="0"/>
+              <a:t>(E-F4-W5-U2-W7-F13-E-F10/8:00~9:00/</a:t>
+            </a:r>
+            <a:r>
+              <a:rPr lang="ko-KR" altLang="en-US" dirty="0" smtClean="0"/>
+              <a:t>이동</a:t>
+            </a:r>
+            <a:r>
+              <a:rPr lang="en-US" altLang="ko-KR" dirty="0" smtClean="0"/>
+              <a:t>/</a:t>
+            </a:r>
+            <a:r>
+              <a:rPr lang="ko-KR" altLang="en-US" dirty="0" err="1" smtClean="0"/>
+              <a:t>드립</a:t>
+            </a:r>
+            <a:r>
+              <a:rPr lang="en-US" altLang="ko-KR" dirty="0" smtClean="0"/>
+              <a:t>,</a:t>
+            </a:r>
+            <a:r>
+              <a:rPr lang="ko-KR" altLang="en-US" dirty="0" err="1" smtClean="0"/>
+              <a:t>가상대화</a:t>
+            </a:r>
+            <a:r>
+              <a:rPr lang="en-US" altLang="ko-KR" dirty="0" smtClean="0"/>
+              <a:t>,</a:t>
+            </a:r>
+            <a:r>
+              <a:rPr lang="ko-KR" altLang="en-US" dirty="0" smtClean="0"/>
+              <a:t>해설</a:t>
+            </a:r>
+            <a:r>
+              <a:rPr lang="en-US" altLang="ko-KR" dirty="0" smtClean="0"/>
+              <a:t>/</a:t>
+            </a:r>
+            <a:r>
+              <a:rPr lang="ko-KR" altLang="en-US" dirty="0" smtClean="0"/>
+              <a:t>상황판단</a:t>
+            </a:r>
+            <a:r>
+              <a:rPr lang="en-US" altLang="ko-KR" dirty="0" smtClean="0"/>
+              <a:t>,</a:t>
+            </a:r>
+            <a:r>
+              <a:rPr lang="ko-KR" altLang="en-US" dirty="0" err="1" smtClean="0"/>
+              <a:t>드립</a:t>
+            </a:r>
+            <a:r>
+              <a:rPr lang="en-US" altLang="ko-KR" dirty="0" smtClean="0"/>
+              <a:t>/</a:t>
+            </a:r>
+            <a:r>
+              <a:rPr lang="ko-KR" altLang="en-US" dirty="0" err="1" smtClean="0"/>
+              <a:t>상황몰입</a:t>
+            </a:r>
+            <a:r>
+              <a:rPr lang="en-US" altLang="ko-KR" dirty="0" smtClean="0"/>
+              <a:t>,</a:t>
+            </a:r>
+            <a:r>
+              <a:rPr lang="ko-KR" altLang="en-US" dirty="0" err="1" smtClean="0"/>
+              <a:t>흥미유발</a:t>
+            </a:r>
+            <a:r>
+              <a:rPr lang="en-US" altLang="ko-KR" dirty="0" smtClean="0"/>
+              <a:t>)</a:t>
+            </a:r>
+          </a:p>
+          <a:p>
+            <a:pPr marL="0" marR="0" indent="0" algn="l" defTabSz="914400" rtl="0" eaLnBrk="1" fontAlgn="auto" latinLnBrk="1" hangingPunct="1">
+              <a:lnSpc>
+                <a:spcPct val="100000"/>
+              </a:lnSpc>
+              <a:spcBef>
+                <a:spcPts val="0"/>
+              </a:spcBef>
+              <a:spcAft>
+                <a:spcPts val="0"/>
+              </a:spcAft>
+              <a:buClrTx/>
+              <a:buSzTx/>
+              <a:buFontTx/>
+              <a:buNone/>
+              <a:tabLst/>
+              <a:defRPr/>
+            </a:pPr>
+            <a:r>
+              <a:rPr lang="en-US" altLang="ko-KR" dirty="0" smtClean="0"/>
+              <a:t>-19_12_</a:t>
+            </a:r>
+            <a:r>
+              <a:rPr lang="ko-KR" altLang="en-US" dirty="0" err="1" smtClean="0"/>
+              <a:t>데모고르곤</a:t>
+            </a:r>
+            <a:r>
+              <a:rPr lang="en-US" altLang="ko-KR" dirty="0" smtClean="0"/>
+              <a:t>(F10-W5-F3-W3-U2/9:00~9:50/</a:t>
+            </a:r>
+            <a:r>
+              <a:rPr lang="ko-KR" altLang="en-US" dirty="0" smtClean="0"/>
+              <a:t>이동</a:t>
+            </a:r>
+            <a:r>
+              <a:rPr lang="en-US" altLang="ko-KR" dirty="0" smtClean="0"/>
+              <a:t>/</a:t>
+            </a:r>
+            <a:r>
+              <a:rPr lang="ko-KR" altLang="en-US" dirty="0" smtClean="0"/>
+              <a:t>해설</a:t>
+            </a:r>
+            <a:r>
+              <a:rPr lang="en-US" altLang="ko-KR" dirty="0" smtClean="0"/>
+              <a:t>,</a:t>
+            </a:r>
+            <a:r>
+              <a:rPr lang="ko-KR" altLang="en-US" dirty="0" err="1" smtClean="0"/>
+              <a:t>드립</a:t>
+            </a:r>
+            <a:r>
+              <a:rPr lang="en-US" altLang="ko-KR" dirty="0" smtClean="0"/>
+              <a:t>/</a:t>
+            </a:r>
+            <a:r>
+              <a:rPr lang="ko-KR" altLang="en-US" dirty="0" smtClean="0"/>
+              <a:t>상황판단</a:t>
+            </a:r>
+            <a:r>
+              <a:rPr lang="en-US" altLang="ko-KR" dirty="0" smtClean="0"/>
+              <a:t>/</a:t>
+            </a:r>
+            <a:r>
+              <a:rPr lang="ko-KR" altLang="en-US" dirty="0" err="1" smtClean="0"/>
+              <a:t>상황몰입</a:t>
+            </a:r>
+            <a:r>
+              <a:rPr lang="en-US" altLang="ko-KR" dirty="0" smtClean="0"/>
+              <a:t>)</a:t>
+            </a:r>
+          </a:p>
+        </p:txBody>
+      </p:sp>
+      <p:sp>
+        <p:nvSpPr>
+          <p:cNvPr id="4" name="슬라이드 번호 개체 틀 3"/>
+          <p:cNvSpPr>
+            <a:spLocks noGrp="1"/>
+          </p:cNvSpPr>
+          <p:nvPr>
+            <p:ph type="sldNum" sz="quarter" idx="10"/>
+          </p:nvPr>
+        </p:nvSpPr>
+        <p:spPr/>
+        <p:txBody>
+          <a:bodyPr/>
+          <a:lstStyle/>
+          <a:p>
+            <a:fld id="{0D2F3107-8B6A-4B65-B28D-2687EDAB2094}" type="slidenum">
+              <a:rPr lang="ko-KR" altLang="en-US" smtClean="0"/>
+              <a:t>9</a:t>
+            </a:fld>
+            <a:endParaRPr lang="ko-KR" altLang="en-US"/>
+          </a:p>
+        </p:txBody>
+      </p:sp>
+    </p:spTree>
+    <p:extLst>
+      <p:ext uri="{BB962C8B-B14F-4D97-AF65-F5344CB8AC3E}">
+        <p14:creationId xmlns:p14="http://schemas.microsoft.com/office/powerpoint/2010/main" val="3756393113"/>
       </p:ext>
     </p:extLst>
   </p:cSld>
@@ -21536,10 +23316,2032 @@
           </a:p>
         </p:txBody>
       </p:sp>
+      <p:sp>
+        <p:nvSpPr>
+          <p:cNvPr id="36" name="TextBox 35"/>
+          <p:cNvSpPr txBox="1"/>
+          <p:nvPr/>
+        </p:nvSpPr>
+        <p:spPr>
+          <a:xfrm>
+            <a:off x="8690093" y="182704"/>
+            <a:ext cx="3143718" cy="369332"/>
+          </a:xfrm>
+          <a:prstGeom prst="rect">
+            <a:avLst/>
+          </a:prstGeom>
+          <a:noFill/>
+        </p:spPr>
+        <p:txBody>
+          <a:bodyPr wrap="square" rtlCol="0">
+            <a:spAutoFit/>
+          </a:bodyPr>
+          <a:lstStyle/>
+          <a:p>
+            <a:r>
+              <a:rPr lang="en-US" altLang="ko-KR" dirty="0" smtClean="0"/>
+              <a:t>20</a:t>
+            </a:r>
+            <a:r>
+              <a:rPr lang="en-US" altLang="ko-KR" dirty="0" smtClean="0"/>
+              <a:t>_01_</a:t>
+            </a:r>
+            <a:r>
+              <a:rPr lang="ko-KR" altLang="en-US" dirty="0" smtClean="0"/>
+              <a:t>생존자</a:t>
+            </a:r>
+            <a:r>
+              <a:rPr lang="en-US" altLang="ko-KR" dirty="0" smtClean="0"/>
+              <a:t>(</a:t>
+            </a:r>
+            <a:r>
+              <a:rPr lang="en-US" altLang="ko-KR" dirty="0" smtClean="0"/>
+              <a:t>vs</a:t>
+            </a:r>
+            <a:r>
+              <a:rPr lang="ko-KR" altLang="en-US" dirty="0" err="1" smtClean="0"/>
+              <a:t>스피릿</a:t>
+            </a:r>
+            <a:r>
+              <a:rPr lang="en-US" altLang="ko-KR" dirty="0" smtClean="0"/>
+              <a:t>)</a:t>
+            </a:r>
+            <a:endParaRPr lang="ko-KR" altLang="en-US" dirty="0"/>
+          </a:p>
+        </p:txBody>
+      </p:sp>
     </p:spTree>
     <p:extLst>
       <p:ext uri="{BB962C8B-B14F-4D97-AF65-F5344CB8AC3E}">
         <p14:creationId xmlns:p14="http://schemas.microsoft.com/office/powerpoint/2010/main" val="1672447409"/>
+      </p:ext>
+    </p:extLst>
+  </p:cSld>
+  <p:clrMapOvr>
+    <a:masterClrMapping/>
+  </p:clrMapOvr>
+  <p:timing>
+    <p:tnLst>
+      <p:par>
+        <p:cTn id="1" dur="indefinite" restart="never" nodeType="tmRoot"/>
+      </p:par>
+    </p:tnLst>
+  </p:timing>
+</p:sld>
+</file>
+
+<file path=ppt/slides/slide9.xml><?xml version="1.0" encoding="utf-8"?>
+<p:sld xmlns:a="http://schemas.openxmlformats.org/drawingml/2006/main" xmlns:r="http://schemas.openxmlformats.org/officeDocument/2006/relationships" xmlns:p="http://schemas.openxmlformats.org/presentationml/2006/main">
+  <p:cSld>
+    <p:spTree>
+      <p:nvGrpSpPr>
+        <p:cNvPr id="1" name=""/>
+        <p:cNvGrpSpPr/>
+        <p:nvPr/>
+      </p:nvGrpSpPr>
+      <p:grpSpPr>
+        <a:xfrm>
+          <a:off x="0" y="0"/>
+          <a:ext cx="0" cy="0"/>
+          <a:chOff x="0" y="0"/>
+          <a:chExt cx="0" cy="0"/>
+        </a:xfrm>
+      </p:grpSpPr>
+      <p:sp>
+        <p:nvSpPr>
+          <p:cNvPr id="4" name="십자형 3"/>
+          <p:cNvSpPr/>
+          <p:nvPr/>
+        </p:nvSpPr>
+        <p:spPr>
+          <a:xfrm rot="16200000">
+            <a:off x="3375600" y="-205189"/>
+            <a:ext cx="5240175" cy="7007949"/>
+          </a:xfrm>
+          <a:prstGeom prst="plus">
+            <a:avLst>
+              <a:gd name="adj" fmla="val 15218"/>
+            </a:avLst>
+          </a:prstGeom>
+          <a:noFill/>
+          <a:ln>
+            <a:solidFill>
+              <a:schemeClr val="tx1"/>
+            </a:solidFill>
+          </a:ln>
+        </p:spPr>
+        <p:style>
+          <a:lnRef idx="2">
+            <a:schemeClr val="accent1">
+              <a:shade val="50000"/>
+            </a:schemeClr>
+          </a:lnRef>
+          <a:fillRef idx="1">
+            <a:schemeClr val="accent1"/>
+          </a:fillRef>
+          <a:effectRef idx="0">
+            <a:schemeClr val="accent1"/>
+          </a:effectRef>
+          <a:fontRef idx="minor">
+            <a:schemeClr val="lt1"/>
+          </a:fontRef>
+        </p:style>
+        <p:txBody>
+          <a:bodyPr rtlCol="0" anchor="ctr"/>
+          <a:lstStyle/>
+          <a:p>
+            <a:pPr algn="ctr"/>
+            <a:endParaRPr lang="ko-KR" altLang="en-US" dirty="0"/>
+          </a:p>
+        </p:txBody>
+      </p:sp>
+      <p:sp>
+        <p:nvSpPr>
+          <p:cNvPr id="60" name="TextBox 59"/>
+          <p:cNvSpPr txBox="1"/>
+          <p:nvPr/>
+        </p:nvSpPr>
+        <p:spPr>
+          <a:xfrm>
+            <a:off x="175033" y="182704"/>
+            <a:ext cx="2139904" cy="1384995"/>
+          </a:xfrm>
+          <a:prstGeom prst="rect">
+            <a:avLst/>
+          </a:prstGeom>
+          <a:noFill/>
+        </p:spPr>
+        <p:txBody>
+          <a:bodyPr wrap="square" rtlCol="0">
+            <a:spAutoFit/>
+          </a:bodyPr>
+          <a:lstStyle/>
+          <a:p>
+            <a:r>
+              <a:rPr lang="en-US" altLang="ko-KR" sz="1400" dirty="0" smtClean="0"/>
+              <a:t>W : wall(</a:t>
+            </a:r>
+            <a:r>
+              <a:rPr lang="ko-KR" altLang="en-US" sz="1400" dirty="0" smtClean="0"/>
+              <a:t>벽</a:t>
+            </a:r>
+            <a:r>
+              <a:rPr lang="en-US" altLang="ko-KR" sz="1400" dirty="0" smtClean="0"/>
+              <a:t>,</a:t>
+            </a:r>
+            <a:r>
+              <a:rPr lang="ko-KR" altLang="en-US" sz="1400" dirty="0" smtClean="0"/>
+              <a:t>정글짐</a:t>
+            </a:r>
+            <a:r>
+              <a:rPr lang="en-US" altLang="ko-KR" sz="1400" dirty="0" smtClean="0"/>
+              <a:t>)</a:t>
+            </a:r>
+          </a:p>
+          <a:p>
+            <a:r>
+              <a:rPr lang="en-US" altLang="ko-KR" sz="1400" dirty="0" smtClean="0"/>
+              <a:t>R : random(</a:t>
+            </a:r>
+            <a:r>
+              <a:rPr lang="ko-KR" altLang="en-US" sz="1400" dirty="0" smtClean="0"/>
+              <a:t>랜덤 구조물</a:t>
+            </a:r>
+            <a:r>
+              <a:rPr lang="en-US" altLang="ko-KR" sz="1400" dirty="0" smtClean="0"/>
+              <a:t>)</a:t>
+            </a:r>
+          </a:p>
+          <a:p>
+            <a:r>
+              <a:rPr lang="en-US" altLang="ko-KR" sz="1400" dirty="0" smtClean="0"/>
+              <a:t>U : unique(</a:t>
+            </a:r>
+            <a:r>
+              <a:rPr lang="ko-KR" altLang="en-US" sz="1400" dirty="0" smtClean="0"/>
+              <a:t>특수 구조물</a:t>
+            </a:r>
+            <a:r>
+              <a:rPr lang="en-US" altLang="ko-KR" sz="1400" dirty="0" smtClean="0"/>
+              <a:t>)</a:t>
+            </a:r>
+          </a:p>
+          <a:p>
+            <a:r>
+              <a:rPr lang="en-US" altLang="ko-KR" sz="1400" dirty="0" smtClean="0"/>
+              <a:t>F : farm(</a:t>
+            </a:r>
+            <a:r>
+              <a:rPr lang="ko-KR" altLang="en-US" sz="1400" dirty="0" smtClean="0"/>
+              <a:t>밀밭</a:t>
+            </a:r>
+            <a:r>
+              <a:rPr lang="en-US" altLang="ko-KR" sz="1400" dirty="0" smtClean="0"/>
+              <a:t>)</a:t>
+            </a:r>
+          </a:p>
+          <a:p>
+            <a:r>
+              <a:rPr lang="en-US" altLang="ko-KR" sz="1400" dirty="0" smtClean="0"/>
+              <a:t>KS : killer shack</a:t>
+            </a:r>
+            <a:br>
+              <a:rPr lang="en-US" altLang="ko-KR" sz="1400" dirty="0" smtClean="0"/>
+            </a:br>
+            <a:r>
+              <a:rPr lang="en-US" altLang="ko-KR" sz="1400" dirty="0" smtClean="0"/>
+              <a:t>E : escape door(</a:t>
+            </a:r>
+            <a:r>
+              <a:rPr lang="ko-KR" altLang="en-US" sz="1400" dirty="0" err="1" smtClean="0"/>
+              <a:t>탈출문</a:t>
+            </a:r>
+            <a:r>
+              <a:rPr lang="en-US" altLang="ko-KR" sz="1400" dirty="0" smtClean="0"/>
+              <a:t>)</a:t>
+            </a:r>
+            <a:endParaRPr lang="ko-KR" altLang="en-US" sz="1400" dirty="0"/>
+          </a:p>
+        </p:txBody>
+      </p:sp>
+      <p:sp>
+        <p:nvSpPr>
+          <p:cNvPr id="64" name="직사각형 63"/>
+          <p:cNvSpPr/>
+          <p:nvPr/>
+        </p:nvSpPr>
+        <p:spPr>
+          <a:xfrm>
+            <a:off x="2840093" y="2915786"/>
+            <a:ext cx="900000" cy="900000"/>
+          </a:xfrm>
+          <a:prstGeom prst="rect">
+            <a:avLst/>
+          </a:prstGeom>
+          <a:noFill/>
+          <a:ln>
+            <a:solidFill>
+              <a:schemeClr val="tx1"/>
+            </a:solidFill>
+          </a:ln>
+        </p:spPr>
+        <p:style>
+          <a:lnRef idx="2">
+            <a:schemeClr val="accent1">
+              <a:shade val="50000"/>
+            </a:schemeClr>
+          </a:lnRef>
+          <a:fillRef idx="1">
+            <a:schemeClr val="accent1"/>
+          </a:fillRef>
+          <a:effectRef idx="0">
+            <a:schemeClr val="accent1"/>
+          </a:effectRef>
+          <a:fontRef idx="minor">
+            <a:schemeClr val="lt1"/>
+          </a:fontRef>
+        </p:style>
+        <p:txBody>
+          <a:bodyPr rtlCol="0" anchor="ctr"/>
+          <a:lstStyle/>
+          <a:p>
+            <a:pPr algn="ctr"/>
+            <a:r>
+              <a:rPr lang="en-US" altLang="ko-KR" dirty="0" smtClean="0">
+                <a:solidFill>
+                  <a:schemeClr val="tx1"/>
+                </a:solidFill>
+              </a:rPr>
+              <a:t>W4</a:t>
+            </a:r>
+            <a:endParaRPr lang="ko-KR" altLang="en-US" dirty="0"/>
+          </a:p>
+        </p:txBody>
+      </p:sp>
+      <p:sp>
+        <p:nvSpPr>
+          <p:cNvPr id="65" name="직사각형 64"/>
+          <p:cNvSpPr/>
+          <p:nvPr/>
+        </p:nvSpPr>
+        <p:spPr>
+          <a:xfrm>
+            <a:off x="3740093" y="2915786"/>
+            <a:ext cx="900000" cy="900000"/>
+          </a:xfrm>
+          <a:prstGeom prst="rect">
+            <a:avLst/>
+          </a:prstGeom>
+          <a:noFill/>
+          <a:ln>
+            <a:solidFill>
+              <a:schemeClr val="tx1"/>
+            </a:solidFill>
+          </a:ln>
+        </p:spPr>
+        <p:style>
+          <a:lnRef idx="2">
+            <a:schemeClr val="accent1">
+              <a:shade val="50000"/>
+            </a:schemeClr>
+          </a:lnRef>
+          <a:fillRef idx="1">
+            <a:schemeClr val="accent1"/>
+          </a:fillRef>
+          <a:effectRef idx="0">
+            <a:schemeClr val="accent1"/>
+          </a:effectRef>
+          <a:fontRef idx="minor">
+            <a:schemeClr val="lt1"/>
+          </a:fontRef>
+        </p:style>
+        <p:txBody>
+          <a:bodyPr rtlCol="0" anchor="ctr"/>
+          <a:lstStyle/>
+          <a:p>
+            <a:pPr algn="ctr"/>
+            <a:r>
+              <a:rPr lang="en-US" altLang="ko-KR" dirty="0" smtClean="0">
+                <a:solidFill>
+                  <a:schemeClr val="tx1"/>
+                </a:solidFill>
+              </a:rPr>
+              <a:t>F5</a:t>
+            </a:r>
+            <a:endParaRPr lang="ko-KR" altLang="en-US" dirty="0"/>
+          </a:p>
+        </p:txBody>
+      </p:sp>
+      <p:sp>
+        <p:nvSpPr>
+          <p:cNvPr id="66" name="직사각형 65"/>
+          <p:cNvSpPr/>
+          <p:nvPr/>
+        </p:nvSpPr>
+        <p:spPr>
+          <a:xfrm>
+            <a:off x="4640093" y="2915786"/>
+            <a:ext cx="900000" cy="900000"/>
+          </a:xfrm>
+          <a:prstGeom prst="rect">
+            <a:avLst/>
+          </a:prstGeom>
+          <a:noFill/>
+          <a:ln>
+            <a:solidFill>
+              <a:schemeClr val="tx1"/>
+            </a:solidFill>
+          </a:ln>
+        </p:spPr>
+        <p:style>
+          <a:lnRef idx="2">
+            <a:schemeClr val="accent1">
+              <a:shade val="50000"/>
+            </a:schemeClr>
+          </a:lnRef>
+          <a:fillRef idx="1">
+            <a:schemeClr val="accent1"/>
+          </a:fillRef>
+          <a:effectRef idx="0">
+            <a:schemeClr val="accent1"/>
+          </a:effectRef>
+          <a:fontRef idx="minor">
+            <a:schemeClr val="lt1"/>
+          </a:fontRef>
+        </p:style>
+        <p:txBody>
+          <a:bodyPr rtlCol="0" anchor="ctr"/>
+          <a:lstStyle/>
+          <a:p>
+            <a:pPr algn="ctr"/>
+            <a:r>
+              <a:rPr lang="en-US" altLang="ko-KR" dirty="0" smtClean="0">
+                <a:solidFill>
+                  <a:schemeClr val="tx1"/>
+                </a:solidFill>
+              </a:rPr>
+              <a:t>F6</a:t>
+            </a:r>
+            <a:endParaRPr lang="ko-KR" altLang="en-US" dirty="0"/>
+          </a:p>
+        </p:txBody>
+      </p:sp>
+      <p:sp>
+        <p:nvSpPr>
+          <p:cNvPr id="67" name="직사각형 66"/>
+          <p:cNvSpPr/>
+          <p:nvPr/>
+        </p:nvSpPr>
+        <p:spPr>
+          <a:xfrm>
+            <a:off x="5540093" y="2915786"/>
+            <a:ext cx="900000" cy="900000"/>
+          </a:xfrm>
+          <a:prstGeom prst="rect">
+            <a:avLst/>
+          </a:prstGeom>
+          <a:noFill/>
+          <a:ln>
+            <a:solidFill>
+              <a:schemeClr val="tx1"/>
+            </a:solidFill>
+          </a:ln>
+        </p:spPr>
+        <p:style>
+          <a:lnRef idx="2">
+            <a:schemeClr val="accent1">
+              <a:shade val="50000"/>
+            </a:schemeClr>
+          </a:lnRef>
+          <a:fillRef idx="1">
+            <a:schemeClr val="accent1"/>
+          </a:fillRef>
+          <a:effectRef idx="0">
+            <a:schemeClr val="accent1"/>
+          </a:effectRef>
+          <a:fontRef idx="minor">
+            <a:schemeClr val="lt1"/>
+          </a:fontRef>
+        </p:style>
+        <p:txBody>
+          <a:bodyPr rtlCol="0" anchor="ctr"/>
+          <a:lstStyle/>
+          <a:p>
+            <a:pPr algn="ctr"/>
+            <a:r>
+              <a:rPr lang="en-US" altLang="ko-KR" dirty="0" smtClean="0">
+                <a:solidFill>
+                  <a:schemeClr val="tx1"/>
+                </a:solidFill>
+              </a:rPr>
+              <a:t>F7</a:t>
+            </a:r>
+            <a:endParaRPr lang="ko-KR" altLang="en-US" dirty="0"/>
+          </a:p>
+        </p:txBody>
+      </p:sp>
+      <p:sp>
+        <p:nvSpPr>
+          <p:cNvPr id="68" name="직사각형 67"/>
+          <p:cNvSpPr/>
+          <p:nvPr/>
+        </p:nvSpPr>
+        <p:spPr>
+          <a:xfrm>
+            <a:off x="6440093" y="2915786"/>
+            <a:ext cx="900000" cy="900000"/>
+          </a:xfrm>
+          <a:prstGeom prst="rect">
+            <a:avLst/>
+          </a:prstGeom>
+          <a:noFill/>
+          <a:ln>
+            <a:solidFill>
+              <a:schemeClr val="tx1"/>
+            </a:solidFill>
+          </a:ln>
+        </p:spPr>
+        <p:style>
+          <a:lnRef idx="2">
+            <a:schemeClr val="accent1">
+              <a:shade val="50000"/>
+            </a:schemeClr>
+          </a:lnRef>
+          <a:fillRef idx="1">
+            <a:schemeClr val="accent1"/>
+          </a:fillRef>
+          <a:effectRef idx="0">
+            <a:schemeClr val="accent1"/>
+          </a:effectRef>
+          <a:fontRef idx="minor">
+            <a:schemeClr val="lt1"/>
+          </a:fontRef>
+        </p:style>
+        <p:txBody>
+          <a:bodyPr rtlCol="0" anchor="ctr"/>
+          <a:lstStyle/>
+          <a:p>
+            <a:pPr algn="ctr"/>
+            <a:r>
+              <a:rPr lang="en-US" altLang="ko-KR" dirty="0" smtClean="0">
+                <a:solidFill>
+                  <a:schemeClr val="tx1"/>
+                </a:solidFill>
+              </a:rPr>
+              <a:t>F8</a:t>
+            </a:r>
+            <a:endParaRPr lang="ko-KR" altLang="en-US" dirty="0"/>
+          </a:p>
+        </p:txBody>
+      </p:sp>
+      <p:sp>
+        <p:nvSpPr>
+          <p:cNvPr id="69" name="직사각형 68"/>
+          <p:cNvSpPr/>
+          <p:nvPr/>
+        </p:nvSpPr>
+        <p:spPr>
+          <a:xfrm>
+            <a:off x="7340093" y="2915786"/>
+            <a:ext cx="900000" cy="900000"/>
+          </a:xfrm>
+          <a:prstGeom prst="rect">
+            <a:avLst/>
+          </a:prstGeom>
+          <a:noFill/>
+          <a:ln>
+            <a:solidFill>
+              <a:schemeClr val="tx1"/>
+            </a:solidFill>
+          </a:ln>
+        </p:spPr>
+        <p:style>
+          <a:lnRef idx="2">
+            <a:schemeClr val="accent1">
+              <a:shade val="50000"/>
+            </a:schemeClr>
+          </a:lnRef>
+          <a:fillRef idx="1">
+            <a:schemeClr val="accent1"/>
+          </a:fillRef>
+          <a:effectRef idx="0">
+            <a:schemeClr val="accent1"/>
+          </a:effectRef>
+          <a:fontRef idx="minor">
+            <a:schemeClr val="lt1"/>
+          </a:fontRef>
+        </p:style>
+        <p:txBody>
+          <a:bodyPr rtlCol="0" anchor="ctr"/>
+          <a:lstStyle/>
+          <a:p>
+            <a:pPr algn="ctr"/>
+            <a:r>
+              <a:rPr lang="en-US" altLang="ko-KR" dirty="0" smtClean="0">
+                <a:solidFill>
+                  <a:schemeClr val="tx1"/>
+                </a:solidFill>
+              </a:rPr>
+              <a:t>U2</a:t>
+            </a:r>
+            <a:endParaRPr lang="ko-KR" altLang="en-US" dirty="0"/>
+          </a:p>
+        </p:txBody>
+      </p:sp>
+      <p:sp>
+        <p:nvSpPr>
+          <p:cNvPr id="70" name="직사각형 69"/>
+          <p:cNvSpPr/>
+          <p:nvPr/>
+        </p:nvSpPr>
+        <p:spPr>
+          <a:xfrm>
+            <a:off x="8240093" y="2915786"/>
+            <a:ext cx="900000" cy="900000"/>
+          </a:xfrm>
+          <a:prstGeom prst="rect">
+            <a:avLst/>
+          </a:prstGeom>
+          <a:noFill/>
+          <a:ln>
+            <a:solidFill>
+              <a:schemeClr val="tx1"/>
+            </a:solidFill>
+          </a:ln>
+        </p:spPr>
+        <p:style>
+          <a:lnRef idx="2">
+            <a:schemeClr val="accent1">
+              <a:shade val="50000"/>
+            </a:schemeClr>
+          </a:lnRef>
+          <a:fillRef idx="1">
+            <a:schemeClr val="accent1"/>
+          </a:fillRef>
+          <a:effectRef idx="0">
+            <a:schemeClr val="accent1"/>
+          </a:effectRef>
+          <a:fontRef idx="minor">
+            <a:schemeClr val="lt1"/>
+          </a:fontRef>
+        </p:style>
+        <p:txBody>
+          <a:bodyPr rtlCol="0" anchor="ctr"/>
+          <a:lstStyle/>
+          <a:p>
+            <a:pPr algn="ctr"/>
+            <a:r>
+              <a:rPr lang="en-US" altLang="ko-KR" dirty="0" smtClean="0">
+                <a:solidFill>
+                  <a:schemeClr val="tx1"/>
+                </a:solidFill>
+              </a:rPr>
+              <a:t>W5</a:t>
+            </a:r>
+            <a:endParaRPr lang="ko-KR" altLang="en-US" dirty="0"/>
+          </a:p>
+        </p:txBody>
+      </p:sp>
+      <p:sp>
+        <p:nvSpPr>
+          <p:cNvPr id="71" name="직사각형 70"/>
+          <p:cNvSpPr/>
+          <p:nvPr/>
+        </p:nvSpPr>
+        <p:spPr>
+          <a:xfrm>
+            <a:off x="2840093" y="3815786"/>
+            <a:ext cx="900000" cy="900000"/>
+          </a:xfrm>
+          <a:prstGeom prst="rect">
+            <a:avLst/>
+          </a:prstGeom>
+          <a:noFill/>
+          <a:ln>
+            <a:solidFill>
+              <a:schemeClr val="tx1"/>
+            </a:solidFill>
+          </a:ln>
+        </p:spPr>
+        <p:style>
+          <a:lnRef idx="2">
+            <a:schemeClr val="accent1">
+              <a:shade val="50000"/>
+            </a:schemeClr>
+          </a:lnRef>
+          <a:fillRef idx="1">
+            <a:schemeClr val="accent1"/>
+          </a:fillRef>
+          <a:effectRef idx="0">
+            <a:schemeClr val="accent1"/>
+          </a:effectRef>
+          <a:fontRef idx="minor">
+            <a:schemeClr val="lt1"/>
+          </a:fontRef>
+        </p:style>
+        <p:txBody>
+          <a:bodyPr rtlCol="0" anchor="ctr"/>
+          <a:lstStyle/>
+          <a:p>
+            <a:pPr algn="ctr"/>
+            <a:r>
+              <a:rPr lang="en-US" altLang="ko-KR" dirty="0" smtClean="0">
+                <a:solidFill>
+                  <a:schemeClr val="tx1"/>
+                </a:solidFill>
+              </a:rPr>
+              <a:t>R5</a:t>
+            </a:r>
+            <a:endParaRPr lang="ko-KR" altLang="en-US" dirty="0"/>
+          </a:p>
+        </p:txBody>
+      </p:sp>
+      <p:sp>
+        <p:nvSpPr>
+          <p:cNvPr id="72" name="직사각형 71"/>
+          <p:cNvSpPr/>
+          <p:nvPr/>
+        </p:nvSpPr>
+        <p:spPr>
+          <a:xfrm>
+            <a:off x="2840093" y="2015786"/>
+            <a:ext cx="900000" cy="900000"/>
+          </a:xfrm>
+          <a:prstGeom prst="rect">
+            <a:avLst/>
+          </a:prstGeom>
+          <a:noFill/>
+          <a:ln>
+            <a:solidFill>
+              <a:schemeClr val="tx1"/>
+            </a:solidFill>
+          </a:ln>
+        </p:spPr>
+        <p:style>
+          <a:lnRef idx="2">
+            <a:schemeClr val="accent1">
+              <a:shade val="50000"/>
+            </a:schemeClr>
+          </a:lnRef>
+          <a:fillRef idx="1">
+            <a:schemeClr val="accent1"/>
+          </a:fillRef>
+          <a:effectRef idx="0">
+            <a:schemeClr val="accent1"/>
+          </a:effectRef>
+          <a:fontRef idx="minor">
+            <a:schemeClr val="lt1"/>
+          </a:fontRef>
+        </p:style>
+        <p:txBody>
+          <a:bodyPr rtlCol="0" anchor="ctr"/>
+          <a:lstStyle/>
+          <a:p>
+            <a:pPr algn="ctr"/>
+            <a:r>
+              <a:rPr lang="en-US" altLang="ko-KR" dirty="0" smtClean="0">
+                <a:solidFill>
+                  <a:schemeClr val="tx1"/>
+                </a:solidFill>
+              </a:rPr>
+              <a:t>R3</a:t>
+            </a:r>
+          </a:p>
+        </p:txBody>
+      </p:sp>
+      <p:sp>
+        <p:nvSpPr>
+          <p:cNvPr id="73" name="직사각형 72"/>
+          <p:cNvSpPr/>
+          <p:nvPr/>
+        </p:nvSpPr>
+        <p:spPr>
+          <a:xfrm>
+            <a:off x="3740093" y="4715786"/>
+            <a:ext cx="900000" cy="900000"/>
+          </a:xfrm>
+          <a:prstGeom prst="rect">
+            <a:avLst/>
+          </a:prstGeom>
+          <a:noFill/>
+          <a:ln>
+            <a:solidFill>
+              <a:schemeClr val="tx1"/>
+            </a:solidFill>
+          </a:ln>
+        </p:spPr>
+        <p:style>
+          <a:lnRef idx="2">
+            <a:schemeClr val="accent1">
+              <a:shade val="50000"/>
+            </a:schemeClr>
+          </a:lnRef>
+          <a:fillRef idx="1">
+            <a:schemeClr val="accent1"/>
+          </a:fillRef>
+          <a:effectRef idx="0">
+            <a:schemeClr val="accent1"/>
+          </a:effectRef>
+          <a:fontRef idx="minor">
+            <a:schemeClr val="lt1"/>
+          </a:fontRef>
+        </p:style>
+        <p:txBody>
+          <a:bodyPr rtlCol="0" anchor="ctr"/>
+          <a:lstStyle/>
+          <a:p>
+            <a:pPr algn="ctr"/>
+            <a:r>
+              <a:rPr lang="en-US" altLang="ko-KR" dirty="0" smtClean="0">
+                <a:solidFill>
+                  <a:schemeClr val="tx1"/>
+                </a:solidFill>
+              </a:rPr>
+              <a:t>W6</a:t>
+            </a:r>
+            <a:endParaRPr lang="ko-KR" altLang="en-US" dirty="0"/>
+          </a:p>
+        </p:txBody>
+      </p:sp>
+      <p:sp>
+        <p:nvSpPr>
+          <p:cNvPr id="74" name="직사각형 73"/>
+          <p:cNvSpPr/>
+          <p:nvPr/>
+        </p:nvSpPr>
+        <p:spPr>
+          <a:xfrm>
+            <a:off x="3740093" y="1115786"/>
+            <a:ext cx="900000" cy="900000"/>
+          </a:xfrm>
+          <a:prstGeom prst="rect">
+            <a:avLst/>
+          </a:prstGeom>
+          <a:noFill/>
+          <a:ln>
+            <a:solidFill>
+              <a:schemeClr val="tx1"/>
+            </a:solidFill>
+          </a:ln>
+        </p:spPr>
+        <p:style>
+          <a:lnRef idx="2">
+            <a:schemeClr val="accent1">
+              <a:shade val="50000"/>
+            </a:schemeClr>
+          </a:lnRef>
+          <a:fillRef idx="1">
+            <a:schemeClr val="accent1"/>
+          </a:fillRef>
+          <a:effectRef idx="0">
+            <a:schemeClr val="accent1"/>
+          </a:effectRef>
+          <a:fontRef idx="minor">
+            <a:schemeClr val="lt1"/>
+          </a:fontRef>
+        </p:style>
+        <p:txBody>
+          <a:bodyPr rtlCol="0" anchor="ctr"/>
+          <a:lstStyle/>
+          <a:p>
+            <a:pPr algn="ctr"/>
+            <a:r>
+              <a:rPr lang="en-US" altLang="ko-KR" dirty="0" smtClean="0">
+                <a:solidFill>
+                  <a:schemeClr val="tx1"/>
+                </a:solidFill>
+              </a:rPr>
+              <a:t>W1</a:t>
+            </a:r>
+          </a:p>
+        </p:txBody>
+      </p:sp>
+      <p:sp>
+        <p:nvSpPr>
+          <p:cNvPr id="75" name="직사각형 74"/>
+          <p:cNvSpPr/>
+          <p:nvPr/>
+        </p:nvSpPr>
+        <p:spPr>
+          <a:xfrm>
+            <a:off x="3740093" y="3815786"/>
+            <a:ext cx="900000" cy="900000"/>
+          </a:xfrm>
+          <a:prstGeom prst="rect">
+            <a:avLst/>
+          </a:prstGeom>
+          <a:noFill/>
+          <a:ln>
+            <a:solidFill>
+              <a:schemeClr val="tx1"/>
+            </a:solidFill>
+          </a:ln>
+        </p:spPr>
+        <p:style>
+          <a:lnRef idx="2">
+            <a:schemeClr val="accent1">
+              <a:shade val="50000"/>
+            </a:schemeClr>
+          </a:lnRef>
+          <a:fillRef idx="1">
+            <a:schemeClr val="accent1"/>
+          </a:fillRef>
+          <a:effectRef idx="0">
+            <a:schemeClr val="accent1"/>
+          </a:effectRef>
+          <a:fontRef idx="minor">
+            <a:schemeClr val="lt1"/>
+          </a:fontRef>
+        </p:style>
+        <p:txBody>
+          <a:bodyPr rtlCol="0" anchor="ctr"/>
+          <a:lstStyle/>
+          <a:p>
+            <a:pPr algn="ctr"/>
+            <a:r>
+              <a:rPr lang="en-US" altLang="ko-KR" dirty="0" smtClean="0">
+                <a:solidFill>
+                  <a:schemeClr val="tx1"/>
+                </a:solidFill>
+              </a:rPr>
+              <a:t>U3</a:t>
+            </a:r>
+            <a:endParaRPr lang="ko-KR" altLang="en-US" dirty="0"/>
+          </a:p>
+        </p:txBody>
+      </p:sp>
+      <p:sp>
+        <p:nvSpPr>
+          <p:cNvPr id="76" name="직사각형 75"/>
+          <p:cNvSpPr/>
+          <p:nvPr/>
+        </p:nvSpPr>
+        <p:spPr>
+          <a:xfrm>
+            <a:off x="3740093" y="2015786"/>
+            <a:ext cx="900000" cy="900000"/>
+          </a:xfrm>
+          <a:prstGeom prst="rect">
+            <a:avLst/>
+          </a:prstGeom>
+          <a:noFill/>
+          <a:ln>
+            <a:solidFill>
+              <a:schemeClr val="tx1"/>
+            </a:solidFill>
+          </a:ln>
+        </p:spPr>
+        <p:style>
+          <a:lnRef idx="2">
+            <a:schemeClr val="accent1">
+              <a:shade val="50000"/>
+            </a:schemeClr>
+          </a:lnRef>
+          <a:fillRef idx="1">
+            <a:schemeClr val="accent1"/>
+          </a:fillRef>
+          <a:effectRef idx="0">
+            <a:schemeClr val="accent1"/>
+          </a:effectRef>
+          <a:fontRef idx="minor">
+            <a:schemeClr val="lt1"/>
+          </a:fontRef>
+        </p:style>
+        <p:txBody>
+          <a:bodyPr rtlCol="0" anchor="ctr"/>
+          <a:lstStyle/>
+          <a:p>
+            <a:pPr algn="ctr"/>
+            <a:r>
+              <a:rPr lang="en-US" altLang="ko-KR" dirty="0" smtClean="0">
+                <a:solidFill>
+                  <a:schemeClr val="tx1"/>
+                </a:solidFill>
+              </a:rPr>
+              <a:t>F1</a:t>
+            </a:r>
+            <a:endParaRPr lang="ko-KR" altLang="en-US" dirty="0"/>
+          </a:p>
+        </p:txBody>
+      </p:sp>
+      <p:sp>
+        <p:nvSpPr>
+          <p:cNvPr id="77" name="직사각형 76"/>
+          <p:cNvSpPr/>
+          <p:nvPr/>
+        </p:nvSpPr>
+        <p:spPr>
+          <a:xfrm>
+            <a:off x="4640093" y="4715786"/>
+            <a:ext cx="900000" cy="900000"/>
+          </a:xfrm>
+          <a:prstGeom prst="rect">
+            <a:avLst/>
+          </a:prstGeom>
+          <a:noFill/>
+          <a:ln>
+            <a:solidFill>
+              <a:schemeClr val="tx1"/>
+            </a:solidFill>
+          </a:ln>
+        </p:spPr>
+        <p:style>
+          <a:lnRef idx="2">
+            <a:schemeClr val="accent1">
+              <a:shade val="50000"/>
+            </a:schemeClr>
+          </a:lnRef>
+          <a:fillRef idx="1">
+            <a:schemeClr val="accent1"/>
+          </a:fillRef>
+          <a:effectRef idx="0">
+            <a:schemeClr val="accent1"/>
+          </a:effectRef>
+          <a:fontRef idx="minor">
+            <a:schemeClr val="lt1"/>
+          </a:fontRef>
+        </p:style>
+        <p:txBody>
+          <a:bodyPr rtlCol="0" anchor="ctr"/>
+          <a:lstStyle/>
+          <a:p>
+            <a:pPr algn="ctr"/>
+            <a:r>
+              <a:rPr lang="en-US" altLang="ko-KR" dirty="0" smtClean="0">
+                <a:solidFill>
+                  <a:schemeClr val="tx1"/>
+                </a:solidFill>
+              </a:rPr>
+              <a:t>F12</a:t>
+            </a:r>
+            <a:endParaRPr lang="ko-KR" altLang="en-US" dirty="0"/>
+          </a:p>
+        </p:txBody>
+      </p:sp>
+      <p:sp>
+        <p:nvSpPr>
+          <p:cNvPr id="78" name="직사각형 77"/>
+          <p:cNvSpPr/>
+          <p:nvPr/>
+        </p:nvSpPr>
+        <p:spPr>
+          <a:xfrm>
+            <a:off x="4640093" y="1115786"/>
+            <a:ext cx="900000" cy="900000"/>
+          </a:xfrm>
+          <a:prstGeom prst="rect">
+            <a:avLst/>
+          </a:prstGeom>
+          <a:noFill/>
+          <a:ln>
+            <a:solidFill>
+              <a:schemeClr val="tx1"/>
+            </a:solidFill>
+          </a:ln>
+        </p:spPr>
+        <p:style>
+          <a:lnRef idx="2">
+            <a:schemeClr val="accent1">
+              <a:shade val="50000"/>
+            </a:schemeClr>
+          </a:lnRef>
+          <a:fillRef idx="1">
+            <a:schemeClr val="accent1"/>
+          </a:fillRef>
+          <a:effectRef idx="0">
+            <a:schemeClr val="accent1"/>
+          </a:effectRef>
+          <a:fontRef idx="minor">
+            <a:schemeClr val="lt1"/>
+          </a:fontRef>
+        </p:style>
+        <p:txBody>
+          <a:bodyPr rtlCol="0" anchor="ctr"/>
+          <a:lstStyle/>
+          <a:p>
+            <a:pPr algn="ctr"/>
+            <a:r>
+              <a:rPr lang="en-US" altLang="ko-KR" dirty="0" smtClean="0">
+                <a:solidFill>
+                  <a:schemeClr val="tx1"/>
+                </a:solidFill>
+              </a:rPr>
+              <a:t>R1</a:t>
+            </a:r>
+            <a:endParaRPr lang="ko-KR" altLang="en-US" dirty="0"/>
+          </a:p>
+        </p:txBody>
+      </p:sp>
+      <p:sp>
+        <p:nvSpPr>
+          <p:cNvPr id="79" name="직사각형 78"/>
+          <p:cNvSpPr/>
+          <p:nvPr/>
+        </p:nvSpPr>
+        <p:spPr>
+          <a:xfrm>
+            <a:off x="4640093" y="3815786"/>
+            <a:ext cx="900000" cy="900000"/>
+          </a:xfrm>
+          <a:prstGeom prst="rect">
+            <a:avLst/>
+          </a:prstGeom>
+          <a:noFill/>
+          <a:ln>
+            <a:solidFill>
+              <a:schemeClr val="tx1"/>
+            </a:solidFill>
+          </a:ln>
+        </p:spPr>
+        <p:style>
+          <a:lnRef idx="2">
+            <a:schemeClr val="accent1">
+              <a:shade val="50000"/>
+            </a:schemeClr>
+          </a:lnRef>
+          <a:fillRef idx="1">
+            <a:schemeClr val="accent1"/>
+          </a:fillRef>
+          <a:effectRef idx="0">
+            <a:schemeClr val="accent1"/>
+          </a:effectRef>
+          <a:fontRef idx="minor">
+            <a:schemeClr val="lt1"/>
+          </a:fontRef>
+        </p:style>
+        <p:txBody>
+          <a:bodyPr rtlCol="0" anchor="ctr"/>
+          <a:lstStyle/>
+          <a:p>
+            <a:pPr algn="ctr"/>
+            <a:r>
+              <a:rPr lang="en-US" altLang="ko-KR" dirty="0" smtClean="0">
+                <a:solidFill>
+                  <a:schemeClr val="tx1"/>
+                </a:solidFill>
+              </a:rPr>
+              <a:t>F9</a:t>
+            </a:r>
+            <a:endParaRPr lang="ko-KR" altLang="en-US" dirty="0"/>
+          </a:p>
+        </p:txBody>
+      </p:sp>
+      <p:sp>
+        <p:nvSpPr>
+          <p:cNvPr id="80" name="직사각형 79"/>
+          <p:cNvSpPr/>
+          <p:nvPr/>
+        </p:nvSpPr>
+        <p:spPr>
+          <a:xfrm>
+            <a:off x="4640093" y="2015786"/>
+            <a:ext cx="900000" cy="900000"/>
+          </a:xfrm>
+          <a:prstGeom prst="rect">
+            <a:avLst/>
+          </a:prstGeom>
+          <a:noFill/>
+          <a:ln>
+            <a:solidFill>
+              <a:schemeClr val="tx1"/>
+            </a:solidFill>
+          </a:ln>
+        </p:spPr>
+        <p:style>
+          <a:lnRef idx="2">
+            <a:schemeClr val="accent1">
+              <a:shade val="50000"/>
+            </a:schemeClr>
+          </a:lnRef>
+          <a:fillRef idx="1">
+            <a:schemeClr val="accent1"/>
+          </a:fillRef>
+          <a:effectRef idx="0">
+            <a:schemeClr val="accent1"/>
+          </a:effectRef>
+          <a:fontRef idx="minor">
+            <a:schemeClr val="lt1"/>
+          </a:fontRef>
+        </p:style>
+        <p:txBody>
+          <a:bodyPr rtlCol="0" anchor="ctr"/>
+          <a:lstStyle/>
+          <a:p>
+            <a:pPr algn="ctr"/>
+            <a:r>
+              <a:rPr lang="en-US" altLang="ko-KR" dirty="0" smtClean="0">
+                <a:solidFill>
+                  <a:schemeClr val="tx1"/>
+                </a:solidFill>
+              </a:rPr>
+              <a:t>U1</a:t>
+            </a:r>
+            <a:endParaRPr lang="ko-KR" altLang="en-US" dirty="0"/>
+          </a:p>
+        </p:txBody>
+      </p:sp>
+      <p:sp>
+        <p:nvSpPr>
+          <p:cNvPr id="81" name="직사각형 80"/>
+          <p:cNvSpPr/>
+          <p:nvPr/>
+        </p:nvSpPr>
+        <p:spPr>
+          <a:xfrm>
+            <a:off x="5540093" y="4715786"/>
+            <a:ext cx="900000" cy="900000"/>
+          </a:xfrm>
+          <a:prstGeom prst="rect">
+            <a:avLst/>
+          </a:prstGeom>
+          <a:noFill/>
+          <a:ln>
+            <a:solidFill>
+              <a:schemeClr val="tx1"/>
+            </a:solidFill>
+          </a:ln>
+        </p:spPr>
+        <p:style>
+          <a:lnRef idx="2">
+            <a:schemeClr val="accent1">
+              <a:shade val="50000"/>
+            </a:schemeClr>
+          </a:lnRef>
+          <a:fillRef idx="1">
+            <a:schemeClr val="accent1"/>
+          </a:fillRef>
+          <a:effectRef idx="0">
+            <a:schemeClr val="accent1"/>
+          </a:effectRef>
+          <a:fontRef idx="minor">
+            <a:schemeClr val="lt1"/>
+          </a:fontRef>
+        </p:style>
+        <p:txBody>
+          <a:bodyPr rtlCol="0" anchor="ctr"/>
+          <a:lstStyle/>
+          <a:p>
+            <a:pPr algn="ctr"/>
+            <a:r>
+              <a:rPr lang="en-US" altLang="ko-KR" dirty="0" smtClean="0">
+                <a:solidFill>
+                  <a:schemeClr val="tx1"/>
+                </a:solidFill>
+              </a:rPr>
+              <a:t>F13</a:t>
+            </a:r>
+            <a:endParaRPr lang="ko-KR" altLang="en-US" dirty="0"/>
+          </a:p>
+        </p:txBody>
+      </p:sp>
+      <p:sp>
+        <p:nvSpPr>
+          <p:cNvPr id="82" name="직사각형 81"/>
+          <p:cNvSpPr/>
+          <p:nvPr/>
+        </p:nvSpPr>
+        <p:spPr>
+          <a:xfrm>
+            <a:off x="5540093" y="1115786"/>
+            <a:ext cx="900000" cy="900000"/>
+          </a:xfrm>
+          <a:prstGeom prst="rect">
+            <a:avLst/>
+          </a:prstGeom>
+          <a:noFill/>
+          <a:ln>
+            <a:solidFill>
+              <a:schemeClr val="tx1"/>
+            </a:solidFill>
+          </a:ln>
+        </p:spPr>
+        <p:style>
+          <a:lnRef idx="2">
+            <a:schemeClr val="accent1">
+              <a:shade val="50000"/>
+            </a:schemeClr>
+          </a:lnRef>
+          <a:fillRef idx="1">
+            <a:schemeClr val="accent1"/>
+          </a:fillRef>
+          <a:effectRef idx="0">
+            <a:schemeClr val="accent1"/>
+          </a:effectRef>
+          <a:fontRef idx="minor">
+            <a:schemeClr val="lt1"/>
+          </a:fontRef>
+        </p:style>
+        <p:txBody>
+          <a:bodyPr rtlCol="0" anchor="ctr"/>
+          <a:lstStyle/>
+          <a:p>
+            <a:pPr algn="ctr"/>
+            <a:r>
+              <a:rPr lang="en-US" altLang="ko-KR" dirty="0" smtClean="0">
+                <a:solidFill>
+                  <a:schemeClr val="tx1"/>
+                </a:solidFill>
+              </a:rPr>
+              <a:t>W2</a:t>
+            </a:r>
+            <a:endParaRPr lang="ko-KR" altLang="en-US" dirty="0"/>
+          </a:p>
+        </p:txBody>
+      </p:sp>
+      <p:sp>
+        <p:nvSpPr>
+          <p:cNvPr id="83" name="직사각형 82"/>
+          <p:cNvSpPr/>
+          <p:nvPr/>
+        </p:nvSpPr>
+        <p:spPr>
+          <a:xfrm>
+            <a:off x="5540093" y="3815786"/>
+            <a:ext cx="900000" cy="900000"/>
+          </a:xfrm>
+          <a:prstGeom prst="rect">
+            <a:avLst/>
+          </a:prstGeom>
+          <a:noFill/>
+          <a:ln>
+            <a:solidFill>
+              <a:schemeClr val="tx1"/>
+            </a:solidFill>
+          </a:ln>
+        </p:spPr>
+        <p:style>
+          <a:lnRef idx="2">
+            <a:schemeClr val="accent1">
+              <a:shade val="50000"/>
+            </a:schemeClr>
+          </a:lnRef>
+          <a:fillRef idx="1">
+            <a:schemeClr val="accent1"/>
+          </a:fillRef>
+          <a:effectRef idx="0">
+            <a:schemeClr val="accent1"/>
+          </a:effectRef>
+          <a:fontRef idx="minor">
+            <a:schemeClr val="lt1"/>
+          </a:fontRef>
+        </p:style>
+        <p:txBody>
+          <a:bodyPr rtlCol="0" anchor="ctr"/>
+          <a:lstStyle/>
+          <a:p>
+            <a:pPr algn="ctr"/>
+            <a:r>
+              <a:rPr lang="en-US" altLang="ko-KR" dirty="0" smtClean="0">
+                <a:solidFill>
+                  <a:schemeClr val="tx1"/>
+                </a:solidFill>
+              </a:rPr>
+              <a:t>KS</a:t>
+            </a:r>
+            <a:endParaRPr lang="ko-KR" altLang="en-US" dirty="0"/>
+          </a:p>
+        </p:txBody>
+      </p:sp>
+      <p:sp>
+        <p:nvSpPr>
+          <p:cNvPr id="84" name="직사각형 83"/>
+          <p:cNvSpPr/>
+          <p:nvPr/>
+        </p:nvSpPr>
+        <p:spPr>
+          <a:xfrm>
+            <a:off x="5540093" y="2015786"/>
+            <a:ext cx="900000" cy="900000"/>
+          </a:xfrm>
+          <a:prstGeom prst="rect">
+            <a:avLst/>
+          </a:prstGeom>
+          <a:noFill/>
+          <a:ln>
+            <a:solidFill>
+              <a:schemeClr val="tx1"/>
+            </a:solidFill>
+          </a:ln>
+        </p:spPr>
+        <p:style>
+          <a:lnRef idx="2">
+            <a:schemeClr val="accent1">
+              <a:shade val="50000"/>
+            </a:schemeClr>
+          </a:lnRef>
+          <a:fillRef idx="1">
+            <a:schemeClr val="accent1"/>
+          </a:fillRef>
+          <a:effectRef idx="0">
+            <a:schemeClr val="accent1"/>
+          </a:effectRef>
+          <a:fontRef idx="minor">
+            <a:schemeClr val="lt1"/>
+          </a:fontRef>
+        </p:style>
+        <p:txBody>
+          <a:bodyPr rtlCol="0" anchor="ctr"/>
+          <a:lstStyle/>
+          <a:p>
+            <a:pPr algn="ctr"/>
+            <a:r>
+              <a:rPr lang="en-US" altLang="ko-KR" dirty="0" smtClean="0">
+                <a:solidFill>
+                  <a:schemeClr val="tx1"/>
+                </a:solidFill>
+              </a:rPr>
+              <a:t>F2</a:t>
+            </a:r>
+            <a:endParaRPr lang="ko-KR" altLang="en-US" dirty="0"/>
+          </a:p>
+        </p:txBody>
+      </p:sp>
+      <p:sp>
+        <p:nvSpPr>
+          <p:cNvPr id="85" name="직사각형 84"/>
+          <p:cNvSpPr/>
+          <p:nvPr/>
+        </p:nvSpPr>
+        <p:spPr>
+          <a:xfrm>
+            <a:off x="6440093" y="4715786"/>
+            <a:ext cx="900000" cy="900000"/>
+          </a:xfrm>
+          <a:prstGeom prst="rect">
+            <a:avLst/>
+          </a:prstGeom>
+          <a:noFill/>
+          <a:ln>
+            <a:solidFill>
+              <a:schemeClr val="tx1"/>
+            </a:solidFill>
+          </a:ln>
+        </p:spPr>
+        <p:style>
+          <a:lnRef idx="2">
+            <a:schemeClr val="accent1">
+              <a:shade val="50000"/>
+            </a:schemeClr>
+          </a:lnRef>
+          <a:fillRef idx="1">
+            <a:schemeClr val="accent1"/>
+          </a:fillRef>
+          <a:effectRef idx="0">
+            <a:schemeClr val="accent1"/>
+          </a:effectRef>
+          <a:fontRef idx="minor">
+            <a:schemeClr val="lt1"/>
+          </a:fontRef>
+        </p:style>
+        <p:txBody>
+          <a:bodyPr rtlCol="0" anchor="ctr"/>
+          <a:lstStyle/>
+          <a:p>
+            <a:pPr algn="ctr"/>
+            <a:r>
+              <a:rPr lang="en-US" altLang="ko-KR" dirty="0" smtClean="0">
+                <a:solidFill>
+                  <a:schemeClr val="tx1"/>
+                </a:solidFill>
+              </a:rPr>
+              <a:t>F14</a:t>
+            </a:r>
+            <a:endParaRPr lang="ko-KR" altLang="en-US" dirty="0"/>
+          </a:p>
+        </p:txBody>
+      </p:sp>
+      <p:sp>
+        <p:nvSpPr>
+          <p:cNvPr id="86" name="직사각형 85"/>
+          <p:cNvSpPr/>
+          <p:nvPr/>
+        </p:nvSpPr>
+        <p:spPr>
+          <a:xfrm>
+            <a:off x="6440093" y="1115786"/>
+            <a:ext cx="900000" cy="900000"/>
+          </a:xfrm>
+          <a:prstGeom prst="rect">
+            <a:avLst/>
+          </a:prstGeom>
+          <a:noFill/>
+          <a:ln>
+            <a:solidFill>
+              <a:schemeClr val="tx1"/>
+            </a:solidFill>
+          </a:ln>
+        </p:spPr>
+        <p:style>
+          <a:lnRef idx="2">
+            <a:schemeClr val="accent1">
+              <a:shade val="50000"/>
+            </a:schemeClr>
+          </a:lnRef>
+          <a:fillRef idx="1">
+            <a:schemeClr val="accent1"/>
+          </a:fillRef>
+          <a:effectRef idx="0">
+            <a:schemeClr val="accent1"/>
+          </a:effectRef>
+          <a:fontRef idx="minor">
+            <a:schemeClr val="lt1"/>
+          </a:fontRef>
+        </p:style>
+        <p:txBody>
+          <a:bodyPr rtlCol="0" anchor="ctr"/>
+          <a:lstStyle/>
+          <a:p>
+            <a:pPr algn="ctr"/>
+            <a:r>
+              <a:rPr lang="en-US" altLang="ko-KR" dirty="0" smtClean="0">
+                <a:solidFill>
+                  <a:schemeClr val="tx1"/>
+                </a:solidFill>
+              </a:rPr>
+              <a:t>R2</a:t>
+            </a:r>
+            <a:endParaRPr lang="ko-KR" altLang="en-US" dirty="0"/>
+          </a:p>
+        </p:txBody>
+      </p:sp>
+      <p:sp>
+        <p:nvSpPr>
+          <p:cNvPr id="87" name="직사각형 86"/>
+          <p:cNvSpPr/>
+          <p:nvPr/>
+        </p:nvSpPr>
+        <p:spPr>
+          <a:xfrm>
+            <a:off x="6440093" y="3815786"/>
+            <a:ext cx="900000" cy="900000"/>
+          </a:xfrm>
+          <a:prstGeom prst="rect">
+            <a:avLst/>
+          </a:prstGeom>
+          <a:noFill/>
+          <a:ln>
+            <a:solidFill>
+              <a:schemeClr val="tx1"/>
+            </a:solidFill>
+          </a:ln>
+        </p:spPr>
+        <p:style>
+          <a:lnRef idx="2">
+            <a:schemeClr val="accent1">
+              <a:shade val="50000"/>
+            </a:schemeClr>
+          </a:lnRef>
+          <a:fillRef idx="1">
+            <a:schemeClr val="accent1"/>
+          </a:fillRef>
+          <a:effectRef idx="0">
+            <a:schemeClr val="accent1"/>
+          </a:effectRef>
+          <a:fontRef idx="minor">
+            <a:schemeClr val="lt1"/>
+          </a:fontRef>
+        </p:style>
+        <p:txBody>
+          <a:bodyPr rtlCol="0" anchor="ctr"/>
+          <a:lstStyle/>
+          <a:p>
+            <a:pPr algn="ctr"/>
+            <a:r>
+              <a:rPr lang="en-US" altLang="ko-KR" dirty="0" smtClean="0">
+                <a:solidFill>
+                  <a:schemeClr val="tx1"/>
+                </a:solidFill>
+              </a:rPr>
+              <a:t>F10</a:t>
+            </a:r>
+            <a:endParaRPr lang="ko-KR" altLang="en-US" dirty="0"/>
+          </a:p>
+        </p:txBody>
+      </p:sp>
+      <p:sp>
+        <p:nvSpPr>
+          <p:cNvPr id="88" name="직사각형 87"/>
+          <p:cNvSpPr/>
+          <p:nvPr/>
+        </p:nvSpPr>
+        <p:spPr>
+          <a:xfrm>
+            <a:off x="6440093" y="2015786"/>
+            <a:ext cx="900000" cy="900000"/>
+          </a:xfrm>
+          <a:prstGeom prst="rect">
+            <a:avLst/>
+          </a:prstGeom>
+          <a:noFill/>
+          <a:ln>
+            <a:solidFill>
+              <a:schemeClr val="tx1"/>
+            </a:solidFill>
+          </a:ln>
+        </p:spPr>
+        <p:style>
+          <a:lnRef idx="2">
+            <a:schemeClr val="accent1">
+              <a:shade val="50000"/>
+            </a:schemeClr>
+          </a:lnRef>
+          <a:fillRef idx="1">
+            <a:schemeClr val="accent1"/>
+          </a:fillRef>
+          <a:effectRef idx="0">
+            <a:schemeClr val="accent1"/>
+          </a:effectRef>
+          <a:fontRef idx="minor">
+            <a:schemeClr val="lt1"/>
+          </a:fontRef>
+        </p:style>
+        <p:txBody>
+          <a:bodyPr rtlCol="0" anchor="ctr"/>
+          <a:lstStyle/>
+          <a:p>
+            <a:pPr algn="ctr"/>
+            <a:r>
+              <a:rPr lang="en-US" altLang="ko-KR" dirty="0" smtClean="0">
+                <a:solidFill>
+                  <a:schemeClr val="tx1"/>
+                </a:solidFill>
+              </a:rPr>
+              <a:t>F3</a:t>
+            </a:r>
+            <a:endParaRPr lang="ko-KR" altLang="en-US" dirty="0"/>
+          </a:p>
+        </p:txBody>
+      </p:sp>
+      <p:sp>
+        <p:nvSpPr>
+          <p:cNvPr id="89" name="직사각형 88"/>
+          <p:cNvSpPr/>
+          <p:nvPr/>
+        </p:nvSpPr>
+        <p:spPr>
+          <a:xfrm>
+            <a:off x="7340093" y="4715786"/>
+            <a:ext cx="900000" cy="900000"/>
+          </a:xfrm>
+          <a:prstGeom prst="rect">
+            <a:avLst/>
+          </a:prstGeom>
+          <a:noFill/>
+          <a:ln>
+            <a:solidFill>
+              <a:schemeClr val="tx1"/>
+            </a:solidFill>
+          </a:ln>
+        </p:spPr>
+        <p:style>
+          <a:lnRef idx="2">
+            <a:schemeClr val="accent1">
+              <a:shade val="50000"/>
+            </a:schemeClr>
+          </a:lnRef>
+          <a:fillRef idx="1">
+            <a:schemeClr val="accent1"/>
+          </a:fillRef>
+          <a:effectRef idx="0">
+            <a:schemeClr val="accent1"/>
+          </a:effectRef>
+          <a:fontRef idx="minor">
+            <a:schemeClr val="lt1"/>
+          </a:fontRef>
+        </p:style>
+        <p:txBody>
+          <a:bodyPr rtlCol="0" anchor="ctr"/>
+          <a:lstStyle/>
+          <a:p>
+            <a:pPr algn="ctr"/>
+            <a:r>
+              <a:rPr lang="en-US" altLang="ko-KR" dirty="0" smtClean="0">
+                <a:solidFill>
+                  <a:schemeClr val="tx1"/>
+                </a:solidFill>
+              </a:rPr>
+              <a:t>W7</a:t>
+            </a:r>
+            <a:endParaRPr lang="ko-KR" altLang="en-US" dirty="0"/>
+          </a:p>
+        </p:txBody>
+      </p:sp>
+      <p:sp>
+        <p:nvSpPr>
+          <p:cNvPr id="90" name="직사각형 89"/>
+          <p:cNvSpPr/>
+          <p:nvPr/>
+        </p:nvSpPr>
+        <p:spPr>
+          <a:xfrm>
+            <a:off x="7340093" y="1115786"/>
+            <a:ext cx="900000" cy="900000"/>
+          </a:xfrm>
+          <a:prstGeom prst="rect">
+            <a:avLst/>
+          </a:prstGeom>
+          <a:noFill/>
+          <a:ln>
+            <a:solidFill>
+              <a:schemeClr val="tx1"/>
+            </a:solidFill>
+          </a:ln>
+        </p:spPr>
+        <p:style>
+          <a:lnRef idx="2">
+            <a:schemeClr val="accent1">
+              <a:shade val="50000"/>
+            </a:schemeClr>
+          </a:lnRef>
+          <a:fillRef idx="1">
+            <a:schemeClr val="accent1"/>
+          </a:fillRef>
+          <a:effectRef idx="0">
+            <a:schemeClr val="accent1"/>
+          </a:effectRef>
+          <a:fontRef idx="minor">
+            <a:schemeClr val="lt1"/>
+          </a:fontRef>
+        </p:style>
+        <p:txBody>
+          <a:bodyPr rtlCol="0" anchor="ctr"/>
+          <a:lstStyle/>
+          <a:p>
+            <a:pPr algn="ctr"/>
+            <a:r>
+              <a:rPr lang="en-US" altLang="ko-KR" dirty="0" smtClean="0">
+                <a:solidFill>
+                  <a:schemeClr val="tx1"/>
+                </a:solidFill>
+              </a:rPr>
+              <a:t>W3</a:t>
+            </a:r>
+            <a:endParaRPr lang="ko-KR" altLang="en-US" dirty="0"/>
+          </a:p>
+        </p:txBody>
+      </p:sp>
+      <p:sp>
+        <p:nvSpPr>
+          <p:cNvPr id="91" name="직사각형 90"/>
+          <p:cNvSpPr/>
+          <p:nvPr/>
+        </p:nvSpPr>
+        <p:spPr>
+          <a:xfrm>
+            <a:off x="7340093" y="3815786"/>
+            <a:ext cx="900000" cy="900000"/>
+          </a:xfrm>
+          <a:prstGeom prst="rect">
+            <a:avLst/>
+          </a:prstGeom>
+          <a:noFill/>
+          <a:ln>
+            <a:solidFill>
+              <a:schemeClr val="tx1"/>
+            </a:solidFill>
+          </a:ln>
+        </p:spPr>
+        <p:style>
+          <a:lnRef idx="2">
+            <a:schemeClr val="accent1">
+              <a:shade val="50000"/>
+            </a:schemeClr>
+          </a:lnRef>
+          <a:fillRef idx="1">
+            <a:schemeClr val="accent1"/>
+          </a:fillRef>
+          <a:effectRef idx="0">
+            <a:schemeClr val="accent1"/>
+          </a:effectRef>
+          <a:fontRef idx="minor">
+            <a:schemeClr val="lt1"/>
+          </a:fontRef>
+        </p:style>
+        <p:txBody>
+          <a:bodyPr rtlCol="0" anchor="ctr"/>
+          <a:lstStyle/>
+          <a:p>
+            <a:pPr algn="ctr"/>
+            <a:r>
+              <a:rPr lang="en-US" altLang="ko-KR" dirty="0" smtClean="0">
+                <a:solidFill>
+                  <a:schemeClr val="tx1"/>
+                </a:solidFill>
+              </a:rPr>
+              <a:t>F11</a:t>
+            </a:r>
+            <a:endParaRPr lang="ko-KR" altLang="en-US" dirty="0"/>
+          </a:p>
+        </p:txBody>
+      </p:sp>
+      <p:sp>
+        <p:nvSpPr>
+          <p:cNvPr id="92" name="직사각형 91"/>
+          <p:cNvSpPr/>
+          <p:nvPr/>
+        </p:nvSpPr>
+        <p:spPr>
+          <a:xfrm>
+            <a:off x="7340093" y="2015786"/>
+            <a:ext cx="900000" cy="900000"/>
+          </a:xfrm>
+          <a:prstGeom prst="rect">
+            <a:avLst/>
+          </a:prstGeom>
+          <a:noFill/>
+          <a:ln>
+            <a:solidFill>
+              <a:schemeClr val="tx1"/>
+            </a:solidFill>
+          </a:ln>
+        </p:spPr>
+        <p:style>
+          <a:lnRef idx="2">
+            <a:schemeClr val="accent1">
+              <a:shade val="50000"/>
+            </a:schemeClr>
+          </a:lnRef>
+          <a:fillRef idx="1">
+            <a:schemeClr val="accent1"/>
+          </a:fillRef>
+          <a:effectRef idx="0">
+            <a:schemeClr val="accent1"/>
+          </a:effectRef>
+          <a:fontRef idx="minor">
+            <a:schemeClr val="lt1"/>
+          </a:fontRef>
+        </p:style>
+        <p:txBody>
+          <a:bodyPr rtlCol="0" anchor="ctr"/>
+          <a:lstStyle/>
+          <a:p>
+            <a:pPr algn="ctr"/>
+            <a:r>
+              <a:rPr lang="en-US" altLang="ko-KR" dirty="0" smtClean="0">
+                <a:solidFill>
+                  <a:schemeClr val="tx1"/>
+                </a:solidFill>
+              </a:rPr>
+              <a:t>F4</a:t>
+            </a:r>
+            <a:endParaRPr lang="ko-KR" altLang="en-US" dirty="0"/>
+          </a:p>
+        </p:txBody>
+      </p:sp>
+      <p:sp>
+        <p:nvSpPr>
+          <p:cNvPr id="93" name="직사각형 92"/>
+          <p:cNvSpPr/>
+          <p:nvPr/>
+        </p:nvSpPr>
+        <p:spPr>
+          <a:xfrm>
+            <a:off x="8240093" y="3815786"/>
+            <a:ext cx="900000" cy="900000"/>
+          </a:xfrm>
+          <a:prstGeom prst="rect">
+            <a:avLst/>
+          </a:prstGeom>
+          <a:noFill/>
+          <a:ln>
+            <a:solidFill>
+              <a:schemeClr val="tx1"/>
+            </a:solidFill>
+          </a:ln>
+        </p:spPr>
+        <p:style>
+          <a:lnRef idx="2">
+            <a:schemeClr val="accent1">
+              <a:shade val="50000"/>
+            </a:schemeClr>
+          </a:lnRef>
+          <a:fillRef idx="1">
+            <a:schemeClr val="accent1"/>
+          </a:fillRef>
+          <a:effectRef idx="0">
+            <a:schemeClr val="accent1"/>
+          </a:effectRef>
+          <a:fontRef idx="minor">
+            <a:schemeClr val="lt1"/>
+          </a:fontRef>
+        </p:style>
+        <p:txBody>
+          <a:bodyPr rtlCol="0" anchor="ctr"/>
+          <a:lstStyle/>
+          <a:p>
+            <a:pPr algn="ctr"/>
+            <a:r>
+              <a:rPr lang="en-US" altLang="ko-KR" dirty="0" smtClean="0">
+                <a:solidFill>
+                  <a:schemeClr val="tx1"/>
+                </a:solidFill>
+              </a:rPr>
+              <a:t>R6</a:t>
+            </a:r>
+            <a:endParaRPr lang="ko-KR" altLang="en-US" dirty="0"/>
+          </a:p>
+        </p:txBody>
+      </p:sp>
+      <p:sp>
+        <p:nvSpPr>
+          <p:cNvPr id="94" name="직사각형 93"/>
+          <p:cNvSpPr/>
+          <p:nvPr/>
+        </p:nvSpPr>
+        <p:spPr>
+          <a:xfrm>
+            <a:off x="8240093" y="2015786"/>
+            <a:ext cx="900000" cy="900000"/>
+          </a:xfrm>
+          <a:prstGeom prst="rect">
+            <a:avLst/>
+          </a:prstGeom>
+          <a:noFill/>
+          <a:ln>
+            <a:solidFill>
+              <a:schemeClr val="tx1"/>
+            </a:solidFill>
+          </a:ln>
+        </p:spPr>
+        <p:style>
+          <a:lnRef idx="2">
+            <a:schemeClr val="accent1">
+              <a:shade val="50000"/>
+            </a:schemeClr>
+          </a:lnRef>
+          <a:fillRef idx="1">
+            <a:schemeClr val="accent1"/>
+          </a:fillRef>
+          <a:effectRef idx="0">
+            <a:schemeClr val="accent1"/>
+          </a:effectRef>
+          <a:fontRef idx="minor">
+            <a:schemeClr val="lt1"/>
+          </a:fontRef>
+        </p:style>
+        <p:txBody>
+          <a:bodyPr rtlCol="0" anchor="ctr"/>
+          <a:lstStyle/>
+          <a:p>
+            <a:pPr algn="ctr"/>
+            <a:r>
+              <a:rPr lang="en-US" altLang="ko-KR" dirty="0" smtClean="0">
+                <a:solidFill>
+                  <a:schemeClr val="tx1"/>
+                </a:solidFill>
+              </a:rPr>
+              <a:t>R4</a:t>
+            </a:r>
+          </a:p>
+        </p:txBody>
+      </p:sp>
+      <p:sp>
+        <p:nvSpPr>
+          <p:cNvPr id="95" name="직사각형 94"/>
+          <p:cNvSpPr/>
+          <p:nvPr/>
+        </p:nvSpPr>
+        <p:spPr>
+          <a:xfrm>
+            <a:off x="967522" y="2848785"/>
+            <a:ext cx="900000" cy="900000"/>
+          </a:xfrm>
+          <a:prstGeom prst="rect">
+            <a:avLst/>
+          </a:prstGeom>
+          <a:noFill/>
+          <a:ln>
+            <a:solidFill>
+              <a:schemeClr val="tx1"/>
+            </a:solidFill>
+          </a:ln>
+        </p:spPr>
+        <p:style>
+          <a:lnRef idx="2">
+            <a:schemeClr val="accent1">
+              <a:shade val="50000"/>
+            </a:schemeClr>
+          </a:lnRef>
+          <a:fillRef idx="1">
+            <a:schemeClr val="accent1"/>
+          </a:fillRef>
+          <a:effectRef idx="0">
+            <a:schemeClr val="accent1"/>
+          </a:effectRef>
+          <a:fontRef idx="minor">
+            <a:schemeClr val="lt1"/>
+          </a:fontRef>
+        </p:style>
+        <p:txBody>
+          <a:bodyPr rtlCol="0" anchor="ctr"/>
+          <a:lstStyle/>
+          <a:p>
+            <a:pPr algn="ctr"/>
+            <a:r>
+              <a:rPr lang="en-US" altLang="ko-KR" dirty="0" smtClean="0">
+                <a:solidFill>
+                  <a:schemeClr val="tx1"/>
+                </a:solidFill>
+              </a:rPr>
+              <a:t>E</a:t>
+            </a:r>
+          </a:p>
+        </p:txBody>
+      </p:sp>
+      <p:sp>
+        <p:nvSpPr>
+          <p:cNvPr id="36" name="TextBox 35"/>
+          <p:cNvSpPr txBox="1"/>
+          <p:nvPr/>
+        </p:nvSpPr>
+        <p:spPr>
+          <a:xfrm>
+            <a:off x="8690093" y="182704"/>
+            <a:ext cx="3143718" cy="369332"/>
+          </a:xfrm>
+          <a:prstGeom prst="rect">
+            <a:avLst/>
+          </a:prstGeom>
+          <a:noFill/>
+        </p:spPr>
+        <p:txBody>
+          <a:bodyPr wrap="square" rtlCol="0">
+            <a:spAutoFit/>
+          </a:bodyPr>
+          <a:lstStyle/>
+          <a:p>
+            <a:r>
+              <a:rPr lang="en-US" altLang="ko-KR" dirty="0" smtClean="0"/>
+              <a:t>19_12_</a:t>
+            </a:r>
+            <a:r>
+              <a:rPr lang="ko-KR" altLang="en-US" dirty="0" smtClean="0"/>
+              <a:t>생존자</a:t>
+            </a:r>
+            <a:r>
+              <a:rPr lang="en-US" altLang="ko-KR" dirty="0" smtClean="0"/>
+              <a:t>(</a:t>
+            </a:r>
+            <a:r>
+              <a:rPr lang="en-US" altLang="ko-KR" dirty="0" smtClean="0"/>
+              <a:t>vs</a:t>
+            </a:r>
+            <a:r>
+              <a:rPr lang="ko-KR" altLang="en-US" dirty="0" err="1" smtClean="0"/>
+              <a:t>데모고르곤</a:t>
+            </a:r>
+            <a:r>
+              <a:rPr lang="en-US" altLang="ko-KR" dirty="0" smtClean="0"/>
+              <a:t>)</a:t>
+            </a:r>
+            <a:endParaRPr lang="ko-KR" altLang="en-US" dirty="0"/>
+          </a:p>
+        </p:txBody>
+      </p:sp>
+    </p:spTree>
+    <p:extLst>
+      <p:ext uri="{BB962C8B-B14F-4D97-AF65-F5344CB8AC3E}">
+        <p14:creationId xmlns:p14="http://schemas.microsoft.com/office/powerpoint/2010/main" val="903339595"/>
       </p:ext>
     </p:extLst>
   </p:cSld>
@@ -21811,7 +25613,7 @@
   <a:extraClrSchemeLst/>
   <a:extLst>
     <a:ext uri="{05A4C25C-085E-4340-85A3-A5531E510DB2}">
-      <thm15:themeFamily xmlns:thm15="http://schemas.microsoft.com/office/thememl/2012/main" xmlns="" name="Office Theme" id="{62F939B6-93AF-4DB8-9C6B-D6C7DFDC589F}" vid="{4A3C46E8-61CC-4603-A589-7422A47A8E4A}"/>
+      <thm15:themeFamily xmlns:thm15="http://schemas.microsoft.com/office/thememl/2012/main" name="Office Theme" id="{62F939B6-93AF-4DB8-9C6B-D6C7DFDC589F}" vid="{4A3C46E8-61CC-4603-A589-7422A47A8E4A}"/>
     </a:ext>
   </a:extLst>
 </a:theme>
@@ -22072,7 +25874,7 @@
   <a:extraClrSchemeLst/>
   <a:extLst>
     <a:ext uri="{05A4C25C-085E-4340-85A3-A5531E510DB2}">
-      <thm15:themeFamily xmlns:thm15="http://schemas.microsoft.com/office/thememl/2012/main" xmlns="" name="Office Theme" id="{62F939B6-93AF-4DB8-9C6B-D6C7DFDC589F}" vid="{4A3C46E8-61CC-4603-A589-7422A47A8E4A}"/>
+      <thm15:themeFamily xmlns:thm15="http://schemas.microsoft.com/office/thememl/2012/main" name="Office Theme" id="{62F939B6-93AF-4DB8-9C6B-D6C7DFDC589F}" vid="{4A3C46E8-61CC-4603-A589-7422A47A8E4A}"/>
     </a:ext>
   </a:extLst>
 </a:theme>

--- a/DBD 분석/맵 분석/3. 콜드윈드 농장(★)/3. 썩은 들판(★)/종합.pptx
+++ b/DBD 분석/맵 분석/3. 콜드윈드 농장(★)/3. 썩은 들판(★)/종합.pptx
@@ -5,7 +5,7 @@
     <p:sldMasterId id="2147483648" r:id="rId1"/>
   </p:sldMasterIdLst>
   <p:notesMasterIdLst>
-    <p:notesMasterId r:id="rId11"/>
+    <p:notesMasterId r:id="rId12"/>
   </p:notesMasterIdLst>
   <p:sldIdLst>
     <p:sldId id="256" r:id="rId2"/>
@@ -17,6 +17,7 @@
     <p:sldId id="288" r:id="rId8"/>
     <p:sldId id="289" r:id="rId9"/>
     <p:sldId id="290" r:id="rId10"/>
+    <p:sldId id="291" r:id="rId11"/>
   </p:sldIdLst>
   <p:sldSz cx="12192000" cy="6858000"/>
   <p:notesSz cx="6858000" cy="9144000"/>
@@ -117,7 +118,7 @@
   </p:defaultTextStyle>
   <p:extLst>
     <p:ext uri="{EFAFB233-063F-42B5-8137-9DF3F51BA10A}">
-      <p15:sldGuideLst xmlns:p15="http://schemas.microsoft.com/office/powerpoint/2012/main">
+      <p15:sldGuideLst xmlns:p15="http://schemas.microsoft.com/office/powerpoint/2012/main" xmlns="">
         <p15:guide id="1" orient="horz" pos="2160">
           <p15:clr>
             <a:srgbClr val="A4A3A4"/>
@@ -216,7 +217,7 @@
           <a:p>
             <a:fld id="{92FB9B8E-7460-4A65-8DD1-5001397F6CD0}" type="datetimeFigureOut">
               <a:rPr lang="ko-KR" altLang="en-US" smtClean="0"/>
-              <a:t>2020-02-04</a:t>
+              <a:t>2020-02-05</a:t>
             </a:fld>
             <a:endParaRPr lang="ko-KR" altLang="en-US"/>
           </a:p>
@@ -675,7 +676,6 @@
               <a:rPr lang="en-US" altLang="ko-KR" dirty="0" smtClean="0"/>
               <a:t>)</a:t>
             </a:r>
-            <a:endParaRPr lang="en-US" altLang="ko-KR" dirty="0" smtClean="0"/>
           </a:p>
         </p:txBody>
       </p:sp>
@@ -706,6 +706,584 @@
     <p:extLst>
       <p:ext uri="{BB962C8B-B14F-4D97-AF65-F5344CB8AC3E}">
         <p14:creationId xmlns:p14="http://schemas.microsoft.com/office/powerpoint/2010/main" val="1143366"/>
+      </p:ext>
+    </p:extLst>
+  </p:cSld>
+  <p:clrMapOvr>
+    <a:masterClrMapping/>
+  </p:clrMapOvr>
+</p:notes>
+</file>
+
+<file path=ppt/notesSlides/notesSlide10.xml><?xml version="1.0" encoding="utf-8"?>
+<p:notes xmlns:a="http://schemas.openxmlformats.org/drawingml/2006/main" xmlns:r="http://schemas.openxmlformats.org/officeDocument/2006/relationships" xmlns:p="http://schemas.openxmlformats.org/presentationml/2006/main">
+  <p:cSld>
+    <p:spTree>
+      <p:nvGrpSpPr>
+        <p:cNvPr id="1" name=""/>
+        <p:cNvGrpSpPr/>
+        <p:nvPr/>
+      </p:nvGrpSpPr>
+      <p:grpSpPr>
+        <a:xfrm>
+          <a:off x="0" y="0"/>
+          <a:ext cx="0" cy="0"/>
+          <a:chOff x="0" y="0"/>
+          <a:chExt cx="0" cy="0"/>
+        </a:xfrm>
+      </p:grpSpPr>
+      <p:sp>
+        <p:nvSpPr>
+          <p:cNvPr id="2" name="슬라이드 이미지 개체 틀 1"/>
+          <p:cNvSpPr>
+            <a:spLocks noGrp="1" noRot="1" noChangeAspect="1"/>
+          </p:cNvSpPr>
+          <p:nvPr>
+            <p:ph type="sldImg"/>
+          </p:nvPr>
+        </p:nvSpPr>
+        <p:spPr/>
+      </p:sp>
+      <p:sp>
+        <p:nvSpPr>
+          <p:cNvPr id="3" name="슬라이드 노트 개체 틀 2"/>
+          <p:cNvSpPr>
+            <a:spLocks noGrp="1"/>
+          </p:cNvSpPr>
+          <p:nvPr>
+            <p:ph type="body" idx="1"/>
+          </p:nvPr>
+        </p:nvSpPr>
+        <p:spPr/>
+        <p:txBody>
+          <a:bodyPr/>
+          <a:lstStyle/>
+          <a:p>
+            <a:r>
+              <a:rPr lang="en-US" altLang="ko-KR" dirty="0" smtClean="0"/>
+              <a:t>=</a:t>
+            </a:r>
+            <a:r>
+              <a:rPr lang="ko-KR" altLang="en-US" dirty="0" smtClean="0"/>
+              <a:t>방문 지역 </a:t>
+            </a:r>
+            <a:r>
+              <a:rPr lang="en-US" altLang="ko-KR" dirty="0" smtClean="0"/>
+              <a:t>/ </a:t>
+            </a:r>
+            <a:r>
+              <a:rPr lang="ko-KR" altLang="en-US" baseline="0" dirty="0" smtClean="0"/>
+              <a:t>방문 시간 </a:t>
+            </a:r>
+            <a:r>
+              <a:rPr lang="en-US" altLang="ko-KR" baseline="0" dirty="0" smtClean="0"/>
+              <a:t>/ </a:t>
+            </a:r>
+            <a:r>
+              <a:rPr lang="ko-KR" altLang="en-US" baseline="0" dirty="0" smtClean="0"/>
+              <a:t>이벤트 </a:t>
+            </a:r>
+            <a:r>
+              <a:rPr lang="en-US" altLang="ko-KR" baseline="0" dirty="0" smtClean="0"/>
+              <a:t>/ </a:t>
+            </a:r>
+            <a:r>
+              <a:rPr lang="ko-KR" altLang="en-US" baseline="0" dirty="0" err="1" smtClean="0"/>
+              <a:t>멘트</a:t>
+            </a:r>
+            <a:r>
+              <a:rPr lang="ko-KR" altLang="en-US" baseline="0" dirty="0" smtClean="0"/>
+              <a:t> </a:t>
+            </a:r>
+            <a:r>
+              <a:rPr lang="en-US" altLang="ko-KR" baseline="0" dirty="0" smtClean="0"/>
+              <a:t>/ </a:t>
+            </a:r>
+            <a:r>
+              <a:rPr lang="ko-KR" altLang="en-US" baseline="0" dirty="0" smtClean="0"/>
+              <a:t>채팅 </a:t>
+            </a:r>
+            <a:r>
+              <a:rPr lang="en-US" altLang="ko-KR" baseline="0" dirty="0" smtClean="0"/>
+              <a:t>/ </a:t>
+            </a:r>
+            <a:r>
+              <a:rPr lang="ko-KR" altLang="en-US" baseline="0" dirty="0" smtClean="0"/>
+              <a:t>역할</a:t>
+            </a:r>
+            <a:r>
+              <a:rPr lang="en-US" altLang="ko-KR" baseline="0" dirty="0" smtClean="0"/>
+              <a:t>=</a:t>
+            </a:r>
+          </a:p>
+          <a:p>
+            <a:pPr marL="0" marR="0" indent="0" algn="l" defTabSz="914400" rtl="0" eaLnBrk="1" fontAlgn="auto" latinLnBrk="1" hangingPunct="1">
+              <a:lnSpc>
+                <a:spcPct val="100000"/>
+              </a:lnSpc>
+              <a:spcBef>
+                <a:spcPts val="0"/>
+              </a:spcBef>
+              <a:spcAft>
+                <a:spcPts val="0"/>
+              </a:spcAft>
+              <a:buClrTx/>
+              <a:buSzTx/>
+              <a:buFontTx/>
+              <a:buNone/>
+              <a:tabLst/>
+              <a:defRPr/>
+            </a:pPr>
+            <a:r>
+              <a:rPr lang="en-US" altLang="ko-KR" dirty="0" smtClean="0"/>
+              <a:t>-</a:t>
+            </a:r>
+            <a:r>
+              <a:rPr lang="en-US" altLang="ko-KR" dirty="0" smtClean="0"/>
+              <a:t>19_09_</a:t>
+            </a:r>
+            <a:r>
+              <a:rPr lang="ko-KR" altLang="en-US" dirty="0" err="1" smtClean="0"/>
+              <a:t>너스</a:t>
+            </a:r>
+            <a:r>
+              <a:rPr lang="en-US" altLang="ko-KR" dirty="0" smtClean="0"/>
+              <a:t>(W6-F12-W7-W5-W3-W2-W1-R3/0:45~1:50/</a:t>
+            </a:r>
+            <a:r>
+              <a:rPr lang="ko-KR" altLang="en-US" dirty="0" smtClean="0"/>
+              <a:t>이동</a:t>
+            </a:r>
+            <a:r>
+              <a:rPr lang="en-US" altLang="ko-KR" dirty="0" smtClean="0"/>
+              <a:t>,</a:t>
+            </a:r>
+            <a:r>
+              <a:rPr lang="ko-KR" altLang="en-US" dirty="0" smtClean="0"/>
+              <a:t>수색</a:t>
+            </a:r>
+            <a:r>
+              <a:rPr lang="en-US" altLang="ko-KR" dirty="0" smtClean="0"/>
+              <a:t>/</a:t>
+            </a:r>
+            <a:r>
+              <a:rPr lang="ko-KR" altLang="en-US" dirty="0" smtClean="0"/>
+              <a:t>해설</a:t>
+            </a:r>
+            <a:r>
+              <a:rPr lang="en-US" altLang="ko-KR" dirty="0" smtClean="0"/>
+              <a:t>,</a:t>
+            </a:r>
+            <a:r>
+              <a:rPr lang="ko-KR" altLang="en-US" dirty="0" err="1" smtClean="0"/>
+              <a:t>도네이션</a:t>
+            </a:r>
+            <a:r>
+              <a:rPr lang="en-US" altLang="ko-KR" dirty="0" smtClean="0"/>
+              <a:t>/</a:t>
+            </a:r>
+            <a:r>
+              <a:rPr lang="ko-KR" altLang="en-US" dirty="0" smtClean="0"/>
+              <a:t>게임잡담</a:t>
+            </a:r>
+            <a:r>
+              <a:rPr lang="en-US" altLang="ko-KR" dirty="0" smtClean="0"/>
+              <a:t>,</a:t>
+            </a:r>
+            <a:r>
+              <a:rPr lang="ko-KR" altLang="en-US" dirty="0" err="1" smtClean="0"/>
+              <a:t>리액션</a:t>
+            </a:r>
+            <a:r>
+              <a:rPr lang="en-US" altLang="ko-KR" dirty="0" smtClean="0"/>
+              <a:t>/</a:t>
+            </a:r>
+            <a:r>
+              <a:rPr lang="ko-KR" altLang="en-US" dirty="0" smtClean="0"/>
+              <a:t>자유</a:t>
+            </a:r>
+            <a:r>
+              <a:rPr lang="en-US" altLang="ko-KR" dirty="0" smtClean="0"/>
+              <a:t>,</a:t>
+            </a:r>
+            <a:r>
+              <a:rPr lang="ko-KR" altLang="en-US" dirty="0" smtClean="0"/>
+              <a:t>주의환기</a:t>
+            </a:r>
+            <a:r>
+              <a:rPr lang="en-US" altLang="ko-KR" dirty="0" smtClean="0"/>
+              <a:t>,</a:t>
+            </a:r>
+            <a:r>
+              <a:rPr lang="ko-KR" altLang="en-US" dirty="0" smtClean="0"/>
+              <a:t>정보습득</a:t>
+            </a:r>
+            <a:r>
+              <a:rPr lang="en-US" altLang="ko-KR" dirty="0" smtClean="0"/>
+              <a:t>)</a:t>
+            </a:r>
+          </a:p>
+          <a:p>
+            <a:pPr marL="0" marR="0" indent="0" algn="l" defTabSz="914400" rtl="0" eaLnBrk="1" fontAlgn="auto" latinLnBrk="1" hangingPunct="1">
+              <a:lnSpc>
+                <a:spcPct val="100000"/>
+              </a:lnSpc>
+              <a:spcBef>
+                <a:spcPts val="0"/>
+              </a:spcBef>
+              <a:spcAft>
+                <a:spcPts val="0"/>
+              </a:spcAft>
+              <a:buClrTx/>
+              <a:buSzTx/>
+              <a:buFontTx/>
+              <a:buNone/>
+              <a:tabLst/>
+              <a:defRPr/>
+            </a:pPr>
+            <a:r>
+              <a:rPr lang="en-US" altLang="ko-KR" dirty="0" smtClean="0"/>
+              <a:t>-19_09_</a:t>
+            </a:r>
+            <a:r>
+              <a:rPr lang="ko-KR" altLang="en-US" dirty="0" err="1" smtClean="0"/>
+              <a:t>너스</a:t>
+            </a:r>
+            <a:r>
+              <a:rPr lang="en-US" altLang="ko-KR" dirty="0" smtClean="0"/>
+              <a:t>(F1-U1-F9-W6/2:33~2:57/</a:t>
+            </a:r>
+            <a:r>
+              <a:rPr lang="ko-KR" altLang="en-US" dirty="0" smtClean="0"/>
+              <a:t>이동</a:t>
+            </a:r>
+            <a:r>
+              <a:rPr lang="en-US" altLang="ko-KR" dirty="0" smtClean="0"/>
+              <a:t>,</a:t>
+            </a:r>
+            <a:r>
+              <a:rPr lang="ko-KR" altLang="en-US" dirty="0" smtClean="0"/>
+              <a:t>구조</a:t>
+            </a:r>
+            <a:r>
+              <a:rPr lang="en-US" altLang="ko-KR" dirty="0" smtClean="0"/>
+              <a:t>/</a:t>
+            </a:r>
+            <a:r>
+              <a:rPr lang="ko-KR" altLang="en-US" dirty="0" err="1" smtClean="0"/>
+              <a:t>도네이션</a:t>
+            </a:r>
+            <a:r>
+              <a:rPr lang="en-US" altLang="ko-KR" dirty="0" smtClean="0"/>
+              <a:t>,</a:t>
+            </a:r>
+            <a:r>
+              <a:rPr lang="ko-KR" altLang="en-US" dirty="0" smtClean="0"/>
+              <a:t>해설</a:t>
+            </a:r>
+            <a:r>
+              <a:rPr lang="en-US" altLang="ko-KR" dirty="0" smtClean="0"/>
+              <a:t>/</a:t>
+            </a:r>
+            <a:r>
+              <a:rPr lang="ko-KR" altLang="en-US" dirty="0" smtClean="0"/>
+              <a:t>게임잡담</a:t>
+            </a:r>
+            <a:r>
+              <a:rPr lang="en-US" altLang="ko-KR" dirty="0" smtClean="0"/>
+              <a:t>/</a:t>
+            </a:r>
+            <a:r>
+              <a:rPr lang="ko-KR" altLang="en-US" dirty="0" smtClean="0"/>
+              <a:t>자유</a:t>
+            </a:r>
+            <a:r>
+              <a:rPr lang="en-US" altLang="ko-KR" dirty="0" smtClean="0"/>
+              <a:t>)</a:t>
+            </a:r>
+          </a:p>
+          <a:p>
+            <a:pPr marL="0" marR="0" indent="0" algn="l" defTabSz="914400" rtl="0" eaLnBrk="1" fontAlgn="auto" latinLnBrk="1" hangingPunct="1">
+              <a:lnSpc>
+                <a:spcPct val="100000"/>
+              </a:lnSpc>
+              <a:spcBef>
+                <a:spcPts val="0"/>
+              </a:spcBef>
+              <a:spcAft>
+                <a:spcPts val="0"/>
+              </a:spcAft>
+              <a:buClrTx/>
+              <a:buSzTx/>
+              <a:buFontTx/>
+              <a:buNone/>
+              <a:tabLst/>
+              <a:defRPr/>
+            </a:pPr>
+            <a:r>
+              <a:rPr lang="en-US" altLang="ko-KR" dirty="0" smtClean="0"/>
+              <a:t>-19_09_</a:t>
+            </a:r>
+            <a:r>
+              <a:rPr lang="ko-KR" altLang="en-US" dirty="0" err="1" smtClean="0"/>
+              <a:t>너스</a:t>
+            </a:r>
+            <a:r>
+              <a:rPr lang="en-US" altLang="ko-KR" dirty="0" smtClean="0"/>
+              <a:t>(W6-R5-F12/2:57~3:20/</a:t>
+            </a:r>
+            <a:r>
+              <a:rPr lang="ko-KR" altLang="en-US" dirty="0" smtClean="0"/>
+              <a:t>이동</a:t>
+            </a:r>
+            <a:r>
+              <a:rPr lang="en-US" altLang="ko-KR" dirty="0" smtClean="0"/>
+              <a:t>,</a:t>
+            </a:r>
+            <a:r>
+              <a:rPr lang="ko-KR" altLang="en-US" dirty="0" err="1" smtClean="0"/>
+              <a:t>스텔스</a:t>
+            </a:r>
+            <a:r>
+              <a:rPr lang="en-US" altLang="ko-KR" dirty="0" smtClean="0"/>
+              <a:t>/</a:t>
+            </a:r>
+            <a:r>
+              <a:rPr lang="ko-KR" altLang="en-US" dirty="0" smtClean="0"/>
+              <a:t>해설</a:t>
+            </a:r>
+            <a:r>
+              <a:rPr lang="en-US" altLang="ko-KR" dirty="0" smtClean="0"/>
+              <a:t>/</a:t>
+            </a:r>
+            <a:r>
+              <a:rPr lang="ko-KR" altLang="en-US" dirty="0" smtClean="0"/>
+              <a:t>감정이입</a:t>
+            </a:r>
+            <a:r>
+              <a:rPr lang="en-US" altLang="ko-KR" dirty="0" smtClean="0"/>
+              <a:t>/</a:t>
+            </a:r>
+            <a:r>
+              <a:rPr lang="ko-KR" altLang="en-US" dirty="0" smtClean="0"/>
+              <a:t>주의환기</a:t>
+            </a:r>
+            <a:r>
+              <a:rPr lang="en-US" altLang="ko-KR" dirty="0" smtClean="0"/>
+              <a:t>)</a:t>
+            </a:r>
+          </a:p>
+          <a:p>
+            <a:pPr marL="0" marR="0" indent="0" algn="l" defTabSz="914400" rtl="0" eaLnBrk="1" fontAlgn="auto" latinLnBrk="1" hangingPunct="1">
+              <a:lnSpc>
+                <a:spcPct val="100000"/>
+              </a:lnSpc>
+              <a:spcBef>
+                <a:spcPts val="0"/>
+              </a:spcBef>
+              <a:spcAft>
+                <a:spcPts val="0"/>
+              </a:spcAft>
+              <a:buClrTx/>
+              <a:buSzTx/>
+              <a:buFontTx/>
+              <a:buNone/>
+              <a:tabLst/>
+              <a:defRPr/>
+            </a:pPr>
+            <a:r>
+              <a:rPr lang="en-US" altLang="ko-KR" dirty="0" smtClean="0"/>
+              <a:t>-19_09_</a:t>
+            </a:r>
+            <a:r>
+              <a:rPr lang="ko-KR" altLang="en-US" dirty="0" err="1" smtClean="0"/>
+              <a:t>너스</a:t>
+            </a:r>
+            <a:r>
+              <a:rPr lang="en-US" altLang="ko-KR" dirty="0" smtClean="0"/>
+              <a:t>(F12-F9-F12/3:42~4:16/</a:t>
+            </a:r>
+            <a:r>
+              <a:rPr lang="ko-KR" altLang="en-US" dirty="0" smtClean="0"/>
+              <a:t>이동</a:t>
+            </a:r>
+            <a:r>
+              <a:rPr lang="en-US" altLang="ko-KR" dirty="0" smtClean="0"/>
+              <a:t>,</a:t>
+            </a:r>
+            <a:r>
+              <a:rPr lang="ko-KR" altLang="en-US" dirty="0" err="1" smtClean="0"/>
+              <a:t>스텔스</a:t>
+            </a:r>
+            <a:r>
+              <a:rPr lang="en-US" altLang="ko-KR" dirty="0" smtClean="0"/>
+              <a:t>/</a:t>
+            </a:r>
+            <a:r>
+              <a:rPr lang="ko-KR" altLang="en-US" dirty="0" smtClean="0"/>
+              <a:t>해설</a:t>
+            </a:r>
+            <a:r>
+              <a:rPr lang="en-US" altLang="ko-KR" dirty="0" smtClean="0"/>
+              <a:t>,</a:t>
+            </a:r>
+            <a:r>
+              <a:rPr lang="ko-KR" altLang="en-US" dirty="0" smtClean="0"/>
+              <a:t>소통</a:t>
+            </a:r>
+            <a:r>
+              <a:rPr lang="en-US" altLang="ko-KR" dirty="0" smtClean="0"/>
+              <a:t>/</a:t>
+            </a:r>
+            <a:r>
+              <a:rPr lang="ko-KR" altLang="en-US" dirty="0" smtClean="0"/>
+              <a:t>질의응답</a:t>
+            </a:r>
+            <a:r>
+              <a:rPr lang="en-US" altLang="ko-KR" dirty="0" smtClean="0"/>
+              <a:t>,</a:t>
+            </a:r>
+            <a:r>
+              <a:rPr lang="ko-KR" altLang="en-US" dirty="0" smtClean="0"/>
+              <a:t>소통</a:t>
+            </a:r>
+            <a:r>
+              <a:rPr lang="en-US" altLang="ko-KR" dirty="0" smtClean="0"/>
+              <a:t>/</a:t>
+            </a:r>
+            <a:r>
+              <a:rPr lang="ko-KR" altLang="en-US" dirty="0" smtClean="0"/>
+              <a:t>정보습득</a:t>
+            </a:r>
+            <a:r>
+              <a:rPr lang="en-US" altLang="ko-KR" dirty="0" smtClean="0"/>
+              <a:t>)</a:t>
+            </a:r>
+          </a:p>
+          <a:p>
+            <a:pPr marL="0" marR="0" indent="0" algn="l" defTabSz="914400" rtl="0" eaLnBrk="1" fontAlgn="auto" latinLnBrk="1" hangingPunct="1">
+              <a:lnSpc>
+                <a:spcPct val="100000"/>
+              </a:lnSpc>
+              <a:spcBef>
+                <a:spcPts val="0"/>
+              </a:spcBef>
+              <a:spcAft>
+                <a:spcPts val="0"/>
+              </a:spcAft>
+              <a:buClrTx/>
+              <a:buSzTx/>
+              <a:buFontTx/>
+              <a:buNone/>
+              <a:tabLst/>
+              <a:defRPr/>
+            </a:pPr>
+            <a:r>
+              <a:rPr lang="en-US" altLang="ko-KR" dirty="0" smtClean="0"/>
+              <a:t>-19_09_</a:t>
+            </a:r>
+            <a:r>
+              <a:rPr lang="ko-KR" altLang="en-US" dirty="0" err="1" smtClean="0"/>
+              <a:t>너스</a:t>
+            </a:r>
+            <a:r>
+              <a:rPr lang="en-US" altLang="ko-KR" dirty="0" smtClean="0"/>
+              <a:t>(F12-R5-W4-U3/4:16~4:45/</a:t>
+            </a:r>
+            <a:r>
+              <a:rPr lang="ko-KR" altLang="en-US" dirty="0" smtClean="0"/>
+              <a:t>이동</a:t>
+            </a:r>
+            <a:r>
+              <a:rPr lang="en-US" altLang="ko-KR" dirty="0" smtClean="0"/>
+              <a:t>,</a:t>
+            </a:r>
+            <a:r>
+              <a:rPr lang="ko-KR" altLang="en-US" dirty="0" err="1" smtClean="0"/>
+              <a:t>스텔스</a:t>
+            </a:r>
+            <a:r>
+              <a:rPr lang="en-US" altLang="ko-KR" dirty="0" smtClean="0"/>
+              <a:t>/</a:t>
+            </a:r>
+            <a:r>
+              <a:rPr lang="ko-KR" altLang="en-US" dirty="0" smtClean="0"/>
+              <a:t>해설</a:t>
+            </a:r>
+            <a:r>
+              <a:rPr lang="en-US" altLang="ko-KR" dirty="0" smtClean="0"/>
+              <a:t>/</a:t>
+            </a:r>
+            <a:r>
+              <a:rPr lang="ko-KR" altLang="en-US" dirty="0" smtClean="0"/>
+              <a:t>상황판단질의응답</a:t>
+            </a:r>
+            <a:r>
+              <a:rPr lang="en-US" altLang="ko-KR" dirty="0" smtClean="0"/>
+              <a:t>,</a:t>
+            </a:r>
+            <a:r>
+              <a:rPr lang="ko-KR" altLang="en-US" dirty="0" smtClean="0"/>
+              <a:t>감정표현</a:t>
+            </a:r>
+            <a:r>
+              <a:rPr lang="en-US" altLang="ko-KR" dirty="0" smtClean="0"/>
+              <a:t>/</a:t>
+            </a:r>
+            <a:r>
+              <a:rPr lang="ko-KR" altLang="en-US" dirty="0" smtClean="0"/>
+              <a:t>상황몰입</a:t>
+            </a:r>
+            <a:r>
+              <a:rPr lang="en-US" altLang="ko-KR" dirty="0" smtClean="0"/>
+              <a:t>,</a:t>
+            </a:r>
+            <a:r>
+              <a:rPr lang="ko-KR" altLang="en-US" dirty="0" smtClean="0"/>
+              <a:t>흥미유발</a:t>
+            </a:r>
+            <a:r>
+              <a:rPr lang="en-US" altLang="ko-KR" dirty="0" smtClean="0"/>
+              <a:t>,</a:t>
+            </a:r>
+            <a:r>
+              <a:rPr lang="ko-KR" altLang="en-US" dirty="0" smtClean="0"/>
+              <a:t>정보습득</a:t>
+            </a:r>
+            <a:r>
+              <a:rPr lang="en-US" altLang="ko-KR" dirty="0" smtClean="0"/>
+              <a:t>)</a:t>
+            </a:r>
+          </a:p>
+        </p:txBody>
+      </p:sp>
+      <p:sp>
+        <p:nvSpPr>
+          <p:cNvPr id="4" name="슬라이드 번호 개체 틀 3"/>
+          <p:cNvSpPr>
+            <a:spLocks noGrp="1"/>
+          </p:cNvSpPr>
+          <p:nvPr>
+            <p:ph type="sldNum" sz="quarter" idx="10"/>
+          </p:nvPr>
+        </p:nvSpPr>
+        <p:spPr/>
+        <p:txBody>
+          <a:bodyPr/>
+          <a:lstStyle/>
+          <a:p>
+            <a:fld id="{0D2F3107-8B6A-4B65-B28D-2687EDAB2094}" type="slidenum">
+              <a:rPr lang="ko-KR" altLang="en-US" smtClean="0"/>
+              <a:t>10</a:t>
+            </a:fld>
+            <a:endParaRPr lang="ko-KR" altLang="en-US"/>
+          </a:p>
+        </p:txBody>
+      </p:sp>
+    </p:spTree>
+    <p:extLst>
+      <p:ext uri="{BB962C8B-B14F-4D97-AF65-F5344CB8AC3E}">
+        <p14:creationId xmlns:p14="http://schemas.microsoft.com/office/powerpoint/2010/main" val="3756393113"/>
       </p:ext>
     </p:extLst>
   </p:cSld>
@@ -1022,7 +1600,278 @@
               <a:rPr lang="en-US" altLang="ko-KR" dirty="0" smtClean="0"/>
               <a:t>)</a:t>
             </a:r>
+          </a:p>
+          <a:p>
             <a:endParaRPr lang="en-US" altLang="ko-KR" dirty="0" smtClean="0"/>
+          </a:p>
+          <a:p>
+            <a:pPr marL="0" marR="0" indent="0" algn="l" defTabSz="914400" rtl="0" eaLnBrk="1" fontAlgn="auto" latinLnBrk="1" hangingPunct="1">
+              <a:lnSpc>
+                <a:spcPct val="100000"/>
+              </a:lnSpc>
+              <a:spcBef>
+                <a:spcPts val="0"/>
+              </a:spcBef>
+              <a:spcAft>
+                <a:spcPts val="0"/>
+              </a:spcAft>
+              <a:buClrTx/>
+              <a:buSzTx/>
+              <a:buFontTx/>
+              <a:buNone/>
+              <a:tabLst/>
+              <a:defRPr/>
+            </a:pPr>
+            <a:r>
+              <a:rPr lang="en-US" altLang="ko-KR" dirty="0" smtClean="0"/>
+              <a:t>-19_09_</a:t>
+            </a:r>
+            <a:r>
+              <a:rPr lang="ko-KR" altLang="en-US" dirty="0" err="1" smtClean="0"/>
+              <a:t>너스</a:t>
+            </a:r>
+            <a:r>
+              <a:rPr lang="en-US" altLang="ko-KR" dirty="0" smtClean="0"/>
+              <a:t>(F1/2:05~2:33/</a:t>
+            </a:r>
+            <a:r>
+              <a:rPr lang="ko-KR" altLang="en-US" dirty="0" smtClean="0"/>
+              <a:t>발전기 수리</a:t>
+            </a:r>
+            <a:r>
+              <a:rPr lang="en-US" altLang="ko-KR" dirty="0" smtClean="0"/>
+              <a:t>/</a:t>
+            </a:r>
+            <a:r>
+              <a:rPr lang="ko-KR" altLang="en-US" dirty="0" smtClean="0"/>
+              <a:t>해설</a:t>
+            </a:r>
+            <a:r>
+              <a:rPr lang="en-US" altLang="ko-KR" dirty="0" smtClean="0"/>
+              <a:t>,</a:t>
+            </a:r>
+            <a:r>
+              <a:rPr lang="ko-KR" altLang="en-US" dirty="0" err="1" smtClean="0"/>
+              <a:t>도네이션</a:t>
+            </a:r>
+            <a:r>
+              <a:rPr lang="en-US" altLang="ko-KR" dirty="0" smtClean="0"/>
+              <a:t>/</a:t>
+            </a:r>
+            <a:r>
+              <a:rPr lang="ko-KR" altLang="en-US" dirty="0" err="1" smtClean="0"/>
+              <a:t>도네이션</a:t>
+            </a:r>
+            <a:r>
+              <a:rPr lang="en-US" altLang="ko-KR" dirty="0" smtClean="0"/>
+              <a:t>/</a:t>
+            </a:r>
+            <a:r>
+              <a:rPr lang="ko-KR" altLang="en-US" dirty="0" smtClean="0"/>
+              <a:t>자유</a:t>
+            </a:r>
+            <a:r>
+              <a:rPr lang="en-US" altLang="ko-KR" dirty="0" smtClean="0"/>
+              <a:t>,</a:t>
+            </a:r>
+            <a:r>
+              <a:rPr lang="ko-KR" altLang="en-US" dirty="0" smtClean="0"/>
+              <a:t>흥미유발</a:t>
+            </a:r>
+            <a:r>
+              <a:rPr lang="en-US" altLang="ko-KR" dirty="0" smtClean="0"/>
+              <a:t>)</a:t>
+            </a:r>
+          </a:p>
+          <a:p>
+            <a:pPr marL="0" marR="0" indent="0" algn="l" defTabSz="914400" rtl="0" eaLnBrk="1" fontAlgn="auto" latinLnBrk="1" hangingPunct="1">
+              <a:lnSpc>
+                <a:spcPct val="100000"/>
+              </a:lnSpc>
+              <a:spcBef>
+                <a:spcPts val="0"/>
+              </a:spcBef>
+              <a:spcAft>
+                <a:spcPts val="0"/>
+              </a:spcAft>
+              <a:buClrTx/>
+              <a:buSzTx/>
+              <a:buFontTx/>
+              <a:buNone/>
+              <a:tabLst/>
+              <a:defRPr/>
+            </a:pPr>
+            <a:r>
+              <a:rPr lang="en-US" altLang="ko-KR" dirty="0" smtClean="0"/>
+              <a:t>-19_09_</a:t>
+            </a:r>
+            <a:r>
+              <a:rPr lang="ko-KR" altLang="en-US" dirty="0" err="1" smtClean="0"/>
+              <a:t>너스</a:t>
+            </a:r>
+            <a:r>
+              <a:rPr lang="en-US" altLang="ko-KR" dirty="0" smtClean="0"/>
+              <a:t>(F12/3:20~3:42/</a:t>
+            </a:r>
+            <a:r>
+              <a:rPr lang="ko-KR" altLang="en-US" dirty="0" smtClean="0"/>
+              <a:t>발전기 수리</a:t>
+            </a:r>
+            <a:r>
+              <a:rPr lang="en-US" altLang="ko-KR" dirty="0" smtClean="0"/>
+              <a:t>/</a:t>
+            </a:r>
+            <a:r>
+              <a:rPr lang="ko-KR" altLang="en-US" dirty="0" smtClean="0"/>
+              <a:t>해설</a:t>
+            </a:r>
+            <a:r>
+              <a:rPr lang="en-US" altLang="ko-KR" dirty="0" smtClean="0"/>
+              <a:t>,</a:t>
+            </a:r>
+            <a:r>
+              <a:rPr lang="ko-KR" altLang="en-US" dirty="0" err="1" smtClean="0"/>
+              <a:t>도네이션</a:t>
+            </a:r>
+            <a:r>
+              <a:rPr lang="en-US" altLang="ko-KR" dirty="0" smtClean="0"/>
+              <a:t>/</a:t>
+            </a:r>
+            <a:r>
+              <a:rPr lang="ko-KR" altLang="en-US" dirty="0" err="1" smtClean="0"/>
+              <a:t>도네이션</a:t>
+            </a:r>
+            <a:r>
+              <a:rPr lang="en-US" altLang="ko-KR" dirty="0" smtClean="0"/>
+              <a:t>,</a:t>
+            </a:r>
+            <a:r>
+              <a:rPr lang="ko-KR" altLang="en-US" dirty="0" err="1" smtClean="0"/>
+              <a:t>드립</a:t>
+            </a:r>
+            <a:r>
+              <a:rPr lang="en-US" altLang="ko-KR" dirty="0" smtClean="0"/>
+              <a:t>/</a:t>
+            </a:r>
+            <a:r>
+              <a:rPr lang="ko-KR" altLang="en-US" dirty="0" smtClean="0"/>
+              <a:t>자유</a:t>
+            </a:r>
+            <a:r>
+              <a:rPr lang="en-US" altLang="ko-KR" dirty="0" smtClean="0"/>
+              <a:t>,</a:t>
+            </a:r>
+            <a:r>
+              <a:rPr lang="ko-KR" altLang="en-US" dirty="0" smtClean="0"/>
+              <a:t>흥미유발</a:t>
+            </a:r>
+            <a:r>
+              <a:rPr lang="en-US" altLang="ko-KR" dirty="0" smtClean="0"/>
+              <a:t>)</a:t>
+            </a:r>
+          </a:p>
+          <a:p>
+            <a:pPr marL="0" marR="0" indent="0" algn="l" defTabSz="914400" rtl="0" eaLnBrk="1" fontAlgn="auto" latinLnBrk="1" hangingPunct="1">
+              <a:lnSpc>
+                <a:spcPct val="100000"/>
+              </a:lnSpc>
+              <a:spcBef>
+                <a:spcPts val="0"/>
+              </a:spcBef>
+              <a:spcAft>
+                <a:spcPts val="0"/>
+              </a:spcAft>
+              <a:buClrTx/>
+              <a:buSzTx/>
+              <a:buFontTx/>
+              <a:buNone/>
+              <a:tabLst/>
+              <a:defRPr/>
+            </a:pPr>
+            <a:r>
+              <a:rPr lang="en-US" altLang="ko-KR" dirty="0" smtClean="0"/>
+              <a:t>-19_09_</a:t>
+            </a:r>
+            <a:r>
+              <a:rPr lang="ko-KR" altLang="en-US" dirty="0" err="1" smtClean="0"/>
+              <a:t>너스</a:t>
+            </a:r>
+            <a:r>
+              <a:rPr lang="en-US" altLang="ko-KR" dirty="0" smtClean="0"/>
+              <a:t>(F12/5:25~6:07/</a:t>
+            </a:r>
+            <a:r>
+              <a:rPr lang="ko-KR" altLang="en-US" dirty="0" smtClean="0"/>
+              <a:t>발전기 수리</a:t>
+            </a:r>
+            <a:r>
+              <a:rPr lang="en-US" altLang="ko-KR" dirty="0" smtClean="0"/>
+              <a:t>/</a:t>
+            </a:r>
+            <a:r>
+              <a:rPr lang="ko-KR" altLang="en-US" dirty="0" smtClean="0"/>
+              <a:t>해설</a:t>
+            </a:r>
+            <a:r>
+              <a:rPr lang="en-US" altLang="ko-KR" dirty="0" smtClean="0"/>
+              <a:t>,</a:t>
+            </a:r>
+            <a:r>
+              <a:rPr lang="ko-KR" altLang="en-US" dirty="0" smtClean="0"/>
+              <a:t>소통</a:t>
+            </a:r>
+            <a:r>
+              <a:rPr lang="en-US" altLang="ko-KR" dirty="0" smtClean="0"/>
+              <a:t>,</a:t>
+            </a:r>
+            <a:r>
+              <a:rPr lang="ko-KR" altLang="en-US" dirty="0" smtClean="0"/>
+              <a:t>정보제공</a:t>
+            </a:r>
+            <a:r>
+              <a:rPr lang="en-US" altLang="ko-KR" dirty="0" smtClean="0"/>
+              <a:t>/</a:t>
+            </a:r>
+            <a:r>
+              <a:rPr lang="ko-KR" altLang="en-US" dirty="0" err="1" smtClean="0"/>
+              <a:t>드립</a:t>
+            </a:r>
+            <a:r>
+              <a:rPr lang="en-US" altLang="ko-KR" dirty="0" smtClean="0"/>
+              <a:t>,</a:t>
+            </a:r>
+            <a:r>
+              <a:rPr lang="ko-KR" altLang="en-US" dirty="0" err="1" smtClean="0"/>
+              <a:t>리액션</a:t>
+            </a:r>
+            <a:r>
+              <a:rPr lang="en-US" altLang="ko-KR" dirty="0" smtClean="0"/>
+              <a:t>,</a:t>
+            </a:r>
+            <a:r>
+              <a:rPr lang="ko-KR" altLang="en-US" dirty="0" smtClean="0"/>
+              <a:t>상황판단</a:t>
+            </a:r>
+            <a:r>
+              <a:rPr lang="en-US" altLang="ko-KR" dirty="0" smtClean="0"/>
+              <a:t>/</a:t>
+            </a:r>
+            <a:r>
+              <a:rPr lang="ko-KR" altLang="en-US" dirty="0" smtClean="0"/>
+              <a:t>흥미유발</a:t>
+            </a:r>
+            <a:r>
+              <a:rPr lang="en-US" altLang="ko-KR" dirty="0" smtClean="0"/>
+              <a:t>,</a:t>
+            </a:r>
+            <a:r>
+              <a:rPr lang="ko-KR" altLang="en-US" dirty="0" smtClean="0"/>
+              <a:t>상황몰입</a:t>
+            </a:r>
+            <a:r>
+              <a:rPr lang="en-US" altLang="ko-KR" dirty="0" smtClean="0"/>
+              <a:t>)</a:t>
+            </a:r>
           </a:p>
         </p:txBody>
       </p:sp>
@@ -1664,13 +2513,259 @@
               <a:t>,</a:t>
             </a:r>
             <a:r>
+              <a:rPr lang="ko-KR" altLang="en-US" dirty="0" smtClean="0"/>
+              <a:t>흥미유발</a:t>
+            </a:r>
+            <a:r>
+              <a:rPr lang="en-US" altLang="ko-KR" dirty="0" smtClean="0"/>
+              <a:t>)</a:t>
+            </a:r>
+          </a:p>
+          <a:p>
+            <a:pPr marL="0" marR="0" indent="0" algn="l" defTabSz="914400" rtl="0" eaLnBrk="1" fontAlgn="auto" latinLnBrk="1" hangingPunct="1">
+              <a:lnSpc>
+                <a:spcPct val="100000"/>
+              </a:lnSpc>
+              <a:spcBef>
+                <a:spcPts val="0"/>
+              </a:spcBef>
+              <a:spcAft>
+                <a:spcPts val="0"/>
+              </a:spcAft>
+              <a:buClrTx/>
+              <a:buSzTx/>
+              <a:buFontTx/>
+              <a:buNone/>
+              <a:tabLst/>
+              <a:defRPr/>
+            </a:pPr>
+            <a:endParaRPr lang="en-US" altLang="ko-KR" dirty="0" smtClean="0"/>
+          </a:p>
+          <a:p>
+            <a:pPr marL="0" marR="0" indent="0" algn="l" defTabSz="914400" rtl="0" eaLnBrk="1" fontAlgn="auto" latinLnBrk="1" hangingPunct="1">
+              <a:lnSpc>
+                <a:spcPct val="100000"/>
+              </a:lnSpc>
+              <a:spcBef>
+                <a:spcPts val="0"/>
+              </a:spcBef>
+              <a:spcAft>
+                <a:spcPts val="0"/>
+              </a:spcAft>
+              <a:buClrTx/>
+              <a:buSzTx/>
+              <a:buFontTx/>
+              <a:buNone/>
+              <a:tabLst/>
+              <a:defRPr/>
+            </a:pPr>
+            <a:r>
+              <a:rPr lang="en-US" altLang="ko-KR" dirty="0" smtClean="0"/>
+              <a:t>-19_09_</a:t>
+            </a:r>
+            <a:r>
               <a:rPr lang="ko-KR" altLang="en-US" dirty="0" err="1" smtClean="0"/>
+              <a:t>너스</a:t>
+            </a:r>
+            <a:r>
+              <a:rPr lang="en-US" altLang="ko-KR" dirty="0" smtClean="0"/>
+              <a:t>(W6/4:45~5:25/</a:t>
+            </a:r>
+            <a:r>
+              <a:rPr lang="ko-KR" altLang="en-US" dirty="0" err="1" smtClean="0"/>
+              <a:t>스텔스</a:t>
+            </a:r>
+            <a:r>
+              <a:rPr lang="en-US" altLang="ko-KR" dirty="0" smtClean="0"/>
+              <a:t>/</a:t>
+            </a:r>
+            <a:r>
+              <a:rPr lang="ko-KR" altLang="en-US" dirty="0" smtClean="0"/>
+              <a:t>해설</a:t>
+            </a:r>
+            <a:r>
+              <a:rPr lang="en-US" altLang="ko-KR" dirty="0" smtClean="0"/>
+              <a:t>/</a:t>
+            </a:r>
+            <a:r>
+              <a:rPr lang="ko-KR" altLang="en-US" dirty="0" smtClean="0"/>
+              <a:t>상황판단</a:t>
+            </a:r>
+            <a:r>
+              <a:rPr lang="en-US" altLang="ko-KR" dirty="0" smtClean="0"/>
+              <a:t>,</a:t>
+            </a:r>
+            <a:r>
+              <a:rPr lang="ko-KR" altLang="en-US" dirty="0" smtClean="0"/>
+              <a:t>감정표현</a:t>
+            </a:r>
+            <a:r>
+              <a:rPr lang="en-US" altLang="ko-KR" dirty="0" smtClean="0"/>
+              <a:t>/</a:t>
+            </a:r>
+            <a:r>
+              <a:rPr lang="ko-KR" altLang="en-US" dirty="0" smtClean="0"/>
+              <a:t>상황몰입</a:t>
+            </a:r>
+            <a:r>
+              <a:rPr lang="en-US" altLang="ko-KR" dirty="0" smtClean="0"/>
+              <a:t>,</a:t>
+            </a:r>
+            <a:r>
+              <a:rPr lang="ko-KR" altLang="en-US" dirty="0" smtClean="0"/>
               <a:t>흥미유발</a:t>
             </a:r>
             <a:r>
               <a:rPr lang="en-US" altLang="ko-KR" dirty="0" smtClean="0"/>
               <a:t>)</a:t>
             </a:r>
+          </a:p>
+          <a:p>
+            <a:pPr marL="0" marR="0" indent="0" algn="l" defTabSz="914400" rtl="0" eaLnBrk="1" fontAlgn="auto" latinLnBrk="1" hangingPunct="1">
+              <a:lnSpc>
+                <a:spcPct val="100000"/>
+              </a:lnSpc>
+              <a:spcBef>
+                <a:spcPts val="0"/>
+              </a:spcBef>
+              <a:spcAft>
+                <a:spcPts val="0"/>
+              </a:spcAft>
+              <a:buClrTx/>
+              <a:buSzTx/>
+              <a:buFontTx/>
+              <a:buNone/>
+              <a:tabLst/>
+              <a:defRPr/>
+            </a:pPr>
+            <a:r>
+              <a:rPr lang="en-US" altLang="ko-KR" dirty="0" smtClean="0"/>
+              <a:t>-19_09_</a:t>
+            </a:r>
+            <a:r>
+              <a:rPr lang="ko-KR" altLang="en-US" dirty="0" err="1" smtClean="0"/>
+              <a:t>너스</a:t>
+            </a:r>
+            <a:r>
+              <a:rPr lang="en-US" altLang="ko-KR" dirty="0" smtClean="0"/>
+              <a:t>(W7/6:25~7:20/</a:t>
+            </a:r>
+            <a:r>
+              <a:rPr lang="ko-KR" altLang="en-US" dirty="0" smtClean="0"/>
+              <a:t>발전기 수리</a:t>
+            </a:r>
+            <a:r>
+              <a:rPr lang="en-US" altLang="ko-KR" dirty="0" smtClean="0"/>
+              <a:t>/</a:t>
+            </a:r>
+            <a:r>
+              <a:rPr lang="ko-KR" altLang="en-US" dirty="0" smtClean="0"/>
+              <a:t>해설</a:t>
+            </a:r>
+            <a:r>
+              <a:rPr lang="en-US" altLang="ko-KR" dirty="0" smtClean="0"/>
+              <a:t>,</a:t>
+            </a:r>
+            <a:r>
+              <a:rPr lang="ko-KR" altLang="en-US" dirty="0" smtClean="0"/>
+              <a:t>소통</a:t>
+            </a:r>
+            <a:r>
+              <a:rPr lang="en-US" altLang="ko-KR" dirty="0" smtClean="0"/>
+              <a:t>,</a:t>
+            </a:r>
+            <a:r>
+              <a:rPr lang="ko-KR" altLang="en-US" dirty="0" smtClean="0"/>
+              <a:t>게임잡담</a:t>
+            </a:r>
+            <a:r>
+              <a:rPr lang="en-US" altLang="ko-KR" dirty="0" smtClean="0"/>
+              <a:t>/</a:t>
+            </a:r>
+            <a:r>
+              <a:rPr lang="ko-KR" altLang="en-US" dirty="0" err="1" smtClean="0"/>
+              <a:t>게임외잡담</a:t>
+            </a:r>
+            <a:r>
+              <a:rPr lang="en-US" altLang="ko-KR" dirty="0" smtClean="0"/>
+              <a:t>,</a:t>
+            </a:r>
+            <a:r>
+              <a:rPr lang="ko-KR" altLang="en-US" dirty="0" smtClean="0"/>
+              <a:t>게임잡담</a:t>
+            </a:r>
+            <a:r>
+              <a:rPr lang="en-US" altLang="ko-KR" dirty="0" smtClean="0"/>
+              <a:t>/</a:t>
+            </a:r>
+            <a:r>
+              <a:rPr lang="ko-KR" altLang="en-US" dirty="0" smtClean="0"/>
+              <a:t>자유</a:t>
+            </a:r>
+            <a:r>
+              <a:rPr lang="en-US" altLang="ko-KR" dirty="0" smtClean="0"/>
+              <a:t>,</a:t>
+            </a:r>
+            <a:r>
+              <a:rPr lang="ko-KR" altLang="en-US" dirty="0" smtClean="0"/>
+              <a:t>소통</a:t>
+            </a:r>
+            <a:r>
+              <a:rPr lang="en-US" altLang="ko-KR" dirty="0" smtClean="0"/>
+              <a:t>)</a:t>
+            </a:r>
+          </a:p>
+          <a:p>
+            <a:pPr marL="0" marR="0" indent="0" algn="l" defTabSz="914400" rtl="0" eaLnBrk="1" fontAlgn="auto" latinLnBrk="1" hangingPunct="1">
+              <a:lnSpc>
+                <a:spcPct val="100000"/>
+              </a:lnSpc>
+              <a:spcBef>
+                <a:spcPts val="0"/>
+              </a:spcBef>
+              <a:spcAft>
+                <a:spcPts val="0"/>
+              </a:spcAft>
+              <a:buClrTx/>
+              <a:buSzTx/>
+              <a:buFontTx/>
+              <a:buNone/>
+              <a:tabLst/>
+              <a:defRPr/>
+            </a:pPr>
+            <a:endParaRPr lang="en-US" altLang="ko-KR" dirty="0" smtClean="0"/>
+          </a:p>
+          <a:p>
+            <a:pPr marL="0" marR="0" indent="0" algn="l" defTabSz="914400" rtl="0" eaLnBrk="1" fontAlgn="auto" latinLnBrk="1" hangingPunct="1">
+              <a:lnSpc>
+                <a:spcPct val="100000"/>
+              </a:lnSpc>
+              <a:spcBef>
+                <a:spcPts val="0"/>
+              </a:spcBef>
+              <a:spcAft>
+                <a:spcPts val="0"/>
+              </a:spcAft>
+              <a:buClrTx/>
+              <a:buSzTx/>
+              <a:buFontTx/>
+              <a:buNone/>
+              <a:tabLst/>
+              <a:defRPr/>
+            </a:pPr>
+            <a:r>
+              <a:rPr lang="en-US" altLang="ko-KR" dirty="0" smtClean="0"/>
+              <a:t>(14</a:t>
+            </a:r>
+            <a:r>
+              <a:rPr lang="ko-KR" altLang="en-US" smtClean="0"/>
+              <a:t>번 슬라이드부터 하자</a:t>
+            </a:r>
+            <a:r>
+              <a:rPr lang="en-US" altLang="ko-KR" smtClean="0"/>
+              <a:t>)</a:t>
+            </a:r>
+            <a:endParaRPr lang="en-US" altLang="ko-KR" dirty="0" smtClean="0"/>
           </a:p>
         </p:txBody>
       </p:sp>
@@ -2164,6 +3259,105 @@
             <a:r>
               <a:rPr lang="ko-KR" altLang="en-US" dirty="0" smtClean="0"/>
               <a:t>정보습득</a:t>
+            </a:r>
+            <a:r>
+              <a:rPr lang="en-US" altLang="ko-KR" dirty="0" smtClean="0"/>
+              <a:t>)</a:t>
+            </a:r>
+          </a:p>
+          <a:p>
+            <a:pPr marL="0" marR="0" indent="0" algn="l" defTabSz="914400" rtl="0" eaLnBrk="1" fontAlgn="auto" latinLnBrk="1" hangingPunct="1">
+              <a:lnSpc>
+                <a:spcPct val="100000"/>
+              </a:lnSpc>
+              <a:spcBef>
+                <a:spcPts val="0"/>
+              </a:spcBef>
+              <a:spcAft>
+                <a:spcPts val="0"/>
+              </a:spcAft>
+              <a:buClrTx/>
+              <a:buSzTx/>
+              <a:buFontTx/>
+              <a:buNone/>
+              <a:tabLst/>
+              <a:defRPr/>
+            </a:pPr>
+            <a:endParaRPr lang="en-US" altLang="ko-KR" dirty="0" smtClean="0"/>
+          </a:p>
+          <a:p>
+            <a:pPr marL="0" marR="0" indent="0" algn="l" defTabSz="914400" rtl="0" eaLnBrk="1" fontAlgn="auto" latinLnBrk="1" hangingPunct="1">
+              <a:lnSpc>
+                <a:spcPct val="100000"/>
+              </a:lnSpc>
+              <a:spcBef>
+                <a:spcPts val="0"/>
+              </a:spcBef>
+              <a:spcAft>
+                <a:spcPts val="0"/>
+              </a:spcAft>
+              <a:buClrTx/>
+              <a:buSzTx/>
+              <a:buFontTx/>
+              <a:buNone/>
+              <a:tabLst/>
+              <a:defRPr/>
+            </a:pPr>
+            <a:r>
+              <a:rPr lang="en-US" altLang="ko-KR" dirty="0" smtClean="0"/>
+              <a:t>-19_09_</a:t>
+            </a:r>
+            <a:r>
+              <a:rPr lang="ko-KR" altLang="en-US" dirty="0" err="1" smtClean="0"/>
+              <a:t>너스</a:t>
+            </a:r>
+            <a:r>
+              <a:rPr lang="en-US" altLang="ko-KR" dirty="0" smtClean="0"/>
+              <a:t>(R3/1:50~2:05/</a:t>
+            </a:r>
+            <a:r>
+              <a:rPr lang="ko-KR" altLang="en-US" dirty="0" smtClean="0"/>
+              <a:t>정화</a:t>
+            </a:r>
+            <a:r>
+              <a:rPr lang="en-US" altLang="ko-KR" dirty="0" smtClean="0"/>
+              <a:t>/</a:t>
+            </a:r>
+            <a:r>
+              <a:rPr lang="ko-KR" altLang="en-US" dirty="0" smtClean="0"/>
+              <a:t>해설</a:t>
+            </a:r>
+            <a:r>
+              <a:rPr lang="en-US" altLang="ko-KR" dirty="0" smtClean="0"/>
+              <a:t>,</a:t>
+            </a:r>
+            <a:r>
+              <a:rPr lang="ko-KR" altLang="en-US" dirty="0" smtClean="0"/>
+              <a:t>감정표현</a:t>
+            </a:r>
+            <a:r>
+              <a:rPr lang="en-US" altLang="ko-KR" dirty="0" smtClean="0"/>
+              <a:t>/</a:t>
+            </a:r>
+            <a:r>
+              <a:rPr lang="ko-KR" altLang="en-US" dirty="0" err="1" smtClean="0"/>
+              <a:t>리액션</a:t>
+            </a:r>
+            <a:r>
+              <a:rPr lang="en-US" altLang="ko-KR" dirty="0" smtClean="0"/>
+              <a:t>,</a:t>
+            </a:r>
+            <a:r>
+              <a:rPr lang="ko-KR" altLang="en-US" dirty="0" err="1" smtClean="0"/>
+              <a:t>드립</a:t>
+            </a:r>
+            <a:r>
+              <a:rPr lang="en-US" altLang="ko-KR" dirty="0" smtClean="0"/>
+              <a:t>/</a:t>
+            </a:r>
+            <a:r>
+              <a:rPr lang="ko-KR" altLang="en-US" dirty="0" smtClean="0"/>
+              <a:t>자유</a:t>
             </a:r>
             <a:r>
               <a:rPr lang="en-US" altLang="ko-KR" dirty="0" smtClean="0"/>
@@ -5155,7 +6349,7 @@
           <a:p>
             <a:fld id="{F86301F8-5A19-4D53-B525-D052BC8201C6}" type="datetimeFigureOut">
               <a:rPr lang="ko-KR" altLang="en-US" smtClean="0"/>
-              <a:t>2020-02-04</a:t>
+              <a:t>2020-02-05</a:t>
             </a:fld>
             <a:endParaRPr lang="ko-KR" altLang="en-US"/>
           </a:p>
@@ -5325,7 +6519,7 @@
           <a:p>
             <a:fld id="{F86301F8-5A19-4D53-B525-D052BC8201C6}" type="datetimeFigureOut">
               <a:rPr lang="ko-KR" altLang="en-US" smtClean="0"/>
-              <a:t>2020-02-04</a:t>
+              <a:t>2020-02-05</a:t>
             </a:fld>
             <a:endParaRPr lang="ko-KR" altLang="en-US"/>
           </a:p>
@@ -5505,7 +6699,7 @@
           <a:p>
             <a:fld id="{F86301F8-5A19-4D53-B525-D052BC8201C6}" type="datetimeFigureOut">
               <a:rPr lang="ko-KR" altLang="en-US" smtClean="0"/>
-              <a:t>2020-02-04</a:t>
+              <a:t>2020-02-05</a:t>
             </a:fld>
             <a:endParaRPr lang="ko-KR" altLang="en-US"/>
           </a:p>
@@ -5675,7 +6869,7 @@
           <a:p>
             <a:fld id="{F86301F8-5A19-4D53-B525-D052BC8201C6}" type="datetimeFigureOut">
               <a:rPr lang="ko-KR" altLang="en-US" smtClean="0"/>
-              <a:t>2020-02-04</a:t>
+              <a:t>2020-02-05</a:t>
             </a:fld>
             <a:endParaRPr lang="ko-KR" altLang="en-US"/>
           </a:p>
@@ -5921,7 +7115,7 @@
           <a:p>
             <a:fld id="{F86301F8-5A19-4D53-B525-D052BC8201C6}" type="datetimeFigureOut">
               <a:rPr lang="ko-KR" altLang="en-US" smtClean="0"/>
-              <a:t>2020-02-04</a:t>
+              <a:t>2020-02-05</a:t>
             </a:fld>
             <a:endParaRPr lang="ko-KR" altLang="en-US"/>
           </a:p>
@@ -6153,7 +7347,7 @@
           <a:p>
             <a:fld id="{F86301F8-5A19-4D53-B525-D052BC8201C6}" type="datetimeFigureOut">
               <a:rPr lang="ko-KR" altLang="en-US" smtClean="0"/>
-              <a:t>2020-02-04</a:t>
+              <a:t>2020-02-05</a:t>
             </a:fld>
             <a:endParaRPr lang="ko-KR" altLang="en-US"/>
           </a:p>
@@ -6520,7 +7714,7 @@
           <a:p>
             <a:fld id="{F86301F8-5A19-4D53-B525-D052BC8201C6}" type="datetimeFigureOut">
               <a:rPr lang="ko-KR" altLang="en-US" smtClean="0"/>
-              <a:t>2020-02-04</a:t>
+              <a:t>2020-02-05</a:t>
             </a:fld>
             <a:endParaRPr lang="ko-KR" altLang="en-US"/>
           </a:p>
@@ -6638,7 +7832,7 @@
           <a:p>
             <a:fld id="{F86301F8-5A19-4D53-B525-D052BC8201C6}" type="datetimeFigureOut">
               <a:rPr lang="ko-KR" altLang="en-US" smtClean="0"/>
-              <a:t>2020-02-04</a:t>
+              <a:t>2020-02-05</a:t>
             </a:fld>
             <a:endParaRPr lang="ko-KR" altLang="en-US"/>
           </a:p>
@@ -6733,7 +7927,7 @@
           <a:p>
             <a:fld id="{F86301F8-5A19-4D53-B525-D052BC8201C6}" type="datetimeFigureOut">
               <a:rPr lang="ko-KR" altLang="en-US" smtClean="0"/>
-              <a:t>2020-02-04</a:t>
+              <a:t>2020-02-05</a:t>
             </a:fld>
             <a:endParaRPr lang="ko-KR" altLang="en-US"/>
           </a:p>
@@ -7010,7 +8204,7 @@
           <a:p>
             <a:fld id="{F86301F8-5A19-4D53-B525-D052BC8201C6}" type="datetimeFigureOut">
               <a:rPr lang="ko-KR" altLang="en-US" smtClean="0"/>
-              <a:t>2020-02-04</a:t>
+              <a:t>2020-02-05</a:t>
             </a:fld>
             <a:endParaRPr lang="ko-KR" altLang="en-US"/>
           </a:p>
@@ -7263,7 +8457,7 @@
           <a:p>
             <a:fld id="{F86301F8-5A19-4D53-B525-D052BC8201C6}" type="datetimeFigureOut">
               <a:rPr lang="ko-KR" altLang="en-US" smtClean="0"/>
-              <a:t>2020-02-04</a:t>
+              <a:t>2020-02-05</a:t>
             </a:fld>
             <a:endParaRPr lang="ko-KR" altLang="en-US"/>
           </a:p>
@@ -7476,7 +8670,7 @@
           <a:p>
             <a:fld id="{F86301F8-5A19-4D53-B525-D052BC8201C6}" type="datetimeFigureOut">
               <a:rPr lang="ko-KR" altLang="en-US" smtClean="0"/>
-              <a:t>2020-02-04</a:t>
+              <a:t>2020-02-05</a:t>
             </a:fld>
             <a:endParaRPr lang="ko-KR" altLang="en-US"/>
           </a:p>
@@ -9784,6 +10978,1978 @@
 </p:sld>
 </file>
 
+<file path=ppt/slides/slide10.xml><?xml version="1.0" encoding="utf-8"?>
+<p:sld xmlns:a="http://schemas.openxmlformats.org/drawingml/2006/main" xmlns:r="http://schemas.openxmlformats.org/officeDocument/2006/relationships" xmlns:p="http://schemas.openxmlformats.org/presentationml/2006/main">
+  <p:cSld>
+    <p:spTree>
+      <p:nvGrpSpPr>
+        <p:cNvPr id="1" name=""/>
+        <p:cNvGrpSpPr/>
+        <p:nvPr/>
+      </p:nvGrpSpPr>
+      <p:grpSpPr>
+        <a:xfrm>
+          <a:off x="0" y="0"/>
+          <a:ext cx="0" cy="0"/>
+          <a:chOff x="0" y="0"/>
+          <a:chExt cx="0" cy="0"/>
+        </a:xfrm>
+      </p:grpSpPr>
+      <p:sp>
+        <p:nvSpPr>
+          <p:cNvPr id="4" name="십자형 3"/>
+          <p:cNvSpPr/>
+          <p:nvPr/>
+        </p:nvSpPr>
+        <p:spPr>
+          <a:xfrm rot="16200000">
+            <a:off x="3375600" y="-205189"/>
+            <a:ext cx="5240175" cy="7007949"/>
+          </a:xfrm>
+          <a:prstGeom prst="plus">
+            <a:avLst>
+              <a:gd name="adj" fmla="val 15218"/>
+            </a:avLst>
+          </a:prstGeom>
+          <a:noFill/>
+          <a:ln>
+            <a:solidFill>
+              <a:schemeClr val="tx1"/>
+            </a:solidFill>
+          </a:ln>
+        </p:spPr>
+        <p:style>
+          <a:lnRef idx="2">
+            <a:schemeClr val="accent1">
+              <a:shade val="50000"/>
+            </a:schemeClr>
+          </a:lnRef>
+          <a:fillRef idx="1">
+            <a:schemeClr val="accent1"/>
+          </a:fillRef>
+          <a:effectRef idx="0">
+            <a:schemeClr val="accent1"/>
+          </a:effectRef>
+          <a:fontRef idx="minor">
+            <a:schemeClr val="lt1"/>
+          </a:fontRef>
+        </p:style>
+        <p:txBody>
+          <a:bodyPr rtlCol="0" anchor="ctr"/>
+          <a:lstStyle/>
+          <a:p>
+            <a:pPr algn="ctr"/>
+            <a:endParaRPr lang="ko-KR" altLang="en-US" dirty="0"/>
+          </a:p>
+        </p:txBody>
+      </p:sp>
+      <p:sp>
+        <p:nvSpPr>
+          <p:cNvPr id="60" name="TextBox 59"/>
+          <p:cNvSpPr txBox="1"/>
+          <p:nvPr/>
+        </p:nvSpPr>
+        <p:spPr>
+          <a:xfrm>
+            <a:off x="175033" y="182704"/>
+            <a:ext cx="2139904" cy="1384995"/>
+          </a:xfrm>
+          <a:prstGeom prst="rect">
+            <a:avLst/>
+          </a:prstGeom>
+          <a:noFill/>
+        </p:spPr>
+        <p:txBody>
+          <a:bodyPr wrap="square" rtlCol="0">
+            <a:spAutoFit/>
+          </a:bodyPr>
+          <a:lstStyle/>
+          <a:p>
+            <a:r>
+              <a:rPr lang="en-US" altLang="ko-KR" sz="1400" dirty="0" smtClean="0"/>
+              <a:t>W : wall(</a:t>
+            </a:r>
+            <a:r>
+              <a:rPr lang="ko-KR" altLang="en-US" sz="1400" dirty="0" smtClean="0"/>
+              <a:t>벽</a:t>
+            </a:r>
+            <a:r>
+              <a:rPr lang="en-US" altLang="ko-KR" sz="1400" dirty="0" smtClean="0"/>
+              <a:t>,</a:t>
+            </a:r>
+            <a:r>
+              <a:rPr lang="ko-KR" altLang="en-US" sz="1400" dirty="0" smtClean="0"/>
+              <a:t>정글짐</a:t>
+            </a:r>
+            <a:r>
+              <a:rPr lang="en-US" altLang="ko-KR" sz="1400" dirty="0" smtClean="0"/>
+              <a:t>)</a:t>
+            </a:r>
+          </a:p>
+          <a:p>
+            <a:r>
+              <a:rPr lang="en-US" altLang="ko-KR" sz="1400" dirty="0" smtClean="0"/>
+              <a:t>R : random(</a:t>
+            </a:r>
+            <a:r>
+              <a:rPr lang="ko-KR" altLang="en-US" sz="1400" dirty="0" smtClean="0"/>
+              <a:t>랜덤 구조물</a:t>
+            </a:r>
+            <a:r>
+              <a:rPr lang="en-US" altLang="ko-KR" sz="1400" dirty="0" smtClean="0"/>
+              <a:t>)</a:t>
+            </a:r>
+          </a:p>
+          <a:p>
+            <a:r>
+              <a:rPr lang="en-US" altLang="ko-KR" sz="1400" dirty="0" smtClean="0"/>
+              <a:t>U : unique(</a:t>
+            </a:r>
+            <a:r>
+              <a:rPr lang="ko-KR" altLang="en-US" sz="1400" dirty="0" smtClean="0"/>
+              <a:t>특수 구조물</a:t>
+            </a:r>
+            <a:r>
+              <a:rPr lang="en-US" altLang="ko-KR" sz="1400" dirty="0" smtClean="0"/>
+              <a:t>)</a:t>
+            </a:r>
+          </a:p>
+          <a:p>
+            <a:r>
+              <a:rPr lang="en-US" altLang="ko-KR" sz="1400" dirty="0" smtClean="0"/>
+              <a:t>F : farm(</a:t>
+            </a:r>
+            <a:r>
+              <a:rPr lang="ko-KR" altLang="en-US" sz="1400" dirty="0" smtClean="0"/>
+              <a:t>밀밭</a:t>
+            </a:r>
+            <a:r>
+              <a:rPr lang="en-US" altLang="ko-KR" sz="1400" dirty="0" smtClean="0"/>
+              <a:t>)</a:t>
+            </a:r>
+          </a:p>
+          <a:p>
+            <a:r>
+              <a:rPr lang="en-US" altLang="ko-KR" sz="1400" dirty="0" smtClean="0"/>
+              <a:t>KS : killer shack</a:t>
+            </a:r>
+            <a:br>
+              <a:rPr lang="en-US" altLang="ko-KR" sz="1400" dirty="0" smtClean="0"/>
+            </a:br>
+            <a:r>
+              <a:rPr lang="en-US" altLang="ko-KR" sz="1400" dirty="0" smtClean="0"/>
+              <a:t>E : escape door(</a:t>
+            </a:r>
+            <a:r>
+              <a:rPr lang="ko-KR" altLang="en-US" sz="1400" dirty="0" err="1" smtClean="0"/>
+              <a:t>탈출문</a:t>
+            </a:r>
+            <a:r>
+              <a:rPr lang="en-US" altLang="ko-KR" sz="1400" dirty="0" smtClean="0"/>
+              <a:t>)</a:t>
+            </a:r>
+            <a:endParaRPr lang="ko-KR" altLang="en-US" sz="1400" dirty="0"/>
+          </a:p>
+        </p:txBody>
+      </p:sp>
+      <p:sp>
+        <p:nvSpPr>
+          <p:cNvPr id="64" name="직사각형 63"/>
+          <p:cNvSpPr/>
+          <p:nvPr/>
+        </p:nvSpPr>
+        <p:spPr>
+          <a:xfrm>
+            <a:off x="2840093" y="2915786"/>
+            <a:ext cx="900000" cy="900000"/>
+          </a:xfrm>
+          <a:prstGeom prst="rect">
+            <a:avLst/>
+          </a:prstGeom>
+          <a:noFill/>
+          <a:ln>
+            <a:solidFill>
+              <a:schemeClr val="tx1"/>
+            </a:solidFill>
+          </a:ln>
+        </p:spPr>
+        <p:style>
+          <a:lnRef idx="2">
+            <a:schemeClr val="accent1">
+              <a:shade val="50000"/>
+            </a:schemeClr>
+          </a:lnRef>
+          <a:fillRef idx="1">
+            <a:schemeClr val="accent1"/>
+          </a:fillRef>
+          <a:effectRef idx="0">
+            <a:schemeClr val="accent1"/>
+          </a:effectRef>
+          <a:fontRef idx="minor">
+            <a:schemeClr val="lt1"/>
+          </a:fontRef>
+        </p:style>
+        <p:txBody>
+          <a:bodyPr rtlCol="0" anchor="ctr"/>
+          <a:lstStyle/>
+          <a:p>
+            <a:pPr algn="ctr"/>
+            <a:r>
+              <a:rPr lang="en-US" altLang="ko-KR" dirty="0" smtClean="0">
+                <a:solidFill>
+                  <a:schemeClr val="tx1"/>
+                </a:solidFill>
+              </a:rPr>
+              <a:t>W4</a:t>
+            </a:r>
+            <a:endParaRPr lang="ko-KR" altLang="en-US" dirty="0"/>
+          </a:p>
+        </p:txBody>
+      </p:sp>
+      <p:sp>
+        <p:nvSpPr>
+          <p:cNvPr id="65" name="직사각형 64"/>
+          <p:cNvSpPr/>
+          <p:nvPr/>
+        </p:nvSpPr>
+        <p:spPr>
+          <a:xfrm>
+            <a:off x="3740093" y="2915786"/>
+            <a:ext cx="900000" cy="900000"/>
+          </a:xfrm>
+          <a:prstGeom prst="rect">
+            <a:avLst/>
+          </a:prstGeom>
+          <a:noFill/>
+          <a:ln>
+            <a:solidFill>
+              <a:schemeClr val="tx1"/>
+            </a:solidFill>
+          </a:ln>
+        </p:spPr>
+        <p:style>
+          <a:lnRef idx="2">
+            <a:schemeClr val="accent1">
+              <a:shade val="50000"/>
+            </a:schemeClr>
+          </a:lnRef>
+          <a:fillRef idx="1">
+            <a:schemeClr val="accent1"/>
+          </a:fillRef>
+          <a:effectRef idx="0">
+            <a:schemeClr val="accent1"/>
+          </a:effectRef>
+          <a:fontRef idx="minor">
+            <a:schemeClr val="lt1"/>
+          </a:fontRef>
+        </p:style>
+        <p:txBody>
+          <a:bodyPr rtlCol="0" anchor="ctr"/>
+          <a:lstStyle/>
+          <a:p>
+            <a:pPr algn="ctr"/>
+            <a:r>
+              <a:rPr lang="en-US" altLang="ko-KR" dirty="0" smtClean="0">
+                <a:solidFill>
+                  <a:schemeClr val="tx1"/>
+                </a:solidFill>
+              </a:rPr>
+              <a:t>F5</a:t>
+            </a:r>
+            <a:endParaRPr lang="ko-KR" altLang="en-US" dirty="0"/>
+          </a:p>
+        </p:txBody>
+      </p:sp>
+      <p:sp>
+        <p:nvSpPr>
+          <p:cNvPr id="66" name="직사각형 65"/>
+          <p:cNvSpPr/>
+          <p:nvPr/>
+        </p:nvSpPr>
+        <p:spPr>
+          <a:xfrm>
+            <a:off x="4640093" y="2915786"/>
+            <a:ext cx="900000" cy="900000"/>
+          </a:xfrm>
+          <a:prstGeom prst="rect">
+            <a:avLst/>
+          </a:prstGeom>
+          <a:noFill/>
+          <a:ln>
+            <a:solidFill>
+              <a:schemeClr val="tx1"/>
+            </a:solidFill>
+          </a:ln>
+        </p:spPr>
+        <p:style>
+          <a:lnRef idx="2">
+            <a:schemeClr val="accent1">
+              <a:shade val="50000"/>
+            </a:schemeClr>
+          </a:lnRef>
+          <a:fillRef idx="1">
+            <a:schemeClr val="accent1"/>
+          </a:fillRef>
+          <a:effectRef idx="0">
+            <a:schemeClr val="accent1"/>
+          </a:effectRef>
+          <a:fontRef idx="minor">
+            <a:schemeClr val="lt1"/>
+          </a:fontRef>
+        </p:style>
+        <p:txBody>
+          <a:bodyPr rtlCol="0" anchor="ctr"/>
+          <a:lstStyle/>
+          <a:p>
+            <a:pPr algn="ctr"/>
+            <a:r>
+              <a:rPr lang="en-US" altLang="ko-KR" dirty="0" smtClean="0">
+                <a:solidFill>
+                  <a:schemeClr val="tx1"/>
+                </a:solidFill>
+              </a:rPr>
+              <a:t>F6</a:t>
+            </a:r>
+            <a:endParaRPr lang="ko-KR" altLang="en-US" dirty="0"/>
+          </a:p>
+        </p:txBody>
+      </p:sp>
+      <p:sp>
+        <p:nvSpPr>
+          <p:cNvPr id="67" name="직사각형 66"/>
+          <p:cNvSpPr/>
+          <p:nvPr/>
+        </p:nvSpPr>
+        <p:spPr>
+          <a:xfrm>
+            <a:off x="5540093" y="2915786"/>
+            <a:ext cx="900000" cy="900000"/>
+          </a:xfrm>
+          <a:prstGeom prst="rect">
+            <a:avLst/>
+          </a:prstGeom>
+          <a:noFill/>
+          <a:ln>
+            <a:solidFill>
+              <a:schemeClr val="tx1"/>
+            </a:solidFill>
+          </a:ln>
+        </p:spPr>
+        <p:style>
+          <a:lnRef idx="2">
+            <a:schemeClr val="accent1">
+              <a:shade val="50000"/>
+            </a:schemeClr>
+          </a:lnRef>
+          <a:fillRef idx="1">
+            <a:schemeClr val="accent1"/>
+          </a:fillRef>
+          <a:effectRef idx="0">
+            <a:schemeClr val="accent1"/>
+          </a:effectRef>
+          <a:fontRef idx="minor">
+            <a:schemeClr val="lt1"/>
+          </a:fontRef>
+        </p:style>
+        <p:txBody>
+          <a:bodyPr rtlCol="0" anchor="ctr"/>
+          <a:lstStyle/>
+          <a:p>
+            <a:pPr algn="ctr"/>
+            <a:r>
+              <a:rPr lang="en-US" altLang="ko-KR" dirty="0" smtClean="0">
+                <a:solidFill>
+                  <a:schemeClr val="tx1"/>
+                </a:solidFill>
+              </a:rPr>
+              <a:t>F7</a:t>
+            </a:r>
+            <a:endParaRPr lang="ko-KR" altLang="en-US" dirty="0"/>
+          </a:p>
+        </p:txBody>
+      </p:sp>
+      <p:sp>
+        <p:nvSpPr>
+          <p:cNvPr id="68" name="직사각형 67"/>
+          <p:cNvSpPr/>
+          <p:nvPr/>
+        </p:nvSpPr>
+        <p:spPr>
+          <a:xfrm>
+            <a:off x="6440093" y="2915786"/>
+            <a:ext cx="900000" cy="900000"/>
+          </a:xfrm>
+          <a:prstGeom prst="rect">
+            <a:avLst/>
+          </a:prstGeom>
+          <a:noFill/>
+          <a:ln>
+            <a:solidFill>
+              <a:schemeClr val="tx1"/>
+            </a:solidFill>
+          </a:ln>
+        </p:spPr>
+        <p:style>
+          <a:lnRef idx="2">
+            <a:schemeClr val="accent1">
+              <a:shade val="50000"/>
+            </a:schemeClr>
+          </a:lnRef>
+          <a:fillRef idx="1">
+            <a:schemeClr val="accent1"/>
+          </a:fillRef>
+          <a:effectRef idx="0">
+            <a:schemeClr val="accent1"/>
+          </a:effectRef>
+          <a:fontRef idx="minor">
+            <a:schemeClr val="lt1"/>
+          </a:fontRef>
+        </p:style>
+        <p:txBody>
+          <a:bodyPr rtlCol="0" anchor="ctr"/>
+          <a:lstStyle/>
+          <a:p>
+            <a:pPr algn="ctr"/>
+            <a:r>
+              <a:rPr lang="en-US" altLang="ko-KR" dirty="0" smtClean="0">
+                <a:solidFill>
+                  <a:schemeClr val="tx1"/>
+                </a:solidFill>
+              </a:rPr>
+              <a:t>F8</a:t>
+            </a:r>
+            <a:endParaRPr lang="ko-KR" altLang="en-US" dirty="0"/>
+          </a:p>
+        </p:txBody>
+      </p:sp>
+      <p:sp>
+        <p:nvSpPr>
+          <p:cNvPr id="69" name="직사각형 68"/>
+          <p:cNvSpPr/>
+          <p:nvPr/>
+        </p:nvSpPr>
+        <p:spPr>
+          <a:xfrm>
+            <a:off x="7340093" y="2915786"/>
+            <a:ext cx="900000" cy="900000"/>
+          </a:xfrm>
+          <a:prstGeom prst="rect">
+            <a:avLst/>
+          </a:prstGeom>
+          <a:noFill/>
+          <a:ln>
+            <a:solidFill>
+              <a:schemeClr val="tx1"/>
+            </a:solidFill>
+          </a:ln>
+        </p:spPr>
+        <p:style>
+          <a:lnRef idx="2">
+            <a:schemeClr val="accent1">
+              <a:shade val="50000"/>
+            </a:schemeClr>
+          </a:lnRef>
+          <a:fillRef idx="1">
+            <a:schemeClr val="accent1"/>
+          </a:fillRef>
+          <a:effectRef idx="0">
+            <a:schemeClr val="accent1"/>
+          </a:effectRef>
+          <a:fontRef idx="minor">
+            <a:schemeClr val="lt1"/>
+          </a:fontRef>
+        </p:style>
+        <p:txBody>
+          <a:bodyPr rtlCol="0" anchor="ctr"/>
+          <a:lstStyle/>
+          <a:p>
+            <a:pPr algn="ctr"/>
+            <a:r>
+              <a:rPr lang="en-US" altLang="ko-KR" dirty="0" smtClean="0">
+                <a:solidFill>
+                  <a:schemeClr val="tx1"/>
+                </a:solidFill>
+              </a:rPr>
+              <a:t>U2</a:t>
+            </a:r>
+            <a:endParaRPr lang="ko-KR" altLang="en-US" dirty="0"/>
+          </a:p>
+        </p:txBody>
+      </p:sp>
+      <p:sp>
+        <p:nvSpPr>
+          <p:cNvPr id="70" name="직사각형 69"/>
+          <p:cNvSpPr/>
+          <p:nvPr/>
+        </p:nvSpPr>
+        <p:spPr>
+          <a:xfrm>
+            <a:off x="8240093" y="2915786"/>
+            <a:ext cx="900000" cy="900000"/>
+          </a:xfrm>
+          <a:prstGeom prst="rect">
+            <a:avLst/>
+          </a:prstGeom>
+          <a:noFill/>
+          <a:ln>
+            <a:solidFill>
+              <a:schemeClr val="tx1"/>
+            </a:solidFill>
+          </a:ln>
+        </p:spPr>
+        <p:style>
+          <a:lnRef idx="2">
+            <a:schemeClr val="accent1">
+              <a:shade val="50000"/>
+            </a:schemeClr>
+          </a:lnRef>
+          <a:fillRef idx="1">
+            <a:schemeClr val="accent1"/>
+          </a:fillRef>
+          <a:effectRef idx="0">
+            <a:schemeClr val="accent1"/>
+          </a:effectRef>
+          <a:fontRef idx="minor">
+            <a:schemeClr val="lt1"/>
+          </a:fontRef>
+        </p:style>
+        <p:txBody>
+          <a:bodyPr rtlCol="0" anchor="ctr"/>
+          <a:lstStyle/>
+          <a:p>
+            <a:pPr algn="ctr"/>
+            <a:r>
+              <a:rPr lang="en-US" altLang="ko-KR" dirty="0" smtClean="0">
+                <a:solidFill>
+                  <a:schemeClr val="tx1"/>
+                </a:solidFill>
+              </a:rPr>
+              <a:t>W5</a:t>
+            </a:r>
+            <a:endParaRPr lang="ko-KR" altLang="en-US" dirty="0"/>
+          </a:p>
+        </p:txBody>
+      </p:sp>
+      <p:sp>
+        <p:nvSpPr>
+          <p:cNvPr id="71" name="직사각형 70"/>
+          <p:cNvSpPr/>
+          <p:nvPr/>
+        </p:nvSpPr>
+        <p:spPr>
+          <a:xfrm>
+            <a:off x="2840093" y="3815786"/>
+            <a:ext cx="900000" cy="900000"/>
+          </a:xfrm>
+          <a:prstGeom prst="rect">
+            <a:avLst/>
+          </a:prstGeom>
+          <a:noFill/>
+          <a:ln>
+            <a:solidFill>
+              <a:schemeClr val="tx1"/>
+            </a:solidFill>
+          </a:ln>
+        </p:spPr>
+        <p:style>
+          <a:lnRef idx="2">
+            <a:schemeClr val="accent1">
+              <a:shade val="50000"/>
+            </a:schemeClr>
+          </a:lnRef>
+          <a:fillRef idx="1">
+            <a:schemeClr val="accent1"/>
+          </a:fillRef>
+          <a:effectRef idx="0">
+            <a:schemeClr val="accent1"/>
+          </a:effectRef>
+          <a:fontRef idx="minor">
+            <a:schemeClr val="lt1"/>
+          </a:fontRef>
+        </p:style>
+        <p:txBody>
+          <a:bodyPr rtlCol="0" anchor="ctr"/>
+          <a:lstStyle/>
+          <a:p>
+            <a:pPr algn="ctr"/>
+            <a:r>
+              <a:rPr lang="en-US" altLang="ko-KR" dirty="0" smtClean="0">
+                <a:solidFill>
+                  <a:schemeClr val="tx1"/>
+                </a:solidFill>
+              </a:rPr>
+              <a:t>R5</a:t>
+            </a:r>
+            <a:endParaRPr lang="ko-KR" altLang="en-US" dirty="0"/>
+          </a:p>
+        </p:txBody>
+      </p:sp>
+      <p:sp>
+        <p:nvSpPr>
+          <p:cNvPr id="72" name="직사각형 71"/>
+          <p:cNvSpPr/>
+          <p:nvPr/>
+        </p:nvSpPr>
+        <p:spPr>
+          <a:xfrm>
+            <a:off x="2840093" y="2015786"/>
+            <a:ext cx="900000" cy="900000"/>
+          </a:xfrm>
+          <a:prstGeom prst="rect">
+            <a:avLst/>
+          </a:prstGeom>
+          <a:noFill/>
+          <a:ln>
+            <a:solidFill>
+              <a:schemeClr val="tx1"/>
+            </a:solidFill>
+          </a:ln>
+        </p:spPr>
+        <p:style>
+          <a:lnRef idx="2">
+            <a:schemeClr val="accent1">
+              <a:shade val="50000"/>
+            </a:schemeClr>
+          </a:lnRef>
+          <a:fillRef idx="1">
+            <a:schemeClr val="accent1"/>
+          </a:fillRef>
+          <a:effectRef idx="0">
+            <a:schemeClr val="accent1"/>
+          </a:effectRef>
+          <a:fontRef idx="minor">
+            <a:schemeClr val="lt1"/>
+          </a:fontRef>
+        </p:style>
+        <p:txBody>
+          <a:bodyPr rtlCol="0" anchor="ctr"/>
+          <a:lstStyle/>
+          <a:p>
+            <a:pPr algn="ctr"/>
+            <a:r>
+              <a:rPr lang="en-US" altLang="ko-KR" dirty="0" smtClean="0">
+                <a:solidFill>
+                  <a:schemeClr val="tx1"/>
+                </a:solidFill>
+              </a:rPr>
+              <a:t>R3</a:t>
+            </a:r>
+          </a:p>
+        </p:txBody>
+      </p:sp>
+      <p:sp>
+        <p:nvSpPr>
+          <p:cNvPr id="73" name="직사각형 72"/>
+          <p:cNvSpPr/>
+          <p:nvPr/>
+        </p:nvSpPr>
+        <p:spPr>
+          <a:xfrm>
+            <a:off x="3740093" y="4715786"/>
+            <a:ext cx="900000" cy="900000"/>
+          </a:xfrm>
+          <a:prstGeom prst="rect">
+            <a:avLst/>
+          </a:prstGeom>
+          <a:noFill/>
+          <a:ln>
+            <a:solidFill>
+              <a:schemeClr val="tx1"/>
+            </a:solidFill>
+          </a:ln>
+        </p:spPr>
+        <p:style>
+          <a:lnRef idx="2">
+            <a:schemeClr val="accent1">
+              <a:shade val="50000"/>
+            </a:schemeClr>
+          </a:lnRef>
+          <a:fillRef idx="1">
+            <a:schemeClr val="accent1"/>
+          </a:fillRef>
+          <a:effectRef idx="0">
+            <a:schemeClr val="accent1"/>
+          </a:effectRef>
+          <a:fontRef idx="minor">
+            <a:schemeClr val="lt1"/>
+          </a:fontRef>
+        </p:style>
+        <p:txBody>
+          <a:bodyPr rtlCol="0" anchor="ctr"/>
+          <a:lstStyle/>
+          <a:p>
+            <a:pPr algn="ctr"/>
+            <a:r>
+              <a:rPr lang="en-US" altLang="ko-KR" dirty="0" smtClean="0">
+                <a:solidFill>
+                  <a:schemeClr val="tx1"/>
+                </a:solidFill>
+              </a:rPr>
+              <a:t>W6</a:t>
+            </a:r>
+            <a:endParaRPr lang="ko-KR" altLang="en-US" dirty="0"/>
+          </a:p>
+        </p:txBody>
+      </p:sp>
+      <p:sp>
+        <p:nvSpPr>
+          <p:cNvPr id="74" name="직사각형 73"/>
+          <p:cNvSpPr/>
+          <p:nvPr/>
+        </p:nvSpPr>
+        <p:spPr>
+          <a:xfrm>
+            <a:off x="3740093" y="1115786"/>
+            <a:ext cx="900000" cy="900000"/>
+          </a:xfrm>
+          <a:prstGeom prst="rect">
+            <a:avLst/>
+          </a:prstGeom>
+          <a:noFill/>
+          <a:ln>
+            <a:solidFill>
+              <a:schemeClr val="tx1"/>
+            </a:solidFill>
+          </a:ln>
+        </p:spPr>
+        <p:style>
+          <a:lnRef idx="2">
+            <a:schemeClr val="accent1">
+              <a:shade val="50000"/>
+            </a:schemeClr>
+          </a:lnRef>
+          <a:fillRef idx="1">
+            <a:schemeClr val="accent1"/>
+          </a:fillRef>
+          <a:effectRef idx="0">
+            <a:schemeClr val="accent1"/>
+          </a:effectRef>
+          <a:fontRef idx="minor">
+            <a:schemeClr val="lt1"/>
+          </a:fontRef>
+        </p:style>
+        <p:txBody>
+          <a:bodyPr rtlCol="0" anchor="ctr"/>
+          <a:lstStyle/>
+          <a:p>
+            <a:pPr algn="ctr"/>
+            <a:r>
+              <a:rPr lang="en-US" altLang="ko-KR" dirty="0" smtClean="0">
+                <a:solidFill>
+                  <a:schemeClr val="tx1"/>
+                </a:solidFill>
+              </a:rPr>
+              <a:t>W1</a:t>
+            </a:r>
+          </a:p>
+        </p:txBody>
+      </p:sp>
+      <p:sp>
+        <p:nvSpPr>
+          <p:cNvPr id="75" name="직사각형 74"/>
+          <p:cNvSpPr/>
+          <p:nvPr/>
+        </p:nvSpPr>
+        <p:spPr>
+          <a:xfrm>
+            <a:off x="3740093" y="3815786"/>
+            <a:ext cx="900000" cy="900000"/>
+          </a:xfrm>
+          <a:prstGeom prst="rect">
+            <a:avLst/>
+          </a:prstGeom>
+          <a:noFill/>
+          <a:ln>
+            <a:solidFill>
+              <a:schemeClr val="tx1"/>
+            </a:solidFill>
+          </a:ln>
+        </p:spPr>
+        <p:style>
+          <a:lnRef idx="2">
+            <a:schemeClr val="accent1">
+              <a:shade val="50000"/>
+            </a:schemeClr>
+          </a:lnRef>
+          <a:fillRef idx="1">
+            <a:schemeClr val="accent1"/>
+          </a:fillRef>
+          <a:effectRef idx="0">
+            <a:schemeClr val="accent1"/>
+          </a:effectRef>
+          <a:fontRef idx="minor">
+            <a:schemeClr val="lt1"/>
+          </a:fontRef>
+        </p:style>
+        <p:txBody>
+          <a:bodyPr rtlCol="0" anchor="ctr"/>
+          <a:lstStyle/>
+          <a:p>
+            <a:pPr algn="ctr"/>
+            <a:r>
+              <a:rPr lang="en-US" altLang="ko-KR" dirty="0" smtClean="0">
+                <a:solidFill>
+                  <a:schemeClr val="tx1"/>
+                </a:solidFill>
+              </a:rPr>
+              <a:t>U3</a:t>
+            </a:r>
+            <a:endParaRPr lang="ko-KR" altLang="en-US" dirty="0"/>
+          </a:p>
+        </p:txBody>
+      </p:sp>
+      <p:sp>
+        <p:nvSpPr>
+          <p:cNvPr id="76" name="직사각형 75"/>
+          <p:cNvSpPr/>
+          <p:nvPr/>
+        </p:nvSpPr>
+        <p:spPr>
+          <a:xfrm>
+            <a:off x="3740093" y="2015786"/>
+            <a:ext cx="900000" cy="900000"/>
+          </a:xfrm>
+          <a:prstGeom prst="rect">
+            <a:avLst/>
+          </a:prstGeom>
+          <a:noFill/>
+          <a:ln>
+            <a:solidFill>
+              <a:schemeClr val="tx1"/>
+            </a:solidFill>
+          </a:ln>
+        </p:spPr>
+        <p:style>
+          <a:lnRef idx="2">
+            <a:schemeClr val="accent1">
+              <a:shade val="50000"/>
+            </a:schemeClr>
+          </a:lnRef>
+          <a:fillRef idx="1">
+            <a:schemeClr val="accent1"/>
+          </a:fillRef>
+          <a:effectRef idx="0">
+            <a:schemeClr val="accent1"/>
+          </a:effectRef>
+          <a:fontRef idx="minor">
+            <a:schemeClr val="lt1"/>
+          </a:fontRef>
+        </p:style>
+        <p:txBody>
+          <a:bodyPr rtlCol="0" anchor="ctr"/>
+          <a:lstStyle/>
+          <a:p>
+            <a:pPr algn="ctr"/>
+            <a:r>
+              <a:rPr lang="en-US" altLang="ko-KR" dirty="0" smtClean="0">
+                <a:solidFill>
+                  <a:schemeClr val="tx1"/>
+                </a:solidFill>
+              </a:rPr>
+              <a:t>F1</a:t>
+            </a:r>
+            <a:endParaRPr lang="ko-KR" altLang="en-US" dirty="0"/>
+          </a:p>
+        </p:txBody>
+      </p:sp>
+      <p:sp>
+        <p:nvSpPr>
+          <p:cNvPr id="77" name="직사각형 76"/>
+          <p:cNvSpPr/>
+          <p:nvPr/>
+        </p:nvSpPr>
+        <p:spPr>
+          <a:xfrm>
+            <a:off x="4640093" y="4715786"/>
+            <a:ext cx="900000" cy="900000"/>
+          </a:xfrm>
+          <a:prstGeom prst="rect">
+            <a:avLst/>
+          </a:prstGeom>
+          <a:noFill/>
+          <a:ln>
+            <a:solidFill>
+              <a:schemeClr val="tx1"/>
+            </a:solidFill>
+          </a:ln>
+        </p:spPr>
+        <p:style>
+          <a:lnRef idx="2">
+            <a:schemeClr val="accent1">
+              <a:shade val="50000"/>
+            </a:schemeClr>
+          </a:lnRef>
+          <a:fillRef idx="1">
+            <a:schemeClr val="accent1"/>
+          </a:fillRef>
+          <a:effectRef idx="0">
+            <a:schemeClr val="accent1"/>
+          </a:effectRef>
+          <a:fontRef idx="minor">
+            <a:schemeClr val="lt1"/>
+          </a:fontRef>
+        </p:style>
+        <p:txBody>
+          <a:bodyPr rtlCol="0" anchor="ctr"/>
+          <a:lstStyle/>
+          <a:p>
+            <a:pPr algn="ctr"/>
+            <a:r>
+              <a:rPr lang="en-US" altLang="ko-KR" dirty="0" smtClean="0">
+                <a:solidFill>
+                  <a:schemeClr val="tx1"/>
+                </a:solidFill>
+              </a:rPr>
+              <a:t>F12</a:t>
+            </a:r>
+            <a:endParaRPr lang="ko-KR" altLang="en-US" dirty="0"/>
+          </a:p>
+        </p:txBody>
+      </p:sp>
+      <p:sp>
+        <p:nvSpPr>
+          <p:cNvPr id="78" name="직사각형 77"/>
+          <p:cNvSpPr/>
+          <p:nvPr/>
+        </p:nvSpPr>
+        <p:spPr>
+          <a:xfrm>
+            <a:off x="4640093" y="1115786"/>
+            <a:ext cx="900000" cy="900000"/>
+          </a:xfrm>
+          <a:prstGeom prst="rect">
+            <a:avLst/>
+          </a:prstGeom>
+          <a:noFill/>
+          <a:ln>
+            <a:solidFill>
+              <a:schemeClr val="tx1"/>
+            </a:solidFill>
+          </a:ln>
+        </p:spPr>
+        <p:style>
+          <a:lnRef idx="2">
+            <a:schemeClr val="accent1">
+              <a:shade val="50000"/>
+            </a:schemeClr>
+          </a:lnRef>
+          <a:fillRef idx="1">
+            <a:schemeClr val="accent1"/>
+          </a:fillRef>
+          <a:effectRef idx="0">
+            <a:schemeClr val="accent1"/>
+          </a:effectRef>
+          <a:fontRef idx="minor">
+            <a:schemeClr val="lt1"/>
+          </a:fontRef>
+        </p:style>
+        <p:txBody>
+          <a:bodyPr rtlCol="0" anchor="ctr"/>
+          <a:lstStyle/>
+          <a:p>
+            <a:pPr algn="ctr"/>
+            <a:r>
+              <a:rPr lang="en-US" altLang="ko-KR" dirty="0" smtClean="0">
+                <a:solidFill>
+                  <a:schemeClr val="tx1"/>
+                </a:solidFill>
+              </a:rPr>
+              <a:t>R1</a:t>
+            </a:r>
+            <a:endParaRPr lang="ko-KR" altLang="en-US" dirty="0"/>
+          </a:p>
+        </p:txBody>
+      </p:sp>
+      <p:sp>
+        <p:nvSpPr>
+          <p:cNvPr id="79" name="직사각형 78"/>
+          <p:cNvSpPr/>
+          <p:nvPr/>
+        </p:nvSpPr>
+        <p:spPr>
+          <a:xfrm>
+            <a:off x="4640093" y="3815786"/>
+            <a:ext cx="900000" cy="900000"/>
+          </a:xfrm>
+          <a:prstGeom prst="rect">
+            <a:avLst/>
+          </a:prstGeom>
+          <a:noFill/>
+          <a:ln>
+            <a:solidFill>
+              <a:schemeClr val="tx1"/>
+            </a:solidFill>
+          </a:ln>
+        </p:spPr>
+        <p:style>
+          <a:lnRef idx="2">
+            <a:schemeClr val="accent1">
+              <a:shade val="50000"/>
+            </a:schemeClr>
+          </a:lnRef>
+          <a:fillRef idx="1">
+            <a:schemeClr val="accent1"/>
+          </a:fillRef>
+          <a:effectRef idx="0">
+            <a:schemeClr val="accent1"/>
+          </a:effectRef>
+          <a:fontRef idx="minor">
+            <a:schemeClr val="lt1"/>
+          </a:fontRef>
+        </p:style>
+        <p:txBody>
+          <a:bodyPr rtlCol="0" anchor="ctr"/>
+          <a:lstStyle/>
+          <a:p>
+            <a:pPr algn="ctr"/>
+            <a:r>
+              <a:rPr lang="en-US" altLang="ko-KR" dirty="0" smtClean="0">
+                <a:solidFill>
+                  <a:schemeClr val="tx1"/>
+                </a:solidFill>
+              </a:rPr>
+              <a:t>F9</a:t>
+            </a:r>
+            <a:endParaRPr lang="ko-KR" altLang="en-US" dirty="0"/>
+          </a:p>
+        </p:txBody>
+      </p:sp>
+      <p:sp>
+        <p:nvSpPr>
+          <p:cNvPr id="80" name="직사각형 79"/>
+          <p:cNvSpPr/>
+          <p:nvPr/>
+        </p:nvSpPr>
+        <p:spPr>
+          <a:xfrm>
+            <a:off x="4640093" y="2015786"/>
+            <a:ext cx="900000" cy="900000"/>
+          </a:xfrm>
+          <a:prstGeom prst="rect">
+            <a:avLst/>
+          </a:prstGeom>
+          <a:noFill/>
+          <a:ln>
+            <a:solidFill>
+              <a:schemeClr val="tx1"/>
+            </a:solidFill>
+          </a:ln>
+        </p:spPr>
+        <p:style>
+          <a:lnRef idx="2">
+            <a:schemeClr val="accent1">
+              <a:shade val="50000"/>
+            </a:schemeClr>
+          </a:lnRef>
+          <a:fillRef idx="1">
+            <a:schemeClr val="accent1"/>
+          </a:fillRef>
+          <a:effectRef idx="0">
+            <a:schemeClr val="accent1"/>
+          </a:effectRef>
+          <a:fontRef idx="minor">
+            <a:schemeClr val="lt1"/>
+          </a:fontRef>
+        </p:style>
+        <p:txBody>
+          <a:bodyPr rtlCol="0" anchor="ctr"/>
+          <a:lstStyle/>
+          <a:p>
+            <a:pPr algn="ctr"/>
+            <a:r>
+              <a:rPr lang="en-US" altLang="ko-KR" dirty="0" smtClean="0">
+                <a:solidFill>
+                  <a:schemeClr val="tx1"/>
+                </a:solidFill>
+              </a:rPr>
+              <a:t>U1</a:t>
+            </a:r>
+            <a:endParaRPr lang="ko-KR" altLang="en-US" dirty="0"/>
+          </a:p>
+        </p:txBody>
+      </p:sp>
+      <p:sp>
+        <p:nvSpPr>
+          <p:cNvPr id="81" name="직사각형 80"/>
+          <p:cNvSpPr/>
+          <p:nvPr/>
+        </p:nvSpPr>
+        <p:spPr>
+          <a:xfrm>
+            <a:off x="5540093" y="4715786"/>
+            <a:ext cx="900000" cy="900000"/>
+          </a:xfrm>
+          <a:prstGeom prst="rect">
+            <a:avLst/>
+          </a:prstGeom>
+          <a:noFill/>
+          <a:ln>
+            <a:solidFill>
+              <a:schemeClr val="tx1"/>
+            </a:solidFill>
+          </a:ln>
+        </p:spPr>
+        <p:style>
+          <a:lnRef idx="2">
+            <a:schemeClr val="accent1">
+              <a:shade val="50000"/>
+            </a:schemeClr>
+          </a:lnRef>
+          <a:fillRef idx="1">
+            <a:schemeClr val="accent1"/>
+          </a:fillRef>
+          <a:effectRef idx="0">
+            <a:schemeClr val="accent1"/>
+          </a:effectRef>
+          <a:fontRef idx="minor">
+            <a:schemeClr val="lt1"/>
+          </a:fontRef>
+        </p:style>
+        <p:txBody>
+          <a:bodyPr rtlCol="0" anchor="ctr"/>
+          <a:lstStyle/>
+          <a:p>
+            <a:pPr algn="ctr"/>
+            <a:r>
+              <a:rPr lang="en-US" altLang="ko-KR" dirty="0" smtClean="0">
+                <a:solidFill>
+                  <a:schemeClr val="tx1"/>
+                </a:solidFill>
+              </a:rPr>
+              <a:t>F13</a:t>
+            </a:r>
+            <a:endParaRPr lang="ko-KR" altLang="en-US" dirty="0"/>
+          </a:p>
+        </p:txBody>
+      </p:sp>
+      <p:sp>
+        <p:nvSpPr>
+          <p:cNvPr id="82" name="직사각형 81"/>
+          <p:cNvSpPr/>
+          <p:nvPr/>
+        </p:nvSpPr>
+        <p:spPr>
+          <a:xfrm>
+            <a:off x="5540093" y="1115786"/>
+            <a:ext cx="900000" cy="900000"/>
+          </a:xfrm>
+          <a:prstGeom prst="rect">
+            <a:avLst/>
+          </a:prstGeom>
+          <a:noFill/>
+          <a:ln>
+            <a:solidFill>
+              <a:schemeClr val="tx1"/>
+            </a:solidFill>
+          </a:ln>
+        </p:spPr>
+        <p:style>
+          <a:lnRef idx="2">
+            <a:schemeClr val="accent1">
+              <a:shade val="50000"/>
+            </a:schemeClr>
+          </a:lnRef>
+          <a:fillRef idx="1">
+            <a:schemeClr val="accent1"/>
+          </a:fillRef>
+          <a:effectRef idx="0">
+            <a:schemeClr val="accent1"/>
+          </a:effectRef>
+          <a:fontRef idx="minor">
+            <a:schemeClr val="lt1"/>
+          </a:fontRef>
+        </p:style>
+        <p:txBody>
+          <a:bodyPr rtlCol="0" anchor="ctr"/>
+          <a:lstStyle/>
+          <a:p>
+            <a:pPr algn="ctr"/>
+            <a:r>
+              <a:rPr lang="en-US" altLang="ko-KR" dirty="0" smtClean="0">
+                <a:solidFill>
+                  <a:schemeClr val="tx1"/>
+                </a:solidFill>
+              </a:rPr>
+              <a:t>W2</a:t>
+            </a:r>
+            <a:endParaRPr lang="ko-KR" altLang="en-US" dirty="0"/>
+          </a:p>
+        </p:txBody>
+      </p:sp>
+      <p:sp>
+        <p:nvSpPr>
+          <p:cNvPr id="83" name="직사각형 82"/>
+          <p:cNvSpPr/>
+          <p:nvPr/>
+        </p:nvSpPr>
+        <p:spPr>
+          <a:xfrm>
+            <a:off x="5540093" y="3815786"/>
+            <a:ext cx="900000" cy="900000"/>
+          </a:xfrm>
+          <a:prstGeom prst="rect">
+            <a:avLst/>
+          </a:prstGeom>
+          <a:noFill/>
+          <a:ln>
+            <a:solidFill>
+              <a:schemeClr val="tx1"/>
+            </a:solidFill>
+          </a:ln>
+        </p:spPr>
+        <p:style>
+          <a:lnRef idx="2">
+            <a:schemeClr val="accent1">
+              <a:shade val="50000"/>
+            </a:schemeClr>
+          </a:lnRef>
+          <a:fillRef idx="1">
+            <a:schemeClr val="accent1"/>
+          </a:fillRef>
+          <a:effectRef idx="0">
+            <a:schemeClr val="accent1"/>
+          </a:effectRef>
+          <a:fontRef idx="minor">
+            <a:schemeClr val="lt1"/>
+          </a:fontRef>
+        </p:style>
+        <p:txBody>
+          <a:bodyPr rtlCol="0" anchor="ctr"/>
+          <a:lstStyle/>
+          <a:p>
+            <a:pPr algn="ctr"/>
+            <a:r>
+              <a:rPr lang="en-US" altLang="ko-KR" dirty="0" smtClean="0">
+                <a:solidFill>
+                  <a:schemeClr val="tx1"/>
+                </a:solidFill>
+              </a:rPr>
+              <a:t>KS</a:t>
+            </a:r>
+            <a:endParaRPr lang="ko-KR" altLang="en-US" dirty="0"/>
+          </a:p>
+        </p:txBody>
+      </p:sp>
+      <p:sp>
+        <p:nvSpPr>
+          <p:cNvPr id="84" name="직사각형 83"/>
+          <p:cNvSpPr/>
+          <p:nvPr/>
+        </p:nvSpPr>
+        <p:spPr>
+          <a:xfrm>
+            <a:off x="5540093" y="2015786"/>
+            <a:ext cx="900000" cy="900000"/>
+          </a:xfrm>
+          <a:prstGeom prst="rect">
+            <a:avLst/>
+          </a:prstGeom>
+          <a:noFill/>
+          <a:ln>
+            <a:solidFill>
+              <a:schemeClr val="tx1"/>
+            </a:solidFill>
+          </a:ln>
+        </p:spPr>
+        <p:style>
+          <a:lnRef idx="2">
+            <a:schemeClr val="accent1">
+              <a:shade val="50000"/>
+            </a:schemeClr>
+          </a:lnRef>
+          <a:fillRef idx="1">
+            <a:schemeClr val="accent1"/>
+          </a:fillRef>
+          <a:effectRef idx="0">
+            <a:schemeClr val="accent1"/>
+          </a:effectRef>
+          <a:fontRef idx="minor">
+            <a:schemeClr val="lt1"/>
+          </a:fontRef>
+        </p:style>
+        <p:txBody>
+          <a:bodyPr rtlCol="0" anchor="ctr"/>
+          <a:lstStyle/>
+          <a:p>
+            <a:pPr algn="ctr"/>
+            <a:r>
+              <a:rPr lang="en-US" altLang="ko-KR" dirty="0" smtClean="0">
+                <a:solidFill>
+                  <a:schemeClr val="tx1"/>
+                </a:solidFill>
+              </a:rPr>
+              <a:t>F2</a:t>
+            </a:r>
+            <a:endParaRPr lang="ko-KR" altLang="en-US" dirty="0"/>
+          </a:p>
+        </p:txBody>
+      </p:sp>
+      <p:sp>
+        <p:nvSpPr>
+          <p:cNvPr id="85" name="직사각형 84"/>
+          <p:cNvSpPr/>
+          <p:nvPr/>
+        </p:nvSpPr>
+        <p:spPr>
+          <a:xfrm>
+            <a:off x="6440093" y="4715786"/>
+            <a:ext cx="900000" cy="900000"/>
+          </a:xfrm>
+          <a:prstGeom prst="rect">
+            <a:avLst/>
+          </a:prstGeom>
+          <a:noFill/>
+          <a:ln>
+            <a:solidFill>
+              <a:schemeClr val="tx1"/>
+            </a:solidFill>
+          </a:ln>
+        </p:spPr>
+        <p:style>
+          <a:lnRef idx="2">
+            <a:schemeClr val="accent1">
+              <a:shade val="50000"/>
+            </a:schemeClr>
+          </a:lnRef>
+          <a:fillRef idx="1">
+            <a:schemeClr val="accent1"/>
+          </a:fillRef>
+          <a:effectRef idx="0">
+            <a:schemeClr val="accent1"/>
+          </a:effectRef>
+          <a:fontRef idx="minor">
+            <a:schemeClr val="lt1"/>
+          </a:fontRef>
+        </p:style>
+        <p:txBody>
+          <a:bodyPr rtlCol="0" anchor="ctr"/>
+          <a:lstStyle/>
+          <a:p>
+            <a:pPr algn="ctr"/>
+            <a:r>
+              <a:rPr lang="en-US" altLang="ko-KR" dirty="0" smtClean="0">
+                <a:solidFill>
+                  <a:schemeClr val="tx1"/>
+                </a:solidFill>
+              </a:rPr>
+              <a:t>F14</a:t>
+            </a:r>
+            <a:endParaRPr lang="ko-KR" altLang="en-US" dirty="0"/>
+          </a:p>
+        </p:txBody>
+      </p:sp>
+      <p:sp>
+        <p:nvSpPr>
+          <p:cNvPr id="86" name="직사각형 85"/>
+          <p:cNvSpPr/>
+          <p:nvPr/>
+        </p:nvSpPr>
+        <p:spPr>
+          <a:xfrm>
+            <a:off x="6440093" y="1115786"/>
+            <a:ext cx="900000" cy="900000"/>
+          </a:xfrm>
+          <a:prstGeom prst="rect">
+            <a:avLst/>
+          </a:prstGeom>
+          <a:noFill/>
+          <a:ln>
+            <a:solidFill>
+              <a:schemeClr val="tx1"/>
+            </a:solidFill>
+          </a:ln>
+        </p:spPr>
+        <p:style>
+          <a:lnRef idx="2">
+            <a:schemeClr val="accent1">
+              <a:shade val="50000"/>
+            </a:schemeClr>
+          </a:lnRef>
+          <a:fillRef idx="1">
+            <a:schemeClr val="accent1"/>
+          </a:fillRef>
+          <a:effectRef idx="0">
+            <a:schemeClr val="accent1"/>
+          </a:effectRef>
+          <a:fontRef idx="minor">
+            <a:schemeClr val="lt1"/>
+          </a:fontRef>
+        </p:style>
+        <p:txBody>
+          <a:bodyPr rtlCol="0" anchor="ctr"/>
+          <a:lstStyle/>
+          <a:p>
+            <a:pPr algn="ctr"/>
+            <a:r>
+              <a:rPr lang="en-US" altLang="ko-KR" dirty="0" smtClean="0">
+                <a:solidFill>
+                  <a:schemeClr val="tx1"/>
+                </a:solidFill>
+              </a:rPr>
+              <a:t>R2</a:t>
+            </a:r>
+            <a:endParaRPr lang="ko-KR" altLang="en-US" dirty="0"/>
+          </a:p>
+        </p:txBody>
+      </p:sp>
+      <p:sp>
+        <p:nvSpPr>
+          <p:cNvPr id="87" name="직사각형 86"/>
+          <p:cNvSpPr/>
+          <p:nvPr/>
+        </p:nvSpPr>
+        <p:spPr>
+          <a:xfrm>
+            <a:off x="6440093" y="3815786"/>
+            <a:ext cx="900000" cy="900000"/>
+          </a:xfrm>
+          <a:prstGeom prst="rect">
+            <a:avLst/>
+          </a:prstGeom>
+          <a:noFill/>
+          <a:ln>
+            <a:solidFill>
+              <a:schemeClr val="tx1"/>
+            </a:solidFill>
+          </a:ln>
+        </p:spPr>
+        <p:style>
+          <a:lnRef idx="2">
+            <a:schemeClr val="accent1">
+              <a:shade val="50000"/>
+            </a:schemeClr>
+          </a:lnRef>
+          <a:fillRef idx="1">
+            <a:schemeClr val="accent1"/>
+          </a:fillRef>
+          <a:effectRef idx="0">
+            <a:schemeClr val="accent1"/>
+          </a:effectRef>
+          <a:fontRef idx="minor">
+            <a:schemeClr val="lt1"/>
+          </a:fontRef>
+        </p:style>
+        <p:txBody>
+          <a:bodyPr rtlCol="0" anchor="ctr"/>
+          <a:lstStyle/>
+          <a:p>
+            <a:pPr algn="ctr"/>
+            <a:r>
+              <a:rPr lang="en-US" altLang="ko-KR" dirty="0" smtClean="0">
+                <a:solidFill>
+                  <a:schemeClr val="tx1"/>
+                </a:solidFill>
+              </a:rPr>
+              <a:t>F10</a:t>
+            </a:r>
+            <a:endParaRPr lang="ko-KR" altLang="en-US" dirty="0"/>
+          </a:p>
+        </p:txBody>
+      </p:sp>
+      <p:sp>
+        <p:nvSpPr>
+          <p:cNvPr id="88" name="직사각형 87"/>
+          <p:cNvSpPr/>
+          <p:nvPr/>
+        </p:nvSpPr>
+        <p:spPr>
+          <a:xfrm>
+            <a:off x="6440093" y="2015786"/>
+            <a:ext cx="900000" cy="900000"/>
+          </a:xfrm>
+          <a:prstGeom prst="rect">
+            <a:avLst/>
+          </a:prstGeom>
+          <a:noFill/>
+          <a:ln>
+            <a:solidFill>
+              <a:schemeClr val="tx1"/>
+            </a:solidFill>
+          </a:ln>
+        </p:spPr>
+        <p:style>
+          <a:lnRef idx="2">
+            <a:schemeClr val="accent1">
+              <a:shade val="50000"/>
+            </a:schemeClr>
+          </a:lnRef>
+          <a:fillRef idx="1">
+            <a:schemeClr val="accent1"/>
+          </a:fillRef>
+          <a:effectRef idx="0">
+            <a:schemeClr val="accent1"/>
+          </a:effectRef>
+          <a:fontRef idx="minor">
+            <a:schemeClr val="lt1"/>
+          </a:fontRef>
+        </p:style>
+        <p:txBody>
+          <a:bodyPr rtlCol="0" anchor="ctr"/>
+          <a:lstStyle/>
+          <a:p>
+            <a:pPr algn="ctr"/>
+            <a:r>
+              <a:rPr lang="en-US" altLang="ko-KR" dirty="0" smtClean="0">
+                <a:solidFill>
+                  <a:schemeClr val="tx1"/>
+                </a:solidFill>
+              </a:rPr>
+              <a:t>F3</a:t>
+            </a:r>
+            <a:endParaRPr lang="ko-KR" altLang="en-US" dirty="0"/>
+          </a:p>
+        </p:txBody>
+      </p:sp>
+      <p:sp>
+        <p:nvSpPr>
+          <p:cNvPr id="89" name="직사각형 88"/>
+          <p:cNvSpPr/>
+          <p:nvPr/>
+        </p:nvSpPr>
+        <p:spPr>
+          <a:xfrm>
+            <a:off x="7340093" y="4715786"/>
+            <a:ext cx="900000" cy="900000"/>
+          </a:xfrm>
+          <a:prstGeom prst="rect">
+            <a:avLst/>
+          </a:prstGeom>
+          <a:noFill/>
+          <a:ln>
+            <a:solidFill>
+              <a:schemeClr val="tx1"/>
+            </a:solidFill>
+          </a:ln>
+        </p:spPr>
+        <p:style>
+          <a:lnRef idx="2">
+            <a:schemeClr val="accent1">
+              <a:shade val="50000"/>
+            </a:schemeClr>
+          </a:lnRef>
+          <a:fillRef idx="1">
+            <a:schemeClr val="accent1"/>
+          </a:fillRef>
+          <a:effectRef idx="0">
+            <a:schemeClr val="accent1"/>
+          </a:effectRef>
+          <a:fontRef idx="minor">
+            <a:schemeClr val="lt1"/>
+          </a:fontRef>
+        </p:style>
+        <p:txBody>
+          <a:bodyPr rtlCol="0" anchor="ctr"/>
+          <a:lstStyle/>
+          <a:p>
+            <a:pPr algn="ctr"/>
+            <a:r>
+              <a:rPr lang="en-US" altLang="ko-KR" dirty="0" smtClean="0">
+                <a:solidFill>
+                  <a:schemeClr val="tx1"/>
+                </a:solidFill>
+              </a:rPr>
+              <a:t>W7</a:t>
+            </a:r>
+            <a:endParaRPr lang="ko-KR" altLang="en-US" dirty="0"/>
+          </a:p>
+        </p:txBody>
+      </p:sp>
+      <p:sp>
+        <p:nvSpPr>
+          <p:cNvPr id="90" name="직사각형 89"/>
+          <p:cNvSpPr/>
+          <p:nvPr/>
+        </p:nvSpPr>
+        <p:spPr>
+          <a:xfrm>
+            <a:off x="7340093" y="1115786"/>
+            <a:ext cx="900000" cy="900000"/>
+          </a:xfrm>
+          <a:prstGeom prst="rect">
+            <a:avLst/>
+          </a:prstGeom>
+          <a:noFill/>
+          <a:ln>
+            <a:solidFill>
+              <a:schemeClr val="tx1"/>
+            </a:solidFill>
+          </a:ln>
+        </p:spPr>
+        <p:style>
+          <a:lnRef idx="2">
+            <a:schemeClr val="accent1">
+              <a:shade val="50000"/>
+            </a:schemeClr>
+          </a:lnRef>
+          <a:fillRef idx="1">
+            <a:schemeClr val="accent1"/>
+          </a:fillRef>
+          <a:effectRef idx="0">
+            <a:schemeClr val="accent1"/>
+          </a:effectRef>
+          <a:fontRef idx="minor">
+            <a:schemeClr val="lt1"/>
+          </a:fontRef>
+        </p:style>
+        <p:txBody>
+          <a:bodyPr rtlCol="0" anchor="ctr"/>
+          <a:lstStyle/>
+          <a:p>
+            <a:pPr algn="ctr"/>
+            <a:r>
+              <a:rPr lang="en-US" altLang="ko-KR" dirty="0" smtClean="0">
+                <a:solidFill>
+                  <a:schemeClr val="tx1"/>
+                </a:solidFill>
+              </a:rPr>
+              <a:t>W3</a:t>
+            </a:r>
+            <a:endParaRPr lang="ko-KR" altLang="en-US" dirty="0"/>
+          </a:p>
+        </p:txBody>
+      </p:sp>
+      <p:sp>
+        <p:nvSpPr>
+          <p:cNvPr id="91" name="직사각형 90"/>
+          <p:cNvSpPr/>
+          <p:nvPr/>
+        </p:nvSpPr>
+        <p:spPr>
+          <a:xfrm>
+            <a:off x="7340093" y="3815786"/>
+            <a:ext cx="900000" cy="900000"/>
+          </a:xfrm>
+          <a:prstGeom prst="rect">
+            <a:avLst/>
+          </a:prstGeom>
+          <a:noFill/>
+          <a:ln>
+            <a:solidFill>
+              <a:schemeClr val="tx1"/>
+            </a:solidFill>
+          </a:ln>
+        </p:spPr>
+        <p:style>
+          <a:lnRef idx="2">
+            <a:schemeClr val="accent1">
+              <a:shade val="50000"/>
+            </a:schemeClr>
+          </a:lnRef>
+          <a:fillRef idx="1">
+            <a:schemeClr val="accent1"/>
+          </a:fillRef>
+          <a:effectRef idx="0">
+            <a:schemeClr val="accent1"/>
+          </a:effectRef>
+          <a:fontRef idx="minor">
+            <a:schemeClr val="lt1"/>
+          </a:fontRef>
+        </p:style>
+        <p:txBody>
+          <a:bodyPr rtlCol="0" anchor="ctr"/>
+          <a:lstStyle/>
+          <a:p>
+            <a:pPr algn="ctr"/>
+            <a:r>
+              <a:rPr lang="en-US" altLang="ko-KR" dirty="0" smtClean="0">
+                <a:solidFill>
+                  <a:schemeClr val="tx1"/>
+                </a:solidFill>
+              </a:rPr>
+              <a:t>F11</a:t>
+            </a:r>
+            <a:endParaRPr lang="ko-KR" altLang="en-US" dirty="0"/>
+          </a:p>
+        </p:txBody>
+      </p:sp>
+      <p:sp>
+        <p:nvSpPr>
+          <p:cNvPr id="92" name="직사각형 91"/>
+          <p:cNvSpPr/>
+          <p:nvPr/>
+        </p:nvSpPr>
+        <p:spPr>
+          <a:xfrm>
+            <a:off x="7340093" y="2015786"/>
+            <a:ext cx="900000" cy="900000"/>
+          </a:xfrm>
+          <a:prstGeom prst="rect">
+            <a:avLst/>
+          </a:prstGeom>
+          <a:noFill/>
+          <a:ln>
+            <a:solidFill>
+              <a:schemeClr val="tx1"/>
+            </a:solidFill>
+          </a:ln>
+        </p:spPr>
+        <p:style>
+          <a:lnRef idx="2">
+            <a:schemeClr val="accent1">
+              <a:shade val="50000"/>
+            </a:schemeClr>
+          </a:lnRef>
+          <a:fillRef idx="1">
+            <a:schemeClr val="accent1"/>
+          </a:fillRef>
+          <a:effectRef idx="0">
+            <a:schemeClr val="accent1"/>
+          </a:effectRef>
+          <a:fontRef idx="minor">
+            <a:schemeClr val="lt1"/>
+          </a:fontRef>
+        </p:style>
+        <p:txBody>
+          <a:bodyPr rtlCol="0" anchor="ctr"/>
+          <a:lstStyle/>
+          <a:p>
+            <a:pPr algn="ctr"/>
+            <a:r>
+              <a:rPr lang="en-US" altLang="ko-KR" dirty="0" smtClean="0">
+                <a:solidFill>
+                  <a:schemeClr val="tx1"/>
+                </a:solidFill>
+              </a:rPr>
+              <a:t>F4</a:t>
+            </a:r>
+            <a:endParaRPr lang="ko-KR" altLang="en-US" dirty="0"/>
+          </a:p>
+        </p:txBody>
+      </p:sp>
+      <p:sp>
+        <p:nvSpPr>
+          <p:cNvPr id="93" name="직사각형 92"/>
+          <p:cNvSpPr/>
+          <p:nvPr/>
+        </p:nvSpPr>
+        <p:spPr>
+          <a:xfrm>
+            <a:off x="8240093" y="3815786"/>
+            <a:ext cx="900000" cy="900000"/>
+          </a:xfrm>
+          <a:prstGeom prst="rect">
+            <a:avLst/>
+          </a:prstGeom>
+          <a:noFill/>
+          <a:ln>
+            <a:solidFill>
+              <a:schemeClr val="tx1"/>
+            </a:solidFill>
+          </a:ln>
+        </p:spPr>
+        <p:style>
+          <a:lnRef idx="2">
+            <a:schemeClr val="accent1">
+              <a:shade val="50000"/>
+            </a:schemeClr>
+          </a:lnRef>
+          <a:fillRef idx="1">
+            <a:schemeClr val="accent1"/>
+          </a:fillRef>
+          <a:effectRef idx="0">
+            <a:schemeClr val="accent1"/>
+          </a:effectRef>
+          <a:fontRef idx="minor">
+            <a:schemeClr val="lt1"/>
+          </a:fontRef>
+        </p:style>
+        <p:txBody>
+          <a:bodyPr rtlCol="0" anchor="ctr"/>
+          <a:lstStyle/>
+          <a:p>
+            <a:pPr algn="ctr"/>
+            <a:r>
+              <a:rPr lang="en-US" altLang="ko-KR" dirty="0" smtClean="0">
+                <a:solidFill>
+                  <a:schemeClr val="tx1"/>
+                </a:solidFill>
+              </a:rPr>
+              <a:t>R6</a:t>
+            </a:r>
+            <a:endParaRPr lang="ko-KR" altLang="en-US" dirty="0"/>
+          </a:p>
+        </p:txBody>
+      </p:sp>
+      <p:sp>
+        <p:nvSpPr>
+          <p:cNvPr id="94" name="직사각형 93"/>
+          <p:cNvSpPr/>
+          <p:nvPr/>
+        </p:nvSpPr>
+        <p:spPr>
+          <a:xfrm>
+            <a:off x="8240093" y="2015786"/>
+            <a:ext cx="900000" cy="900000"/>
+          </a:xfrm>
+          <a:prstGeom prst="rect">
+            <a:avLst/>
+          </a:prstGeom>
+          <a:noFill/>
+          <a:ln>
+            <a:solidFill>
+              <a:schemeClr val="tx1"/>
+            </a:solidFill>
+          </a:ln>
+        </p:spPr>
+        <p:style>
+          <a:lnRef idx="2">
+            <a:schemeClr val="accent1">
+              <a:shade val="50000"/>
+            </a:schemeClr>
+          </a:lnRef>
+          <a:fillRef idx="1">
+            <a:schemeClr val="accent1"/>
+          </a:fillRef>
+          <a:effectRef idx="0">
+            <a:schemeClr val="accent1"/>
+          </a:effectRef>
+          <a:fontRef idx="minor">
+            <a:schemeClr val="lt1"/>
+          </a:fontRef>
+        </p:style>
+        <p:txBody>
+          <a:bodyPr rtlCol="0" anchor="ctr"/>
+          <a:lstStyle/>
+          <a:p>
+            <a:pPr algn="ctr"/>
+            <a:r>
+              <a:rPr lang="en-US" altLang="ko-KR" dirty="0" smtClean="0">
+                <a:solidFill>
+                  <a:schemeClr val="tx1"/>
+                </a:solidFill>
+              </a:rPr>
+              <a:t>R4</a:t>
+            </a:r>
+          </a:p>
+        </p:txBody>
+      </p:sp>
+      <p:sp>
+        <p:nvSpPr>
+          <p:cNvPr id="95" name="직사각형 94"/>
+          <p:cNvSpPr/>
+          <p:nvPr/>
+        </p:nvSpPr>
+        <p:spPr>
+          <a:xfrm>
+            <a:off x="967522" y="2848785"/>
+            <a:ext cx="900000" cy="900000"/>
+          </a:xfrm>
+          <a:prstGeom prst="rect">
+            <a:avLst/>
+          </a:prstGeom>
+          <a:noFill/>
+          <a:ln>
+            <a:solidFill>
+              <a:schemeClr val="tx1"/>
+            </a:solidFill>
+          </a:ln>
+        </p:spPr>
+        <p:style>
+          <a:lnRef idx="2">
+            <a:schemeClr val="accent1">
+              <a:shade val="50000"/>
+            </a:schemeClr>
+          </a:lnRef>
+          <a:fillRef idx="1">
+            <a:schemeClr val="accent1"/>
+          </a:fillRef>
+          <a:effectRef idx="0">
+            <a:schemeClr val="accent1"/>
+          </a:effectRef>
+          <a:fontRef idx="minor">
+            <a:schemeClr val="lt1"/>
+          </a:fontRef>
+        </p:style>
+        <p:txBody>
+          <a:bodyPr rtlCol="0" anchor="ctr"/>
+          <a:lstStyle/>
+          <a:p>
+            <a:pPr algn="ctr"/>
+            <a:r>
+              <a:rPr lang="en-US" altLang="ko-KR" dirty="0" smtClean="0">
+                <a:solidFill>
+                  <a:schemeClr val="tx1"/>
+                </a:solidFill>
+              </a:rPr>
+              <a:t>E</a:t>
+            </a:r>
+          </a:p>
+        </p:txBody>
+      </p:sp>
+      <p:sp>
+        <p:nvSpPr>
+          <p:cNvPr id="36" name="TextBox 35"/>
+          <p:cNvSpPr txBox="1"/>
+          <p:nvPr/>
+        </p:nvSpPr>
+        <p:spPr>
+          <a:xfrm>
+            <a:off x="8690093" y="182704"/>
+            <a:ext cx="3143718" cy="369332"/>
+          </a:xfrm>
+          <a:prstGeom prst="rect">
+            <a:avLst/>
+          </a:prstGeom>
+          <a:noFill/>
+        </p:spPr>
+        <p:txBody>
+          <a:bodyPr wrap="square" rtlCol="0">
+            <a:spAutoFit/>
+          </a:bodyPr>
+          <a:lstStyle/>
+          <a:p>
+            <a:r>
+              <a:rPr lang="en-US" altLang="ko-KR" dirty="0" smtClean="0"/>
+              <a:t>19_09_</a:t>
+            </a:r>
+            <a:r>
+              <a:rPr lang="ko-KR" altLang="en-US" dirty="0" smtClean="0"/>
+              <a:t>생존자</a:t>
+            </a:r>
+            <a:r>
+              <a:rPr lang="en-US" altLang="ko-KR" dirty="0" smtClean="0"/>
+              <a:t>(</a:t>
+            </a:r>
+            <a:r>
+              <a:rPr lang="en-US" altLang="ko-KR" dirty="0" err="1" smtClean="0"/>
+              <a:t>vs</a:t>
+            </a:r>
+            <a:r>
+              <a:rPr lang="ko-KR" altLang="en-US" dirty="0" err="1" smtClean="0"/>
+              <a:t>너</a:t>
+            </a:r>
+            <a:r>
+              <a:rPr lang="ko-KR" altLang="en-US" dirty="0" err="1"/>
+              <a:t>스</a:t>
+            </a:r>
+            <a:r>
+              <a:rPr lang="en-US" altLang="ko-KR" dirty="0" smtClean="0"/>
+              <a:t>)</a:t>
+            </a:r>
+            <a:endParaRPr lang="ko-KR" altLang="en-US" dirty="0"/>
+          </a:p>
+        </p:txBody>
+      </p:sp>
+    </p:spTree>
+    <p:extLst>
+      <p:ext uri="{BB962C8B-B14F-4D97-AF65-F5344CB8AC3E}">
+        <p14:creationId xmlns:p14="http://schemas.microsoft.com/office/powerpoint/2010/main" val="3939469956"/>
+      </p:ext>
+    </p:extLst>
+  </p:cSld>
+  <p:clrMapOvr>
+    <a:masterClrMapping/>
+  </p:clrMapOvr>
+  <p:timing>
+    <p:tnLst>
+      <p:par>
+        <p:cTn id="1" dur="indefinite" restart="never" nodeType="tmRoot"/>
+      </p:par>
+    </p:tnLst>
+  </p:timing>
+</p:sld>
+</file>
+
 <file path=ppt/slides/slide2.xml><?xml version="1.0" encoding="utf-8"?>
 <p:sld xmlns:a="http://schemas.openxmlformats.org/drawingml/2006/main" xmlns:r="http://schemas.openxmlformats.org/officeDocument/2006/relationships" xmlns:p="http://schemas.openxmlformats.org/presentationml/2006/main">
   <p:cSld>
@@ -23340,11 +26506,7 @@
           <a:p>
             <a:r>
               <a:rPr lang="en-US" altLang="ko-KR" dirty="0" smtClean="0"/>
-              <a:t>20</a:t>
-            </a:r>
-            <a:r>
-              <a:rPr lang="en-US" altLang="ko-KR" dirty="0" smtClean="0"/>
-              <a:t>_01_</a:t>
+              <a:t>20_01_</a:t>
             </a:r>
             <a:r>
               <a:rPr lang="ko-KR" altLang="en-US" dirty="0" smtClean="0"/>
@@ -23352,11 +26514,7 @@
             </a:r>
             <a:r>
               <a:rPr lang="en-US" altLang="ko-KR" dirty="0" smtClean="0"/>
-              <a:t>(</a:t>
-            </a:r>
-            <a:r>
-              <a:rPr lang="en-US" altLang="ko-KR" dirty="0" smtClean="0"/>
-              <a:t>vs</a:t>
+              <a:t>(vs</a:t>
             </a:r>
             <a:r>
               <a:rPr lang="ko-KR" altLang="en-US" dirty="0" err="1" smtClean="0"/>
@@ -25320,11 +28478,7 @@
             </a:r>
             <a:r>
               <a:rPr lang="en-US" altLang="ko-KR" dirty="0" smtClean="0"/>
-              <a:t>(</a:t>
-            </a:r>
-            <a:r>
-              <a:rPr lang="en-US" altLang="ko-KR" dirty="0" smtClean="0"/>
-              <a:t>vs</a:t>
+              <a:t>(vs</a:t>
             </a:r>
             <a:r>
               <a:rPr lang="ko-KR" altLang="en-US" dirty="0" err="1" smtClean="0"/>
@@ -25613,7 +28767,7 @@
   <a:extraClrSchemeLst/>
   <a:extLst>
     <a:ext uri="{05A4C25C-085E-4340-85A3-A5531E510DB2}">
-      <thm15:themeFamily xmlns:thm15="http://schemas.microsoft.com/office/thememl/2012/main" name="Office Theme" id="{62F939B6-93AF-4DB8-9C6B-D6C7DFDC589F}" vid="{4A3C46E8-61CC-4603-A589-7422A47A8E4A}"/>
+      <thm15:themeFamily xmlns:thm15="http://schemas.microsoft.com/office/thememl/2012/main" xmlns="" name="Office Theme" id="{62F939B6-93AF-4DB8-9C6B-D6C7DFDC589F}" vid="{4A3C46E8-61CC-4603-A589-7422A47A8E4A}"/>
     </a:ext>
   </a:extLst>
 </a:theme>
@@ -25874,7 +29028,7 @@
   <a:extraClrSchemeLst/>
   <a:extLst>
     <a:ext uri="{05A4C25C-085E-4340-85A3-A5531E510DB2}">
-      <thm15:themeFamily xmlns:thm15="http://schemas.microsoft.com/office/thememl/2012/main" name="Office Theme" id="{62F939B6-93AF-4DB8-9C6B-D6C7DFDC589F}" vid="{4A3C46E8-61CC-4603-A589-7422A47A8E4A}"/>
+      <thm15:themeFamily xmlns:thm15="http://schemas.microsoft.com/office/thememl/2012/main" xmlns="" name="Office Theme" id="{62F939B6-93AF-4DB8-9C6B-D6C7DFDC589F}" vid="{4A3C46E8-61CC-4603-A589-7422A47A8E4A}"/>
     </a:ext>
   </a:extLst>
 </a:theme>

--- a/DBD 분석/맵 분석/3. 콜드윈드 농장(★)/3. 썩은 들판(★)/종합.pptx
+++ b/DBD 분석/맵 분석/3. 콜드윈드 농장(★)/3. 썩은 들판(★)/종합.pptx
@@ -5,7 +5,7 @@
     <p:sldMasterId id="2147483648" r:id="rId1"/>
   </p:sldMasterIdLst>
   <p:notesMasterIdLst>
-    <p:notesMasterId r:id="rId12"/>
+    <p:notesMasterId r:id="rId14"/>
   </p:notesMasterIdLst>
   <p:sldIdLst>
     <p:sldId id="256" r:id="rId2"/>
@@ -18,6 +18,8 @@
     <p:sldId id="289" r:id="rId9"/>
     <p:sldId id="290" r:id="rId10"/>
     <p:sldId id="291" r:id="rId11"/>
+    <p:sldId id="292" r:id="rId12"/>
+    <p:sldId id="293" r:id="rId13"/>
   </p:sldIdLst>
   <p:sldSz cx="12192000" cy="6858000"/>
   <p:notesSz cx="6858000" cy="9144000"/>
@@ -118,7 +120,7 @@
   </p:defaultTextStyle>
   <p:extLst>
     <p:ext uri="{EFAFB233-063F-42B5-8137-9DF3F51BA10A}">
-      <p15:sldGuideLst xmlns:p15="http://schemas.microsoft.com/office/powerpoint/2012/main" xmlns="">
+      <p15:sldGuideLst xmlns:p15="http://schemas.microsoft.com/office/powerpoint/2012/main">
         <p15:guide id="1" orient="horz" pos="2160">
           <p15:clr>
             <a:srgbClr val="A4A3A4"/>
@@ -217,7 +219,7 @@
           <a:p>
             <a:fld id="{92FB9B8E-7460-4A65-8DD1-5001397F6CD0}" type="datetimeFigureOut">
               <a:rPr lang="ko-KR" altLang="en-US" smtClean="0"/>
-              <a:t>2020-02-05</a:t>
+              <a:t>2020-02-07</a:t>
             </a:fld>
             <a:endParaRPr lang="ko-KR" altLang="en-US"/>
           </a:p>
@@ -677,6 +679,105 @@
               <a:t>)</a:t>
             </a:r>
           </a:p>
+          <a:p>
+            <a:pPr marL="0" marR="0" indent="0" algn="l" defTabSz="914400" rtl="0" eaLnBrk="1" fontAlgn="auto" latinLnBrk="1" hangingPunct="1">
+              <a:lnSpc>
+                <a:spcPct val="100000"/>
+              </a:lnSpc>
+              <a:spcBef>
+                <a:spcPts val="0"/>
+              </a:spcBef>
+              <a:spcAft>
+                <a:spcPts val="0"/>
+              </a:spcAft>
+              <a:buClrTx/>
+              <a:buSzTx/>
+              <a:buFontTx/>
+              <a:buNone/>
+              <a:tabLst/>
+              <a:defRPr/>
+            </a:pPr>
+            <a:endParaRPr lang="en-US" altLang="ko-KR" dirty="0" smtClean="0"/>
+          </a:p>
+          <a:p>
+            <a:pPr marL="0" marR="0" indent="0" algn="l" defTabSz="914400" rtl="0" eaLnBrk="1" fontAlgn="auto" latinLnBrk="1" hangingPunct="1">
+              <a:lnSpc>
+                <a:spcPct val="100000"/>
+              </a:lnSpc>
+              <a:spcBef>
+                <a:spcPts val="0"/>
+              </a:spcBef>
+              <a:spcAft>
+                <a:spcPts val="0"/>
+              </a:spcAft>
+              <a:buClrTx/>
+              <a:buSzTx/>
+              <a:buFontTx/>
+              <a:buNone/>
+              <a:tabLst/>
+              <a:defRPr/>
+            </a:pPr>
+            <a:r>
+              <a:rPr lang="en-US" altLang="ko-KR" dirty="0" smtClean="0"/>
+              <a:t>-19_09_</a:t>
+            </a:r>
+            <a:r>
+              <a:rPr lang="ko-KR" altLang="en-US" dirty="0" err="1" smtClean="0"/>
+              <a:t>너스</a:t>
+            </a:r>
+            <a:r>
+              <a:rPr lang="en-US" altLang="ko-KR" dirty="0" smtClean="0"/>
+              <a:t>(F3-E/9:27~10:05/</a:t>
+            </a:r>
+            <a:r>
+              <a:rPr lang="ko-KR" altLang="en-US" dirty="0" smtClean="0"/>
+              <a:t>도망</a:t>
+            </a:r>
+            <a:r>
+              <a:rPr lang="en-US" altLang="ko-KR" dirty="0" smtClean="0"/>
+              <a:t>,</a:t>
+            </a:r>
+            <a:r>
+              <a:rPr lang="ko-KR" altLang="en-US" dirty="0" smtClean="0"/>
+              <a:t>탈출</a:t>
+            </a:r>
+            <a:r>
+              <a:rPr lang="en-US" altLang="ko-KR" dirty="0" smtClean="0"/>
+              <a:t>/</a:t>
+            </a:r>
+            <a:r>
+              <a:rPr lang="ko-KR" altLang="en-US" dirty="0" smtClean="0"/>
+              <a:t>해설</a:t>
+            </a:r>
+            <a:r>
+              <a:rPr lang="en-US" altLang="ko-KR" dirty="0" smtClean="0"/>
+              <a:t>/</a:t>
+            </a:r>
+            <a:r>
+              <a:rPr lang="ko-KR" altLang="en-US" dirty="0" smtClean="0"/>
+              <a:t>감정표현</a:t>
+            </a:r>
+            <a:r>
+              <a:rPr lang="en-US" altLang="ko-KR" dirty="0" smtClean="0"/>
+              <a:t>,</a:t>
+            </a:r>
+            <a:r>
+              <a:rPr lang="ko-KR" altLang="en-US" dirty="0" err="1" smtClean="0"/>
+              <a:t>리액션</a:t>
+            </a:r>
+            <a:r>
+              <a:rPr lang="en-US" altLang="ko-KR" dirty="0" smtClean="0"/>
+              <a:t>/</a:t>
+            </a:r>
+            <a:r>
+              <a:rPr lang="ko-KR" altLang="en-US" dirty="0" err="1" smtClean="0"/>
+              <a:t>흥미유발</a:t>
+            </a:r>
+            <a:r>
+              <a:rPr lang="en-US" altLang="ko-KR" dirty="0" smtClean="0"/>
+              <a:t>)</a:t>
+            </a:r>
+          </a:p>
         </p:txBody>
       </p:sp>
       <p:sp>
@@ -836,11 +937,7 @@
             </a:pPr>
             <a:r>
               <a:rPr lang="en-US" altLang="ko-KR" dirty="0" smtClean="0"/>
-              <a:t>-</a:t>
-            </a:r>
-            <a:r>
-              <a:rPr lang="en-US" altLang="ko-KR" dirty="0" smtClean="0"/>
-              <a:t>19_09_</a:t>
+              <a:t>-19_09_</a:t>
             </a:r>
             <a:r>
               <a:rPr lang="ko-KR" altLang="en-US" dirty="0" err="1" smtClean="0"/>
@@ -1216,7 +1313,7 @@
             </a:r>
             <a:r>
               <a:rPr lang="ko-KR" altLang="en-US" dirty="0" smtClean="0"/>
-              <a:t>상황판단질의응답</a:t>
+              <a:t>상황판단</a:t>
             </a:r>
             <a:r>
               <a:rPr lang="en-US" altLang="ko-KR" dirty="0" smtClean="0"/>
@@ -1224,6 +1321,14 @@
             </a:r>
             <a:r>
               <a:rPr lang="ko-KR" altLang="en-US" dirty="0" smtClean="0"/>
+              <a:t>질의응답</a:t>
+            </a:r>
+            <a:r>
+              <a:rPr lang="en-US" altLang="ko-KR" dirty="0" smtClean="0"/>
+              <a:t>,</a:t>
+            </a:r>
+            <a:r>
+              <a:rPr lang="ko-KR" altLang="en-US" dirty="0" smtClean="0"/>
               <a:t>감정표현</a:t>
             </a:r>
             <a:r>
@@ -1249,6 +1354,196 @@
             <a:r>
               <a:rPr lang="ko-KR" altLang="en-US" dirty="0" smtClean="0"/>
               <a:t>정보습득</a:t>
+            </a:r>
+            <a:r>
+              <a:rPr lang="en-US" altLang="ko-KR" dirty="0" smtClean="0"/>
+              <a:t>)</a:t>
+            </a:r>
+          </a:p>
+          <a:p>
+            <a:pPr marL="0" marR="0" indent="0" algn="l" defTabSz="914400" rtl="0" eaLnBrk="1" fontAlgn="auto" latinLnBrk="1" hangingPunct="1">
+              <a:lnSpc>
+                <a:spcPct val="100000"/>
+              </a:lnSpc>
+              <a:spcBef>
+                <a:spcPts val="0"/>
+              </a:spcBef>
+              <a:spcAft>
+                <a:spcPts val="0"/>
+              </a:spcAft>
+              <a:buClrTx/>
+              <a:buSzTx/>
+              <a:buFontTx/>
+              <a:buNone/>
+              <a:tabLst/>
+              <a:defRPr/>
+            </a:pPr>
+            <a:r>
+              <a:rPr lang="en-US" altLang="ko-KR" dirty="0" smtClean="0"/>
+              <a:t>-19_09_</a:t>
+            </a:r>
+            <a:r>
+              <a:rPr lang="ko-KR" altLang="en-US" dirty="0" err="1" smtClean="0"/>
+              <a:t>너스</a:t>
+            </a:r>
+            <a:r>
+              <a:rPr lang="en-US" altLang="ko-KR" dirty="0" smtClean="0"/>
+              <a:t>(W7-U2-W5-W7/8:00~8:30/</a:t>
+            </a:r>
+            <a:r>
+              <a:rPr lang="ko-KR" altLang="en-US" dirty="0" smtClean="0"/>
+              <a:t>도망</a:t>
+            </a:r>
+            <a:r>
+              <a:rPr lang="en-US" altLang="ko-KR" dirty="0" smtClean="0"/>
+              <a:t>/</a:t>
+            </a:r>
+            <a:r>
+              <a:rPr lang="ko-KR" altLang="en-US" dirty="0" smtClean="0"/>
+              <a:t>해설</a:t>
+            </a:r>
+            <a:r>
+              <a:rPr lang="en-US" altLang="ko-KR" dirty="0" smtClean="0"/>
+              <a:t>,</a:t>
+            </a:r>
+            <a:r>
+              <a:rPr lang="ko-KR" altLang="en-US" dirty="0" smtClean="0"/>
+              <a:t>소통</a:t>
+            </a:r>
+            <a:r>
+              <a:rPr lang="en-US" altLang="ko-KR" dirty="0" smtClean="0"/>
+              <a:t>/</a:t>
+            </a:r>
+            <a:r>
+              <a:rPr lang="ko-KR" altLang="en-US" dirty="0" err="1" smtClean="0"/>
+              <a:t>리액션</a:t>
+            </a:r>
+            <a:r>
+              <a:rPr lang="en-US" altLang="ko-KR" dirty="0" smtClean="0"/>
+              <a:t>,</a:t>
+            </a:r>
+            <a:r>
+              <a:rPr lang="ko-KR" altLang="en-US" dirty="0" smtClean="0"/>
+              <a:t>감정표현</a:t>
+            </a:r>
+            <a:r>
+              <a:rPr lang="en-US" altLang="ko-KR" dirty="0" smtClean="0"/>
+              <a:t>,</a:t>
+            </a:r>
+            <a:r>
+              <a:rPr lang="ko-KR" altLang="en-US" dirty="0" err="1" smtClean="0"/>
+              <a:t>드립</a:t>
+            </a:r>
+            <a:r>
+              <a:rPr lang="en-US" altLang="ko-KR" dirty="0" smtClean="0"/>
+              <a:t>,</a:t>
+            </a:r>
+            <a:r>
+              <a:rPr lang="ko-KR" altLang="en-US" dirty="0" smtClean="0"/>
+              <a:t>상황판단</a:t>
+            </a:r>
+            <a:r>
+              <a:rPr lang="en-US" altLang="ko-KR" dirty="0" smtClean="0"/>
+              <a:t>/</a:t>
+            </a:r>
+            <a:r>
+              <a:rPr lang="ko-KR" altLang="en-US" dirty="0" err="1" smtClean="0"/>
+              <a:t>상황몰입</a:t>
+            </a:r>
+            <a:r>
+              <a:rPr lang="en-US" altLang="ko-KR" dirty="0" smtClean="0"/>
+              <a:t>,</a:t>
+            </a:r>
+            <a:r>
+              <a:rPr lang="ko-KR" altLang="en-US" dirty="0" err="1" smtClean="0"/>
+              <a:t>흥미유발</a:t>
+            </a:r>
+            <a:r>
+              <a:rPr lang="en-US" altLang="ko-KR" dirty="0" smtClean="0"/>
+              <a:t>)</a:t>
+            </a:r>
+          </a:p>
+          <a:p>
+            <a:pPr marL="0" marR="0" indent="0" algn="l" defTabSz="914400" rtl="0" eaLnBrk="1" fontAlgn="auto" latinLnBrk="1" hangingPunct="1">
+              <a:lnSpc>
+                <a:spcPct val="100000"/>
+              </a:lnSpc>
+              <a:spcBef>
+                <a:spcPts val="0"/>
+              </a:spcBef>
+              <a:spcAft>
+                <a:spcPts val="0"/>
+              </a:spcAft>
+              <a:buClrTx/>
+              <a:buSzTx/>
+              <a:buFontTx/>
+              <a:buNone/>
+              <a:tabLst/>
+              <a:defRPr/>
+            </a:pPr>
+            <a:r>
+              <a:rPr lang="en-US" altLang="ko-KR" dirty="0" smtClean="0"/>
+              <a:t>-19_09_</a:t>
+            </a:r>
+            <a:r>
+              <a:rPr lang="ko-KR" altLang="en-US" dirty="0" err="1" smtClean="0"/>
+              <a:t>너스</a:t>
+            </a:r>
+            <a:r>
+              <a:rPr lang="en-US" altLang="ko-KR" dirty="0" smtClean="0"/>
+              <a:t>(W7-U2-W2-R1-E-R2-F3/8:30~9:27/</a:t>
+            </a:r>
+            <a:r>
+              <a:rPr lang="ko-KR" altLang="en-US" dirty="0" smtClean="0"/>
+              <a:t>도망</a:t>
+            </a:r>
+            <a:r>
+              <a:rPr lang="en-US" altLang="ko-KR" dirty="0" smtClean="0"/>
+              <a:t>,</a:t>
+            </a:r>
+            <a:r>
+              <a:rPr lang="ko-KR" altLang="en-US" dirty="0" smtClean="0"/>
+              <a:t>커버</a:t>
+            </a:r>
+            <a:r>
+              <a:rPr lang="en-US" altLang="ko-KR" dirty="0" smtClean="0"/>
+              <a:t>/</a:t>
+            </a:r>
+            <a:r>
+              <a:rPr lang="ko-KR" altLang="en-US" dirty="0" smtClean="0"/>
+              <a:t>해설</a:t>
+            </a:r>
+            <a:r>
+              <a:rPr lang="en-US" altLang="ko-KR" dirty="0" smtClean="0"/>
+              <a:t>/</a:t>
+            </a:r>
+            <a:r>
+              <a:rPr lang="ko-KR" altLang="en-US" dirty="0" err="1" smtClean="0"/>
+              <a:t>리액션</a:t>
+            </a:r>
+            <a:r>
+              <a:rPr lang="en-US" altLang="ko-KR" dirty="0" smtClean="0"/>
+              <a:t>,</a:t>
+            </a:r>
+            <a:r>
+              <a:rPr lang="ko-KR" altLang="en-US" dirty="0" err="1" smtClean="0"/>
+              <a:t>드립</a:t>
+            </a:r>
+            <a:r>
+              <a:rPr lang="en-US" altLang="ko-KR" dirty="0" smtClean="0"/>
+              <a:t>,</a:t>
+            </a:r>
+            <a:r>
+              <a:rPr lang="ko-KR" altLang="en-US" dirty="0" smtClean="0"/>
+              <a:t>상황판단</a:t>
+            </a:r>
+            <a:r>
+              <a:rPr lang="en-US" altLang="ko-KR" dirty="0" smtClean="0"/>
+              <a:t>/</a:t>
+            </a:r>
+            <a:r>
+              <a:rPr lang="ko-KR" altLang="en-US" dirty="0" err="1" smtClean="0"/>
+              <a:t>상황몰입</a:t>
             </a:r>
             <a:r>
               <a:rPr lang="en-US" altLang="ko-KR" dirty="0" smtClean="0"/>
@@ -1284,6 +1579,1863 @@
     <p:extLst>
       <p:ext uri="{BB962C8B-B14F-4D97-AF65-F5344CB8AC3E}">
         <p14:creationId xmlns:p14="http://schemas.microsoft.com/office/powerpoint/2010/main" val="3756393113"/>
+      </p:ext>
+    </p:extLst>
+  </p:cSld>
+  <p:clrMapOvr>
+    <a:masterClrMapping/>
+  </p:clrMapOvr>
+</p:notes>
+</file>
+
+<file path=ppt/notesSlides/notesSlide11.xml><?xml version="1.0" encoding="utf-8"?>
+<p:notes xmlns:a="http://schemas.openxmlformats.org/drawingml/2006/main" xmlns:r="http://schemas.openxmlformats.org/officeDocument/2006/relationships" xmlns:p="http://schemas.openxmlformats.org/presentationml/2006/main">
+  <p:cSld>
+    <p:spTree>
+      <p:nvGrpSpPr>
+        <p:cNvPr id="1" name=""/>
+        <p:cNvGrpSpPr/>
+        <p:nvPr/>
+      </p:nvGrpSpPr>
+      <p:grpSpPr>
+        <a:xfrm>
+          <a:off x="0" y="0"/>
+          <a:ext cx="0" cy="0"/>
+          <a:chOff x="0" y="0"/>
+          <a:chExt cx="0" cy="0"/>
+        </a:xfrm>
+      </p:grpSpPr>
+      <p:sp>
+        <p:nvSpPr>
+          <p:cNvPr id="2" name="슬라이드 이미지 개체 틀 1"/>
+          <p:cNvSpPr>
+            <a:spLocks noGrp="1" noRot="1" noChangeAspect="1"/>
+          </p:cNvSpPr>
+          <p:nvPr>
+            <p:ph type="sldImg"/>
+          </p:nvPr>
+        </p:nvSpPr>
+        <p:spPr/>
+      </p:sp>
+      <p:sp>
+        <p:nvSpPr>
+          <p:cNvPr id="3" name="슬라이드 노트 개체 틀 2"/>
+          <p:cNvSpPr>
+            <a:spLocks noGrp="1"/>
+          </p:cNvSpPr>
+          <p:nvPr>
+            <p:ph type="body" idx="1"/>
+          </p:nvPr>
+        </p:nvSpPr>
+        <p:spPr/>
+        <p:txBody>
+          <a:bodyPr/>
+          <a:lstStyle/>
+          <a:p>
+            <a:r>
+              <a:rPr lang="en-US" altLang="ko-KR" dirty="0" smtClean="0"/>
+              <a:t>=</a:t>
+            </a:r>
+            <a:r>
+              <a:rPr lang="ko-KR" altLang="en-US" dirty="0" smtClean="0"/>
+              <a:t>방문 지역 </a:t>
+            </a:r>
+            <a:r>
+              <a:rPr lang="en-US" altLang="ko-KR" dirty="0" smtClean="0"/>
+              <a:t>/ </a:t>
+            </a:r>
+            <a:r>
+              <a:rPr lang="ko-KR" altLang="en-US" baseline="0" dirty="0" smtClean="0"/>
+              <a:t>방문 시간 </a:t>
+            </a:r>
+            <a:r>
+              <a:rPr lang="en-US" altLang="ko-KR" baseline="0" dirty="0" smtClean="0"/>
+              <a:t>/ </a:t>
+            </a:r>
+            <a:r>
+              <a:rPr lang="ko-KR" altLang="en-US" baseline="0" dirty="0" smtClean="0"/>
+              <a:t>이벤트 </a:t>
+            </a:r>
+            <a:r>
+              <a:rPr lang="en-US" altLang="ko-KR" baseline="0" dirty="0" smtClean="0"/>
+              <a:t>/ </a:t>
+            </a:r>
+            <a:r>
+              <a:rPr lang="ko-KR" altLang="en-US" baseline="0" dirty="0" err="1" smtClean="0"/>
+              <a:t>멘트</a:t>
+            </a:r>
+            <a:r>
+              <a:rPr lang="ko-KR" altLang="en-US" baseline="0" dirty="0" smtClean="0"/>
+              <a:t> </a:t>
+            </a:r>
+            <a:r>
+              <a:rPr lang="en-US" altLang="ko-KR" baseline="0" dirty="0" smtClean="0"/>
+              <a:t>/ </a:t>
+            </a:r>
+            <a:r>
+              <a:rPr lang="ko-KR" altLang="en-US" baseline="0" dirty="0" smtClean="0"/>
+              <a:t>채팅 </a:t>
+            </a:r>
+            <a:r>
+              <a:rPr lang="en-US" altLang="ko-KR" baseline="0" dirty="0" smtClean="0"/>
+              <a:t>/ </a:t>
+            </a:r>
+            <a:r>
+              <a:rPr lang="ko-KR" altLang="en-US" baseline="0" dirty="0" smtClean="0"/>
+              <a:t>역할</a:t>
+            </a:r>
+            <a:r>
+              <a:rPr lang="en-US" altLang="ko-KR" baseline="0" dirty="0" smtClean="0"/>
+              <a:t>=</a:t>
+            </a:r>
+          </a:p>
+          <a:p>
+            <a:pPr marL="0" marR="0" indent="0" algn="l" defTabSz="914400" rtl="0" eaLnBrk="1" fontAlgn="auto" latinLnBrk="1" hangingPunct="1">
+              <a:lnSpc>
+                <a:spcPct val="100000"/>
+              </a:lnSpc>
+              <a:spcBef>
+                <a:spcPts val="0"/>
+              </a:spcBef>
+              <a:spcAft>
+                <a:spcPts val="0"/>
+              </a:spcAft>
+              <a:buClrTx/>
+              <a:buSzTx/>
+              <a:buFontTx/>
+              <a:buNone/>
+              <a:tabLst/>
+              <a:defRPr/>
+            </a:pPr>
+            <a:r>
+              <a:rPr lang="en-US" altLang="ko-KR" dirty="0" smtClean="0"/>
+              <a:t>-19_08_</a:t>
+            </a:r>
+            <a:r>
+              <a:rPr lang="ko-KR" altLang="en-US" dirty="0" err="1" smtClean="0"/>
+              <a:t>피그</a:t>
+            </a:r>
+            <a:r>
+              <a:rPr lang="en-US" altLang="ko-KR" dirty="0" smtClean="0"/>
+              <a:t>(W7-F13-W6-W4/0:30~1:05/</a:t>
+            </a:r>
+            <a:r>
+              <a:rPr lang="ko-KR" altLang="en-US" dirty="0" smtClean="0"/>
+              <a:t>이동</a:t>
+            </a:r>
+            <a:r>
+              <a:rPr lang="en-US" altLang="ko-KR" dirty="0" smtClean="0"/>
+              <a:t>,</a:t>
+            </a:r>
+            <a:r>
+              <a:rPr lang="ko-KR" altLang="en-US" dirty="0" smtClean="0"/>
+              <a:t>수색</a:t>
+            </a:r>
+            <a:r>
+              <a:rPr lang="en-US" altLang="ko-KR" dirty="0" smtClean="0"/>
+              <a:t>/</a:t>
+            </a:r>
+            <a:r>
+              <a:rPr lang="ko-KR" altLang="en-US" dirty="0" err="1" smtClean="0"/>
+              <a:t>도네이션</a:t>
+            </a:r>
+            <a:r>
+              <a:rPr lang="en-US" altLang="ko-KR" dirty="0" smtClean="0"/>
+              <a:t>,</a:t>
+            </a:r>
+            <a:r>
+              <a:rPr lang="ko-KR" altLang="en-US" dirty="0" smtClean="0"/>
+              <a:t>해설</a:t>
+            </a:r>
+            <a:r>
+              <a:rPr lang="en-US" altLang="ko-KR" dirty="0" smtClean="0"/>
+              <a:t>,</a:t>
+            </a:r>
+            <a:r>
+              <a:rPr lang="ko-KR" altLang="en-US" dirty="0" smtClean="0"/>
+              <a:t>게임잡담</a:t>
+            </a:r>
+            <a:r>
+              <a:rPr lang="en-US" altLang="ko-KR" dirty="0" smtClean="0"/>
+              <a:t>/</a:t>
+            </a:r>
+            <a:r>
+              <a:rPr lang="ko-KR" altLang="en-US" dirty="0" err="1" smtClean="0"/>
+              <a:t>리액션</a:t>
+            </a:r>
+            <a:r>
+              <a:rPr lang="en-US" altLang="ko-KR" dirty="0" smtClean="0"/>
+              <a:t>/</a:t>
+            </a:r>
+            <a:r>
+              <a:rPr lang="ko-KR" altLang="en-US" dirty="0" smtClean="0"/>
+              <a:t>주의환기</a:t>
+            </a:r>
+            <a:r>
+              <a:rPr lang="en-US" altLang="ko-KR" dirty="0" smtClean="0"/>
+              <a:t>)</a:t>
+            </a:r>
+          </a:p>
+          <a:p>
+            <a:pPr marL="0" marR="0" indent="0" algn="l" defTabSz="914400" rtl="0" eaLnBrk="1" fontAlgn="auto" latinLnBrk="1" hangingPunct="1">
+              <a:lnSpc>
+                <a:spcPct val="100000"/>
+              </a:lnSpc>
+              <a:spcBef>
+                <a:spcPts val="0"/>
+              </a:spcBef>
+              <a:spcAft>
+                <a:spcPts val="0"/>
+              </a:spcAft>
+              <a:buClrTx/>
+              <a:buSzTx/>
+              <a:buFontTx/>
+              <a:buNone/>
+              <a:tabLst/>
+              <a:defRPr/>
+            </a:pPr>
+            <a:r>
+              <a:rPr lang="en-US" altLang="ko-KR" dirty="0" smtClean="0"/>
+              <a:t>-19_08_</a:t>
+            </a:r>
+            <a:r>
+              <a:rPr lang="ko-KR" altLang="en-US" dirty="0" err="1" smtClean="0"/>
+              <a:t>피그</a:t>
+            </a:r>
+            <a:r>
+              <a:rPr lang="en-US" altLang="ko-KR" dirty="0" smtClean="0"/>
+              <a:t>(W4-F5-U3-W4/1:30~2:00/</a:t>
+            </a:r>
+            <a:r>
+              <a:rPr lang="ko-KR" altLang="en-US" dirty="0" smtClean="0"/>
+              <a:t>도망</a:t>
+            </a:r>
+            <a:r>
+              <a:rPr lang="en-US" altLang="ko-KR" dirty="0" smtClean="0"/>
+              <a:t>,</a:t>
+            </a:r>
+            <a:r>
+              <a:rPr lang="ko-KR" altLang="en-US" dirty="0" smtClean="0"/>
+              <a:t>커버</a:t>
+            </a:r>
+            <a:r>
+              <a:rPr lang="en-US" altLang="ko-KR" dirty="0" smtClean="0"/>
+              <a:t>/</a:t>
+            </a:r>
+            <a:r>
+              <a:rPr lang="ko-KR" altLang="en-US" dirty="0" smtClean="0"/>
+              <a:t>해설</a:t>
+            </a:r>
+            <a:r>
+              <a:rPr lang="en-US" altLang="ko-KR" dirty="0" smtClean="0"/>
+              <a:t>,</a:t>
+            </a:r>
+            <a:r>
+              <a:rPr lang="ko-KR" altLang="en-US" dirty="0" smtClean="0"/>
+              <a:t>소통</a:t>
+            </a:r>
+            <a:r>
+              <a:rPr lang="en-US" altLang="ko-KR" dirty="0" smtClean="0"/>
+              <a:t>/</a:t>
+            </a:r>
+            <a:r>
+              <a:rPr lang="ko-KR" altLang="en-US" dirty="0" smtClean="0"/>
+              <a:t>감정표현</a:t>
+            </a:r>
+            <a:r>
+              <a:rPr lang="en-US" altLang="ko-KR" dirty="0" smtClean="0"/>
+              <a:t>,</a:t>
+            </a:r>
+            <a:r>
+              <a:rPr lang="ko-KR" altLang="en-US" dirty="0" smtClean="0"/>
+              <a:t>소통</a:t>
+            </a:r>
+            <a:r>
+              <a:rPr lang="en-US" altLang="ko-KR" dirty="0" smtClean="0"/>
+              <a:t>,</a:t>
+            </a:r>
+            <a:r>
+              <a:rPr lang="ko-KR" altLang="en-US" dirty="0" smtClean="0"/>
+              <a:t>질의응답</a:t>
+            </a:r>
+            <a:r>
+              <a:rPr lang="en-US" altLang="ko-KR" dirty="0" smtClean="0"/>
+              <a:t>/</a:t>
+            </a:r>
+            <a:r>
+              <a:rPr lang="ko-KR" altLang="en-US" dirty="0" smtClean="0"/>
+              <a:t>소통</a:t>
+            </a:r>
+            <a:r>
+              <a:rPr lang="en-US" altLang="ko-KR" dirty="0" smtClean="0"/>
+              <a:t>,</a:t>
+            </a:r>
+            <a:r>
+              <a:rPr lang="ko-KR" altLang="en-US" dirty="0" smtClean="0"/>
+              <a:t>주의환기</a:t>
+            </a:r>
+            <a:r>
+              <a:rPr lang="en-US" altLang="ko-KR" dirty="0" smtClean="0"/>
+              <a:t>)</a:t>
+            </a:r>
+          </a:p>
+          <a:p>
+            <a:pPr marL="0" marR="0" indent="0" algn="l" defTabSz="914400" rtl="0" eaLnBrk="1" fontAlgn="auto" latinLnBrk="1" hangingPunct="1">
+              <a:lnSpc>
+                <a:spcPct val="100000"/>
+              </a:lnSpc>
+              <a:spcBef>
+                <a:spcPts val="0"/>
+              </a:spcBef>
+              <a:spcAft>
+                <a:spcPts val="0"/>
+              </a:spcAft>
+              <a:buClrTx/>
+              <a:buSzTx/>
+              <a:buFontTx/>
+              <a:buNone/>
+              <a:tabLst/>
+              <a:defRPr/>
+            </a:pPr>
+            <a:r>
+              <a:rPr lang="en-US" altLang="ko-KR" dirty="0" smtClean="0"/>
+              <a:t>-19_08_</a:t>
+            </a:r>
+            <a:r>
+              <a:rPr lang="ko-KR" altLang="en-US" dirty="0" err="1" smtClean="0"/>
+              <a:t>피그</a:t>
+            </a:r>
+            <a:r>
+              <a:rPr lang="en-US" altLang="ko-KR" dirty="0" smtClean="0"/>
+              <a:t>(W4-W2/3:05~3:23/</a:t>
+            </a:r>
+            <a:r>
+              <a:rPr lang="ko-KR" altLang="en-US" dirty="0" smtClean="0"/>
+              <a:t>이동</a:t>
+            </a:r>
+            <a:r>
+              <a:rPr lang="en-US" altLang="ko-KR" dirty="0" smtClean="0"/>
+              <a:t>,</a:t>
+            </a:r>
+            <a:r>
+              <a:rPr lang="ko-KR" altLang="en-US" dirty="0" smtClean="0"/>
+              <a:t>구조</a:t>
+            </a:r>
+            <a:r>
+              <a:rPr lang="en-US" altLang="ko-KR" dirty="0" smtClean="0"/>
+              <a:t>/</a:t>
+            </a:r>
+            <a:r>
+              <a:rPr lang="ko-KR" altLang="en-US" dirty="0" smtClean="0"/>
+              <a:t>해설</a:t>
+            </a:r>
+            <a:r>
+              <a:rPr lang="en-US" altLang="ko-KR" dirty="0" smtClean="0"/>
+              <a:t>/</a:t>
+            </a:r>
+            <a:r>
+              <a:rPr lang="ko-KR" altLang="en-US" dirty="0" smtClean="0"/>
+              <a:t>게임잡담</a:t>
+            </a:r>
+            <a:r>
+              <a:rPr lang="en-US" altLang="ko-KR" dirty="0" smtClean="0"/>
+              <a:t>/</a:t>
+            </a:r>
+            <a:r>
+              <a:rPr lang="ko-KR" altLang="en-US" dirty="0" smtClean="0"/>
+              <a:t>자유</a:t>
+            </a:r>
+            <a:r>
+              <a:rPr lang="en-US" altLang="ko-KR" dirty="0" smtClean="0"/>
+              <a:t>)</a:t>
+            </a:r>
+          </a:p>
+          <a:p>
+            <a:pPr marL="0" marR="0" indent="0" algn="l" defTabSz="914400" rtl="0" eaLnBrk="1" fontAlgn="auto" latinLnBrk="1" hangingPunct="1">
+              <a:lnSpc>
+                <a:spcPct val="100000"/>
+              </a:lnSpc>
+              <a:spcBef>
+                <a:spcPts val="0"/>
+              </a:spcBef>
+              <a:spcAft>
+                <a:spcPts val="0"/>
+              </a:spcAft>
+              <a:buClrTx/>
+              <a:buSzTx/>
+              <a:buFontTx/>
+              <a:buNone/>
+              <a:tabLst/>
+              <a:defRPr/>
+            </a:pPr>
+            <a:r>
+              <a:rPr lang="en-US" altLang="ko-KR" dirty="0" smtClean="0"/>
+              <a:t>-19_08_</a:t>
+            </a:r>
+            <a:r>
+              <a:rPr lang="ko-KR" altLang="en-US" dirty="0" err="1" smtClean="0"/>
+              <a:t>피그</a:t>
+            </a:r>
+            <a:r>
+              <a:rPr lang="en-US" altLang="ko-KR" dirty="0" smtClean="0"/>
+              <a:t>(W2-R1-W1-F2-U2-W7-W3/3:23~5:25/</a:t>
+            </a:r>
+            <a:r>
+              <a:rPr lang="ko-KR" altLang="en-US" dirty="0" smtClean="0"/>
+              <a:t>도망</a:t>
+            </a:r>
+            <a:r>
+              <a:rPr lang="en-US" altLang="ko-KR" dirty="0" smtClean="0"/>
+              <a:t>/</a:t>
+            </a:r>
+            <a:r>
+              <a:rPr lang="ko-KR" altLang="en-US" dirty="0" smtClean="0"/>
+              <a:t>해설</a:t>
+            </a:r>
+            <a:r>
+              <a:rPr lang="en-US" altLang="ko-KR" dirty="0" smtClean="0"/>
+              <a:t>/</a:t>
+            </a:r>
+            <a:r>
+              <a:rPr lang="ko-KR" altLang="en-US" dirty="0" smtClean="0"/>
+              <a:t>상황판단</a:t>
+            </a:r>
+            <a:r>
+              <a:rPr lang="en-US" altLang="ko-KR" dirty="0" smtClean="0"/>
+              <a:t>,</a:t>
+            </a:r>
+            <a:r>
+              <a:rPr lang="ko-KR" altLang="en-US" dirty="0" smtClean="0"/>
+              <a:t>감정표현</a:t>
+            </a:r>
+            <a:r>
+              <a:rPr lang="en-US" altLang="ko-KR" dirty="0" smtClean="0"/>
+              <a:t>/</a:t>
+            </a:r>
+            <a:r>
+              <a:rPr lang="ko-KR" altLang="en-US" dirty="0" err="1" smtClean="0"/>
+              <a:t>상황몰입</a:t>
+            </a:r>
+            <a:r>
+              <a:rPr lang="en-US" altLang="ko-KR" dirty="0" smtClean="0"/>
+              <a:t>,</a:t>
+            </a:r>
+            <a:r>
+              <a:rPr lang="ko-KR" altLang="en-US" dirty="0" err="1" smtClean="0"/>
+              <a:t>흥미유발</a:t>
+            </a:r>
+            <a:r>
+              <a:rPr lang="en-US" altLang="ko-KR" dirty="0" smtClean="0"/>
+              <a:t>)</a:t>
+            </a:r>
+          </a:p>
+          <a:p>
+            <a:pPr marL="0" marR="0" indent="0" algn="l" defTabSz="914400" rtl="0" eaLnBrk="1" fontAlgn="auto" latinLnBrk="1" hangingPunct="1">
+              <a:lnSpc>
+                <a:spcPct val="100000"/>
+              </a:lnSpc>
+              <a:spcBef>
+                <a:spcPts val="0"/>
+              </a:spcBef>
+              <a:spcAft>
+                <a:spcPts val="0"/>
+              </a:spcAft>
+              <a:buClrTx/>
+              <a:buSzTx/>
+              <a:buFontTx/>
+              <a:buNone/>
+              <a:tabLst/>
+              <a:defRPr/>
+            </a:pPr>
+            <a:r>
+              <a:rPr lang="en-US" altLang="ko-KR" dirty="0" smtClean="0"/>
+              <a:t>-19_08_</a:t>
+            </a:r>
+            <a:r>
+              <a:rPr lang="ko-KR" altLang="en-US" dirty="0" err="1" smtClean="0"/>
+              <a:t>피그</a:t>
+            </a:r>
+            <a:r>
+              <a:rPr lang="en-US" altLang="ko-KR" dirty="0" smtClean="0"/>
+              <a:t>(F4-R2/6:45~7:10/</a:t>
+            </a:r>
+            <a:r>
+              <a:rPr lang="ko-KR" altLang="en-US" dirty="0" smtClean="0"/>
+              <a:t>도망</a:t>
+            </a:r>
+            <a:r>
+              <a:rPr lang="en-US" altLang="ko-KR" dirty="0" smtClean="0"/>
+              <a:t>(</a:t>
+            </a:r>
+            <a:r>
+              <a:rPr lang="ko-KR" altLang="en-US" dirty="0" err="1" smtClean="0"/>
+              <a:t>덫해제</a:t>
+            </a:r>
+            <a:r>
+              <a:rPr lang="en-US" altLang="ko-KR" dirty="0" smtClean="0"/>
+              <a:t>)/</a:t>
+            </a:r>
+            <a:r>
+              <a:rPr lang="ko-KR" altLang="en-US" dirty="0" smtClean="0"/>
+              <a:t>해설</a:t>
+            </a:r>
+            <a:r>
+              <a:rPr lang="en-US" altLang="ko-KR" dirty="0" smtClean="0"/>
+              <a:t>/</a:t>
+            </a:r>
+            <a:r>
+              <a:rPr lang="ko-KR" altLang="en-US" dirty="0" smtClean="0"/>
+              <a:t>감정표현</a:t>
+            </a:r>
+            <a:r>
+              <a:rPr lang="en-US" altLang="ko-KR" dirty="0" smtClean="0"/>
+              <a:t>/</a:t>
+            </a:r>
+            <a:r>
+              <a:rPr lang="ko-KR" altLang="en-US" dirty="0" err="1" smtClean="0"/>
+              <a:t>상황몰입</a:t>
+            </a:r>
+            <a:r>
+              <a:rPr lang="en-US" altLang="ko-KR" dirty="0" smtClean="0"/>
+              <a:t>,</a:t>
+            </a:r>
+            <a:r>
+              <a:rPr lang="ko-KR" altLang="en-US" dirty="0" smtClean="0"/>
+              <a:t>주의환기</a:t>
+            </a:r>
+            <a:r>
+              <a:rPr lang="en-US" altLang="ko-KR" dirty="0" smtClean="0"/>
+              <a:t>)</a:t>
+            </a:r>
+          </a:p>
+          <a:p>
+            <a:pPr marL="0" marR="0" indent="0" algn="l" defTabSz="914400" rtl="0" eaLnBrk="1" fontAlgn="auto" latinLnBrk="1" hangingPunct="1">
+              <a:lnSpc>
+                <a:spcPct val="100000"/>
+              </a:lnSpc>
+              <a:spcBef>
+                <a:spcPts val="0"/>
+              </a:spcBef>
+              <a:spcAft>
+                <a:spcPts val="0"/>
+              </a:spcAft>
+              <a:buClrTx/>
+              <a:buSzTx/>
+              <a:buFontTx/>
+              <a:buNone/>
+              <a:tabLst/>
+              <a:defRPr/>
+            </a:pPr>
+            <a:r>
+              <a:rPr lang="en-US" altLang="ko-KR" dirty="0" smtClean="0"/>
+              <a:t>-19_08_</a:t>
+            </a:r>
+            <a:r>
+              <a:rPr lang="ko-KR" altLang="en-US" dirty="0" err="1" smtClean="0"/>
+              <a:t>피그</a:t>
+            </a:r>
+            <a:r>
+              <a:rPr lang="en-US" altLang="ko-KR" dirty="0" smtClean="0"/>
+              <a:t>(R2-E-W1/7:10~8:00/</a:t>
+            </a:r>
+            <a:r>
+              <a:rPr lang="ko-KR" altLang="en-US" dirty="0" smtClean="0"/>
+              <a:t>도망</a:t>
+            </a:r>
+            <a:r>
+              <a:rPr lang="en-US" altLang="ko-KR" dirty="0" smtClean="0"/>
+              <a:t>(</a:t>
+            </a:r>
+            <a:r>
+              <a:rPr lang="ko-KR" altLang="en-US" dirty="0" err="1" smtClean="0"/>
+              <a:t>덫해제</a:t>
+            </a:r>
+            <a:r>
+              <a:rPr lang="en-US" altLang="ko-KR" dirty="0" smtClean="0"/>
+              <a:t>)/</a:t>
+            </a:r>
+            <a:r>
+              <a:rPr lang="ko-KR" altLang="en-US" dirty="0" smtClean="0"/>
+              <a:t>해설</a:t>
+            </a:r>
+            <a:r>
+              <a:rPr lang="en-US" altLang="ko-KR" dirty="0" smtClean="0"/>
+              <a:t>,</a:t>
+            </a:r>
+            <a:r>
+              <a:rPr lang="ko-KR" altLang="en-US" dirty="0" smtClean="0"/>
+              <a:t>소통</a:t>
+            </a:r>
+            <a:r>
+              <a:rPr lang="en-US" altLang="ko-KR" dirty="0" smtClean="0"/>
+              <a:t>/</a:t>
+            </a:r>
+            <a:r>
+              <a:rPr lang="ko-KR" altLang="en-US" dirty="0" smtClean="0"/>
+              <a:t>상황판단</a:t>
+            </a:r>
+            <a:r>
+              <a:rPr lang="en-US" altLang="ko-KR" dirty="0" smtClean="0"/>
+              <a:t>,</a:t>
+            </a:r>
+            <a:r>
+              <a:rPr lang="ko-KR" altLang="en-US" dirty="0" err="1" smtClean="0"/>
+              <a:t>리액션</a:t>
+            </a:r>
+            <a:r>
+              <a:rPr lang="en-US" altLang="ko-KR" dirty="0" smtClean="0"/>
+              <a:t>/</a:t>
+            </a:r>
+            <a:r>
+              <a:rPr lang="ko-KR" altLang="en-US" dirty="0" err="1" smtClean="0"/>
+              <a:t>상황몰입</a:t>
+            </a:r>
+            <a:r>
+              <a:rPr lang="en-US" altLang="ko-KR" dirty="0" smtClean="0"/>
+              <a:t>,</a:t>
+            </a:r>
+            <a:r>
+              <a:rPr lang="ko-KR" altLang="en-US" dirty="0" smtClean="0"/>
+              <a:t>주의환기</a:t>
+            </a:r>
+            <a:r>
+              <a:rPr lang="en-US" altLang="ko-KR" dirty="0" smtClean="0"/>
+              <a:t>)</a:t>
+            </a:r>
+          </a:p>
+          <a:p>
+            <a:pPr marL="0" marR="0" indent="0" algn="l" defTabSz="914400" rtl="0" eaLnBrk="1" fontAlgn="auto" latinLnBrk="1" hangingPunct="1">
+              <a:lnSpc>
+                <a:spcPct val="100000"/>
+              </a:lnSpc>
+              <a:spcBef>
+                <a:spcPts val="0"/>
+              </a:spcBef>
+              <a:spcAft>
+                <a:spcPts val="0"/>
+              </a:spcAft>
+              <a:buClrTx/>
+              <a:buSzTx/>
+              <a:buFontTx/>
+              <a:buNone/>
+              <a:tabLst/>
+              <a:defRPr/>
+            </a:pPr>
+            <a:r>
+              <a:rPr lang="en-US" altLang="ko-KR" dirty="0" smtClean="0"/>
+              <a:t>-19_08_</a:t>
+            </a:r>
+            <a:r>
+              <a:rPr lang="ko-KR" altLang="en-US" dirty="0" err="1" smtClean="0"/>
+              <a:t>피그</a:t>
+            </a:r>
+            <a:r>
+              <a:rPr lang="en-US" altLang="ko-KR" dirty="0" smtClean="0"/>
+              <a:t>(W1-W4/8:00~8:20/</a:t>
+            </a:r>
+            <a:r>
+              <a:rPr lang="ko-KR" altLang="en-US" dirty="0" smtClean="0"/>
+              <a:t>도망</a:t>
+            </a:r>
+            <a:r>
+              <a:rPr lang="en-US" altLang="ko-KR" dirty="0" smtClean="0"/>
+              <a:t>(</a:t>
+            </a:r>
+            <a:r>
+              <a:rPr lang="ko-KR" altLang="en-US" dirty="0" err="1" smtClean="0"/>
+              <a:t>덫해제</a:t>
+            </a:r>
+            <a:r>
+              <a:rPr lang="en-US" altLang="ko-KR" dirty="0" smtClean="0"/>
+              <a:t>)/</a:t>
+            </a:r>
+            <a:r>
+              <a:rPr lang="ko-KR" altLang="en-US" dirty="0" smtClean="0"/>
+              <a:t>감정표현</a:t>
+            </a:r>
+            <a:r>
+              <a:rPr lang="en-US" altLang="ko-KR" dirty="0" smtClean="0"/>
+              <a:t>,</a:t>
+            </a:r>
+            <a:r>
+              <a:rPr lang="ko-KR" altLang="en-US" dirty="0" smtClean="0"/>
+              <a:t>해설</a:t>
+            </a:r>
+            <a:r>
+              <a:rPr lang="en-US" altLang="ko-KR" dirty="0" smtClean="0"/>
+              <a:t>/</a:t>
+            </a:r>
+            <a:r>
+              <a:rPr lang="ko-KR" altLang="en-US" dirty="0" err="1" smtClean="0"/>
+              <a:t>리액션</a:t>
+            </a:r>
+            <a:r>
+              <a:rPr lang="en-US" altLang="ko-KR" dirty="0" smtClean="0"/>
+              <a:t>/</a:t>
+            </a:r>
+            <a:r>
+              <a:rPr lang="ko-KR" altLang="en-US" dirty="0" err="1" smtClean="0"/>
+              <a:t>상황몰입</a:t>
+            </a:r>
+            <a:r>
+              <a:rPr lang="en-US" altLang="ko-KR" dirty="0" smtClean="0"/>
+              <a:t>,</a:t>
+            </a:r>
+            <a:r>
+              <a:rPr lang="ko-KR" altLang="en-US" dirty="0" smtClean="0"/>
+              <a:t>주의환기</a:t>
+            </a:r>
+            <a:r>
+              <a:rPr lang="en-US" altLang="ko-KR" dirty="0" smtClean="0"/>
+              <a:t>)</a:t>
+            </a:r>
+          </a:p>
+          <a:p>
+            <a:pPr marL="0" marR="0" indent="0" algn="l" defTabSz="914400" rtl="0" eaLnBrk="1" fontAlgn="auto" latinLnBrk="1" hangingPunct="1">
+              <a:lnSpc>
+                <a:spcPct val="100000"/>
+              </a:lnSpc>
+              <a:spcBef>
+                <a:spcPts val="0"/>
+              </a:spcBef>
+              <a:spcAft>
+                <a:spcPts val="0"/>
+              </a:spcAft>
+              <a:buClrTx/>
+              <a:buSzTx/>
+              <a:buFontTx/>
+              <a:buNone/>
+              <a:tabLst/>
+              <a:defRPr/>
+            </a:pPr>
+            <a:r>
+              <a:rPr lang="en-US" altLang="ko-KR" dirty="0" smtClean="0"/>
+              <a:t>-19_08_</a:t>
+            </a:r>
+            <a:r>
+              <a:rPr lang="ko-KR" altLang="en-US" dirty="0" err="1" smtClean="0"/>
+              <a:t>피그</a:t>
+            </a:r>
+            <a:r>
+              <a:rPr lang="en-US" altLang="ko-KR" dirty="0" smtClean="0"/>
+              <a:t>(W4-F12/8:20~8:45/</a:t>
+            </a:r>
+            <a:r>
+              <a:rPr lang="ko-KR" altLang="en-US" dirty="0" smtClean="0"/>
+              <a:t>도망</a:t>
+            </a:r>
+            <a:r>
+              <a:rPr lang="en-US" altLang="ko-KR" dirty="0" smtClean="0"/>
+              <a:t>(</a:t>
+            </a:r>
+            <a:r>
+              <a:rPr lang="ko-KR" altLang="en-US" dirty="0" err="1" smtClean="0"/>
+              <a:t>덫해제</a:t>
+            </a:r>
+            <a:r>
+              <a:rPr lang="en-US" altLang="ko-KR" dirty="0" smtClean="0"/>
+              <a:t>)/</a:t>
+            </a:r>
+            <a:r>
+              <a:rPr lang="ko-KR" altLang="en-US" dirty="0" smtClean="0"/>
+              <a:t>감정표현</a:t>
+            </a:r>
+            <a:r>
+              <a:rPr lang="en-US" altLang="ko-KR" dirty="0" smtClean="0"/>
+              <a:t>,</a:t>
+            </a:r>
+            <a:r>
+              <a:rPr lang="ko-KR" altLang="en-US" dirty="0" smtClean="0"/>
+              <a:t>해설</a:t>
+            </a:r>
+            <a:r>
+              <a:rPr lang="en-US" altLang="ko-KR" dirty="0" smtClean="0"/>
+              <a:t>/</a:t>
+            </a:r>
+            <a:r>
+              <a:rPr lang="ko-KR" altLang="en-US" dirty="0" err="1" smtClean="0"/>
+              <a:t>리액션</a:t>
+            </a:r>
+            <a:r>
+              <a:rPr lang="en-US" altLang="ko-KR" dirty="0" smtClean="0"/>
+              <a:t>,</a:t>
+            </a:r>
+            <a:r>
+              <a:rPr lang="ko-KR" altLang="en-US" dirty="0" smtClean="0"/>
+              <a:t>감정표현</a:t>
+            </a:r>
+            <a:r>
+              <a:rPr lang="en-US" altLang="ko-KR" dirty="0" smtClean="0"/>
+              <a:t>,</a:t>
+            </a:r>
+            <a:r>
+              <a:rPr lang="ko-KR" altLang="en-US" dirty="0" err="1" smtClean="0"/>
+              <a:t>드립</a:t>
+            </a:r>
+            <a:r>
+              <a:rPr lang="en-US" altLang="ko-KR" dirty="0" smtClean="0"/>
+              <a:t>/</a:t>
+            </a:r>
+            <a:r>
+              <a:rPr lang="ko-KR" altLang="en-US" dirty="0" err="1" smtClean="0"/>
+              <a:t>상황몰입</a:t>
+            </a:r>
+            <a:r>
+              <a:rPr lang="en-US" altLang="ko-KR" dirty="0" smtClean="0"/>
+              <a:t>,</a:t>
+            </a:r>
+            <a:r>
+              <a:rPr lang="ko-KR" altLang="en-US" dirty="0" smtClean="0"/>
+              <a:t>주의환기</a:t>
+            </a:r>
+            <a:r>
+              <a:rPr lang="en-US" altLang="ko-KR" dirty="0" smtClean="0"/>
+              <a:t>,</a:t>
+            </a:r>
+            <a:r>
+              <a:rPr lang="ko-KR" altLang="en-US" dirty="0" err="1" smtClean="0"/>
+              <a:t>흥미유발</a:t>
+            </a:r>
+            <a:r>
+              <a:rPr lang="en-US" altLang="ko-KR" dirty="0" smtClean="0"/>
+              <a:t>)</a:t>
+            </a:r>
+          </a:p>
+          <a:p>
+            <a:pPr marL="0" marR="0" indent="0" algn="l" defTabSz="914400" rtl="0" eaLnBrk="1" fontAlgn="auto" latinLnBrk="1" hangingPunct="1">
+              <a:lnSpc>
+                <a:spcPct val="100000"/>
+              </a:lnSpc>
+              <a:spcBef>
+                <a:spcPts val="0"/>
+              </a:spcBef>
+              <a:spcAft>
+                <a:spcPts val="0"/>
+              </a:spcAft>
+              <a:buClrTx/>
+              <a:buSzTx/>
+              <a:buFontTx/>
+              <a:buNone/>
+              <a:tabLst/>
+              <a:defRPr/>
+            </a:pPr>
+            <a:r>
+              <a:rPr lang="en-US" altLang="ko-KR" dirty="0" smtClean="0"/>
+              <a:t>-19_08_</a:t>
+            </a:r>
+            <a:r>
+              <a:rPr lang="ko-KR" altLang="en-US" dirty="0" err="1" smtClean="0"/>
+              <a:t>피그</a:t>
+            </a:r>
+            <a:r>
+              <a:rPr lang="en-US" altLang="ko-KR" dirty="0" smtClean="0"/>
+              <a:t>(F12-F7/8:45~9:05/</a:t>
+            </a:r>
+            <a:r>
+              <a:rPr lang="ko-KR" altLang="en-US" dirty="0" smtClean="0"/>
+              <a:t>도망</a:t>
+            </a:r>
+            <a:r>
+              <a:rPr lang="en-US" altLang="ko-KR" dirty="0" smtClean="0"/>
+              <a:t>(</a:t>
+            </a:r>
+            <a:r>
+              <a:rPr lang="ko-KR" altLang="en-US" dirty="0" err="1" smtClean="0"/>
+              <a:t>덫해제</a:t>
+            </a:r>
+            <a:r>
+              <a:rPr lang="en-US" altLang="ko-KR" dirty="0" smtClean="0"/>
+              <a:t>)/</a:t>
+            </a:r>
+            <a:r>
+              <a:rPr lang="ko-KR" altLang="en-US" dirty="0" smtClean="0"/>
+              <a:t>감정표현</a:t>
+            </a:r>
+            <a:r>
+              <a:rPr lang="en-US" altLang="ko-KR" dirty="0" smtClean="0"/>
+              <a:t>/</a:t>
+            </a:r>
+            <a:r>
+              <a:rPr lang="ko-KR" altLang="en-US" dirty="0" smtClean="0"/>
+              <a:t>감정표현</a:t>
+            </a:r>
+            <a:r>
+              <a:rPr lang="en-US" altLang="ko-KR" dirty="0" smtClean="0"/>
+              <a:t>,</a:t>
+            </a:r>
+            <a:r>
+              <a:rPr lang="ko-KR" altLang="en-US" dirty="0" err="1" smtClean="0"/>
+              <a:t>리액션</a:t>
+            </a:r>
+            <a:r>
+              <a:rPr lang="en-US" altLang="ko-KR" dirty="0" smtClean="0"/>
+              <a:t>/</a:t>
+            </a:r>
+            <a:r>
+              <a:rPr lang="ko-KR" altLang="en-US" dirty="0" err="1" smtClean="0"/>
+              <a:t>상황몰입</a:t>
+            </a:r>
+            <a:r>
+              <a:rPr lang="en-US" altLang="ko-KR" dirty="0" smtClean="0"/>
+              <a:t>,</a:t>
+            </a:r>
+            <a:r>
+              <a:rPr lang="ko-KR" altLang="en-US" dirty="0" smtClean="0"/>
+              <a:t>주의환기</a:t>
+            </a:r>
+            <a:r>
+              <a:rPr lang="en-US" altLang="ko-KR" dirty="0" smtClean="0"/>
+              <a:t>,</a:t>
+            </a:r>
+            <a:r>
+              <a:rPr lang="ko-KR" altLang="en-US" dirty="0" err="1" smtClean="0"/>
+              <a:t>흥미유발</a:t>
+            </a:r>
+            <a:r>
+              <a:rPr lang="en-US" altLang="ko-KR" dirty="0" smtClean="0"/>
+              <a:t>)</a:t>
+            </a:r>
+          </a:p>
+          <a:p>
+            <a:pPr marL="0" marR="0" indent="0" algn="l" defTabSz="914400" rtl="0" eaLnBrk="1" fontAlgn="auto" latinLnBrk="1" hangingPunct="1">
+              <a:lnSpc>
+                <a:spcPct val="100000"/>
+              </a:lnSpc>
+              <a:spcBef>
+                <a:spcPts val="0"/>
+              </a:spcBef>
+              <a:spcAft>
+                <a:spcPts val="0"/>
+              </a:spcAft>
+              <a:buClrTx/>
+              <a:buSzTx/>
+              <a:buFontTx/>
+              <a:buNone/>
+              <a:tabLst/>
+              <a:defRPr/>
+            </a:pPr>
+            <a:r>
+              <a:rPr lang="en-US" altLang="ko-KR" dirty="0" smtClean="0"/>
+              <a:t>-19_08_</a:t>
+            </a:r>
+            <a:r>
+              <a:rPr lang="ko-KR" altLang="en-US" dirty="0" err="1" smtClean="0"/>
+              <a:t>피그</a:t>
+            </a:r>
+            <a:r>
+              <a:rPr lang="en-US" altLang="ko-KR" dirty="0" smtClean="0"/>
+              <a:t>(F7-F11-R6-W5/9:05~9:50/</a:t>
+            </a:r>
+            <a:r>
+              <a:rPr lang="ko-KR" altLang="en-US" dirty="0" smtClean="0"/>
+              <a:t>구조</a:t>
+            </a:r>
+            <a:r>
+              <a:rPr lang="en-US" altLang="ko-KR" dirty="0" smtClean="0"/>
+              <a:t>,</a:t>
+            </a:r>
+            <a:r>
+              <a:rPr lang="ko-KR" altLang="en-US" dirty="0" err="1" smtClean="0"/>
+              <a:t>자가치료</a:t>
+            </a:r>
+            <a:r>
+              <a:rPr lang="en-US" altLang="ko-KR" dirty="0" smtClean="0"/>
+              <a:t>/</a:t>
+            </a:r>
+            <a:r>
+              <a:rPr lang="ko-KR" altLang="en-US" dirty="0" smtClean="0"/>
+              <a:t>감정표현</a:t>
+            </a:r>
+            <a:r>
+              <a:rPr lang="en-US" altLang="ko-KR" dirty="0" smtClean="0"/>
+              <a:t>/</a:t>
+            </a:r>
+            <a:r>
+              <a:rPr lang="ko-KR" altLang="en-US" dirty="0" smtClean="0"/>
+              <a:t>감정표현</a:t>
+            </a:r>
+            <a:r>
+              <a:rPr lang="en-US" altLang="ko-KR" dirty="0" smtClean="0"/>
+              <a:t>,</a:t>
+            </a:r>
+            <a:r>
+              <a:rPr lang="ko-KR" altLang="en-US" dirty="0" err="1" smtClean="0"/>
+              <a:t>리액션</a:t>
+            </a:r>
+            <a:r>
+              <a:rPr lang="en-US" altLang="ko-KR" dirty="0" smtClean="0"/>
+              <a:t>/</a:t>
+            </a:r>
+            <a:r>
+              <a:rPr lang="ko-KR" altLang="en-US" dirty="0" err="1" smtClean="0"/>
+              <a:t>흥미유발</a:t>
+            </a:r>
+            <a:r>
+              <a:rPr lang="en-US" altLang="ko-KR" dirty="0" smtClean="0"/>
+              <a:t>)</a:t>
+            </a:r>
+          </a:p>
+          <a:p>
+            <a:pPr marL="0" marR="0" indent="0" algn="l" defTabSz="914400" rtl="0" eaLnBrk="1" fontAlgn="auto" latinLnBrk="1" hangingPunct="1">
+              <a:lnSpc>
+                <a:spcPct val="100000"/>
+              </a:lnSpc>
+              <a:spcBef>
+                <a:spcPts val="0"/>
+              </a:spcBef>
+              <a:spcAft>
+                <a:spcPts val="0"/>
+              </a:spcAft>
+              <a:buClrTx/>
+              <a:buSzTx/>
+              <a:buFontTx/>
+              <a:buNone/>
+              <a:tabLst/>
+              <a:defRPr/>
+            </a:pPr>
+            <a:endParaRPr lang="en-US" altLang="ko-KR" dirty="0" smtClean="0"/>
+          </a:p>
+        </p:txBody>
+      </p:sp>
+      <p:sp>
+        <p:nvSpPr>
+          <p:cNvPr id="4" name="슬라이드 번호 개체 틀 3"/>
+          <p:cNvSpPr>
+            <a:spLocks noGrp="1"/>
+          </p:cNvSpPr>
+          <p:nvPr>
+            <p:ph type="sldNum" sz="quarter" idx="10"/>
+          </p:nvPr>
+        </p:nvSpPr>
+        <p:spPr/>
+        <p:txBody>
+          <a:bodyPr/>
+          <a:lstStyle/>
+          <a:p>
+            <a:fld id="{0D2F3107-8B6A-4B65-B28D-2687EDAB2094}" type="slidenum">
+              <a:rPr lang="ko-KR" altLang="en-US" smtClean="0"/>
+              <a:t>11</a:t>
+            </a:fld>
+            <a:endParaRPr lang="ko-KR" altLang="en-US"/>
+          </a:p>
+        </p:txBody>
+      </p:sp>
+    </p:spTree>
+    <p:extLst>
+      <p:ext uri="{BB962C8B-B14F-4D97-AF65-F5344CB8AC3E}">
+        <p14:creationId xmlns:p14="http://schemas.microsoft.com/office/powerpoint/2010/main" val="3446757122"/>
+      </p:ext>
+    </p:extLst>
+  </p:cSld>
+  <p:clrMapOvr>
+    <a:masterClrMapping/>
+  </p:clrMapOvr>
+</p:notes>
+</file>
+
+<file path=ppt/notesSlides/notesSlide12.xml><?xml version="1.0" encoding="utf-8"?>
+<p:notes xmlns:a="http://schemas.openxmlformats.org/drawingml/2006/main" xmlns:r="http://schemas.openxmlformats.org/officeDocument/2006/relationships" xmlns:p="http://schemas.openxmlformats.org/presentationml/2006/main">
+  <p:cSld>
+    <p:spTree>
+      <p:nvGrpSpPr>
+        <p:cNvPr id="1" name=""/>
+        <p:cNvGrpSpPr/>
+        <p:nvPr/>
+      </p:nvGrpSpPr>
+      <p:grpSpPr>
+        <a:xfrm>
+          <a:off x="0" y="0"/>
+          <a:ext cx="0" cy="0"/>
+          <a:chOff x="0" y="0"/>
+          <a:chExt cx="0" cy="0"/>
+        </a:xfrm>
+      </p:grpSpPr>
+      <p:sp>
+        <p:nvSpPr>
+          <p:cNvPr id="2" name="슬라이드 이미지 개체 틀 1"/>
+          <p:cNvSpPr>
+            <a:spLocks noGrp="1" noRot="1" noChangeAspect="1"/>
+          </p:cNvSpPr>
+          <p:nvPr>
+            <p:ph type="sldImg"/>
+          </p:nvPr>
+        </p:nvSpPr>
+        <p:spPr/>
+      </p:sp>
+      <p:sp>
+        <p:nvSpPr>
+          <p:cNvPr id="3" name="슬라이드 노트 개체 틀 2"/>
+          <p:cNvSpPr>
+            <a:spLocks noGrp="1"/>
+          </p:cNvSpPr>
+          <p:nvPr>
+            <p:ph type="body" idx="1"/>
+          </p:nvPr>
+        </p:nvSpPr>
+        <p:spPr/>
+        <p:txBody>
+          <a:bodyPr/>
+          <a:lstStyle/>
+          <a:p>
+            <a:r>
+              <a:rPr lang="en-US" altLang="ko-KR" dirty="0" smtClean="0"/>
+              <a:t>=</a:t>
+            </a:r>
+            <a:r>
+              <a:rPr lang="ko-KR" altLang="en-US" dirty="0" smtClean="0"/>
+              <a:t>방문 지역 </a:t>
+            </a:r>
+            <a:r>
+              <a:rPr lang="en-US" altLang="ko-KR" dirty="0" smtClean="0"/>
+              <a:t>/ </a:t>
+            </a:r>
+            <a:r>
+              <a:rPr lang="ko-KR" altLang="en-US" baseline="0" dirty="0" smtClean="0"/>
+              <a:t>방문 시간 </a:t>
+            </a:r>
+            <a:r>
+              <a:rPr lang="en-US" altLang="ko-KR" baseline="0" dirty="0" smtClean="0"/>
+              <a:t>/ </a:t>
+            </a:r>
+            <a:r>
+              <a:rPr lang="ko-KR" altLang="en-US" baseline="0" dirty="0" smtClean="0"/>
+              <a:t>이벤트 </a:t>
+            </a:r>
+            <a:r>
+              <a:rPr lang="en-US" altLang="ko-KR" baseline="0" dirty="0" smtClean="0"/>
+              <a:t>/ </a:t>
+            </a:r>
+            <a:r>
+              <a:rPr lang="ko-KR" altLang="en-US" baseline="0" dirty="0" err="1" smtClean="0"/>
+              <a:t>멘트</a:t>
+            </a:r>
+            <a:r>
+              <a:rPr lang="ko-KR" altLang="en-US" baseline="0" dirty="0" smtClean="0"/>
+              <a:t> </a:t>
+            </a:r>
+            <a:r>
+              <a:rPr lang="en-US" altLang="ko-KR" baseline="0" dirty="0" smtClean="0"/>
+              <a:t>/ </a:t>
+            </a:r>
+            <a:r>
+              <a:rPr lang="ko-KR" altLang="en-US" baseline="0" dirty="0" smtClean="0"/>
+              <a:t>채팅 </a:t>
+            </a:r>
+            <a:r>
+              <a:rPr lang="en-US" altLang="ko-KR" baseline="0" dirty="0" smtClean="0"/>
+              <a:t>/ </a:t>
+            </a:r>
+            <a:r>
+              <a:rPr lang="ko-KR" altLang="en-US" baseline="0" dirty="0" smtClean="0"/>
+              <a:t>역할</a:t>
+            </a:r>
+            <a:r>
+              <a:rPr lang="en-US" altLang="ko-KR" baseline="0" dirty="0" smtClean="0"/>
+              <a:t>=</a:t>
+            </a:r>
+          </a:p>
+          <a:p>
+            <a:pPr marL="0" marR="0" indent="0" algn="l" defTabSz="914400" rtl="0" eaLnBrk="1" fontAlgn="auto" latinLnBrk="1" hangingPunct="1">
+              <a:lnSpc>
+                <a:spcPct val="100000"/>
+              </a:lnSpc>
+              <a:spcBef>
+                <a:spcPts val="0"/>
+              </a:spcBef>
+              <a:spcAft>
+                <a:spcPts val="0"/>
+              </a:spcAft>
+              <a:buClrTx/>
+              <a:buSzTx/>
+              <a:buFontTx/>
+              <a:buNone/>
+              <a:tabLst/>
+              <a:defRPr/>
+            </a:pPr>
+            <a:r>
+              <a:rPr lang="en-US" altLang="ko-KR" dirty="0" smtClean="0"/>
+              <a:t>-19_07_</a:t>
+            </a:r>
+            <a:r>
+              <a:rPr lang="ko-KR" altLang="en-US" dirty="0" err="1" smtClean="0"/>
+              <a:t>해그</a:t>
+            </a:r>
+            <a:r>
+              <a:rPr lang="en-US" altLang="ko-KR" dirty="0" smtClean="0"/>
+              <a:t>(R3-F1-F3-U2-R4-W3/1:10~2:00/</a:t>
+            </a:r>
+            <a:r>
+              <a:rPr lang="ko-KR" altLang="en-US" dirty="0" smtClean="0"/>
+              <a:t>이동</a:t>
+            </a:r>
+            <a:r>
+              <a:rPr lang="en-US" altLang="ko-KR" dirty="0" smtClean="0"/>
+              <a:t>,</a:t>
+            </a:r>
+            <a:r>
+              <a:rPr lang="ko-KR" altLang="en-US" dirty="0" smtClean="0"/>
+              <a:t>도망</a:t>
+            </a:r>
+            <a:r>
+              <a:rPr lang="en-US" altLang="ko-KR" dirty="0" smtClean="0"/>
+              <a:t>/</a:t>
+            </a:r>
+            <a:r>
+              <a:rPr lang="ko-KR" altLang="en-US" dirty="0" smtClean="0"/>
+              <a:t>해설</a:t>
+            </a:r>
+            <a:r>
+              <a:rPr lang="en-US" altLang="ko-KR" dirty="0" smtClean="0"/>
+              <a:t>,</a:t>
+            </a:r>
+            <a:r>
+              <a:rPr lang="ko-KR" altLang="en-US" dirty="0" smtClean="0"/>
+              <a:t>정보제공</a:t>
+            </a:r>
+            <a:r>
+              <a:rPr lang="en-US" altLang="ko-KR" dirty="0" smtClean="0"/>
+              <a:t>/</a:t>
+            </a:r>
+            <a:r>
+              <a:rPr lang="ko-KR" altLang="en-US" dirty="0" smtClean="0"/>
+              <a:t>게임잡담</a:t>
+            </a:r>
+            <a:r>
+              <a:rPr lang="en-US" altLang="ko-KR" dirty="0" smtClean="0"/>
+              <a:t>,</a:t>
+            </a:r>
+            <a:r>
+              <a:rPr lang="ko-KR" altLang="en-US" dirty="0" err="1" smtClean="0"/>
+              <a:t>리액션</a:t>
+            </a:r>
+            <a:r>
+              <a:rPr lang="en-US" altLang="ko-KR" dirty="0" smtClean="0"/>
+              <a:t>,</a:t>
+            </a:r>
+            <a:r>
+              <a:rPr lang="ko-KR" altLang="en-US" dirty="0" err="1" smtClean="0"/>
+              <a:t>드립</a:t>
+            </a:r>
+            <a:r>
+              <a:rPr lang="en-US" altLang="ko-KR" dirty="0" smtClean="0"/>
+              <a:t>/</a:t>
+            </a:r>
+            <a:r>
+              <a:rPr lang="ko-KR" altLang="en-US" dirty="0" smtClean="0"/>
+              <a:t>자유</a:t>
+            </a:r>
+            <a:r>
+              <a:rPr lang="en-US" altLang="ko-KR" dirty="0" smtClean="0"/>
+              <a:t>,</a:t>
+            </a:r>
+            <a:r>
+              <a:rPr lang="ko-KR" altLang="en-US" dirty="0" smtClean="0"/>
+              <a:t>주의환기</a:t>
+            </a:r>
+            <a:r>
+              <a:rPr lang="en-US" altLang="ko-KR" dirty="0" smtClean="0"/>
+              <a:t>)</a:t>
+            </a:r>
+          </a:p>
+          <a:p>
+            <a:pPr marL="0" marR="0" indent="0" algn="l" defTabSz="914400" rtl="0" eaLnBrk="1" fontAlgn="auto" latinLnBrk="1" hangingPunct="1">
+              <a:lnSpc>
+                <a:spcPct val="100000"/>
+              </a:lnSpc>
+              <a:spcBef>
+                <a:spcPts val="0"/>
+              </a:spcBef>
+              <a:spcAft>
+                <a:spcPts val="0"/>
+              </a:spcAft>
+              <a:buClrTx/>
+              <a:buSzTx/>
+              <a:buFontTx/>
+              <a:buNone/>
+              <a:tabLst/>
+              <a:defRPr/>
+            </a:pPr>
+            <a:r>
+              <a:rPr lang="en-US" altLang="ko-KR" dirty="0" smtClean="0"/>
+              <a:t>-19_07_</a:t>
+            </a:r>
+            <a:r>
+              <a:rPr lang="ko-KR" altLang="en-US" dirty="0" err="1" smtClean="0"/>
+              <a:t>해그</a:t>
+            </a:r>
+            <a:r>
+              <a:rPr lang="en-US" altLang="ko-KR" dirty="0" smtClean="0"/>
+              <a:t>(W3-U1-W1/2:00~2:20/</a:t>
+            </a:r>
+            <a:r>
+              <a:rPr lang="ko-KR" altLang="en-US" dirty="0" smtClean="0"/>
+              <a:t>도망</a:t>
+            </a:r>
+            <a:r>
+              <a:rPr lang="en-US" altLang="ko-KR" dirty="0" smtClean="0"/>
+              <a:t>/</a:t>
+            </a:r>
+            <a:r>
+              <a:rPr lang="ko-KR" altLang="en-US" dirty="0" smtClean="0"/>
+              <a:t>해설</a:t>
+            </a:r>
+            <a:r>
+              <a:rPr lang="en-US" altLang="ko-KR" dirty="0" smtClean="0"/>
+              <a:t>/</a:t>
+            </a:r>
+            <a:r>
+              <a:rPr lang="ko-KR" altLang="en-US" dirty="0" err="1" smtClean="0"/>
+              <a:t>리액션</a:t>
+            </a:r>
+            <a:r>
+              <a:rPr lang="en-US" altLang="ko-KR" dirty="0" smtClean="0"/>
+              <a:t>/</a:t>
+            </a:r>
+            <a:r>
+              <a:rPr lang="ko-KR" altLang="en-US" dirty="0" smtClean="0"/>
+              <a:t>자유</a:t>
+            </a:r>
+            <a:r>
+              <a:rPr lang="en-US" altLang="ko-KR" dirty="0" smtClean="0"/>
+              <a:t>)</a:t>
+            </a:r>
+          </a:p>
+          <a:p>
+            <a:pPr marL="0" marR="0" indent="0" algn="l" defTabSz="914400" rtl="0" eaLnBrk="1" fontAlgn="auto" latinLnBrk="1" hangingPunct="1">
+              <a:lnSpc>
+                <a:spcPct val="100000"/>
+              </a:lnSpc>
+              <a:spcBef>
+                <a:spcPts val="0"/>
+              </a:spcBef>
+              <a:spcAft>
+                <a:spcPts val="0"/>
+              </a:spcAft>
+              <a:buClrTx/>
+              <a:buSzTx/>
+              <a:buFontTx/>
+              <a:buNone/>
+              <a:tabLst/>
+              <a:defRPr/>
+            </a:pPr>
+            <a:r>
+              <a:rPr lang="en-US" altLang="ko-KR" dirty="0" smtClean="0"/>
+              <a:t>-19_07_</a:t>
+            </a:r>
+            <a:r>
+              <a:rPr lang="ko-KR" altLang="en-US" dirty="0" err="1" smtClean="0"/>
+              <a:t>해그</a:t>
+            </a:r>
+            <a:r>
+              <a:rPr lang="en-US" altLang="ko-KR" dirty="0" smtClean="0"/>
+              <a:t>(KS-F7-F10-W2-W1-U1/3:00~3:45/</a:t>
+            </a:r>
+            <a:r>
+              <a:rPr lang="ko-KR" altLang="en-US" dirty="0" smtClean="0"/>
+              <a:t>도망</a:t>
+            </a:r>
+            <a:r>
+              <a:rPr lang="en-US" altLang="ko-KR" dirty="0" smtClean="0"/>
+              <a:t>/</a:t>
+            </a:r>
+            <a:r>
+              <a:rPr lang="ko-KR" altLang="en-US" dirty="0" smtClean="0"/>
+              <a:t>해설</a:t>
+            </a:r>
+            <a:r>
+              <a:rPr lang="en-US" altLang="ko-KR" dirty="0" smtClean="0"/>
+              <a:t>,</a:t>
+            </a:r>
+            <a:r>
+              <a:rPr lang="ko-KR" altLang="en-US" dirty="0" err="1" smtClean="0"/>
+              <a:t>드립</a:t>
+            </a:r>
+            <a:r>
+              <a:rPr lang="en-US" altLang="ko-KR" dirty="0" smtClean="0"/>
+              <a:t>/</a:t>
+            </a:r>
+            <a:r>
+              <a:rPr lang="ko-KR" altLang="en-US" dirty="0" err="1" smtClean="0"/>
+              <a:t>드립</a:t>
+            </a:r>
+            <a:r>
+              <a:rPr lang="en-US" altLang="ko-KR" dirty="0" smtClean="0"/>
+              <a:t>,</a:t>
+            </a:r>
+            <a:r>
+              <a:rPr lang="ko-KR" altLang="en-US" dirty="0" err="1" smtClean="0"/>
+              <a:t>리액션</a:t>
+            </a:r>
+            <a:r>
+              <a:rPr lang="en-US" altLang="ko-KR" dirty="0" smtClean="0"/>
+              <a:t>,</a:t>
+            </a:r>
+            <a:r>
+              <a:rPr lang="ko-KR" altLang="en-US" dirty="0" smtClean="0"/>
+              <a:t>감정표현</a:t>
+            </a:r>
+            <a:r>
+              <a:rPr lang="en-US" altLang="ko-KR" dirty="0" smtClean="0"/>
+              <a:t>/</a:t>
+            </a:r>
+            <a:r>
+              <a:rPr lang="ko-KR" altLang="en-US" dirty="0" smtClean="0"/>
+              <a:t>자유</a:t>
+            </a:r>
+            <a:r>
+              <a:rPr lang="en-US" altLang="ko-KR" dirty="0" smtClean="0"/>
+              <a:t>,</a:t>
+            </a:r>
+            <a:r>
+              <a:rPr lang="ko-KR" altLang="en-US" dirty="0" err="1" smtClean="0"/>
+              <a:t>흥미유발</a:t>
+            </a:r>
+            <a:r>
+              <a:rPr lang="en-US" altLang="ko-KR" dirty="0" smtClean="0"/>
+              <a:t>)</a:t>
+            </a:r>
+          </a:p>
+          <a:p>
+            <a:pPr marL="0" marR="0" indent="0" algn="l" defTabSz="914400" rtl="0" eaLnBrk="1" fontAlgn="auto" latinLnBrk="1" hangingPunct="1">
+              <a:lnSpc>
+                <a:spcPct val="100000"/>
+              </a:lnSpc>
+              <a:spcBef>
+                <a:spcPts val="0"/>
+              </a:spcBef>
+              <a:spcAft>
+                <a:spcPts val="0"/>
+              </a:spcAft>
+              <a:buClrTx/>
+              <a:buSzTx/>
+              <a:buFontTx/>
+              <a:buNone/>
+              <a:tabLst/>
+              <a:defRPr/>
+            </a:pPr>
+            <a:r>
+              <a:rPr lang="en-US" altLang="ko-KR" dirty="0" smtClean="0"/>
+              <a:t>-19_07_</a:t>
+            </a:r>
+            <a:r>
+              <a:rPr lang="ko-KR" altLang="en-US" dirty="0" err="1" smtClean="0"/>
+              <a:t>해그</a:t>
+            </a:r>
+            <a:r>
+              <a:rPr lang="en-US" altLang="ko-KR" dirty="0" smtClean="0"/>
+              <a:t>(U1-U3-W6-W2-W3/4:17~5:15/</a:t>
+            </a:r>
+            <a:r>
+              <a:rPr lang="ko-KR" altLang="en-US" dirty="0" smtClean="0"/>
+              <a:t>이동</a:t>
+            </a:r>
+            <a:r>
+              <a:rPr lang="en-US" altLang="ko-KR" dirty="0" smtClean="0"/>
+              <a:t>,</a:t>
+            </a:r>
+            <a:r>
+              <a:rPr lang="ko-KR" altLang="en-US" dirty="0" smtClean="0"/>
+              <a:t>도망</a:t>
+            </a:r>
+            <a:r>
+              <a:rPr lang="en-US" altLang="ko-KR" dirty="0" smtClean="0"/>
+              <a:t>/</a:t>
+            </a:r>
+            <a:r>
+              <a:rPr lang="ko-KR" altLang="en-US" dirty="0" smtClean="0"/>
+              <a:t>해설</a:t>
+            </a:r>
+            <a:r>
+              <a:rPr lang="en-US" altLang="ko-KR" dirty="0" smtClean="0"/>
+              <a:t>,</a:t>
+            </a:r>
+            <a:r>
+              <a:rPr lang="ko-KR" altLang="en-US" dirty="0" err="1" smtClean="0"/>
+              <a:t>가상대화</a:t>
+            </a:r>
+            <a:r>
+              <a:rPr lang="en-US" altLang="ko-KR" dirty="0" smtClean="0"/>
+              <a:t>,</a:t>
+            </a:r>
+            <a:r>
+              <a:rPr lang="ko-KR" altLang="en-US" dirty="0" err="1" smtClean="0"/>
+              <a:t>드립</a:t>
+            </a:r>
+            <a:r>
+              <a:rPr lang="en-US" altLang="ko-KR" dirty="0" smtClean="0"/>
+              <a:t>/</a:t>
+            </a:r>
+            <a:r>
+              <a:rPr lang="ko-KR" altLang="en-US" dirty="0" smtClean="0"/>
+              <a:t>게임잡담</a:t>
+            </a:r>
+            <a:r>
+              <a:rPr lang="en-US" altLang="ko-KR" dirty="0" smtClean="0"/>
+              <a:t>,</a:t>
+            </a:r>
+            <a:r>
+              <a:rPr lang="ko-KR" altLang="en-US" dirty="0" smtClean="0"/>
+              <a:t>질의응답</a:t>
+            </a:r>
+            <a:r>
+              <a:rPr lang="en-US" altLang="ko-KR" dirty="0" smtClean="0"/>
+              <a:t>,</a:t>
+            </a:r>
+            <a:r>
+              <a:rPr lang="ko-KR" altLang="en-US" dirty="0" smtClean="0"/>
+              <a:t>감정표현</a:t>
+            </a:r>
+            <a:r>
+              <a:rPr lang="en-US" altLang="ko-KR" dirty="0" smtClean="0"/>
+              <a:t>,</a:t>
+            </a:r>
+            <a:r>
+              <a:rPr lang="ko-KR" altLang="en-US" dirty="0" smtClean="0"/>
+              <a:t>감정이입</a:t>
+            </a:r>
+            <a:r>
+              <a:rPr lang="en-US" altLang="ko-KR" dirty="0" smtClean="0"/>
+              <a:t>,</a:t>
+            </a:r>
+            <a:r>
+              <a:rPr lang="ko-KR" altLang="en-US" dirty="0" err="1" smtClean="0"/>
+              <a:t>리액션</a:t>
+            </a:r>
+            <a:r>
+              <a:rPr lang="en-US" altLang="ko-KR" dirty="0" smtClean="0"/>
+              <a:t>/</a:t>
+            </a:r>
+            <a:r>
+              <a:rPr lang="ko-KR" altLang="en-US" dirty="0" smtClean="0"/>
+              <a:t>주의환기</a:t>
+            </a:r>
+            <a:r>
+              <a:rPr lang="en-US" altLang="ko-KR" dirty="0" smtClean="0"/>
+              <a:t>,</a:t>
+            </a:r>
+            <a:r>
+              <a:rPr lang="ko-KR" altLang="en-US" dirty="0" err="1" smtClean="0"/>
+              <a:t>흥미유발</a:t>
+            </a:r>
+            <a:r>
+              <a:rPr lang="en-US" altLang="ko-KR" dirty="0" smtClean="0"/>
+              <a:t>)</a:t>
+            </a:r>
+          </a:p>
+          <a:p>
+            <a:pPr marL="0" marR="0" indent="0" algn="l" defTabSz="914400" rtl="0" eaLnBrk="1" fontAlgn="auto" latinLnBrk="1" hangingPunct="1">
+              <a:lnSpc>
+                <a:spcPct val="100000"/>
+              </a:lnSpc>
+              <a:spcBef>
+                <a:spcPts val="0"/>
+              </a:spcBef>
+              <a:spcAft>
+                <a:spcPts val="0"/>
+              </a:spcAft>
+              <a:buClrTx/>
+              <a:buSzTx/>
+              <a:buFontTx/>
+              <a:buNone/>
+              <a:tabLst/>
+              <a:defRPr/>
+            </a:pPr>
+            <a:r>
+              <a:rPr lang="en-US" altLang="ko-KR" dirty="0" smtClean="0"/>
+              <a:t>-19_07_</a:t>
+            </a:r>
+            <a:r>
+              <a:rPr lang="ko-KR" altLang="en-US" dirty="0" err="1" smtClean="0"/>
+              <a:t>해그</a:t>
+            </a:r>
+            <a:r>
+              <a:rPr lang="en-US" altLang="ko-KR" dirty="0" smtClean="0"/>
+              <a:t>(W3-U1-W4-R3/5:15~5:57/</a:t>
+            </a:r>
+            <a:r>
+              <a:rPr lang="ko-KR" altLang="en-US" dirty="0" smtClean="0"/>
+              <a:t>도망</a:t>
+            </a:r>
+            <a:r>
+              <a:rPr lang="en-US" altLang="ko-KR" dirty="0" smtClean="0"/>
+              <a:t>/</a:t>
+            </a:r>
+            <a:r>
+              <a:rPr lang="ko-KR" altLang="en-US" dirty="0" smtClean="0"/>
+              <a:t>해설</a:t>
+            </a:r>
+            <a:r>
+              <a:rPr lang="en-US" altLang="ko-KR" dirty="0" smtClean="0"/>
+              <a:t>,</a:t>
+            </a:r>
+            <a:r>
+              <a:rPr lang="ko-KR" altLang="en-US" dirty="0" smtClean="0"/>
+              <a:t>감정표현</a:t>
+            </a:r>
+            <a:r>
+              <a:rPr lang="en-US" altLang="ko-KR" dirty="0" smtClean="0"/>
+              <a:t>/</a:t>
+            </a:r>
+            <a:r>
+              <a:rPr lang="ko-KR" altLang="en-US" dirty="0" smtClean="0"/>
+              <a:t>감정이입</a:t>
+            </a:r>
+            <a:r>
+              <a:rPr lang="en-US" altLang="ko-KR" dirty="0" smtClean="0"/>
+              <a:t>,</a:t>
+            </a:r>
+            <a:r>
+              <a:rPr lang="ko-KR" altLang="en-US" dirty="0" err="1" smtClean="0"/>
+              <a:t>리액션</a:t>
+            </a:r>
+            <a:r>
+              <a:rPr lang="en-US" altLang="ko-KR" dirty="0" smtClean="0"/>
+              <a:t>/</a:t>
+            </a:r>
+            <a:r>
+              <a:rPr lang="ko-KR" altLang="en-US" dirty="0" smtClean="0"/>
+              <a:t>자유</a:t>
+            </a:r>
+            <a:r>
+              <a:rPr lang="en-US" altLang="ko-KR" dirty="0" smtClean="0"/>
+              <a:t>,</a:t>
+            </a:r>
+            <a:r>
+              <a:rPr lang="ko-KR" altLang="en-US" dirty="0" err="1" smtClean="0"/>
+              <a:t>흥미유발</a:t>
+            </a:r>
+            <a:r>
+              <a:rPr lang="en-US" altLang="ko-KR" dirty="0" smtClean="0"/>
+              <a:t>)</a:t>
+            </a:r>
+          </a:p>
+          <a:p>
+            <a:pPr marL="0" marR="0" indent="0" algn="l" defTabSz="914400" rtl="0" eaLnBrk="1" fontAlgn="auto" latinLnBrk="1" hangingPunct="1">
+              <a:lnSpc>
+                <a:spcPct val="100000"/>
+              </a:lnSpc>
+              <a:spcBef>
+                <a:spcPts val="0"/>
+              </a:spcBef>
+              <a:spcAft>
+                <a:spcPts val="0"/>
+              </a:spcAft>
+              <a:buClrTx/>
+              <a:buSzTx/>
+              <a:buFontTx/>
+              <a:buNone/>
+              <a:tabLst/>
+              <a:defRPr/>
+            </a:pPr>
+            <a:r>
+              <a:rPr lang="en-US" altLang="ko-KR" dirty="0" smtClean="0"/>
+              <a:t>-19_07_</a:t>
+            </a:r>
+            <a:r>
+              <a:rPr lang="ko-KR" altLang="en-US" dirty="0" err="1" smtClean="0"/>
+              <a:t>해그</a:t>
+            </a:r>
+            <a:r>
+              <a:rPr lang="en-US" altLang="ko-KR" dirty="0" smtClean="0"/>
+              <a:t>(F1-F11-W7-R6/7:26~8:15/</a:t>
+            </a:r>
+            <a:r>
+              <a:rPr lang="ko-KR" altLang="en-US" dirty="0" smtClean="0"/>
+              <a:t>이동</a:t>
+            </a:r>
+            <a:r>
+              <a:rPr lang="en-US" altLang="ko-KR" dirty="0" smtClean="0"/>
+              <a:t>/</a:t>
+            </a:r>
+            <a:r>
+              <a:rPr lang="ko-KR" altLang="en-US" dirty="0" err="1" smtClean="0"/>
+              <a:t>게임외잡담</a:t>
+            </a:r>
+            <a:r>
+              <a:rPr lang="en-US" altLang="ko-KR" dirty="0" smtClean="0"/>
+              <a:t>,</a:t>
+            </a:r>
+            <a:r>
+              <a:rPr lang="ko-KR" altLang="en-US" dirty="0" smtClean="0"/>
+              <a:t>소통</a:t>
+            </a:r>
+            <a:r>
+              <a:rPr lang="en-US" altLang="ko-KR" dirty="0" smtClean="0"/>
+              <a:t>,</a:t>
+            </a:r>
+            <a:r>
+              <a:rPr lang="ko-KR" altLang="en-US" dirty="0" err="1" smtClean="0"/>
+              <a:t>드립</a:t>
+            </a:r>
+            <a:r>
+              <a:rPr lang="en-US" altLang="ko-KR" dirty="0" smtClean="0"/>
+              <a:t>/</a:t>
+            </a:r>
+            <a:r>
+              <a:rPr lang="ko-KR" altLang="en-US" dirty="0" smtClean="0"/>
+              <a:t>감정표현</a:t>
+            </a:r>
+            <a:r>
+              <a:rPr lang="en-US" altLang="ko-KR" dirty="0" smtClean="0"/>
+              <a:t>,</a:t>
+            </a:r>
+            <a:r>
+              <a:rPr lang="ko-KR" altLang="en-US" dirty="0" err="1" smtClean="0"/>
+              <a:t>리액션</a:t>
+            </a:r>
+            <a:r>
+              <a:rPr lang="en-US" altLang="ko-KR" dirty="0" smtClean="0"/>
+              <a:t>/</a:t>
+            </a:r>
+            <a:r>
+              <a:rPr lang="ko-KR" altLang="en-US" dirty="0" err="1" smtClean="0"/>
+              <a:t>흥미유발</a:t>
+            </a:r>
+            <a:r>
+              <a:rPr lang="en-US" altLang="ko-KR" dirty="0" smtClean="0"/>
+              <a:t>)</a:t>
+            </a:r>
+          </a:p>
+          <a:p>
+            <a:pPr marL="0" marR="0" indent="0" algn="l" defTabSz="914400" rtl="0" eaLnBrk="1" fontAlgn="auto" latinLnBrk="1" hangingPunct="1">
+              <a:lnSpc>
+                <a:spcPct val="100000"/>
+              </a:lnSpc>
+              <a:spcBef>
+                <a:spcPts val="0"/>
+              </a:spcBef>
+              <a:spcAft>
+                <a:spcPts val="0"/>
+              </a:spcAft>
+              <a:buClrTx/>
+              <a:buSzTx/>
+              <a:buFontTx/>
+              <a:buNone/>
+              <a:tabLst/>
+              <a:defRPr/>
+            </a:pPr>
+            <a:r>
+              <a:rPr lang="en-US" altLang="ko-KR" dirty="0" smtClean="0"/>
+              <a:t>-19_07_</a:t>
+            </a:r>
+            <a:r>
+              <a:rPr lang="ko-KR" altLang="en-US" dirty="0" err="1" smtClean="0"/>
+              <a:t>해그</a:t>
+            </a:r>
+            <a:r>
+              <a:rPr lang="en-US" altLang="ko-KR" dirty="0" smtClean="0"/>
+              <a:t>(F11-U1-U3-W6-KS/8:30~9:45/</a:t>
+            </a:r>
+            <a:r>
+              <a:rPr lang="ko-KR" altLang="en-US" dirty="0" smtClean="0"/>
+              <a:t>이동</a:t>
+            </a:r>
+            <a:r>
+              <a:rPr lang="en-US" altLang="ko-KR" dirty="0" smtClean="0"/>
+              <a:t>,</a:t>
+            </a:r>
+            <a:r>
+              <a:rPr lang="ko-KR" altLang="en-US" dirty="0" smtClean="0"/>
+              <a:t>도망</a:t>
+            </a:r>
+            <a:r>
+              <a:rPr lang="en-US" altLang="ko-KR" dirty="0" smtClean="0"/>
+              <a:t>/</a:t>
+            </a:r>
+            <a:r>
+              <a:rPr lang="ko-KR" altLang="en-US" dirty="0" smtClean="0"/>
+              <a:t>해설</a:t>
+            </a:r>
+            <a:r>
+              <a:rPr lang="en-US" altLang="ko-KR" dirty="0" smtClean="0"/>
+              <a:t>,</a:t>
+            </a:r>
+            <a:r>
+              <a:rPr lang="ko-KR" altLang="en-US" dirty="0" smtClean="0"/>
+              <a:t>감정표현</a:t>
+            </a:r>
+            <a:r>
+              <a:rPr lang="en-US" altLang="ko-KR" dirty="0" smtClean="0"/>
+              <a:t>,</a:t>
+            </a:r>
+            <a:r>
+              <a:rPr lang="ko-KR" altLang="en-US" dirty="0" err="1" smtClean="0"/>
+              <a:t>가상대화</a:t>
+            </a:r>
+            <a:r>
+              <a:rPr lang="en-US" altLang="ko-KR" dirty="0" smtClean="0"/>
+              <a:t>/</a:t>
+            </a:r>
+            <a:r>
+              <a:rPr lang="ko-KR" altLang="en-US" dirty="0" smtClean="0"/>
+              <a:t>감정표현</a:t>
+            </a:r>
+            <a:r>
+              <a:rPr lang="en-US" altLang="ko-KR" dirty="0" smtClean="0"/>
+              <a:t>,</a:t>
+            </a:r>
+            <a:r>
+              <a:rPr lang="ko-KR" altLang="en-US" dirty="0" err="1" smtClean="0"/>
+              <a:t>리액션</a:t>
+            </a:r>
+            <a:r>
+              <a:rPr lang="en-US" altLang="ko-KR" dirty="0" smtClean="0"/>
+              <a:t>,</a:t>
+            </a:r>
+            <a:r>
+              <a:rPr lang="ko-KR" altLang="en-US" dirty="0" err="1" smtClean="0"/>
+              <a:t>드립</a:t>
+            </a:r>
+            <a:r>
+              <a:rPr lang="en-US" altLang="ko-KR" dirty="0" smtClean="0"/>
+              <a:t>/</a:t>
+            </a:r>
+            <a:r>
+              <a:rPr lang="ko-KR" altLang="en-US" dirty="0" smtClean="0"/>
+              <a:t>자유</a:t>
+            </a:r>
+            <a:r>
+              <a:rPr lang="en-US" altLang="ko-KR" dirty="0" smtClean="0"/>
+              <a:t>,</a:t>
+            </a:r>
+            <a:r>
+              <a:rPr lang="ko-KR" altLang="en-US" dirty="0" err="1" smtClean="0"/>
+              <a:t>흥미유발</a:t>
+            </a:r>
+            <a:r>
+              <a:rPr lang="en-US" altLang="ko-KR" dirty="0" smtClean="0"/>
+              <a:t>)</a:t>
+            </a:r>
+          </a:p>
+        </p:txBody>
+      </p:sp>
+      <p:sp>
+        <p:nvSpPr>
+          <p:cNvPr id="4" name="슬라이드 번호 개체 틀 3"/>
+          <p:cNvSpPr>
+            <a:spLocks noGrp="1"/>
+          </p:cNvSpPr>
+          <p:nvPr>
+            <p:ph type="sldNum" sz="quarter" idx="10"/>
+          </p:nvPr>
+        </p:nvSpPr>
+        <p:spPr/>
+        <p:txBody>
+          <a:bodyPr/>
+          <a:lstStyle/>
+          <a:p>
+            <a:fld id="{0D2F3107-8B6A-4B65-B28D-2687EDAB2094}" type="slidenum">
+              <a:rPr lang="ko-KR" altLang="en-US" smtClean="0"/>
+              <a:t>12</a:t>
+            </a:fld>
+            <a:endParaRPr lang="ko-KR" altLang="en-US"/>
+          </a:p>
+        </p:txBody>
+      </p:sp>
+    </p:spTree>
+    <p:extLst>
+      <p:ext uri="{BB962C8B-B14F-4D97-AF65-F5344CB8AC3E}">
+        <p14:creationId xmlns:p14="http://schemas.microsoft.com/office/powerpoint/2010/main" val="3703059243"/>
       </p:ext>
     </p:extLst>
   </p:cSld>
@@ -1865,8 +4017,317 @@
               <a:t>,</a:t>
             </a:r>
             <a:r>
-              <a:rPr lang="ko-KR" altLang="en-US" dirty="0" smtClean="0"/>
+              <a:rPr lang="ko-KR" altLang="en-US" dirty="0" err="1" smtClean="0"/>
               <a:t>상황몰입</a:t>
+            </a:r>
+            <a:r>
+              <a:rPr lang="en-US" altLang="ko-KR" dirty="0" smtClean="0"/>
+              <a:t>)</a:t>
+            </a:r>
+          </a:p>
+          <a:p>
+            <a:pPr marL="0" marR="0" indent="0" algn="l" defTabSz="914400" rtl="0" eaLnBrk="1" fontAlgn="auto" latinLnBrk="1" hangingPunct="1">
+              <a:lnSpc>
+                <a:spcPct val="100000"/>
+              </a:lnSpc>
+              <a:spcBef>
+                <a:spcPts val="0"/>
+              </a:spcBef>
+              <a:spcAft>
+                <a:spcPts val="0"/>
+              </a:spcAft>
+              <a:buClrTx/>
+              <a:buSzTx/>
+              <a:buFontTx/>
+              <a:buNone/>
+              <a:tabLst/>
+              <a:defRPr/>
+            </a:pPr>
+            <a:endParaRPr lang="en-US" altLang="ko-KR" dirty="0" smtClean="0"/>
+          </a:p>
+          <a:p>
+            <a:pPr marL="0" marR="0" indent="0" algn="l" defTabSz="914400" rtl="0" eaLnBrk="1" fontAlgn="auto" latinLnBrk="1" hangingPunct="1">
+              <a:lnSpc>
+                <a:spcPct val="100000"/>
+              </a:lnSpc>
+              <a:spcBef>
+                <a:spcPts val="0"/>
+              </a:spcBef>
+              <a:spcAft>
+                <a:spcPts val="0"/>
+              </a:spcAft>
+              <a:buClrTx/>
+              <a:buSzTx/>
+              <a:buFontTx/>
+              <a:buNone/>
+              <a:tabLst/>
+              <a:defRPr/>
+            </a:pPr>
+            <a:r>
+              <a:rPr lang="en-US" altLang="ko-KR" dirty="0" smtClean="0"/>
+              <a:t>-19_08_</a:t>
+            </a:r>
+            <a:r>
+              <a:rPr lang="ko-KR" altLang="en-US" dirty="0" err="1" smtClean="0"/>
+              <a:t>피그</a:t>
+            </a:r>
+            <a:r>
+              <a:rPr lang="en-US" altLang="ko-KR" dirty="0" smtClean="0"/>
+              <a:t>(F4/5:45~6:45/</a:t>
+            </a:r>
+            <a:r>
+              <a:rPr lang="ko-KR" altLang="en-US" dirty="0" smtClean="0"/>
+              <a:t>갈고리</a:t>
+            </a:r>
+            <a:r>
+              <a:rPr lang="en-US" altLang="ko-KR" dirty="0" smtClean="0"/>
+              <a:t>/</a:t>
+            </a:r>
+            <a:r>
+              <a:rPr lang="ko-KR" altLang="en-US" dirty="0" smtClean="0"/>
+              <a:t>해설</a:t>
+            </a:r>
+            <a:r>
+              <a:rPr lang="en-US" altLang="ko-KR" dirty="0" smtClean="0"/>
+              <a:t>/</a:t>
+            </a:r>
+            <a:r>
+              <a:rPr lang="ko-KR" altLang="en-US" dirty="0" err="1" smtClean="0"/>
+              <a:t>리액션</a:t>
+            </a:r>
+            <a:r>
+              <a:rPr lang="en-US" altLang="ko-KR" dirty="0" smtClean="0"/>
+              <a:t>,</a:t>
+            </a:r>
+            <a:r>
+              <a:rPr lang="ko-KR" altLang="en-US" dirty="0" smtClean="0"/>
+              <a:t>상황판단</a:t>
+            </a:r>
+            <a:r>
+              <a:rPr lang="en-US" altLang="ko-KR" dirty="0" smtClean="0"/>
+              <a:t>,</a:t>
+            </a:r>
+            <a:r>
+              <a:rPr lang="ko-KR" altLang="en-US" dirty="0" smtClean="0"/>
+              <a:t>질의응답</a:t>
+            </a:r>
+            <a:r>
+              <a:rPr lang="en-US" altLang="ko-KR" dirty="0" smtClean="0"/>
+              <a:t>,</a:t>
+            </a:r>
+            <a:r>
+              <a:rPr lang="ko-KR" altLang="en-US" dirty="0" smtClean="0"/>
+              <a:t>게임잡담</a:t>
+            </a:r>
+            <a:r>
+              <a:rPr lang="en-US" altLang="ko-KR" dirty="0" smtClean="0"/>
+              <a:t>/</a:t>
+            </a:r>
+            <a:r>
+              <a:rPr lang="ko-KR" altLang="en-US" dirty="0" smtClean="0"/>
+              <a:t>자유</a:t>
+            </a:r>
+            <a:r>
+              <a:rPr lang="en-US" altLang="ko-KR" dirty="0" smtClean="0"/>
+              <a:t>,</a:t>
+            </a:r>
+            <a:r>
+              <a:rPr lang="ko-KR" altLang="en-US" dirty="0" smtClean="0"/>
+              <a:t>정보습득</a:t>
+            </a:r>
+            <a:r>
+              <a:rPr lang="en-US" altLang="ko-KR" dirty="0" smtClean="0"/>
+              <a:t>)</a:t>
+            </a:r>
+          </a:p>
+          <a:p>
+            <a:pPr marL="0" marR="0" indent="0" algn="l" defTabSz="914400" rtl="0" eaLnBrk="1" fontAlgn="auto" latinLnBrk="1" hangingPunct="1">
+              <a:lnSpc>
+                <a:spcPct val="100000"/>
+              </a:lnSpc>
+              <a:spcBef>
+                <a:spcPts val="0"/>
+              </a:spcBef>
+              <a:spcAft>
+                <a:spcPts val="0"/>
+              </a:spcAft>
+              <a:buClrTx/>
+              <a:buSzTx/>
+              <a:buFontTx/>
+              <a:buNone/>
+              <a:tabLst/>
+              <a:defRPr/>
+            </a:pPr>
+            <a:r>
+              <a:rPr lang="en-US" altLang="ko-KR" dirty="0" smtClean="0"/>
+              <a:t>-19_08_</a:t>
+            </a:r>
+            <a:r>
+              <a:rPr lang="ko-KR" altLang="en-US" dirty="0" err="1" smtClean="0"/>
+              <a:t>피그</a:t>
+            </a:r>
+            <a:r>
+              <a:rPr lang="en-US" altLang="ko-KR" dirty="0" smtClean="0"/>
+              <a:t>(F11-F10/10:40~10:55/</a:t>
+            </a:r>
+            <a:r>
+              <a:rPr lang="ko-KR" altLang="en-US" dirty="0" smtClean="0"/>
+              <a:t>사망</a:t>
+            </a:r>
+            <a:r>
+              <a:rPr lang="en-US" altLang="ko-KR" dirty="0" smtClean="0"/>
+              <a:t>(</a:t>
+            </a:r>
+            <a:r>
+              <a:rPr lang="ko-KR" altLang="en-US" dirty="0" smtClean="0"/>
+              <a:t>덫</a:t>
+            </a:r>
+            <a:r>
+              <a:rPr lang="en-US" altLang="ko-KR" dirty="0" smtClean="0"/>
+              <a:t>)/</a:t>
+            </a:r>
+            <a:r>
+              <a:rPr lang="ko-KR" altLang="en-US" dirty="0" smtClean="0"/>
+              <a:t>감정표현</a:t>
+            </a:r>
+            <a:r>
+              <a:rPr lang="en-US" altLang="ko-KR" dirty="0" smtClean="0"/>
+              <a:t>,</a:t>
+            </a:r>
+            <a:r>
+              <a:rPr lang="ko-KR" altLang="en-US" dirty="0" err="1" smtClean="0"/>
+              <a:t>드립</a:t>
+            </a:r>
+            <a:r>
+              <a:rPr lang="en-US" altLang="ko-KR" dirty="0" smtClean="0"/>
+              <a:t>/</a:t>
+            </a:r>
+            <a:r>
+              <a:rPr lang="ko-KR" altLang="en-US" dirty="0" smtClean="0"/>
+              <a:t>감정표현</a:t>
+            </a:r>
+            <a:r>
+              <a:rPr lang="en-US" altLang="ko-KR" dirty="0" smtClean="0"/>
+              <a:t>,</a:t>
+            </a:r>
+            <a:r>
+              <a:rPr lang="ko-KR" altLang="en-US" dirty="0" err="1" smtClean="0"/>
+              <a:t>리액션</a:t>
+            </a:r>
+            <a:r>
+              <a:rPr lang="en-US" altLang="ko-KR" dirty="0" smtClean="0"/>
+              <a:t>/</a:t>
+            </a:r>
+            <a:r>
+              <a:rPr lang="ko-KR" altLang="en-US" dirty="0" err="1" smtClean="0"/>
+              <a:t>흥미유발</a:t>
+            </a:r>
+            <a:r>
+              <a:rPr lang="en-US" altLang="ko-KR" dirty="0" smtClean="0"/>
+              <a:t>)</a:t>
+            </a:r>
+          </a:p>
+          <a:p>
+            <a:pPr marL="0" marR="0" indent="0" algn="l" defTabSz="914400" rtl="0" eaLnBrk="1" fontAlgn="auto" latinLnBrk="1" hangingPunct="1">
+              <a:lnSpc>
+                <a:spcPct val="100000"/>
+              </a:lnSpc>
+              <a:spcBef>
+                <a:spcPts val="0"/>
+              </a:spcBef>
+              <a:spcAft>
+                <a:spcPts val="0"/>
+              </a:spcAft>
+              <a:buClrTx/>
+              <a:buSzTx/>
+              <a:buFontTx/>
+              <a:buNone/>
+              <a:tabLst/>
+              <a:defRPr/>
+            </a:pPr>
+            <a:endParaRPr lang="en-US" altLang="ko-KR" dirty="0" smtClean="0"/>
+          </a:p>
+          <a:p>
+            <a:pPr marL="0" marR="0" indent="0" algn="l" defTabSz="914400" rtl="0" eaLnBrk="1" fontAlgn="auto" latinLnBrk="1" hangingPunct="1">
+              <a:lnSpc>
+                <a:spcPct val="100000"/>
+              </a:lnSpc>
+              <a:spcBef>
+                <a:spcPts val="0"/>
+              </a:spcBef>
+              <a:spcAft>
+                <a:spcPts val="0"/>
+              </a:spcAft>
+              <a:buClrTx/>
+              <a:buSzTx/>
+              <a:buFontTx/>
+              <a:buNone/>
+              <a:tabLst/>
+              <a:defRPr/>
+            </a:pPr>
+            <a:r>
+              <a:rPr lang="en-US" altLang="ko-KR" dirty="0" smtClean="0"/>
+              <a:t>-19_07_</a:t>
+            </a:r>
+            <a:r>
+              <a:rPr lang="ko-KR" altLang="en-US" dirty="0" err="1" smtClean="0"/>
+              <a:t>해그</a:t>
+            </a:r>
+            <a:r>
+              <a:rPr lang="en-US" altLang="ko-KR" dirty="0" smtClean="0"/>
+              <a:t>(R3-F1/6:40~7:08/</a:t>
+            </a:r>
+            <a:r>
+              <a:rPr lang="ko-KR" altLang="en-US" dirty="0" smtClean="0"/>
+              <a:t>치료받음</a:t>
+            </a:r>
+            <a:r>
+              <a:rPr lang="en-US" altLang="ko-KR" dirty="0" smtClean="0"/>
+              <a:t>/</a:t>
+            </a:r>
+            <a:r>
+              <a:rPr lang="ko-KR" altLang="en-US" dirty="0" smtClean="0"/>
+              <a:t>해설</a:t>
+            </a:r>
+            <a:r>
+              <a:rPr lang="en-US" altLang="ko-KR" dirty="0" smtClean="0"/>
+              <a:t>,</a:t>
+            </a:r>
+            <a:r>
+              <a:rPr lang="ko-KR" altLang="en-US" dirty="0" err="1" smtClean="0"/>
+              <a:t>가상대화</a:t>
+            </a:r>
+            <a:r>
+              <a:rPr lang="en-US" altLang="ko-KR" dirty="0" smtClean="0"/>
+              <a:t>,</a:t>
+            </a:r>
+            <a:r>
+              <a:rPr lang="ko-KR" altLang="en-US" dirty="0" err="1" smtClean="0"/>
+              <a:t>드립</a:t>
+            </a:r>
+            <a:r>
+              <a:rPr lang="en-US" altLang="ko-KR" dirty="0" smtClean="0"/>
+              <a:t>/</a:t>
+            </a:r>
+            <a:r>
+              <a:rPr lang="ko-KR" altLang="en-US" dirty="0" err="1" smtClean="0"/>
+              <a:t>리액션</a:t>
+            </a:r>
+            <a:r>
+              <a:rPr lang="en-US" altLang="ko-KR" dirty="0" smtClean="0"/>
+              <a:t>,</a:t>
+            </a:r>
+            <a:r>
+              <a:rPr lang="ko-KR" altLang="en-US" dirty="0" smtClean="0"/>
+              <a:t>감정표현</a:t>
+            </a:r>
+            <a:r>
+              <a:rPr lang="en-US" altLang="ko-KR" dirty="0" smtClean="0"/>
+              <a:t>/</a:t>
+            </a:r>
+            <a:r>
+              <a:rPr lang="ko-KR" altLang="en-US" dirty="0" err="1" smtClean="0"/>
+              <a:t>흥미유발</a:t>
             </a:r>
             <a:r>
               <a:rPr lang="en-US" altLang="ko-KR" dirty="0" smtClean="0"/>
@@ -2733,7 +5194,74 @@
               <a:tabLst/>
               <a:defRPr/>
             </a:pPr>
-            <a:endParaRPr lang="en-US" altLang="ko-KR" dirty="0" smtClean="0"/>
+            <a:r>
+              <a:rPr lang="en-US" altLang="ko-KR" dirty="0" smtClean="0"/>
+              <a:t>-19_09_</a:t>
+            </a:r>
+            <a:r>
+              <a:rPr lang="ko-KR" altLang="en-US" dirty="0" err="1" smtClean="0"/>
+              <a:t>너스</a:t>
+            </a:r>
+            <a:r>
+              <a:rPr lang="en-US" altLang="ko-KR" dirty="0" smtClean="0"/>
+              <a:t>(W7/6:25~7:20/</a:t>
+            </a:r>
+            <a:r>
+              <a:rPr lang="ko-KR" altLang="en-US" dirty="0" smtClean="0"/>
+              <a:t>도망</a:t>
+            </a:r>
+            <a:r>
+              <a:rPr lang="en-US" altLang="ko-KR" dirty="0" smtClean="0"/>
+              <a:t>/</a:t>
+            </a:r>
+            <a:r>
+              <a:rPr lang="ko-KR" altLang="en-US" dirty="0" err="1" smtClean="0"/>
+              <a:t>드립</a:t>
+            </a:r>
+            <a:r>
+              <a:rPr lang="en-US" altLang="ko-KR" dirty="0" smtClean="0"/>
+              <a:t>,</a:t>
+            </a:r>
+            <a:r>
+              <a:rPr lang="ko-KR" altLang="en-US" dirty="0" err="1" smtClean="0"/>
+              <a:t>가상대화</a:t>
+            </a:r>
+            <a:r>
+              <a:rPr lang="en-US" altLang="ko-KR" dirty="0" smtClean="0"/>
+              <a:t>/</a:t>
+            </a:r>
+            <a:r>
+              <a:rPr lang="ko-KR" altLang="en-US" dirty="0" smtClean="0"/>
+              <a:t>감정표현</a:t>
+            </a:r>
+            <a:r>
+              <a:rPr lang="en-US" altLang="ko-KR" dirty="0" smtClean="0"/>
+              <a:t>,</a:t>
+            </a:r>
+            <a:r>
+              <a:rPr lang="ko-KR" altLang="en-US" dirty="0" err="1" smtClean="0"/>
+              <a:t>리액션</a:t>
+            </a:r>
+            <a:r>
+              <a:rPr lang="en-US" altLang="ko-KR" dirty="0" smtClean="0"/>
+              <a:t>,</a:t>
+            </a:r>
+            <a:r>
+              <a:rPr lang="ko-KR" altLang="en-US" dirty="0" err="1" smtClean="0"/>
+              <a:t>드립</a:t>
+            </a:r>
+            <a:r>
+              <a:rPr lang="en-US" altLang="ko-KR" dirty="0" smtClean="0"/>
+              <a:t>/</a:t>
+            </a:r>
+            <a:r>
+              <a:rPr lang="ko-KR" altLang="en-US" dirty="0" err="1" smtClean="0"/>
+              <a:t>흥미유발</a:t>
+            </a:r>
+            <a:r>
+              <a:rPr lang="en-US" altLang="ko-KR" dirty="0" smtClean="0"/>
+              <a:t>)</a:t>
+            </a:r>
           </a:p>
           <a:p>
             <a:pPr marL="0" marR="0" indent="0" algn="l" defTabSz="914400" rtl="0" eaLnBrk="1" fontAlgn="auto" latinLnBrk="1" hangingPunct="1">
@@ -2753,19 +5281,320 @@
               <a:tabLst/>
               <a:defRPr/>
             </a:pPr>
-            <a:r>
-              <a:rPr lang="en-US" altLang="ko-KR" dirty="0" smtClean="0"/>
-              <a:t>(14</a:t>
-            </a:r>
-            <a:r>
-              <a:rPr lang="ko-KR" altLang="en-US" smtClean="0"/>
-              <a:t>번 슬라이드부터 하자</a:t>
-            </a:r>
-            <a:r>
-              <a:rPr lang="en-US" altLang="ko-KR" smtClean="0"/>
+            <a:endParaRPr lang="en-US" altLang="ko-KR" dirty="0" smtClean="0"/>
+          </a:p>
+          <a:p>
+            <a:pPr marL="0" marR="0" indent="0" algn="l" defTabSz="914400" rtl="0" eaLnBrk="1" fontAlgn="auto" latinLnBrk="1" hangingPunct="1">
+              <a:lnSpc>
+                <a:spcPct val="100000"/>
+              </a:lnSpc>
+              <a:spcBef>
+                <a:spcPts val="0"/>
+              </a:spcBef>
+              <a:spcAft>
+                <a:spcPts val="0"/>
+              </a:spcAft>
+              <a:buClrTx/>
+              <a:buSzTx/>
+              <a:buFontTx/>
+              <a:buNone/>
+              <a:tabLst/>
+              <a:defRPr/>
+            </a:pPr>
+            <a:r>
+              <a:rPr lang="en-US" altLang="ko-KR" dirty="0" smtClean="0"/>
+              <a:t>-19_08_</a:t>
+            </a:r>
+            <a:r>
+              <a:rPr lang="ko-KR" altLang="en-US" dirty="0" err="1" smtClean="0"/>
+              <a:t>피그</a:t>
+            </a:r>
+            <a:r>
+              <a:rPr lang="en-US" altLang="ko-KR" dirty="0" smtClean="0"/>
+              <a:t>(W4/1:05~1:30/</a:t>
+            </a:r>
+            <a:r>
+              <a:rPr lang="ko-KR" altLang="en-US" dirty="0" smtClean="0"/>
+              <a:t>발전기 수리</a:t>
+            </a:r>
+            <a:r>
+              <a:rPr lang="en-US" altLang="ko-KR" dirty="0" smtClean="0"/>
+              <a:t>/</a:t>
+            </a:r>
+            <a:r>
+              <a:rPr lang="ko-KR" altLang="en-US" dirty="0" smtClean="0"/>
+              <a:t>해설</a:t>
+            </a:r>
+            <a:r>
+              <a:rPr lang="en-US" altLang="ko-KR" dirty="0" smtClean="0"/>
+              <a:t>,</a:t>
+            </a:r>
+            <a:r>
+              <a:rPr lang="ko-KR" altLang="en-US" dirty="0" err="1" smtClean="0"/>
+              <a:t>드립</a:t>
+            </a:r>
+            <a:r>
+              <a:rPr lang="en-US" altLang="ko-KR" dirty="0" smtClean="0"/>
+              <a:t>/</a:t>
+            </a:r>
+            <a:r>
+              <a:rPr lang="ko-KR" altLang="en-US" dirty="0" smtClean="0"/>
+              <a:t>게임잡담</a:t>
+            </a:r>
+            <a:r>
+              <a:rPr lang="en-US" altLang="ko-KR" dirty="0" smtClean="0"/>
+              <a:t>,</a:t>
+            </a:r>
+            <a:r>
+              <a:rPr lang="ko-KR" altLang="en-US" dirty="0" err="1" smtClean="0"/>
+              <a:t>리액션</a:t>
+            </a:r>
+            <a:r>
+              <a:rPr lang="en-US" altLang="ko-KR" dirty="0" smtClean="0"/>
+              <a:t>/</a:t>
+            </a:r>
+            <a:r>
+              <a:rPr lang="ko-KR" altLang="en-US" dirty="0" smtClean="0"/>
+              <a:t>자유</a:t>
+            </a:r>
+            <a:r>
+              <a:rPr lang="en-US" altLang="ko-KR" dirty="0" smtClean="0"/>
               <a:t>)</a:t>
             </a:r>
+          </a:p>
+          <a:p>
+            <a:pPr marL="0" marR="0" indent="0" algn="l" defTabSz="914400" rtl="0" eaLnBrk="1" fontAlgn="auto" latinLnBrk="1" hangingPunct="1">
+              <a:lnSpc>
+                <a:spcPct val="100000"/>
+              </a:lnSpc>
+              <a:spcBef>
+                <a:spcPts val="0"/>
+              </a:spcBef>
+              <a:spcAft>
+                <a:spcPts val="0"/>
+              </a:spcAft>
+              <a:buClrTx/>
+              <a:buSzTx/>
+              <a:buFontTx/>
+              <a:buNone/>
+              <a:tabLst/>
+              <a:defRPr/>
+            </a:pPr>
+            <a:r>
+              <a:rPr lang="en-US" altLang="ko-KR" dirty="0" smtClean="0"/>
+              <a:t>-19_08_</a:t>
+            </a:r>
+            <a:r>
+              <a:rPr lang="ko-KR" altLang="en-US" dirty="0" err="1" smtClean="0"/>
+              <a:t>피그</a:t>
+            </a:r>
+            <a:r>
+              <a:rPr lang="en-US" altLang="ko-KR" dirty="0" smtClean="0"/>
+              <a:t>(W4/2:00~3:05/</a:t>
+            </a:r>
+            <a:r>
+              <a:rPr lang="ko-KR" altLang="en-US" dirty="0" smtClean="0"/>
+              <a:t>발전기 수리</a:t>
+            </a:r>
+            <a:r>
+              <a:rPr lang="en-US" altLang="ko-KR" dirty="0" smtClean="0"/>
+              <a:t>/</a:t>
+            </a:r>
+            <a:r>
+              <a:rPr lang="ko-KR" altLang="en-US" dirty="0" smtClean="0"/>
+              <a:t>소통</a:t>
+            </a:r>
+            <a:r>
+              <a:rPr lang="en-US" altLang="ko-KR" dirty="0" smtClean="0"/>
+              <a:t>,</a:t>
+            </a:r>
+            <a:r>
+              <a:rPr lang="ko-KR" altLang="en-US" dirty="0" smtClean="0"/>
+              <a:t>해설</a:t>
+            </a:r>
+            <a:r>
+              <a:rPr lang="en-US" altLang="ko-KR" dirty="0" smtClean="0"/>
+              <a:t>,</a:t>
+            </a:r>
+            <a:r>
+              <a:rPr lang="ko-KR" altLang="en-US" dirty="0" err="1" smtClean="0"/>
+              <a:t>도네이션</a:t>
+            </a:r>
+            <a:r>
+              <a:rPr lang="en-US" altLang="ko-KR" dirty="0" smtClean="0"/>
+              <a:t>,</a:t>
+            </a:r>
+            <a:r>
+              <a:rPr lang="ko-KR" altLang="en-US" dirty="0" smtClean="0"/>
+              <a:t>게임잡담</a:t>
+            </a:r>
+            <a:r>
+              <a:rPr lang="en-US" altLang="ko-KR" dirty="0" smtClean="0"/>
+              <a:t>/</a:t>
+            </a:r>
+            <a:r>
+              <a:rPr lang="ko-KR" altLang="en-US" dirty="0" err="1" smtClean="0"/>
+              <a:t>도네이션</a:t>
+            </a:r>
+            <a:r>
+              <a:rPr lang="en-US" altLang="ko-KR" dirty="0" smtClean="0"/>
+              <a:t>,</a:t>
+            </a:r>
+            <a:r>
+              <a:rPr lang="ko-KR" altLang="en-US" dirty="0" err="1" smtClean="0"/>
+              <a:t>리액션</a:t>
+            </a:r>
+            <a:r>
+              <a:rPr lang="en-US" altLang="ko-KR" dirty="0" smtClean="0"/>
+              <a:t>,</a:t>
+            </a:r>
+            <a:r>
+              <a:rPr lang="ko-KR" altLang="en-US" dirty="0" err="1" smtClean="0"/>
+              <a:t>드립</a:t>
+            </a:r>
+            <a:r>
+              <a:rPr lang="en-US" altLang="ko-KR" dirty="0" smtClean="0"/>
+              <a:t>/</a:t>
+            </a:r>
+            <a:r>
+              <a:rPr lang="ko-KR" altLang="en-US" dirty="0" smtClean="0"/>
+              <a:t>소통</a:t>
+            </a:r>
+            <a:r>
+              <a:rPr lang="en-US" altLang="ko-KR" dirty="0" smtClean="0"/>
+              <a:t>,</a:t>
+            </a:r>
+            <a:r>
+              <a:rPr lang="ko-KR" altLang="en-US" dirty="0" smtClean="0"/>
+              <a:t>자유</a:t>
+            </a:r>
+            <a:r>
+              <a:rPr lang="en-US" altLang="ko-KR" dirty="0" smtClean="0"/>
+              <a:t>)</a:t>
+            </a:r>
+          </a:p>
+          <a:p>
+            <a:pPr marL="0" marR="0" indent="0" algn="l" defTabSz="914400" rtl="0" eaLnBrk="1" fontAlgn="auto" latinLnBrk="1" hangingPunct="1">
+              <a:lnSpc>
+                <a:spcPct val="100000"/>
+              </a:lnSpc>
+              <a:spcBef>
+                <a:spcPts val="0"/>
+              </a:spcBef>
+              <a:spcAft>
+                <a:spcPts val="0"/>
+              </a:spcAft>
+              <a:buClrTx/>
+              <a:buSzTx/>
+              <a:buFontTx/>
+              <a:buNone/>
+              <a:tabLst/>
+              <a:defRPr/>
+            </a:pPr>
             <a:endParaRPr lang="en-US" altLang="ko-KR" dirty="0" smtClean="0"/>
+          </a:p>
+          <a:p>
+            <a:pPr marL="0" marR="0" indent="0" algn="l" defTabSz="914400" rtl="0" eaLnBrk="1" fontAlgn="auto" latinLnBrk="1" hangingPunct="1">
+              <a:lnSpc>
+                <a:spcPct val="100000"/>
+              </a:lnSpc>
+              <a:spcBef>
+                <a:spcPts val="0"/>
+              </a:spcBef>
+              <a:spcAft>
+                <a:spcPts val="0"/>
+              </a:spcAft>
+              <a:buClrTx/>
+              <a:buSzTx/>
+              <a:buFontTx/>
+              <a:buNone/>
+              <a:tabLst/>
+              <a:defRPr/>
+            </a:pPr>
+            <a:r>
+              <a:rPr lang="en-US" altLang="ko-KR" dirty="0" smtClean="0"/>
+              <a:t>-19_07_</a:t>
+            </a:r>
+            <a:r>
+              <a:rPr lang="ko-KR" altLang="en-US" dirty="0" err="1" smtClean="0"/>
+              <a:t>해그</a:t>
+            </a:r>
+            <a:r>
+              <a:rPr lang="en-US" altLang="ko-KR" dirty="0" smtClean="0"/>
+              <a:t>(W1-KS/2:20~3:00/</a:t>
+            </a:r>
+            <a:r>
+              <a:rPr lang="ko-KR" altLang="en-US" dirty="0" err="1" smtClean="0"/>
+              <a:t>자가치료</a:t>
+            </a:r>
+            <a:r>
+              <a:rPr lang="en-US" altLang="ko-KR" dirty="0" smtClean="0"/>
+              <a:t>,</a:t>
+            </a:r>
+            <a:r>
+              <a:rPr lang="ko-KR" altLang="en-US" dirty="0" smtClean="0"/>
+              <a:t>치료받음</a:t>
+            </a:r>
+            <a:r>
+              <a:rPr lang="en-US" altLang="ko-KR" dirty="0" smtClean="0"/>
+              <a:t>/</a:t>
+            </a:r>
+            <a:r>
+              <a:rPr lang="ko-KR" altLang="en-US" dirty="0" smtClean="0"/>
+              <a:t>해설</a:t>
+            </a:r>
+            <a:r>
+              <a:rPr lang="en-US" altLang="ko-KR" dirty="0" smtClean="0"/>
+              <a:t>,</a:t>
+            </a:r>
+            <a:r>
+              <a:rPr lang="ko-KR" altLang="en-US" dirty="0" smtClean="0"/>
+              <a:t>소통</a:t>
+            </a:r>
+            <a:r>
+              <a:rPr lang="en-US" altLang="ko-KR" dirty="0" smtClean="0"/>
+              <a:t>,</a:t>
+            </a:r>
+            <a:r>
+              <a:rPr lang="ko-KR" altLang="en-US" dirty="0" smtClean="0"/>
+              <a:t>정보제공</a:t>
+            </a:r>
+            <a:r>
+              <a:rPr lang="en-US" altLang="ko-KR" dirty="0" smtClean="0"/>
+              <a:t>/</a:t>
+            </a:r>
+            <a:r>
+              <a:rPr lang="ko-KR" altLang="en-US" dirty="0" err="1" smtClean="0"/>
+              <a:t>리액션</a:t>
+            </a:r>
+            <a:r>
+              <a:rPr lang="en-US" altLang="ko-KR" dirty="0" smtClean="0"/>
+              <a:t>,</a:t>
+            </a:r>
+            <a:r>
+              <a:rPr lang="ko-KR" altLang="en-US" dirty="0" err="1" smtClean="0"/>
+              <a:t>드립</a:t>
+            </a:r>
+            <a:r>
+              <a:rPr lang="en-US" altLang="ko-KR" dirty="0" smtClean="0"/>
+              <a:t>/</a:t>
+            </a:r>
+            <a:r>
+              <a:rPr lang="ko-KR" altLang="en-US" dirty="0" smtClean="0"/>
+              <a:t>정보습득</a:t>
+            </a:r>
+            <a:r>
+              <a:rPr lang="en-US" altLang="ko-KR" dirty="0" smtClean="0"/>
+              <a:t>,</a:t>
+            </a:r>
+            <a:r>
+              <a:rPr lang="ko-KR" altLang="en-US" dirty="0" smtClean="0"/>
+              <a:t>자유</a:t>
+            </a:r>
+            <a:r>
+              <a:rPr lang="en-US" altLang="ko-KR" dirty="0" smtClean="0"/>
+              <a:t>)</a:t>
+            </a:r>
           </a:p>
         </p:txBody>
       </p:sp>
@@ -3364,6 +6193,121 @@
               <a:t>)</a:t>
             </a:r>
           </a:p>
+          <a:p>
+            <a:pPr marL="0" marR="0" indent="0" algn="l" defTabSz="914400" rtl="0" eaLnBrk="1" fontAlgn="auto" latinLnBrk="1" hangingPunct="1">
+              <a:lnSpc>
+                <a:spcPct val="100000"/>
+              </a:lnSpc>
+              <a:spcBef>
+                <a:spcPts val="0"/>
+              </a:spcBef>
+              <a:spcAft>
+                <a:spcPts val="0"/>
+              </a:spcAft>
+              <a:buClrTx/>
+              <a:buSzTx/>
+              <a:buFontTx/>
+              <a:buNone/>
+              <a:tabLst/>
+              <a:defRPr/>
+            </a:pPr>
+            <a:endParaRPr lang="en-US" altLang="ko-KR" dirty="0" smtClean="0"/>
+          </a:p>
+          <a:p>
+            <a:pPr marL="0" marR="0" indent="0" algn="l" defTabSz="914400" rtl="0" eaLnBrk="1" fontAlgn="auto" latinLnBrk="1" hangingPunct="1">
+              <a:lnSpc>
+                <a:spcPct val="100000"/>
+              </a:lnSpc>
+              <a:spcBef>
+                <a:spcPts val="0"/>
+              </a:spcBef>
+              <a:spcAft>
+                <a:spcPts val="0"/>
+              </a:spcAft>
+              <a:buClrTx/>
+              <a:buSzTx/>
+              <a:buFontTx/>
+              <a:buNone/>
+              <a:tabLst/>
+              <a:defRPr/>
+            </a:pPr>
+            <a:r>
+              <a:rPr lang="en-US" altLang="ko-KR" dirty="0" smtClean="0"/>
+              <a:t>-19_07_</a:t>
+            </a:r>
+            <a:r>
+              <a:rPr lang="ko-KR" altLang="en-US" dirty="0" err="1" smtClean="0"/>
+              <a:t>해그</a:t>
+            </a:r>
+            <a:r>
+              <a:rPr lang="en-US" altLang="ko-KR" dirty="0" smtClean="0"/>
+              <a:t>(R3/5:57~6:40/</a:t>
+            </a:r>
+            <a:r>
+              <a:rPr lang="ko-KR" altLang="en-US" dirty="0" smtClean="0"/>
+              <a:t>갈고리</a:t>
+            </a:r>
+            <a:r>
+              <a:rPr lang="en-US" altLang="ko-KR" dirty="0" smtClean="0"/>
+              <a:t>/</a:t>
+            </a:r>
+            <a:r>
+              <a:rPr lang="ko-KR" altLang="en-US" dirty="0" smtClean="0"/>
+              <a:t>소통</a:t>
+            </a:r>
+            <a:r>
+              <a:rPr lang="en-US" altLang="ko-KR" dirty="0" smtClean="0"/>
+              <a:t>,</a:t>
+            </a:r>
+            <a:r>
+              <a:rPr lang="ko-KR" altLang="en-US" dirty="0" smtClean="0"/>
+              <a:t>해설</a:t>
+            </a:r>
+            <a:r>
+              <a:rPr lang="en-US" altLang="ko-KR" dirty="0" smtClean="0"/>
+              <a:t>,/</a:t>
+            </a:r>
+            <a:r>
+              <a:rPr lang="ko-KR" altLang="en-US" dirty="0" smtClean="0"/>
+              <a:t>감정이입</a:t>
+            </a:r>
+            <a:r>
+              <a:rPr lang="en-US" altLang="ko-KR" dirty="0" smtClean="0"/>
+              <a:t>,</a:t>
+            </a:r>
+            <a:r>
+              <a:rPr lang="ko-KR" altLang="en-US" dirty="0" err="1" smtClean="0"/>
+              <a:t>리액션</a:t>
+            </a:r>
+            <a:r>
+              <a:rPr lang="en-US" altLang="ko-KR" dirty="0" smtClean="0"/>
+              <a:t>,</a:t>
+            </a:r>
+            <a:r>
+              <a:rPr lang="ko-KR" altLang="en-US" dirty="0" err="1" smtClean="0"/>
+              <a:t>드립</a:t>
+            </a:r>
+            <a:r>
+              <a:rPr lang="en-US" altLang="ko-KR" dirty="0" smtClean="0"/>
+              <a:t>/</a:t>
+            </a:r>
+            <a:r>
+              <a:rPr lang="ko-KR" altLang="en-US" dirty="0" smtClean="0"/>
+              <a:t>소통</a:t>
+            </a:r>
+            <a:r>
+              <a:rPr lang="en-US" altLang="ko-KR" dirty="0" smtClean="0"/>
+              <a:t>,</a:t>
+            </a:r>
+            <a:r>
+              <a:rPr lang="ko-KR" altLang="en-US" dirty="0" smtClean="0"/>
+              <a:t>자유</a:t>
+            </a:r>
+            <a:r>
+              <a:rPr lang="en-US" altLang="ko-KR" dirty="0" smtClean="0"/>
+              <a:t>)</a:t>
+            </a:r>
+          </a:p>
         </p:txBody>
       </p:sp>
       <p:sp>
@@ -3789,6 +6733,114 @@
               <a:t>)</a:t>
             </a:r>
           </a:p>
+          <a:p>
+            <a:pPr marL="0" marR="0" indent="0" algn="l" defTabSz="914400" rtl="0" eaLnBrk="1" fontAlgn="auto" latinLnBrk="1" hangingPunct="1">
+              <a:lnSpc>
+                <a:spcPct val="100000"/>
+              </a:lnSpc>
+              <a:spcBef>
+                <a:spcPts val="0"/>
+              </a:spcBef>
+              <a:spcAft>
+                <a:spcPts val="0"/>
+              </a:spcAft>
+              <a:buClrTx/>
+              <a:buSzTx/>
+              <a:buFontTx/>
+              <a:buNone/>
+              <a:tabLst/>
+              <a:defRPr/>
+            </a:pPr>
+            <a:endParaRPr lang="en-US" altLang="ko-KR" dirty="0" smtClean="0"/>
+          </a:p>
+          <a:p>
+            <a:pPr marL="0" marR="0" indent="0" algn="l" defTabSz="914400" rtl="0" eaLnBrk="1" fontAlgn="auto" latinLnBrk="1" hangingPunct="1">
+              <a:lnSpc>
+                <a:spcPct val="100000"/>
+              </a:lnSpc>
+              <a:spcBef>
+                <a:spcPts val="0"/>
+              </a:spcBef>
+              <a:spcAft>
+                <a:spcPts val="0"/>
+              </a:spcAft>
+              <a:buClrTx/>
+              <a:buSzTx/>
+              <a:buFontTx/>
+              <a:buNone/>
+              <a:tabLst/>
+              <a:defRPr/>
+            </a:pPr>
+            <a:r>
+              <a:rPr lang="en-US" altLang="ko-KR" dirty="0" smtClean="0"/>
+              <a:t>-19_07_</a:t>
+            </a:r>
+            <a:r>
+              <a:rPr lang="ko-KR" altLang="en-US" dirty="0" err="1" smtClean="0"/>
+              <a:t>해그</a:t>
+            </a:r>
+            <a:r>
+              <a:rPr lang="en-US" altLang="ko-KR" dirty="0" smtClean="0"/>
+              <a:t>(U1/3:45~4:17/</a:t>
+            </a:r>
+            <a:r>
+              <a:rPr lang="ko-KR" altLang="en-US" dirty="0" err="1" smtClean="0"/>
+              <a:t>자가치료</a:t>
+            </a:r>
+            <a:r>
+              <a:rPr lang="en-US" altLang="ko-KR" dirty="0" smtClean="0"/>
+              <a:t>/</a:t>
+            </a:r>
+            <a:r>
+              <a:rPr lang="ko-KR" altLang="en-US" dirty="0" smtClean="0"/>
+              <a:t>해설</a:t>
+            </a:r>
+            <a:r>
+              <a:rPr lang="en-US" altLang="ko-KR" dirty="0" smtClean="0"/>
+              <a:t>,</a:t>
+            </a:r>
+            <a:r>
+              <a:rPr lang="ko-KR" altLang="en-US" dirty="0" smtClean="0"/>
+              <a:t>소통</a:t>
+            </a:r>
+            <a:r>
+              <a:rPr lang="en-US" altLang="ko-KR" dirty="0" smtClean="0"/>
+              <a:t>/</a:t>
+            </a:r>
+            <a:r>
+              <a:rPr lang="ko-KR" altLang="en-US" dirty="0" smtClean="0"/>
+              <a:t>소통</a:t>
+            </a:r>
+            <a:r>
+              <a:rPr lang="en-US" altLang="ko-KR" dirty="0" smtClean="0"/>
+              <a:t>,</a:t>
+            </a:r>
+            <a:r>
+              <a:rPr lang="ko-KR" altLang="en-US" dirty="0" err="1" smtClean="0"/>
+              <a:t>리액션</a:t>
+            </a:r>
+            <a:r>
+              <a:rPr lang="en-US" altLang="ko-KR" dirty="0" smtClean="0"/>
+              <a:t>/</a:t>
+            </a:r>
+            <a:r>
+              <a:rPr lang="ko-KR" altLang="en-US" dirty="0" smtClean="0"/>
+              <a:t>소통</a:t>
+            </a:r>
+            <a:r>
+              <a:rPr lang="en-US" altLang="ko-KR" dirty="0" smtClean="0"/>
+              <a:t>,</a:t>
+            </a:r>
+            <a:r>
+              <a:rPr lang="ko-KR" altLang="en-US" dirty="0" smtClean="0"/>
+              <a:t>자유</a:t>
+            </a:r>
+            <a:r>
+              <a:rPr lang="en-US" altLang="ko-KR" dirty="0" smtClean="0"/>
+              <a:t>)</a:t>
+            </a:r>
+            <a:endParaRPr lang="en-US" altLang="ko-KR" dirty="0" smtClean="0"/>
+          </a:p>
         </p:txBody>
       </p:sp>
       <p:sp>
@@ -4018,7 +7070,129 @@
               <a:rPr lang="en-US" altLang="ko-KR" dirty="0" smtClean="0"/>
               <a:t>)</a:t>
             </a:r>
+          </a:p>
+          <a:p>
+            <a:pPr marL="0" marR="0" indent="0" algn="l" defTabSz="914400" rtl="0" eaLnBrk="1" fontAlgn="auto" latinLnBrk="1" hangingPunct="1">
+              <a:lnSpc>
+                <a:spcPct val="100000"/>
+              </a:lnSpc>
+              <a:spcBef>
+                <a:spcPts val="0"/>
+              </a:spcBef>
+              <a:spcAft>
+                <a:spcPts val="0"/>
+              </a:spcAft>
+              <a:buClrTx/>
+              <a:buSzTx/>
+              <a:buFontTx/>
+              <a:buNone/>
+              <a:tabLst/>
+              <a:defRPr/>
+            </a:pPr>
             <a:endParaRPr lang="en-US" altLang="ko-KR" baseline="0" dirty="0" smtClean="0"/>
+          </a:p>
+          <a:p>
+            <a:pPr marL="0" marR="0" indent="0" algn="l" defTabSz="914400" rtl="0" eaLnBrk="1" fontAlgn="auto" latinLnBrk="1" hangingPunct="1">
+              <a:lnSpc>
+                <a:spcPct val="100000"/>
+              </a:lnSpc>
+              <a:spcBef>
+                <a:spcPts val="0"/>
+              </a:spcBef>
+              <a:spcAft>
+                <a:spcPts val="0"/>
+              </a:spcAft>
+              <a:buClrTx/>
+              <a:buSzTx/>
+              <a:buFontTx/>
+              <a:buNone/>
+              <a:tabLst/>
+              <a:defRPr/>
+            </a:pPr>
+            <a:r>
+              <a:rPr lang="en-US" altLang="ko-KR" dirty="0" smtClean="0"/>
+              <a:t>-19_07_</a:t>
+            </a:r>
+            <a:r>
+              <a:rPr lang="ko-KR" altLang="en-US" dirty="0" err="1" smtClean="0"/>
+              <a:t>해그</a:t>
+            </a:r>
+            <a:r>
+              <a:rPr lang="en-US" altLang="ko-KR" dirty="0" smtClean="0"/>
+              <a:t>(9:45~10:45/</a:t>
+            </a:r>
+            <a:r>
+              <a:rPr lang="ko-KR" altLang="en-US" dirty="0" smtClean="0"/>
+              <a:t>사망</a:t>
+            </a:r>
+            <a:r>
+              <a:rPr lang="en-US" altLang="ko-KR" dirty="0" smtClean="0"/>
+              <a:t>/</a:t>
+            </a:r>
+            <a:r>
+              <a:rPr lang="ko-KR" altLang="en-US" dirty="0" smtClean="0"/>
+              <a:t>해설</a:t>
+            </a:r>
+            <a:r>
+              <a:rPr lang="en-US" altLang="ko-KR" dirty="0" smtClean="0"/>
+              <a:t>,</a:t>
+            </a:r>
+            <a:r>
+              <a:rPr lang="ko-KR" altLang="en-US" dirty="0" err="1" smtClean="0"/>
+              <a:t>가상대화</a:t>
+            </a:r>
+            <a:r>
+              <a:rPr lang="en-US" altLang="ko-KR" dirty="0" smtClean="0"/>
+              <a:t>,</a:t>
+            </a:r>
+            <a:r>
+              <a:rPr lang="ko-KR" altLang="en-US" dirty="0" smtClean="0"/>
+              <a:t>감정표현</a:t>
+            </a:r>
+            <a:r>
+              <a:rPr lang="en-US" altLang="ko-KR" dirty="0" smtClean="0"/>
+              <a:t>/</a:t>
+            </a:r>
+            <a:r>
+              <a:rPr lang="ko-KR" altLang="en-US" dirty="0" smtClean="0"/>
+              <a:t>상황판단</a:t>
+            </a:r>
+            <a:r>
+              <a:rPr lang="en-US" altLang="ko-KR" dirty="0" smtClean="0"/>
+              <a:t>,</a:t>
+            </a:r>
+            <a:r>
+              <a:rPr lang="ko-KR" altLang="en-US" dirty="0" err="1" smtClean="0"/>
+              <a:t>리액션</a:t>
+            </a:r>
+            <a:r>
+              <a:rPr lang="en-US" altLang="ko-KR" dirty="0" smtClean="0"/>
+              <a:t>,</a:t>
+            </a:r>
+            <a:r>
+              <a:rPr lang="ko-KR" altLang="en-US" dirty="0" err="1" smtClean="0"/>
+              <a:t>드립</a:t>
+            </a:r>
+            <a:r>
+              <a:rPr lang="en-US" altLang="ko-KR" dirty="0" smtClean="0"/>
+              <a:t>/</a:t>
+            </a:r>
+            <a:r>
+              <a:rPr lang="ko-KR" altLang="en-US" dirty="0" smtClean="0"/>
+              <a:t>자유</a:t>
+            </a:r>
+            <a:r>
+              <a:rPr lang="en-US" altLang="ko-KR" dirty="0" smtClean="0"/>
+              <a:t>,</a:t>
+            </a:r>
+            <a:r>
+              <a:rPr lang="ko-KR" altLang="en-US" dirty="0" err="1" smtClean="0"/>
+              <a:t>상황몰입</a:t>
+            </a:r>
+            <a:r>
+              <a:rPr lang="en-US" altLang="ko-KR" dirty="0" smtClean="0"/>
+              <a:t>)</a:t>
+            </a:r>
           </a:p>
         </p:txBody>
       </p:sp>
@@ -6349,7 +9523,7 @@
           <a:p>
             <a:fld id="{F86301F8-5A19-4D53-B525-D052BC8201C6}" type="datetimeFigureOut">
               <a:rPr lang="ko-KR" altLang="en-US" smtClean="0"/>
-              <a:t>2020-02-05</a:t>
+              <a:t>2020-02-07</a:t>
             </a:fld>
             <a:endParaRPr lang="ko-KR" altLang="en-US"/>
           </a:p>
@@ -6519,7 +9693,7 @@
           <a:p>
             <a:fld id="{F86301F8-5A19-4D53-B525-D052BC8201C6}" type="datetimeFigureOut">
               <a:rPr lang="ko-KR" altLang="en-US" smtClean="0"/>
-              <a:t>2020-02-05</a:t>
+              <a:t>2020-02-07</a:t>
             </a:fld>
             <a:endParaRPr lang="ko-KR" altLang="en-US"/>
           </a:p>
@@ -6699,7 +9873,7 @@
           <a:p>
             <a:fld id="{F86301F8-5A19-4D53-B525-D052BC8201C6}" type="datetimeFigureOut">
               <a:rPr lang="ko-KR" altLang="en-US" smtClean="0"/>
-              <a:t>2020-02-05</a:t>
+              <a:t>2020-02-07</a:t>
             </a:fld>
             <a:endParaRPr lang="ko-KR" altLang="en-US"/>
           </a:p>
@@ -6869,7 +10043,7 @@
           <a:p>
             <a:fld id="{F86301F8-5A19-4D53-B525-D052BC8201C6}" type="datetimeFigureOut">
               <a:rPr lang="ko-KR" altLang="en-US" smtClean="0"/>
-              <a:t>2020-02-05</a:t>
+              <a:t>2020-02-07</a:t>
             </a:fld>
             <a:endParaRPr lang="ko-KR" altLang="en-US"/>
           </a:p>
@@ -7115,7 +10289,7 @@
           <a:p>
             <a:fld id="{F86301F8-5A19-4D53-B525-D052BC8201C6}" type="datetimeFigureOut">
               <a:rPr lang="ko-KR" altLang="en-US" smtClean="0"/>
-              <a:t>2020-02-05</a:t>
+              <a:t>2020-02-07</a:t>
             </a:fld>
             <a:endParaRPr lang="ko-KR" altLang="en-US"/>
           </a:p>
@@ -7347,7 +10521,7 @@
           <a:p>
             <a:fld id="{F86301F8-5A19-4D53-B525-D052BC8201C6}" type="datetimeFigureOut">
               <a:rPr lang="ko-KR" altLang="en-US" smtClean="0"/>
-              <a:t>2020-02-05</a:t>
+              <a:t>2020-02-07</a:t>
             </a:fld>
             <a:endParaRPr lang="ko-KR" altLang="en-US"/>
           </a:p>
@@ -7714,7 +10888,7 @@
           <a:p>
             <a:fld id="{F86301F8-5A19-4D53-B525-D052BC8201C6}" type="datetimeFigureOut">
               <a:rPr lang="ko-KR" altLang="en-US" smtClean="0"/>
-              <a:t>2020-02-05</a:t>
+              <a:t>2020-02-07</a:t>
             </a:fld>
             <a:endParaRPr lang="ko-KR" altLang="en-US"/>
           </a:p>
@@ -7832,7 +11006,7 @@
           <a:p>
             <a:fld id="{F86301F8-5A19-4D53-B525-D052BC8201C6}" type="datetimeFigureOut">
               <a:rPr lang="ko-KR" altLang="en-US" smtClean="0"/>
-              <a:t>2020-02-05</a:t>
+              <a:t>2020-02-07</a:t>
             </a:fld>
             <a:endParaRPr lang="ko-KR" altLang="en-US"/>
           </a:p>
@@ -7927,7 +11101,7 @@
           <a:p>
             <a:fld id="{F86301F8-5A19-4D53-B525-D052BC8201C6}" type="datetimeFigureOut">
               <a:rPr lang="ko-KR" altLang="en-US" smtClean="0"/>
-              <a:t>2020-02-05</a:t>
+              <a:t>2020-02-07</a:t>
             </a:fld>
             <a:endParaRPr lang="ko-KR" altLang="en-US"/>
           </a:p>
@@ -8204,7 +11378,7 @@
           <a:p>
             <a:fld id="{F86301F8-5A19-4D53-B525-D052BC8201C6}" type="datetimeFigureOut">
               <a:rPr lang="ko-KR" altLang="en-US" smtClean="0"/>
-              <a:t>2020-02-05</a:t>
+              <a:t>2020-02-07</a:t>
             </a:fld>
             <a:endParaRPr lang="ko-KR" altLang="en-US"/>
           </a:p>
@@ -8457,7 +11631,7 @@
           <a:p>
             <a:fld id="{F86301F8-5A19-4D53-B525-D052BC8201C6}" type="datetimeFigureOut">
               <a:rPr lang="ko-KR" altLang="en-US" smtClean="0"/>
-              <a:t>2020-02-05</a:t>
+              <a:t>2020-02-07</a:t>
             </a:fld>
             <a:endParaRPr lang="ko-KR" altLang="en-US"/>
           </a:p>
@@ -8670,7 +11844,7 @@
           <a:p>
             <a:fld id="{F86301F8-5A19-4D53-B525-D052BC8201C6}" type="datetimeFigureOut">
               <a:rPr lang="ko-KR" altLang="en-US" smtClean="0"/>
-              <a:t>2020-02-05</a:t>
+              <a:t>2020-02-07</a:t>
             </a:fld>
             <a:endParaRPr lang="ko-KR" altLang="en-US"/>
           </a:p>
@@ -12950,6 +16124,3934 @@
 </p:sld>
 </file>
 
+<file path=ppt/slides/slide11.xml><?xml version="1.0" encoding="utf-8"?>
+<p:sld xmlns:a="http://schemas.openxmlformats.org/drawingml/2006/main" xmlns:r="http://schemas.openxmlformats.org/officeDocument/2006/relationships" xmlns:p="http://schemas.openxmlformats.org/presentationml/2006/main">
+  <p:cSld>
+    <p:spTree>
+      <p:nvGrpSpPr>
+        <p:cNvPr id="1" name=""/>
+        <p:cNvGrpSpPr/>
+        <p:nvPr/>
+      </p:nvGrpSpPr>
+      <p:grpSpPr>
+        <a:xfrm>
+          <a:off x="0" y="0"/>
+          <a:ext cx="0" cy="0"/>
+          <a:chOff x="0" y="0"/>
+          <a:chExt cx="0" cy="0"/>
+        </a:xfrm>
+      </p:grpSpPr>
+      <p:sp>
+        <p:nvSpPr>
+          <p:cNvPr id="4" name="십자형 3"/>
+          <p:cNvSpPr/>
+          <p:nvPr/>
+        </p:nvSpPr>
+        <p:spPr>
+          <a:xfrm rot="16200000">
+            <a:off x="3375600" y="-205189"/>
+            <a:ext cx="5240175" cy="7007949"/>
+          </a:xfrm>
+          <a:prstGeom prst="plus">
+            <a:avLst>
+              <a:gd name="adj" fmla="val 15218"/>
+            </a:avLst>
+          </a:prstGeom>
+          <a:noFill/>
+          <a:ln>
+            <a:solidFill>
+              <a:schemeClr val="tx1"/>
+            </a:solidFill>
+          </a:ln>
+        </p:spPr>
+        <p:style>
+          <a:lnRef idx="2">
+            <a:schemeClr val="accent1">
+              <a:shade val="50000"/>
+            </a:schemeClr>
+          </a:lnRef>
+          <a:fillRef idx="1">
+            <a:schemeClr val="accent1"/>
+          </a:fillRef>
+          <a:effectRef idx="0">
+            <a:schemeClr val="accent1"/>
+          </a:effectRef>
+          <a:fontRef idx="minor">
+            <a:schemeClr val="lt1"/>
+          </a:fontRef>
+        </p:style>
+        <p:txBody>
+          <a:bodyPr rtlCol="0" anchor="ctr"/>
+          <a:lstStyle/>
+          <a:p>
+            <a:pPr algn="ctr"/>
+            <a:endParaRPr lang="ko-KR" altLang="en-US" dirty="0"/>
+          </a:p>
+        </p:txBody>
+      </p:sp>
+      <p:sp>
+        <p:nvSpPr>
+          <p:cNvPr id="60" name="TextBox 59"/>
+          <p:cNvSpPr txBox="1"/>
+          <p:nvPr/>
+        </p:nvSpPr>
+        <p:spPr>
+          <a:xfrm>
+            <a:off x="175033" y="182704"/>
+            <a:ext cx="2139904" cy="1384995"/>
+          </a:xfrm>
+          <a:prstGeom prst="rect">
+            <a:avLst/>
+          </a:prstGeom>
+          <a:noFill/>
+        </p:spPr>
+        <p:txBody>
+          <a:bodyPr wrap="square" rtlCol="0">
+            <a:spAutoFit/>
+          </a:bodyPr>
+          <a:lstStyle/>
+          <a:p>
+            <a:r>
+              <a:rPr lang="en-US" altLang="ko-KR" sz="1400" dirty="0" smtClean="0"/>
+              <a:t>W : wall(</a:t>
+            </a:r>
+            <a:r>
+              <a:rPr lang="ko-KR" altLang="en-US" sz="1400" dirty="0" smtClean="0"/>
+              <a:t>벽</a:t>
+            </a:r>
+            <a:r>
+              <a:rPr lang="en-US" altLang="ko-KR" sz="1400" dirty="0" smtClean="0"/>
+              <a:t>,</a:t>
+            </a:r>
+            <a:r>
+              <a:rPr lang="ko-KR" altLang="en-US" sz="1400" dirty="0" smtClean="0"/>
+              <a:t>정글짐</a:t>
+            </a:r>
+            <a:r>
+              <a:rPr lang="en-US" altLang="ko-KR" sz="1400" dirty="0" smtClean="0"/>
+              <a:t>)</a:t>
+            </a:r>
+          </a:p>
+          <a:p>
+            <a:r>
+              <a:rPr lang="en-US" altLang="ko-KR" sz="1400" dirty="0" smtClean="0"/>
+              <a:t>R : random(</a:t>
+            </a:r>
+            <a:r>
+              <a:rPr lang="ko-KR" altLang="en-US" sz="1400" dirty="0" smtClean="0"/>
+              <a:t>랜덤 구조물</a:t>
+            </a:r>
+            <a:r>
+              <a:rPr lang="en-US" altLang="ko-KR" sz="1400" dirty="0" smtClean="0"/>
+              <a:t>)</a:t>
+            </a:r>
+          </a:p>
+          <a:p>
+            <a:r>
+              <a:rPr lang="en-US" altLang="ko-KR" sz="1400" dirty="0" smtClean="0"/>
+              <a:t>U : unique(</a:t>
+            </a:r>
+            <a:r>
+              <a:rPr lang="ko-KR" altLang="en-US" sz="1400" dirty="0" smtClean="0"/>
+              <a:t>특수 구조물</a:t>
+            </a:r>
+            <a:r>
+              <a:rPr lang="en-US" altLang="ko-KR" sz="1400" dirty="0" smtClean="0"/>
+              <a:t>)</a:t>
+            </a:r>
+          </a:p>
+          <a:p>
+            <a:r>
+              <a:rPr lang="en-US" altLang="ko-KR" sz="1400" dirty="0" smtClean="0"/>
+              <a:t>F : farm(</a:t>
+            </a:r>
+            <a:r>
+              <a:rPr lang="ko-KR" altLang="en-US" sz="1400" dirty="0" smtClean="0"/>
+              <a:t>밀밭</a:t>
+            </a:r>
+            <a:r>
+              <a:rPr lang="en-US" altLang="ko-KR" sz="1400" dirty="0" smtClean="0"/>
+              <a:t>)</a:t>
+            </a:r>
+          </a:p>
+          <a:p>
+            <a:r>
+              <a:rPr lang="en-US" altLang="ko-KR" sz="1400" dirty="0" smtClean="0"/>
+              <a:t>KS : killer shack</a:t>
+            </a:r>
+            <a:br>
+              <a:rPr lang="en-US" altLang="ko-KR" sz="1400" dirty="0" smtClean="0"/>
+            </a:br>
+            <a:r>
+              <a:rPr lang="en-US" altLang="ko-KR" sz="1400" dirty="0" smtClean="0"/>
+              <a:t>E : escape door(</a:t>
+            </a:r>
+            <a:r>
+              <a:rPr lang="ko-KR" altLang="en-US" sz="1400" dirty="0" err="1" smtClean="0"/>
+              <a:t>탈출문</a:t>
+            </a:r>
+            <a:r>
+              <a:rPr lang="en-US" altLang="ko-KR" sz="1400" dirty="0" smtClean="0"/>
+              <a:t>)</a:t>
+            </a:r>
+            <a:endParaRPr lang="ko-KR" altLang="en-US" sz="1400" dirty="0"/>
+          </a:p>
+        </p:txBody>
+      </p:sp>
+      <p:sp>
+        <p:nvSpPr>
+          <p:cNvPr id="64" name="직사각형 63"/>
+          <p:cNvSpPr/>
+          <p:nvPr/>
+        </p:nvSpPr>
+        <p:spPr>
+          <a:xfrm>
+            <a:off x="2840093" y="2915786"/>
+            <a:ext cx="900000" cy="900000"/>
+          </a:xfrm>
+          <a:prstGeom prst="rect">
+            <a:avLst/>
+          </a:prstGeom>
+          <a:noFill/>
+          <a:ln>
+            <a:solidFill>
+              <a:schemeClr val="tx1"/>
+            </a:solidFill>
+          </a:ln>
+        </p:spPr>
+        <p:style>
+          <a:lnRef idx="2">
+            <a:schemeClr val="accent1">
+              <a:shade val="50000"/>
+            </a:schemeClr>
+          </a:lnRef>
+          <a:fillRef idx="1">
+            <a:schemeClr val="accent1"/>
+          </a:fillRef>
+          <a:effectRef idx="0">
+            <a:schemeClr val="accent1"/>
+          </a:effectRef>
+          <a:fontRef idx="minor">
+            <a:schemeClr val="lt1"/>
+          </a:fontRef>
+        </p:style>
+        <p:txBody>
+          <a:bodyPr rtlCol="0" anchor="ctr"/>
+          <a:lstStyle/>
+          <a:p>
+            <a:pPr algn="ctr"/>
+            <a:r>
+              <a:rPr lang="en-US" altLang="ko-KR" dirty="0" smtClean="0">
+                <a:solidFill>
+                  <a:schemeClr val="tx1"/>
+                </a:solidFill>
+              </a:rPr>
+              <a:t>W4</a:t>
+            </a:r>
+            <a:endParaRPr lang="ko-KR" altLang="en-US" dirty="0"/>
+          </a:p>
+        </p:txBody>
+      </p:sp>
+      <p:sp>
+        <p:nvSpPr>
+          <p:cNvPr id="65" name="직사각형 64"/>
+          <p:cNvSpPr/>
+          <p:nvPr/>
+        </p:nvSpPr>
+        <p:spPr>
+          <a:xfrm>
+            <a:off x="3740093" y="2915786"/>
+            <a:ext cx="900000" cy="900000"/>
+          </a:xfrm>
+          <a:prstGeom prst="rect">
+            <a:avLst/>
+          </a:prstGeom>
+          <a:noFill/>
+          <a:ln>
+            <a:solidFill>
+              <a:schemeClr val="tx1"/>
+            </a:solidFill>
+          </a:ln>
+        </p:spPr>
+        <p:style>
+          <a:lnRef idx="2">
+            <a:schemeClr val="accent1">
+              <a:shade val="50000"/>
+            </a:schemeClr>
+          </a:lnRef>
+          <a:fillRef idx="1">
+            <a:schemeClr val="accent1"/>
+          </a:fillRef>
+          <a:effectRef idx="0">
+            <a:schemeClr val="accent1"/>
+          </a:effectRef>
+          <a:fontRef idx="minor">
+            <a:schemeClr val="lt1"/>
+          </a:fontRef>
+        </p:style>
+        <p:txBody>
+          <a:bodyPr rtlCol="0" anchor="ctr"/>
+          <a:lstStyle/>
+          <a:p>
+            <a:pPr algn="ctr"/>
+            <a:r>
+              <a:rPr lang="en-US" altLang="ko-KR" dirty="0" smtClean="0">
+                <a:solidFill>
+                  <a:schemeClr val="tx1"/>
+                </a:solidFill>
+              </a:rPr>
+              <a:t>F5</a:t>
+            </a:r>
+            <a:endParaRPr lang="ko-KR" altLang="en-US" dirty="0"/>
+          </a:p>
+        </p:txBody>
+      </p:sp>
+      <p:sp>
+        <p:nvSpPr>
+          <p:cNvPr id="66" name="직사각형 65"/>
+          <p:cNvSpPr/>
+          <p:nvPr/>
+        </p:nvSpPr>
+        <p:spPr>
+          <a:xfrm>
+            <a:off x="4640093" y="2915786"/>
+            <a:ext cx="900000" cy="900000"/>
+          </a:xfrm>
+          <a:prstGeom prst="rect">
+            <a:avLst/>
+          </a:prstGeom>
+          <a:noFill/>
+          <a:ln>
+            <a:solidFill>
+              <a:schemeClr val="tx1"/>
+            </a:solidFill>
+          </a:ln>
+        </p:spPr>
+        <p:style>
+          <a:lnRef idx="2">
+            <a:schemeClr val="accent1">
+              <a:shade val="50000"/>
+            </a:schemeClr>
+          </a:lnRef>
+          <a:fillRef idx="1">
+            <a:schemeClr val="accent1"/>
+          </a:fillRef>
+          <a:effectRef idx="0">
+            <a:schemeClr val="accent1"/>
+          </a:effectRef>
+          <a:fontRef idx="minor">
+            <a:schemeClr val="lt1"/>
+          </a:fontRef>
+        </p:style>
+        <p:txBody>
+          <a:bodyPr rtlCol="0" anchor="ctr"/>
+          <a:lstStyle/>
+          <a:p>
+            <a:pPr algn="ctr"/>
+            <a:r>
+              <a:rPr lang="en-US" altLang="ko-KR" dirty="0" smtClean="0">
+                <a:solidFill>
+                  <a:schemeClr val="tx1"/>
+                </a:solidFill>
+              </a:rPr>
+              <a:t>F6</a:t>
+            </a:r>
+            <a:endParaRPr lang="ko-KR" altLang="en-US" dirty="0"/>
+          </a:p>
+        </p:txBody>
+      </p:sp>
+      <p:sp>
+        <p:nvSpPr>
+          <p:cNvPr id="67" name="직사각형 66"/>
+          <p:cNvSpPr/>
+          <p:nvPr/>
+        </p:nvSpPr>
+        <p:spPr>
+          <a:xfrm>
+            <a:off x="5540093" y="2915786"/>
+            <a:ext cx="900000" cy="900000"/>
+          </a:xfrm>
+          <a:prstGeom prst="rect">
+            <a:avLst/>
+          </a:prstGeom>
+          <a:noFill/>
+          <a:ln>
+            <a:solidFill>
+              <a:schemeClr val="tx1"/>
+            </a:solidFill>
+          </a:ln>
+        </p:spPr>
+        <p:style>
+          <a:lnRef idx="2">
+            <a:schemeClr val="accent1">
+              <a:shade val="50000"/>
+            </a:schemeClr>
+          </a:lnRef>
+          <a:fillRef idx="1">
+            <a:schemeClr val="accent1"/>
+          </a:fillRef>
+          <a:effectRef idx="0">
+            <a:schemeClr val="accent1"/>
+          </a:effectRef>
+          <a:fontRef idx="minor">
+            <a:schemeClr val="lt1"/>
+          </a:fontRef>
+        </p:style>
+        <p:txBody>
+          <a:bodyPr rtlCol="0" anchor="ctr"/>
+          <a:lstStyle/>
+          <a:p>
+            <a:pPr algn="ctr"/>
+            <a:r>
+              <a:rPr lang="en-US" altLang="ko-KR" dirty="0" smtClean="0">
+                <a:solidFill>
+                  <a:schemeClr val="tx1"/>
+                </a:solidFill>
+              </a:rPr>
+              <a:t>F7</a:t>
+            </a:r>
+            <a:endParaRPr lang="ko-KR" altLang="en-US" dirty="0"/>
+          </a:p>
+        </p:txBody>
+      </p:sp>
+      <p:sp>
+        <p:nvSpPr>
+          <p:cNvPr id="68" name="직사각형 67"/>
+          <p:cNvSpPr/>
+          <p:nvPr/>
+        </p:nvSpPr>
+        <p:spPr>
+          <a:xfrm>
+            <a:off x="6440093" y="2915786"/>
+            <a:ext cx="900000" cy="900000"/>
+          </a:xfrm>
+          <a:prstGeom prst="rect">
+            <a:avLst/>
+          </a:prstGeom>
+          <a:noFill/>
+          <a:ln>
+            <a:solidFill>
+              <a:schemeClr val="tx1"/>
+            </a:solidFill>
+          </a:ln>
+        </p:spPr>
+        <p:style>
+          <a:lnRef idx="2">
+            <a:schemeClr val="accent1">
+              <a:shade val="50000"/>
+            </a:schemeClr>
+          </a:lnRef>
+          <a:fillRef idx="1">
+            <a:schemeClr val="accent1"/>
+          </a:fillRef>
+          <a:effectRef idx="0">
+            <a:schemeClr val="accent1"/>
+          </a:effectRef>
+          <a:fontRef idx="minor">
+            <a:schemeClr val="lt1"/>
+          </a:fontRef>
+        </p:style>
+        <p:txBody>
+          <a:bodyPr rtlCol="0" anchor="ctr"/>
+          <a:lstStyle/>
+          <a:p>
+            <a:pPr algn="ctr"/>
+            <a:r>
+              <a:rPr lang="en-US" altLang="ko-KR" dirty="0" smtClean="0">
+                <a:solidFill>
+                  <a:schemeClr val="tx1"/>
+                </a:solidFill>
+              </a:rPr>
+              <a:t>F8</a:t>
+            </a:r>
+            <a:endParaRPr lang="ko-KR" altLang="en-US" dirty="0"/>
+          </a:p>
+        </p:txBody>
+      </p:sp>
+      <p:sp>
+        <p:nvSpPr>
+          <p:cNvPr id="69" name="직사각형 68"/>
+          <p:cNvSpPr/>
+          <p:nvPr/>
+        </p:nvSpPr>
+        <p:spPr>
+          <a:xfrm>
+            <a:off x="7340093" y="2915786"/>
+            <a:ext cx="900000" cy="900000"/>
+          </a:xfrm>
+          <a:prstGeom prst="rect">
+            <a:avLst/>
+          </a:prstGeom>
+          <a:noFill/>
+          <a:ln>
+            <a:solidFill>
+              <a:schemeClr val="tx1"/>
+            </a:solidFill>
+          </a:ln>
+        </p:spPr>
+        <p:style>
+          <a:lnRef idx="2">
+            <a:schemeClr val="accent1">
+              <a:shade val="50000"/>
+            </a:schemeClr>
+          </a:lnRef>
+          <a:fillRef idx="1">
+            <a:schemeClr val="accent1"/>
+          </a:fillRef>
+          <a:effectRef idx="0">
+            <a:schemeClr val="accent1"/>
+          </a:effectRef>
+          <a:fontRef idx="minor">
+            <a:schemeClr val="lt1"/>
+          </a:fontRef>
+        </p:style>
+        <p:txBody>
+          <a:bodyPr rtlCol="0" anchor="ctr"/>
+          <a:lstStyle/>
+          <a:p>
+            <a:pPr algn="ctr"/>
+            <a:r>
+              <a:rPr lang="en-US" altLang="ko-KR" dirty="0" smtClean="0">
+                <a:solidFill>
+                  <a:schemeClr val="tx1"/>
+                </a:solidFill>
+              </a:rPr>
+              <a:t>U2</a:t>
+            </a:r>
+            <a:endParaRPr lang="ko-KR" altLang="en-US" dirty="0"/>
+          </a:p>
+        </p:txBody>
+      </p:sp>
+      <p:sp>
+        <p:nvSpPr>
+          <p:cNvPr id="70" name="직사각형 69"/>
+          <p:cNvSpPr/>
+          <p:nvPr/>
+        </p:nvSpPr>
+        <p:spPr>
+          <a:xfrm>
+            <a:off x="8240093" y="2915786"/>
+            <a:ext cx="900000" cy="900000"/>
+          </a:xfrm>
+          <a:prstGeom prst="rect">
+            <a:avLst/>
+          </a:prstGeom>
+          <a:noFill/>
+          <a:ln>
+            <a:solidFill>
+              <a:schemeClr val="tx1"/>
+            </a:solidFill>
+          </a:ln>
+        </p:spPr>
+        <p:style>
+          <a:lnRef idx="2">
+            <a:schemeClr val="accent1">
+              <a:shade val="50000"/>
+            </a:schemeClr>
+          </a:lnRef>
+          <a:fillRef idx="1">
+            <a:schemeClr val="accent1"/>
+          </a:fillRef>
+          <a:effectRef idx="0">
+            <a:schemeClr val="accent1"/>
+          </a:effectRef>
+          <a:fontRef idx="minor">
+            <a:schemeClr val="lt1"/>
+          </a:fontRef>
+        </p:style>
+        <p:txBody>
+          <a:bodyPr rtlCol="0" anchor="ctr"/>
+          <a:lstStyle/>
+          <a:p>
+            <a:pPr algn="ctr"/>
+            <a:r>
+              <a:rPr lang="en-US" altLang="ko-KR" dirty="0" smtClean="0">
+                <a:solidFill>
+                  <a:schemeClr val="tx1"/>
+                </a:solidFill>
+              </a:rPr>
+              <a:t>W5</a:t>
+            </a:r>
+            <a:endParaRPr lang="ko-KR" altLang="en-US" dirty="0"/>
+          </a:p>
+        </p:txBody>
+      </p:sp>
+      <p:sp>
+        <p:nvSpPr>
+          <p:cNvPr id="71" name="직사각형 70"/>
+          <p:cNvSpPr/>
+          <p:nvPr/>
+        </p:nvSpPr>
+        <p:spPr>
+          <a:xfrm>
+            <a:off x="2840093" y="3815786"/>
+            <a:ext cx="900000" cy="900000"/>
+          </a:xfrm>
+          <a:prstGeom prst="rect">
+            <a:avLst/>
+          </a:prstGeom>
+          <a:noFill/>
+          <a:ln>
+            <a:solidFill>
+              <a:schemeClr val="tx1"/>
+            </a:solidFill>
+          </a:ln>
+        </p:spPr>
+        <p:style>
+          <a:lnRef idx="2">
+            <a:schemeClr val="accent1">
+              <a:shade val="50000"/>
+            </a:schemeClr>
+          </a:lnRef>
+          <a:fillRef idx="1">
+            <a:schemeClr val="accent1"/>
+          </a:fillRef>
+          <a:effectRef idx="0">
+            <a:schemeClr val="accent1"/>
+          </a:effectRef>
+          <a:fontRef idx="minor">
+            <a:schemeClr val="lt1"/>
+          </a:fontRef>
+        </p:style>
+        <p:txBody>
+          <a:bodyPr rtlCol="0" anchor="ctr"/>
+          <a:lstStyle/>
+          <a:p>
+            <a:pPr algn="ctr"/>
+            <a:r>
+              <a:rPr lang="en-US" altLang="ko-KR" dirty="0" smtClean="0">
+                <a:solidFill>
+                  <a:schemeClr val="tx1"/>
+                </a:solidFill>
+              </a:rPr>
+              <a:t>R5</a:t>
+            </a:r>
+            <a:endParaRPr lang="ko-KR" altLang="en-US" dirty="0"/>
+          </a:p>
+        </p:txBody>
+      </p:sp>
+      <p:sp>
+        <p:nvSpPr>
+          <p:cNvPr id="72" name="직사각형 71"/>
+          <p:cNvSpPr/>
+          <p:nvPr/>
+        </p:nvSpPr>
+        <p:spPr>
+          <a:xfrm>
+            <a:off x="2840093" y="2015786"/>
+            <a:ext cx="900000" cy="900000"/>
+          </a:xfrm>
+          <a:prstGeom prst="rect">
+            <a:avLst/>
+          </a:prstGeom>
+          <a:noFill/>
+          <a:ln>
+            <a:solidFill>
+              <a:schemeClr val="tx1"/>
+            </a:solidFill>
+          </a:ln>
+        </p:spPr>
+        <p:style>
+          <a:lnRef idx="2">
+            <a:schemeClr val="accent1">
+              <a:shade val="50000"/>
+            </a:schemeClr>
+          </a:lnRef>
+          <a:fillRef idx="1">
+            <a:schemeClr val="accent1"/>
+          </a:fillRef>
+          <a:effectRef idx="0">
+            <a:schemeClr val="accent1"/>
+          </a:effectRef>
+          <a:fontRef idx="minor">
+            <a:schemeClr val="lt1"/>
+          </a:fontRef>
+        </p:style>
+        <p:txBody>
+          <a:bodyPr rtlCol="0" anchor="ctr"/>
+          <a:lstStyle/>
+          <a:p>
+            <a:pPr algn="ctr"/>
+            <a:r>
+              <a:rPr lang="en-US" altLang="ko-KR" dirty="0" smtClean="0">
+                <a:solidFill>
+                  <a:schemeClr val="tx1"/>
+                </a:solidFill>
+              </a:rPr>
+              <a:t>R3</a:t>
+            </a:r>
+          </a:p>
+        </p:txBody>
+      </p:sp>
+      <p:sp>
+        <p:nvSpPr>
+          <p:cNvPr id="73" name="직사각형 72"/>
+          <p:cNvSpPr/>
+          <p:nvPr/>
+        </p:nvSpPr>
+        <p:spPr>
+          <a:xfrm>
+            <a:off x="3740093" y="4715786"/>
+            <a:ext cx="900000" cy="900000"/>
+          </a:xfrm>
+          <a:prstGeom prst="rect">
+            <a:avLst/>
+          </a:prstGeom>
+          <a:noFill/>
+          <a:ln>
+            <a:solidFill>
+              <a:schemeClr val="tx1"/>
+            </a:solidFill>
+          </a:ln>
+        </p:spPr>
+        <p:style>
+          <a:lnRef idx="2">
+            <a:schemeClr val="accent1">
+              <a:shade val="50000"/>
+            </a:schemeClr>
+          </a:lnRef>
+          <a:fillRef idx="1">
+            <a:schemeClr val="accent1"/>
+          </a:fillRef>
+          <a:effectRef idx="0">
+            <a:schemeClr val="accent1"/>
+          </a:effectRef>
+          <a:fontRef idx="minor">
+            <a:schemeClr val="lt1"/>
+          </a:fontRef>
+        </p:style>
+        <p:txBody>
+          <a:bodyPr rtlCol="0" anchor="ctr"/>
+          <a:lstStyle/>
+          <a:p>
+            <a:pPr algn="ctr"/>
+            <a:r>
+              <a:rPr lang="en-US" altLang="ko-KR" dirty="0" smtClean="0">
+                <a:solidFill>
+                  <a:schemeClr val="tx1"/>
+                </a:solidFill>
+              </a:rPr>
+              <a:t>W6</a:t>
+            </a:r>
+            <a:endParaRPr lang="ko-KR" altLang="en-US" dirty="0"/>
+          </a:p>
+        </p:txBody>
+      </p:sp>
+      <p:sp>
+        <p:nvSpPr>
+          <p:cNvPr id="74" name="직사각형 73"/>
+          <p:cNvSpPr/>
+          <p:nvPr/>
+        </p:nvSpPr>
+        <p:spPr>
+          <a:xfrm>
+            <a:off x="3740093" y="1115786"/>
+            <a:ext cx="900000" cy="900000"/>
+          </a:xfrm>
+          <a:prstGeom prst="rect">
+            <a:avLst/>
+          </a:prstGeom>
+          <a:noFill/>
+          <a:ln>
+            <a:solidFill>
+              <a:schemeClr val="tx1"/>
+            </a:solidFill>
+          </a:ln>
+        </p:spPr>
+        <p:style>
+          <a:lnRef idx="2">
+            <a:schemeClr val="accent1">
+              <a:shade val="50000"/>
+            </a:schemeClr>
+          </a:lnRef>
+          <a:fillRef idx="1">
+            <a:schemeClr val="accent1"/>
+          </a:fillRef>
+          <a:effectRef idx="0">
+            <a:schemeClr val="accent1"/>
+          </a:effectRef>
+          <a:fontRef idx="minor">
+            <a:schemeClr val="lt1"/>
+          </a:fontRef>
+        </p:style>
+        <p:txBody>
+          <a:bodyPr rtlCol="0" anchor="ctr"/>
+          <a:lstStyle/>
+          <a:p>
+            <a:pPr algn="ctr"/>
+            <a:r>
+              <a:rPr lang="en-US" altLang="ko-KR" dirty="0" smtClean="0">
+                <a:solidFill>
+                  <a:schemeClr val="tx1"/>
+                </a:solidFill>
+              </a:rPr>
+              <a:t>W1</a:t>
+            </a:r>
+          </a:p>
+        </p:txBody>
+      </p:sp>
+      <p:sp>
+        <p:nvSpPr>
+          <p:cNvPr id="75" name="직사각형 74"/>
+          <p:cNvSpPr/>
+          <p:nvPr/>
+        </p:nvSpPr>
+        <p:spPr>
+          <a:xfrm>
+            <a:off x="3740093" y="3815786"/>
+            <a:ext cx="900000" cy="900000"/>
+          </a:xfrm>
+          <a:prstGeom prst="rect">
+            <a:avLst/>
+          </a:prstGeom>
+          <a:noFill/>
+          <a:ln>
+            <a:solidFill>
+              <a:schemeClr val="tx1"/>
+            </a:solidFill>
+          </a:ln>
+        </p:spPr>
+        <p:style>
+          <a:lnRef idx="2">
+            <a:schemeClr val="accent1">
+              <a:shade val="50000"/>
+            </a:schemeClr>
+          </a:lnRef>
+          <a:fillRef idx="1">
+            <a:schemeClr val="accent1"/>
+          </a:fillRef>
+          <a:effectRef idx="0">
+            <a:schemeClr val="accent1"/>
+          </a:effectRef>
+          <a:fontRef idx="minor">
+            <a:schemeClr val="lt1"/>
+          </a:fontRef>
+        </p:style>
+        <p:txBody>
+          <a:bodyPr rtlCol="0" anchor="ctr"/>
+          <a:lstStyle/>
+          <a:p>
+            <a:pPr algn="ctr"/>
+            <a:r>
+              <a:rPr lang="en-US" altLang="ko-KR" dirty="0" smtClean="0">
+                <a:solidFill>
+                  <a:schemeClr val="tx1"/>
+                </a:solidFill>
+              </a:rPr>
+              <a:t>U3</a:t>
+            </a:r>
+            <a:endParaRPr lang="ko-KR" altLang="en-US" dirty="0"/>
+          </a:p>
+        </p:txBody>
+      </p:sp>
+      <p:sp>
+        <p:nvSpPr>
+          <p:cNvPr id="76" name="직사각형 75"/>
+          <p:cNvSpPr/>
+          <p:nvPr/>
+        </p:nvSpPr>
+        <p:spPr>
+          <a:xfrm>
+            <a:off x="3740093" y="2015786"/>
+            <a:ext cx="900000" cy="900000"/>
+          </a:xfrm>
+          <a:prstGeom prst="rect">
+            <a:avLst/>
+          </a:prstGeom>
+          <a:noFill/>
+          <a:ln>
+            <a:solidFill>
+              <a:schemeClr val="tx1"/>
+            </a:solidFill>
+          </a:ln>
+        </p:spPr>
+        <p:style>
+          <a:lnRef idx="2">
+            <a:schemeClr val="accent1">
+              <a:shade val="50000"/>
+            </a:schemeClr>
+          </a:lnRef>
+          <a:fillRef idx="1">
+            <a:schemeClr val="accent1"/>
+          </a:fillRef>
+          <a:effectRef idx="0">
+            <a:schemeClr val="accent1"/>
+          </a:effectRef>
+          <a:fontRef idx="minor">
+            <a:schemeClr val="lt1"/>
+          </a:fontRef>
+        </p:style>
+        <p:txBody>
+          <a:bodyPr rtlCol="0" anchor="ctr"/>
+          <a:lstStyle/>
+          <a:p>
+            <a:pPr algn="ctr"/>
+            <a:r>
+              <a:rPr lang="en-US" altLang="ko-KR" dirty="0" smtClean="0">
+                <a:solidFill>
+                  <a:schemeClr val="tx1"/>
+                </a:solidFill>
+              </a:rPr>
+              <a:t>F1</a:t>
+            </a:r>
+            <a:endParaRPr lang="ko-KR" altLang="en-US" dirty="0"/>
+          </a:p>
+        </p:txBody>
+      </p:sp>
+      <p:sp>
+        <p:nvSpPr>
+          <p:cNvPr id="77" name="직사각형 76"/>
+          <p:cNvSpPr/>
+          <p:nvPr/>
+        </p:nvSpPr>
+        <p:spPr>
+          <a:xfrm>
+            <a:off x="4640093" y="4715786"/>
+            <a:ext cx="900000" cy="900000"/>
+          </a:xfrm>
+          <a:prstGeom prst="rect">
+            <a:avLst/>
+          </a:prstGeom>
+          <a:noFill/>
+          <a:ln>
+            <a:solidFill>
+              <a:schemeClr val="tx1"/>
+            </a:solidFill>
+          </a:ln>
+        </p:spPr>
+        <p:style>
+          <a:lnRef idx="2">
+            <a:schemeClr val="accent1">
+              <a:shade val="50000"/>
+            </a:schemeClr>
+          </a:lnRef>
+          <a:fillRef idx="1">
+            <a:schemeClr val="accent1"/>
+          </a:fillRef>
+          <a:effectRef idx="0">
+            <a:schemeClr val="accent1"/>
+          </a:effectRef>
+          <a:fontRef idx="minor">
+            <a:schemeClr val="lt1"/>
+          </a:fontRef>
+        </p:style>
+        <p:txBody>
+          <a:bodyPr rtlCol="0" anchor="ctr"/>
+          <a:lstStyle/>
+          <a:p>
+            <a:pPr algn="ctr"/>
+            <a:r>
+              <a:rPr lang="en-US" altLang="ko-KR" dirty="0" smtClean="0">
+                <a:solidFill>
+                  <a:schemeClr val="tx1"/>
+                </a:solidFill>
+              </a:rPr>
+              <a:t>F12</a:t>
+            </a:r>
+            <a:endParaRPr lang="ko-KR" altLang="en-US" dirty="0"/>
+          </a:p>
+        </p:txBody>
+      </p:sp>
+      <p:sp>
+        <p:nvSpPr>
+          <p:cNvPr id="78" name="직사각형 77"/>
+          <p:cNvSpPr/>
+          <p:nvPr/>
+        </p:nvSpPr>
+        <p:spPr>
+          <a:xfrm>
+            <a:off x="4640093" y="1115786"/>
+            <a:ext cx="900000" cy="900000"/>
+          </a:xfrm>
+          <a:prstGeom prst="rect">
+            <a:avLst/>
+          </a:prstGeom>
+          <a:noFill/>
+          <a:ln>
+            <a:solidFill>
+              <a:schemeClr val="tx1"/>
+            </a:solidFill>
+          </a:ln>
+        </p:spPr>
+        <p:style>
+          <a:lnRef idx="2">
+            <a:schemeClr val="accent1">
+              <a:shade val="50000"/>
+            </a:schemeClr>
+          </a:lnRef>
+          <a:fillRef idx="1">
+            <a:schemeClr val="accent1"/>
+          </a:fillRef>
+          <a:effectRef idx="0">
+            <a:schemeClr val="accent1"/>
+          </a:effectRef>
+          <a:fontRef idx="minor">
+            <a:schemeClr val="lt1"/>
+          </a:fontRef>
+        </p:style>
+        <p:txBody>
+          <a:bodyPr rtlCol="0" anchor="ctr"/>
+          <a:lstStyle/>
+          <a:p>
+            <a:pPr algn="ctr"/>
+            <a:r>
+              <a:rPr lang="en-US" altLang="ko-KR" dirty="0" smtClean="0">
+                <a:solidFill>
+                  <a:schemeClr val="tx1"/>
+                </a:solidFill>
+              </a:rPr>
+              <a:t>R1</a:t>
+            </a:r>
+            <a:endParaRPr lang="ko-KR" altLang="en-US" dirty="0"/>
+          </a:p>
+        </p:txBody>
+      </p:sp>
+      <p:sp>
+        <p:nvSpPr>
+          <p:cNvPr id="79" name="직사각형 78"/>
+          <p:cNvSpPr/>
+          <p:nvPr/>
+        </p:nvSpPr>
+        <p:spPr>
+          <a:xfrm>
+            <a:off x="4640093" y="3815786"/>
+            <a:ext cx="900000" cy="900000"/>
+          </a:xfrm>
+          <a:prstGeom prst="rect">
+            <a:avLst/>
+          </a:prstGeom>
+          <a:noFill/>
+          <a:ln>
+            <a:solidFill>
+              <a:schemeClr val="tx1"/>
+            </a:solidFill>
+          </a:ln>
+        </p:spPr>
+        <p:style>
+          <a:lnRef idx="2">
+            <a:schemeClr val="accent1">
+              <a:shade val="50000"/>
+            </a:schemeClr>
+          </a:lnRef>
+          <a:fillRef idx="1">
+            <a:schemeClr val="accent1"/>
+          </a:fillRef>
+          <a:effectRef idx="0">
+            <a:schemeClr val="accent1"/>
+          </a:effectRef>
+          <a:fontRef idx="minor">
+            <a:schemeClr val="lt1"/>
+          </a:fontRef>
+        </p:style>
+        <p:txBody>
+          <a:bodyPr rtlCol="0" anchor="ctr"/>
+          <a:lstStyle/>
+          <a:p>
+            <a:pPr algn="ctr"/>
+            <a:r>
+              <a:rPr lang="en-US" altLang="ko-KR" dirty="0" smtClean="0">
+                <a:solidFill>
+                  <a:schemeClr val="tx1"/>
+                </a:solidFill>
+              </a:rPr>
+              <a:t>F9</a:t>
+            </a:r>
+            <a:endParaRPr lang="ko-KR" altLang="en-US" dirty="0"/>
+          </a:p>
+        </p:txBody>
+      </p:sp>
+      <p:sp>
+        <p:nvSpPr>
+          <p:cNvPr id="80" name="직사각형 79"/>
+          <p:cNvSpPr/>
+          <p:nvPr/>
+        </p:nvSpPr>
+        <p:spPr>
+          <a:xfrm>
+            <a:off x="4640093" y="2015786"/>
+            <a:ext cx="900000" cy="900000"/>
+          </a:xfrm>
+          <a:prstGeom prst="rect">
+            <a:avLst/>
+          </a:prstGeom>
+          <a:noFill/>
+          <a:ln>
+            <a:solidFill>
+              <a:schemeClr val="tx1"/>
+            </a:solidFill>
+          </a:ln>
+        </p:spPr>
+        <p:style>
+          <a:lnRef idx="2">
+            <a:schemeClr val="accent1">
+              <a:shade val="50000"/>
+            </a:schemeClr>
+          </a:lnRef>
+          <a:fillRef idx="1">
+            <a:schemeClr val="accent1"/>
+          </a:fillRef>
+          <a:effectRef idx="0">
+            <a:schemeClr val="accent1"/>
+          </a:effectRef>
+          <a:fontRef idx="minor">
+            <a:schemeClr val="lt1"/>
+          </a:fontRef>
+        </p:style>
+        <p:txBody>
+          <a:bodyPr rtlCol="0" anchor="ctr"/>
+          <a:lstStyle/>
+          <a:p>
+            <a:pPr algn="ctr"/>
+            <a:r>
+              <a:rPr lang="en-US" altLang="ko-KR" dirty="0" smtClean="0">
+                <a:solidFill>
+                  <a:schemeClr val="tx1"/>
+                </a:solidFill>
+              </a:rPr>
+              <a:t>U1</a:t>
+            </a:r>
+            <a:endParaRPr lang="ko-KR" altLang="en-US" dirty="0"/>
+          </a:p>
+        </p:txBody>
+      </p:sp>
+      <p:sp>
+        <p:nvSpPr>
+          <p:cNvPr id="81" name="직사각형 80"/>
+          <p:cNvSpPr/>
+          <p:nvPr/>
+        </p:nvSpPr>
+        <p:spPr>
+          <a:xfrm>
+            <a:off x="5540093" y="4715786"/>
+            <a:ext cx="900000" cy="900000"/>
+          </a:xfrm>
+          <a:prstGeom prst="rect">
+            <a:avLst/>
+          </a:prstGeom>
+          <a:noFill/>
+          <a:ln>
+            <a:solidFill>
+              <a:schemeClr val="tx1"/>
+            </a:solidFill>
+          </a:ln>
+        </p:spPr>
+        <p:style>
+          <a:lnRef idx="2">
+            <a:schemeClr val="accent1">
+              <a:shade val="50000"/>
+            </a:schemeClr>
+          </a:lnRef>
+          <a:fillRef idx="1">
+            <a:schemeClr val="accent1"/>
+          </a:fillRef>
+          <a:effectRef idx="0">
+            <a:schemeClr val="accent1"/>
+          </a:effectRef>
+          <a:fontRef idx="minor">
+            <a:schemeClr val="lt1"/>
+          </a:fontRef>
+        </p:style>
+        <p:txBody>
+          <a:bodyPr rtlCol="0" anchor="ctr"/>
+          <a:lstStyle/>
+          <a:p>
+            <a:pPr algn="ctr"/>
+            <a:r>
+              <a:rPr lang="en-US" altLang="ko-KR" dirty="0" smtClean="0">
+                <a:solidFill>
+                  <a:schemeClr val="tx1"/>
+                </a:solidFill>
+              </a:rPr>
+              <a:t>F13</a:t>
+            </a:r>
+            <a:endParaRPr lang="ko-KR" altLang="en-US" dirty="0"/>
+          </a:p>
+        </p:txBody>
+      </p:sp>
+      <p:sp>
+        <p:nvSpPr>
+          <p:cNvPr id="82" name="직사각형 81"/>
+          <p:cNvSpPr/>
+          <p:nvPr/>
+        </p:nvSpPr>
+        <p:spPr>
+          <a:xfrm>
+            <a:off x="5540093" y="1115786"/>
+            <a:ext cx="900000" cy="900000"/>
+          </a:xfrm>
+          <a:prstGeom prst="rect">
+            <a:avLst/>
+          </a:prstGeom>
+          <a:noFill/>
+          <a:ln>
+            <a:solidFill>
+              <a:schemeClr val="tx1"/>
+            </a:solidFill>
+          </a:ln>
+        </p:spPr>
+        <p:style>
+          <a:lnRef idx="2">
+            <a:schemeClr val="accent1">
+              <a:shade val="50000"/>
+            </a:schemeClr>
+          </a:lnRef>
+          <a:fillRef idx="1">
+            <a:schemeClr val="accent1"/>
+          </a:fillRef>
+          <a:effectRef idx="0">
+            <a:schemeClr val="accent1"/>
+          </a:effectRef>
+          <a:fontRef idx="minor">
+            <a:schemeClr val="lt1"/>
+          </a:fontRef>
+        </p:style>
+        <p:txBody>
+          <a:bodyPr rtlCol="0" anchor="ctr"/>
+          <a:lstStyle/>
+          <a:p>
+            <a:pPr algn="ctr"/>
+            <a:r>
+              <a:rPr lang="en-US" altLang="ko-KR" dirty="0" smtClean="0">
+                <a:solidFill>
+                  <a:schemeClr val="tx1"/>
+                </a:solidFill>
+              </a:rPr>
+              <a:t>W2</a:t>
+            </a:r>
+            <a:endParaRPr lang="ko-KR" altLang="en-US" dirty="0"/>
+          </a:p>
+        </p:txBody>
+      </p:sp>
+      <p:sp>
+        <p:nvSpPr>
+          <p:cNvPr id="83" name="직사각형 82"/>
+          <p:cNvSpPr/>
+          <p:nvPr/>
+        </p:nvSpPr>
+        <p:spPr>
+          <a:xfrm>
+            <a:off x="5540093" y="3815786"/>
+            <a:ext cx="900000" cy="900000"/>
+          </a:xfrm>
+          <a:prstGeom prst="rect">
+            <a:avLst/>
+          </a:prstGeom>
+          <a:noFill/>
+          <a:ln>
+            <a:solidFill>
+              <a:schemeClr val="tx1"/>
+            </a:solidFill>
+          </a:ln>
+        </p:spPr>
+        <p:style>
+          <a:lnRef idx="2">
+            <a:schemeClr val="accent1">
+              <a:shade val="50000"/>
+            </a:schemeClr>
+          </a:lnRef>
+          <a:fillRef idx="1">
+            <a:schemeClr val="accent1"/>
+          </a:fillRef>
+          <a:effectRef idx="0">
+            <a:schemeClr val="accent1"/>
+          </a:effectRef>
+          <a:fontRef idx="minor">
+            <a:schemeClr val="lt1"/>
+          </a:fontRef>
+        </p:style>
+        <p:txBody>
+          <a:bodyPr rtlCol="0" anchor="ctr"/>
+          <a:lstStyle/>
+          <a:p>
+            <a:pPr algn="ctr"/>
+            <a:r>
+              <a:rPr lang="en-US" altLang="ko-KR" dirty="0" smtClean="0">
+                <a:solidFill>
+                  <a:schemeClr val="tx1"/>
+                </a:solidFill>
+              </a:rPr>
+              <a:t>KS</a:t>
+            </a:r>
+            <a:endParaRPr lang="ko-KR" altLang="en-US" dirty="0"/>
+          </a:p>
+        </p:txBody>
+      </p:sp>
+      <p:sp>
+        <p:nvSpPr>
+          <p:cNvPr id="84" name="직사각형 83"/>
+          <p:cNvSpPr/>
+          <p:nvPr/>
+        </p:nvSpPr>
+        <p:spPr>
+          <a:xfrm>
+            <a:off x="5540093" y="2015786"/>
+            <a:ext cx="900000" cy="900000"/>
+          </a:xfrm>
+          <a:prstGeom prst="rect">
+            <a:avLst/>
+          </a:prstGeom>
+          <a:noFill/>
+          <a:ln>
+            <a:solidFill>
+              <a:schemeClr val="tx1"/>
+            </a:solidFill>
+          </a:ln>
+        </p:spPr>
+        <p:style>
+          <a:lnRef idx="2">
+            <a:schemeClr val="accent1">
+              <a:shade val="50000"/>
+            </a:schemeClr>
+          </a:lnRef>
+          <a:fillRef idx="1">
+            <a:schemeClr val="accent1"/>
+          </a:fillRef>
+          <a:effectRef idx="0">
+            <a:schemeClr val="accent1"/>
+          </a:effectRef>
+          <a:fontRef idx="minor">
+            <a:schemeClr val="lt1"/>
+          </a:fontRef>
+        </p:style>
+        <p:txBody>
+          <a:bodyPr rtlCol="0" anchor="ctr"/>
+          <a:lstStyle/>
+          <a:p>
+            <a:pPr algn="ctr"/>
+            <a:r>
+              <a:rPr lang="en-US" altLang="ko-KR" dirty="0" smtClean="0">
+                <a:solidFill>
+                  <a:schemeClr val="tx1"/>
+                </a:solidFill>
+              </a:rPr>
+              <a:t>F2</a:t>
+            </a:r>
+            <a:endParaRPr lang="ko-KR" altLang="en-US" dirty="0"/>
+          </a:p>
+        </p:txBody>
+      </p:sp>
+      <p:sp>
+        <p:nvSpPr>
+          <p:cNvPr id="85" name="직사각형 84"/>
+          <p:cNvSpPr/>
+          <p:nvPr/>
+        </p:nvSpPr>
+        <p:spPr>
+          <a:xfrm>
+            <a:off x="6440093" y="4715786"/>
+            <a:ext cx="900000" cy="900000"/>
+          </a:xfrm>
+          <a:prstGeom prst="rect">
+            <a:avLst/>
+          </a:prstGeom>
+          <a:noFill/>
+          <a:ln>
+            <a:solidFill>
+              <a:schemeClr val="tx1"/>
+            </a:solidFill>
+          </a:ln>
+        </p:spPr>
+        <p:style>
+          <a:lnRef idx="2">
+            <a:schemeClr val="accent1">
+              <a:shade val="50000"/>
+            </a:schemeClr>
+          </a:lnRef>
+          <a:fillRef idx="1">
+            <a:schemeClr val="accent1"/>
+          </a:fillRef>
+          <a:effectRef idx="0">
+            <a:schemeClr val="accent1"/>
+          </a:effectRef>
+          <a:fontRef idx="minor">
+            <a:schemeClr val="lt1"/>
+          </a:fontRef>
+        </p:style>
+        <p:txBody>
+          <a:bodyPr rtlCol="0" anchor="ctr"/>
+          <a:lstStyle/>
+          <a:p>
+            <a:pPr algn="ctr"/>
+            <a:r>
+              <a:rPr lang="en-US" altLang="ko-KR" dirty="0" smtClean="0">
+                <a:solidFill>
+                  <a:schemeClr val="tx1"/>
+                </a:solidFill>
+              </a:rPr>
+              <a:t>F14</a:t>
+            </a:r>
+            <a:endParaRPr lang="ko-KR" altLang="en-US" dirty="0"/>
+          </a:p>
+        </p:txBody>
+      </p:sp>
+      <p:sp>
+        <p:nvSpPr>
+          <p:cNvPr id="86" name="직사각형 85"/>
+          <p:cNvSpPr/>
+          <p:nvPr/>
+        </p:nvSpPr>
+        <p:spPr>
+          <a:xfrm>
+            <a:off x="6440093" y="1115786"/>
+            <a:ext cx="900000" cy="900000"/>
+          </a:xfrm>
+          <a:prstGeom prst="rect">
+            <a:avLst/>
+          </a:prstGeom>
+          <a:noFill/>
+          <a:ln>
+            <a:solidFill>
+              <a:schemeClr val="tx1"/>
+            </a:solidFill>
+          </a:ln>
+        </p:spPr>
+        <p:style>
+          <a:lnRef idx="2">
+            <a:schemeClr val="accent1">
+              <a:shade val="50000"/>
+            </a:schemeClr>
+          </a:lnRef>
+          <a:fillRef idx="1">
+            <a:schemeClr val="accent1"/>
+          </a:fillRef>
+          <a:effectRef idx="0">
+            <a:schemeClr val="accent1"/>
+          </a:effectRef>
+          <a:fontRef idx="minor">
+            <a:schemeClr val="lt1"/>
+          </a:fontRef>
+        </p:style>
+        <p:txBody>
+          <a:bodyPr rtlCol="0" anchor="ctr"/>
+          <a:lstStyle/>
+          <a:p>
+            <a:pPr algn="ctr"/>
+            <a:r>
+              <a:rPr lang="en-US" altLang="ko-KR" dirty="0" smtClean="0">
+                <a:solidFill>
+                  <a:schemeClr val="tx1"/>
+                </a:solidFill>
+              </a:rPr>
+              <a:t>R2</a:t>
+            </a:r>
+            <a:endParaRPr lang="ko-KR" altLang="en-US" dirty="0"/>
+          </a:p>
+        </p:txBody>
+      </p:sp>
+      <p:sp>
+        <p:nvSpPr>
+          <p:cNvPr id="87" name="직사각형 86"/>
+          <p:cNvSpPr/>
+          <p:nvPr/>
+        </p:nvSpPr>
+        <p:spPr>
+          <a:xfrm>
+            <a:off x="6440093" y="3815786"/>
+            <a:ext cx="900000" cy="900000"/>
+          </a:xfrm>
+          <a:prstGeom prst="rect">
+            <a:avLst/>
+          </a:prstGeom>
+          <a:noFill/>
+          <a:ln>
+            <a:solidFill>
+              <a:schemeClr val="tx1"/>
+            </a:solidFill>
+          </a:ln>
+        </p:spPr>
+        <p:style>
+          <a:lnRef idx="2">
+            <a:schemeClr val="accent1">
+              <a:shade val="50000"/>
+            </a:schemeClr>
+          </a:lnRef>
+          <a:fillRef idx="1">
+            <a:schemeClr val="accent1"/>
+          </a:fillRef>
+          <a:effectRef idx="0">
+            <a:schemeClr val="accent1"/>
+          </a:effectRef>
+          <a:fontRef idx="minor">
+            <a:schemeClr val="lt1"/>
+          </a:fontRef>
+        </p:style>
+        <p:txBody>
+          <a:bodyPr rtlCol="0" anchor="ctr"/>
+          <a:lstStyle/>
+          <a:p>
+            <a:pPr algn="ctr"/>
+            <a:r>
+              <a:rPr lang="en-US" altLang="ko-KR" dirty="0" smtClean="0">
+                <a:solidFill>
+                  <a:schemeClr val="tx1"/>
+                </a:solidFill>
+              </a:rPr>
+              <a:t>F10</a:t>
+            </a:r>
+            <a:endParaRPr lang="ko-KR" altLang="en-US" dirty="0"/>
+          </a:p>
+        </p:txBody>
+      </p:sp>
+      <p:sp>
+        <p:nvSpPr>
+          <p:cNvPr id="88" name="직사각형 87"/>
+          <p:cNvSpPr/>
+          <p:nvPr/>
+        </p:nvSpPr>
+        <p:spPr>
+          <a:xfrm>
+            <a:off x="6440093" y="2015786"/>
+            <a:ext cx="900000" cy="900000"/>
+          </a:xfrm>
+          <a:prstGeom prst="rect">
+            <a:avLst/>
+          </a:prstGeom>
+          <a:noFill/>
+          <a:ln>
+            <a:solidFill>
+              <a:schemeClr val="tx1"/>
+            </a:solidFill>
+          </a:ln>
+        </p:spPr>
+        <p:style>
+          <a:lnRef idx="2">
+            <a:schemeClr val="accent1">
+              <a:shade val="50000"/>
+            </a:schemeClr>
+          </a:lnRef>
+          <a:fillRef idx="1">
+            <a:schemeClr val="accent1"/>
+          </a:fillRef>
+          <a:effectRef idx="0">
+            <a:schemeClr val="accent1"/>
+          </a:effectRef>
+          <a:fontRef idx="minor">
+            <a:schemeClr val="lt1"/>
+          </a:fontRef>
+        </p:style>
+        <p:txBody>
+          <a:bodyPr rtlCol="0" anchor="ctr"/>
+          <a:lstStyle/>
+          <a:p>
+            <a:pPr algn="ctr"/>
+            <a:r>
+              <a:rPr lang="en-US" altLang="ko-KR" dirty="0" smtClean="0">
+                <a:solidFill>
+                  <a:schemeClr val="tx1"/>
+                </a:solidFill>
+              </a:rPr>
+              <a:t>F3</a:t>
+            </a:r>
+            <a:endParaRPr lang="ko-KR" altLang="en-US" dirty="0"/>
+          </a:p>
+        </p:txBody>
+      </p:sp>
+      <p:sp>
+        <p:nvSpPr>
+          <p:cNvPr id="89" name="직사각형 88"/>
+          <p:cNvSpPr/>
+          <p:nvPr/>
+        </p:nvSpPr>
+        <p:spPr>
+          <a:xfrm>
+            <a:off x="7340093" y="4715786"/>
+            <a:ext cx="900000" cy="900000"/>
+          </a:xfrm>
+          <a:prstGeom prst="rect">
+            <a:avLst/>
+          </a:prstGeom>
+          <a:noFill/>
+          <a:ln>
+            <a:solidFill>
+              <a:schemeClr val="tx1"/>
+            </a:solidFill>
+          </a:ln>
+        </p:spPr>
+        <p:style>
+          <a:lnRef idx="2">
+            <a:schemeClr val="accent1">
+              <a:shade val="50000"/>
+            </a:schemeClr>
+          </a:lnRef>
+          <a:fillRef idx="1">
+            <a:schemeClr val="accent1"/>
+          </a:fillRef>
+          <a:effectRef idx="0">
+            <a:schemeClr val="accent1"/>
+          </a:effectRef>
+          <a:fontRef idx="minor">
+            <a:schemeClr val="lt1"/>
+          </a:fontRef>
+        </p:style>
+        <p:txBody>
+          <a:bodyPr rtlCol="0" anchor="ctr"/>
+          <a:lstStyle/>
+          <a:p>
+            <a:pPr algn="ctr"/>
+            <a:r>
+              <a:rPr lang="en-US" altLang="ko-KR" dirty="0" smtClean="0">
+                <a:solidFill>
+                  <a:schemeClr val="tx1"/>
+                </a:solidFill>
+              </a:rPr>
+              <a:t>W7</a:t>
+            </a:r>
+            <a:endParaRPr lang="ko-KR" altLang="en-US" dirty="0"/>
+          </a:p>
+        </p:txBody>
+      </p:sp>
+      <p:sp>
+        <p:nvSpPr>
+          <p:cNvPr id="90" name="직사각형 89"/>
+          <p:cNvSpPr/>
+          <p:nvPr/>
+        </p:nvSpPr>
+        <p:spPr>
+          <a:xfrm>
+            <a:off x="7340093" y="1115786"/>
+            <a:ext cx="900000" cy="900000"/>
+          </a:xfrm>
+          <a:prstGeom prst="rect">
+            <a:avLst/>
+          </a:prstGeom>
+          <a:noFill/>
+          <a:ln>
+            <a:solidFill>
+              <a:schemeClr val="tx1"/>
+            </a:solidFill>
+          </a:ln>
+        </p:spPr>
+        <p:style>
+          <a:lnRef idx="2">
+            <a:schemeClr val="accent1">
+              <a:shade val="50000"/>
+            </a:schemeClr>
+          </a:lnRef>
+          <a:fillRef idx="1">
+            <a:schemeClr val="accent1"/>
+          </a:fillRef>
+          <a:effectRef idx="0">
+            <a:schemeClr val="accent1"/>
+          </a:effectRef>
+          <a:fontRef idx="minor">
+            <a:schemeClr val="lt1"/>
+          </a:fontRef>
+        </p:style>
+        <p:txBody>
+          <a:bodyPr rtlCol="0" anchor="ctr"/>
+          <a:lstStyle/>
+          <a:p>
+            <a:pPr algn="ctr"/>
+            <a:r>
+              <a:rPr lang="en-US" altLang="ko-KR" dirty="0" smtClean="0">
+                <a:solidFill>
+                  <a:schemeClr val="tx1"/>
+                </a:solidFill>
+              </a:rPr>
+              <a:t>W3</a:t>
+            </a:r>
+            <a:endParaRPr lang="ko-KR" altLang="en-US" dirty="0"/>
+          </a:p>
+        </p:txBody>
+      </p:sp>
+      <p:sp>
+        <p:nvSpPr>
+          <p:cNvPr id="91" name="직사각형 90"/>
+          <p:cNvSpPr/>
+          <p:nvPr/>
+        </p:nvSpPr>
+        <p:spPr>
+          <a:xfrm>
+            <a:off x="7340093" y="3815786"/>
+            <a:ext cx="900000" cy="900000"/>
+          </a:xfrm>
+          <a:prstGeom prst="rect">
+            <a:avLst/>
+          </a:prstGeom>
+          <a:noFill/>
+          <a:ln>
+            <a:solidFill>
+              <a:schemeClr val="tx1"/>
+            </a:solidFill>
+          </a:ln>
+        </p:spPr>
+        <p:style>
+          <a:lnRef idx="2">
+            <a:schemeClr val="accent1">
+              <a:shade val="50000"/>
+            </a:schemeClr>
+          </a:lnRef>
+          <a:fillRef idx="1">
+            <a:schemeClr val="accent1"/>
+          </a:fillRef>
+          <a:effectRef idx="0">
+            <a:schemeClr val="accent1"/>
+          </a:effectRef>
+          <a:fontRef idx="minor">
+            <a:schemeClr val="lt1"/>
+          </a:fontRef>
+        </p:style>
+        <p:txBody>
+          <a:bodyPr rtlCol="0" anchor="ctr"/>
+          <a:lstStyle/>
+          <a:p>
+            <a:pPr algn="ctr"/>
+            <a:r>
+              <a:rPr lang="en-US" altLang="ko-KR" dirty="0" smtClean="0">
+                <a:solidFill>
+                  <a:schemeClr val="tx1"/>
+                </a:solidFill>
+              </a:rPr>
+              <a:t>F11</a:t>
+            </a:r>
+            <a:endParaRPr lang="ko-KR" altLang="en-US" dirty="0"/>
+          </a:p>
+        </p:txBody>
+      </p:sp>
+      <p:sp>
+        <p:nvSpPr>
+          <p:cNvPr id="92" name="직사각형 91"/>
+          <p:cNvSpPr/>
+          <p:nvPr/>
+        </p:nvSpPr>
+        <p:spPr>
+          <a:xfrm>
+            <a:off x="7340093" y="2015786"/>
+            <a:ext cx="900000" cy="900000"/>
+          </a:xfrm>
+          <a:prstGeom prst="rect">
+            <a:avLst/>
+          </a:prstGeom>
+          <a:noFill/>
+          <a:ln>
+            <a:solidFill>
+              <a:schemeClr val="tx1"/>
+            </a:solidFill>
+          </a:ln>
+        </p:spPr>
+        <p:style>
+          <a:lnRef idx="2">
+            <a:schemeClr val="accent1">
+              <a:shade val="50000"/>
+            </a:schemeClr>
+          </a:lnRef>
+          <a:fillRef idx="1">
+            <a:schemeClr val="accent1"/>
+          </a:fillRef>
+          <a:effectRef idx="0">
+            <a:schemeClr val="accent1"/>
+          </a:effectRef>
+          <a:fontRef idx="minor">
+            <a:schemeClr val="lt1"/>
+          </a:fontRef>
+        </p:style>
+        <p:txBody>
+          <a:bodyPr rtlCol="0" anchor="ctr"/>
+          <a:lstStyle/>
+          <a:p>
+            <a:pPr algn="ctr"/>
+            <a:r>
+              <a:rPr lang="en-US" altLang="ko-KR" dirty="0" smtClean="0">
+                <a:solidFill>
+                  <a:schemeClr val="tx1"/>
+                </a:solidFill>
+              </a:rPr>
+              <a:t>F4</a:t>
+            </a:r>
+            <a:endParaRPr lang="ko-KR" altLang="en-US" dirty="0"/>
+          </a:p>
+        </p:txBody>
+      </p:sp>
+      <p:sp>
+        <p:nvSpPr>
+          <p:cNvPr id="93" name="직사각형 92"/>
+          <p:cNvSpPr/>
+          <p:nvPr/>
+        </p:nvSpPr>
+        <p:spPr>
+          <a:xfrm>
+            <a:off x="8240093" y="3815786"/>
+            <a:ext cx="900000" cy="900000"/>
+          </a:xfrm>
+          <a:prstGeom prst="rect">
+            <a:avLst/>
+          </a:prstGeom>
+          <a:noFill/>
+          <a:ln>
+            <a:solidFill>
+              <a:schemeClr val="tx1"/>
+            </a:solidFill>
+          </a:ln>
+        </p:spPr>
+        <p:style>
+          <a:lnRef idx="2">
+            <a:schemeClr val="accent1">
+              <a:shade val="50000"/>
+            </a:schemeClr>
+          </a:lnRef>
+          <a:fillRef idx="1">
+            <a:schemeClr val="accent1"/>
+          </a:fillRef>
+          <a:effectRef idx="0">
+            <a:schemeClr val="accent1"/>
+          </a:effectRef>
+          <a:fontRef idx="minor">
+            <a:schemeClr val="lt1"/>
+          </a:fontRef>
+        </p:style>
+        <p:txBody>
+          <a:bodyPr rtlCol="0" anchor="ctr"/>
+          <a:lstStyle/>
+          <a:p>
+            <a:pPr algn="ctr"/>
+            <a:r>
+              <a:rPr lang="en-US" altLang="ko-KR" dirty="0" smtClean="0">
+                <a:solidFill>
+                  <a:schemeClr val="tx1"/>
+                </a:solidFill>
+              </a:rPr>
+              <a:t>R6</a:t>
+            </a:r>
+            <a:endParaRPr lang="ko-KR" altLang="en-US" dirty="0"/>
+          </a:p>
+        </p:txBody>
+      </p:sp>
+      <p:sp>
+        <p:nvSpPr>
+          <p:cNvPr id="94" name="직사각형 93"/>
+          <p:cNvSpPr/>
+          <p:nvPr/>
+        </p:nvSpPr>
+        <p:spPr>
+          <a:xfrm>
+            <a:off x="8240093" y="2015786"/>
+            <a:ext cx="900000" cy="900000"/>
+          </a:xfrm>
+          <a:prstGeom prst="rect">
+            <a:avLst/>
+          </a:prstGeom>
+          <a:noFill/>
+          <a:ln>
+            <a:solidFill>
+              <a:schemeClr val="tx1"/>
+            </a:solidFill>
+          </a:ln>
+        </p:spPr>
+        <p:style>
+          <a:lnRef idx="2">
+            <a:schemeClr val="accent1">
+              <a:shade val="50000"/>
+            </a:schemeClr>
+          </a:lnRef>
+          <a:fillRef idx="1">
+            <a:schemeClr val="accent1"/>
+          </a:fillRef>
+          <a:effectRef idx="0">
+            <a:schemeClr val="accent1"/>
+          </a:effectRef>
+          <a:fontRef idx="minor">
+            <a:schemeClr val="lt1"/>
+          </a:fontRef>
+        </p:style>
+        <p:txBody>
+          <a:bodyPr rtlCol="0" anchor="ctr"/>
+          <a:lstStyle/>
+          <a:p>
+            <a:pPr algn="ctr"/>
+            <a:r>
+              <a:rPr lang="en-US" altLang="ko-KR" dirty="0" smtClean="0">
+                <a:solidFill>
+                  <a:schemeClr val="tx1"/>
+                </a:solidFill>
+              </a:rPr>
+              <a:t>R4</a:t>
+            </a:r>
+          </a:p>
+        </p:txBody>
+      </p:sp>
+      <p:sp>
+        <p:nvSpPr>
+          <p:cNvPr id="95" name="직사각형 94"/>
+          <p:cNvSpPr/>
+          <p:nvPr/>
+        </p:nvSpPr>
+        <p:spPr>
+          <a:xfrm>
+            <a:off x="967522" y="2848785"/>
+            <a:ext cx="900000" cy="900000"/>
+          </a:xfrm>
+          <a:prstGeom prst="rect">
+            <a:avLst/>
+          </a:prstGeom>
+          <a:noFill/>
+          <a:ln>
+            <a:solidFill>
+              <a:schemeClr val="tx1"/>
+            </a:solidFill>
+          </a:ln>
+        </p:spPr>
+        <p:style>
+          <a:lnRef idx="2">
+            <a:schemeClr val="accent1">
+              <a:shade val="50000"/>
+            </a:schemeClr>
+          </a:lnRef>
+          <a:fillRef idx="1">
+            <a:schemeClr val="accent1"/>
+          </a:fillRef>
+          <a:effectRef idx="0">
+            <a:schemeClr val="accent1"/>
+          </a:effectRef>
+          <a:fontRef idx="minor">
+            <a:schemeClr val="lt1"/>
+          </a:fontRef>
+        </p:style>
+        <p:txBody>
+          <a:bodyPr rtlCol="0" anchor="ctr"/>
+          <a:lstStyle/>
+          <a:p>
+            <a:pPr algn="ctr"/>
+            <a:r>
+              <a:rPr lang="en-US" altLang="ko-KR" dirty="0" smtClean="0">
+                <a:solidFill>
+                  <a:schemeClr val="tx1"/>
+                </a:solidFill>
+              </a:rPr>
+              <a:t>E</a:t>
+            </a:r>
+          </a:p>
+        </p:txBody>
+      </p:sp>
+      <p:sp>
+        <p:nvSpPr>
+          <p:cNvPr id="36" name="TextBox 35"/>
+          <p:cNvSpPr txBox="1"/>
+          <p:nvPr/>
+        </p:nvSpPr>
+        <p:spPr>
+          <a:xfrm>
+            <a:off x="8690093" y="182704"/>
+            <a:ext cx="3143718" cy="369332"/>
+          </a:xfrm>
+          <a:prstGeom prst="rect">
+            <a:avLst/>
+          </a:prstGeom>
+          <a:noFill/>
+        </p:spPr>
+        <p:txBody>
+          <a:bodyPr wrap="square" rtlCol="0">
+            <a:spAutoFit/>
+          </a:bodyPr>
+          <a:lstStyle/>
+          <a:p>
+            <a:r>
+              <a:rPr lang="en-US" altLang="ko-KR" dirty="0" smtClean="0"/>
+              <a:t>19_08_</a:t>
+            </a:r>
+            <a:r>
+              <a:rPr lang="ko-KR" altLang="en-US" dirty="0" smtClean="0"/>
+              <a:t>생존자</a:t>
+            </a:r>
+            <a:r>
+              <a:rPr lang="en-US" altLang="ko-KR" dirty="0" smtClean="0"/>
+              <a:t>(vs</a:t>
+            </a:r>
+            <a:r>
+              <a:rPr lang="ko-KR" altLang="en-US" dirty="0" err="1" smtClean="0"/>
+              <a:t>피그</a:t>
+            </a:r>
+            <a:r>
+              <a:rPr lang="en-US" altLang="ko-KR" dirty="0" smtClean="0"/>
+              <a:t>)</a:t>
+            </a:r>
+            <a:endParaRPr lang="ko-KR" altLang="en-US" dirty="0"/>
+          </a:p>
+        </p:txBody>
+      </p:sp>
+    </p:spTree>
+    <p:extLst>
+      <p:ext uri="{BB962C8B-B14F-4D97-AF65-F5344CB8AC3E}">
+        <p14:creationId xmlns:p14="http://schemas.microsoft.com/office/powerpoint/2010/main" val="2381887967"/>
+      </p:ext>
+    </p:extLst>
+  </p:cSld>
+  <p:clrMapOvr>
+    <a:masterClrMapping/>
+  </p:clrMapOvr>
+  <p:timing>
+    <p:tnLst>
+      <p:par>
+        <p:cTn id="1" dur="indefinite" restart="never" nodeType="tmRoot"/>
+      </p:par>
+    </p:tnLst>
+  </p:timing>
+</p:sld>
+</file>
+
+<file path=ppt/slides/slide12.xml><?xml version="1.0" encoding="utf-8"?>
+<p:sld xmlns:a="http://schemas.openxmlformats.org/drawingml/2006/main" xmlns:r="http://schemas.openxmlformats.org/officeDocument/2006/relationships" xmlns:p="http://schemas.openxmlformats.org/presentationml/2006/main">
+  <p:cSld>
+    <p:spTree>
+      <p:nvGrpSpPr>
+        <p:cNvPr id="1" name=""/>
+        <p:cNvGrpSpPr/>
+        <p:nvPr/>
+      </p:nvGrpSpPr>
+      <p:grpSpPr>
+        <a:xfrm>
+          <a:off x="0" y="0"/>
+          <a:ext cx="0" cy="0"/>
+          <a:chOff x="0" y="0"/>
+          <a:chExt cx="0" cy="0"/>
+        </a:xfrm>
+      </p:grpSpPr>
+      <p:sp>
+        <p:nvSpPr>
+          <p:cNvPr id="4" name="십자형 3"/>
+          <p:cNvSpPr/>
+          <p:nvPr/>
+        </p:nvSpPr>
+        <p:spPr>
+          <a:xfrm rot="16200000">
+            <a:off x="3375600" y="-205189"/>
+            <a:ext cx="5240175" cy="7007949"/>
+          </a:xfrm>
+          <a:prstGeom prst="plus">
+            <a:avLst>
+              <a:gd name="adj" fmla="val 15218"/>
+            </a:avLst>
+          </a:prstGeom>
+          <a:noFill/>
+          <a:ln>
+            <a:solidFill>
+              <a:schemeClr val="tx1"/>
+            </a:solidFill>
+          </a:ln>
+        </p:spPr>
+        <p:style>
+          <a:lnRef idx="2">
+            <a:schemeClr val="accent1">
+              <a:shade val="50000"/>
+            </a:schemeClr>
+          </a:lnRef>
+          <a:fillRef idx="1">
+            <a:schemeClr val="accent1"/>
+          </a:fillRef>
+          <a:effectRef idx="0">
+            <a:schemeClr val="accent1"/>
+          </a:effectRef>
+          <a:fontRef idx="minor">
+            <a:schemeClr val="lt1"/>
+          </a:fontRef>
+        </p:style>
+        <p:txBody>
+          <a:bodyPr rtlCol="0" anchor="ctr"/>
+          <a:lstStyle/>
+          <a:p>
+            <a:pPr algn="ctr"/>
+            <a:endParaRPr lang="ko-KR" altLang="en-US" dirty="0"/>
+          </a:p>
+        </p:txBody>
+      </p:sp>
+      <p:sp>
+        <p:nvSpPr>
+          <p:cNvPr id="60" name="TextBox 59"/>
+          <p:cNvSpPr txBox="1"/>
+          <p:nvPr/>
+        </p:nvSpPr>
+        <p:spPr>
+          <a:xfrm>
+            <a:off x="175033" y="182704"/>
+            <a:ext cx="2139904" cy="1384995"/>
+          </a:xfrm>
+          <a:prstGeom prst="rect">
+            <a:avLst/>
+          </a:prstGeom>
+          <a:noFill/>
+        </p:spPr>
+        <p:txBody>
+          <a:bodyPr wrap="square" rtlCol="0">
+            <a:spAutoFit/>
+          </a:bodyPr>
+          <a:lstStyle/>
+          <a:p>
+            <a:r>
+              <a:rPr lang="en-US" altLang="ko-KR" sz="1400" dirty="0" smtClean="0"/>
+              <a:t>W : wall(</a:t>
+            </a:r>
+            <a:r>
+              <a:rPr lang="ko-KR" altLang="en-US" sz="1400" dirty="0" smtClean="0"/>
+              <a:t>벽</a:t>
+            </a:r>
+            <a:r>
+              <a:rPr lang="en-US" altLang="ko-KR" sz="1400" dirty="0" smtClean="0"/>
+              <a:t>,</a:t>
+            </a:r>
+            <a:r>
+              <a:rPr lang="ko-KR" altLang="en-US" sz="1400" dirty="0" smtClean="0"/>
+              <a:t>정글짐</a:t>
+            </a:r>
+            <a:r>
+              <a:rPr lang="en-US" altLang="ko-KR" sz="1400" dirty="0" smtClean="0"/>
+              <a:t>)</a:t>
+            </a:r>
+          </a:p>
+          <a:p>
+            <a:r>
+              <a:rPr lang="en-US" altLang="ko-KR" sz="1400" dirty="0" smtClean="0"/>
+              <a:t>R : random(</a:t>
+            </a:r>
+            <a:r>
+              <a:rPr lang="ko-KR" altLang="en-US" sz="1400" dirty="0" smtClean="0"/>
+              <a:t>랜덤 구조물</a:t>
+            </a:r>
+            <a:r>
+              <a:rPr lang="en-US" altLang="ko-KR" sz="1400" dirty="0" smtClean="0"/>
+              <a:t>)</a:t>
+            </a:r>
+          </a:p>
+          <a:p>
+            <a:r>
+              <a:rPr lang="en-US" altLang="ko-KR" sz="1400" dirty="0" smtClean="0"/>
+              <a:t>U : unique(</a:t>
+            </a:r>
+            <a:r>
+              <a:rPr lang="ko-KR" altLang="en-US" sz="1400" dirty="0" smtClean="0"/>
+              <a:t>특수 구조물</a:t>
+            </a:r>
+            <a:r>
+              <a:rPr lang="en-US" altLang="ko-KR" sz="1400" dirty="0" smtClean="0"/>
+              <a:t>)</a:t>
+            </a:r>
+          </a:p>
+          <a:p>
+            <a:r>
+              <a:rPr lang="en-US" altLang="ko-KR" sz="1400" dirty="0" smtClean="0"/>
+              <a:t>F : farm(</a:t>
+            </a:r>
+            <a:r>
+              <a:rPr lang="ko-KR" altLang="en-US" sz="1400" dirty="0" smtClean="0"/>
+              <a:t>밀밭</a:t>
+            </a:r>
+            <a:r>
+              <a:rPr lang="en-US" altLang="ko-KR" sz="1400" dirty="0" smtClean="0"/>
+              <a:t>)</a:t>
+            </a:r>
+          </a:p>
+          <a:p>
+            <a:r>
+              <a:rPr lang="en-US" altLang="ko-KR" sz="1400" dirty="0" smtClean="0"/>
+              <a:t>KS : killer shack</a:t>
+            </a:r>
+            <a:br>
+              <a:rPr lang="en-US" altLang="ko-KR" sz="1400" dirty="0" smtClean="0"/>
+            </a:br>
+            <a:r>
+              <a:rPr lang="en-US" altLang="ko-KR" sz="1400" dirty="0" smtClean="0"/>
+              <a:t>E : escape door(</a:t>
+            </a:r>
+            <a:r>
+              <a:rPr lang="ko-KR" altLang="en-US" sz="1400" dirty="0" err="1" smtClean="0"/>
+              <a:t>탈출문</a:t>
+            </a:r>
+            <a:r>
+              <a:rPr lang="en-US" altLang="ko-KR" sz="1400" dirty="0" smtClean="0"/>
+              <a:t>)</a:t>
+            </a:r>
+            <a:endParaRPr lang="ko-KR" altLang="en-US" sz="1400" dirty="0"/>
+          </a:p>
+        </p:txBody>
+      </p:sp>
+      <p:sp>
+        <p:nvSpPr>
+          <p:cNvPr id="64" name="직사각형 63"/>
+          <p:cNvSpPr/>
+          <p:nvPr/>
+        </p:nvSpPr>
+        <p:spPr>
+          <a:xfrm>
+            <a:off x="2840093" y="2915786"/>
+            <a:ext cx="900000" cy="900000"/>
+          </a:xfrm>
+          <a:prstGeom prst="rect">
+            <a:avLst/>
+          </a:prstGeom>
+          <a:noFill/>
+          <a:ln>
+            <a:solidFill>
+              <a:schemeClr val="tx1"/>
+            </a:solidFill>
+          </a:ln>
+        </p:spPr>
+        <p:style>
+          <a:lnRef idx="2">
+            <a:schemeClr val="accent1">
+              <a:shade val="50000"/>
+            </a:schemeClr>
+          </a:lnRef>
+          <a:fillRef idx="1">
+            <a:schemeClr val="accent1"/>
+          </a:fillRef>
+          <a:effectRef idx="0">
+            <a:schemeClr val="accent1"/>
+          </a:effectRef>
+          <a:fontRef idx="minor">
+            <a:schemeClr val="lt1"/>
+          </a:fontRef>
+        </p:style>
+        <p:txBody>
+          <a:bodyPr rtlCol="0" anchor="ctr"/>
+          <a:lstStyle/>
+          <a:p>
+            <a:pPr algn="ctr"/>
+            <a:r>
+              <a:rPr lang="en-US" altLang="ko-KR" dirty="0" smtClean="0">
+                <a:solidFill>
+                  <a:schemeClr val="tx1"/>
+                </a:solidFill>
+              </a:rPr>
+              <a:t>W4</a:t>
+            </a:r>
+            <a:endParaRPr lang="ko-KR" altLang="en-US" dirty="0"/>
+          </a:p>
+        </p:txBody>
+      </p:sp>
+      <p:sp>
+        <p:nvSpPr>
+          <p:cNvPr id="65" name="직사각형 64"/>
+          <p:cNvSpPr/>
+          <p:nvPr/>
+        </p:nvSpPr>
+        <p:spPr>
+          <a:xfrm>
+            <a:off x="3740093" y="2915786"/>
+            <a:ext cx="900000" cy="900000"/>
+          </a:xfrm>
+          <a:prstGeom prst="rect">
+            <a:avLst/>
+          </a:prstGeom>
+          <a:noFill/>
+          <a:ln>
+            <a:solidFill>
+              <a:schemeClr val="tx1"/>
+            </a:solidFill>
+          </a:ln>
+        </p:spPr>
+        <p:style>
+          <a:lnRef idx="2">
+            <a:schemeClr val="accent1">
+              <a:shade val="50000"/>
+            </a:schemeClr>
+          </a:lnRef>
+          <a:fillRef idx="1">
+            <a:schemeClr val="accent1"/>
+          </a:fillRef>
+          <a:effectRef idx="0">
+            <a:schemeClr val="accent1"/>
+          </a:effectRef>
+          <a:fontRef idx="minor">
+            <a:schemeClr val="lt1"/>
+          </a:fontRef>
+        </p:style>
+        <p:txBody>
+          <a:bodyPr rtlCol="0" anchor="ctr"/>
+          <a:lstStyle/>
+          <a:p>
+            <a:pPr algn="ctr"/>
+            <a:r>
+              <a:rPr lang="en-US" altLang="ko-KR" dirty="0" smtClean="0">
+                <a:solidFill>
+                  <a:schemeClr val="tx1"/>
+                </a:solidFill>
+              </a:rPr>
+              <a:t>F5</a:t>
+            </a:r>
+            <a:endParaRPr lang="ko-KR" altLang="en-US" dirty="0"/>
+          </a:p>
+        </p:txBody>
+      </p:sp>
+      <p:sp>
+        <p:nvSpPr>
+          <p:cNvPr id="66" name="직사각형 65"/>
+          <p:cNvSpPr/>
+          <p:nvPr/>
+        </p:nvSpPr>
+        <p:spPr>
+          <a:xfrm>
+            <a:off x="4640093" y="2915786"/>
+            <a:ext cx="900000" cy="900000"/>
+          </a:xfrm>
+          <a:prstGeom prst="rect">
+            <a:avLst/>
+          </a:prstGeom>
+          <a:noFill/>
+          <a:ln>
+            <a:solidFill>
+              <a:schemeClr val="tx1"/>
+            </a:solidFill>
+          </a:ln>
+        </p:spPr>
+        <p:style>
+          <a:lnRef idx="2">
+            <a:schemeClr val="accent1">
+              <a:shade val="50000"/>
+            </a:schemeClr>
+          </a:lnRef>
+          <a:fillRef idx="1">
+            <a:schemeClr val="accent1"/>
+          </a:fillRef>
+          <a:effectRef idx="0">
+            <a:schemeClr val="accent1"/>
+          </a:effectRef>
+          <a:fontRef idx="minor">
+            <a:schemeClr val="lt1"/>
+          </a:fontRef>
+        </p:style>
+        <p:txBody>
+          <a:bodyPr rtlCol="0" anchor="ctr"/>
+          <a:lstStyle/>
+          <a:p>
+            <a:pPr algn="ctr"/>
+            <a:r>
+              <a:rPr lang="en-US" altLang="ko-KR" dirty="0" smtClean="0">
+                <a:solidFill>
+                  <a:schemeClr val="tx1"/>
+                </a:solidFill>
+              </a:rPr>
+              <a:t>F6</a:t>
+            </a:r>
+            <a:endParaRPr lang="ko-KR" altLang="en-US" dirty="0"/>
+          </a:p>
+        </p:txBody>
+      </p:sp>
+      <p:sp>
+        <p:nvSpPr>
+          <p:cNvPr id="67" name="직사각형 66"/>
+          <p:cNvSpPr/>
+          <p:nvPr/>
+        </p:nvSpPr>
+        <p:spPr>
+          <a:xfrm>
+            <a:off x="5540093" y="2915786"/>
+            <a:ext cx="900000" cy="900000"/>
+          </a:xfrm>
+          <a:prstGeom prst="rect">
+            <a:avLst/>
+          </a:prstGeom>
+          <a:noFill/>
+          <a:ln>
+            <a:solidFill>
+              <a:schemeClr val="tx1"/>
+            </a:solidFill>
+          </a:ln>
+        </p:spPr>
+        <p:style>
+          <a:lnRef idx="2">
+            <a:schemeClr val="accent1">
+              <a:shade val="50000"/>
+            </a:schemeClr>
+          </a:lnRef>
+          <a:fillRef idx="1">
+            <a:schemeClr val="accent1"/>
+          </a:fillRef>
+          <a:effectRef idx="0">
+            <a:schemeClr val="accent1"/>
+          </a:effectRef>
+          <a:fontRef idx="minor">
+            <a:schemeClr val="lt1"/>
+          </a:fontRef>
+        </p:style>
+        <p:txBody>
+          <a:bodyPr rtlCol="0" anchor="ctr"/>
+          <a:lstStyle/>
+          <a:p>
+            <a:pPr algn="ctr"/>
+            <a:r>
+              <a:rPr lang="en-US" altLang="ko-KR" dirty="0" smtClean="0">
+                <a:solidFill>
+                  <a:schemeClr val="tx1"/>
+                </a:solidFill>
+              </a:rPr>
+              <a:t>F7</a:t>
+            </a:r>
+            <a:endParaRPr lang="ko-KR" altLang="en-US" dirty="0"/>
+          </a:p>
+        </p:txBody>
+      </p:sp>
+      <p:sp>
+        <p:nvSpPr>
+          <p:cNvPr id="68" name="직사각형 67"/>
+          <p:cNvSpPr/>
+          <p:nvPr/>
+        </p:nvSpPr>
+        <p:spPr>
+          <a:xfrm>
+            <a:off x="6440093" y="2915786"/>
+            <a:ext cx="900000" cy="900000"/>
+          </a:xfrm>
+          <a:prstGeom prst="rect">
+            <a:avLst/>
+          </a:prstGeom>
+          <a:noFill/>
+          <a:ln>
+            <a:solidFill>
+              <a:schemeClr val="tx1"/>
+            </a:solidFill>
+          </a:ln>
+        </p:spPr>
+        <p:style>
+          <a:lnRef idx="2">
+            <a:schemeClr val="accent1">
+              <a:shade val="50000"/>
+            </a:schemeClr>
+          </a:lnRef>
+          <a:fillRef idx="1">
+            <a:schemeClr val="accent1"/>
+          </a:fillRef>
+          <a:effectRef idx="0">
+            <a:schemeClr val="accent1"/>
+          </a:effectRef>
+          <a:fontRef idx="minor">
+            <a:schemeClr val="lt1"/>
+          </a:fontRef>
+        </p:style>
+        <p:txBody>
+          <a:bodyPr rtlCol="0" anchor="ctr"/>
+          <a:lstStyle/>
+          <a:p>
+            <a:pPr algn="ctr"/>
+            <a:r>
+              <a:rPr lang="en-US" altLang="ko-KR" dirty="0" smtClean="0">
+                <a:solidFill>
+                  <a:schemeClr val="tx1"/>
+                </a:solidFill>
+              </a:rPr>
+              <a:t>F8</a:t>
+            </a:r>
+            <a:endParaRPr lang="ko-KR" altLang="en-US" dirty="0"/>
+          </a:p>
+        </p:txBody>
+      </p:sp>
+      <p:sp>
+        <p:nvSpPr>
+          <p:cNvPr id="69" name="직사각형 68"/>
+          <p:cNvSpPr/>
+          <p:nvPr/>
+        </p:nvSpPr>
+        <p:spPr>
+          <a:xfrm>
+            <a:off x="7340093" y="2915786"/>
+            <a:ext cx="900000" cy="900000"/>
+          </a:xfrm>
+          <a:prstGeom prst="rect">
+            <a:avLst/>
+          </a:prstGeom>
+          <a:noFill/>
+          <a:ln>
+            <a:solidFill>
+              <a:schemeClr val="tx1"/>
+            </a:solidFill>
+          </a:ln>
+        </p:spPr>
+        <p:style>
+          <a:lnRef idx="2">
+            <a:schemeClr val="accent1">
+              <a:shade val="50000"/>
+            </a:schemeClr>
+          </a:lnRef>
+          <a:fillRef idx="1">
+            <a:schemeClr val="accent1"/>
+          </a:fillRef>
+          <a:effectRef idx="0">
+            <a:schemeClr val="accent1"/>
+          </a:effectRef>
+          <a:fontRef idx="minor">
+            <a:schemeClr val="lt1"/>
+          </a:fontRef>
+        </p:style>
+        <p:txBody>
+          <a:bodyPr rtlCol="0" anchor="ctr"/>
+          <a:lstStyle/>
+          <a:p>
+            <a:pPr algn="ctr"/>
+            <a:r>
+              <a:rPr lang="en-US" altLang="ko-KR" dirty="0" smtClean="0">
+                <a:solidFill>
+                  <a:schemeClr val="tx1"/>
+                </a:solidFill>
+              </a:rPr>
+              <a:t>U2</a:t>
+            </a:r>
+            <a:endParaRPr lang="ko-KR" altLang="en-US" dirty="0"/>
+          </a:p>
+        </p:txBody>
+      </p:sp>
+      <p:sp>
+        <p:nvSpPr>
+          <p:cNvPr id="70" name="직사각형 69"/>
+          <p:cNvSpPr/>
+          <p:nvPr/>
+        </p:nvSpPr>
+        <p:spPr>
+          <a:xfrm>
+            <a:off x="8240093" y="2915786"/>
+            <a:ext cx="900000" cy="900000"/>
+          </a:xfrm>
+          <a:prstGeom prst="rect">
+            <a:avLst/>
+          </a:prstGeom>
+          <a:noFill/>
+          <a:ln>
+            <a:solidFill>
+              <a:schemeClr val="tx1"/>
+            </a:solidFill>
+          </a:ln>
+        </p:spPr>
+        <p:style>
+          <a:lnRef idx="2">
+            <a:schemeClr val="accent1">
+              <a:shade val="50000"/>
+            </a:schemeClr>
+          </a:lnRef>
+          <a:fillRef idx="1">
+            <a:schemeClr val="accent1"/>
+          </a:fillRef>
+          <a:effectRef idx="0">
+            <a:schemeClr val="accent1"/>
+          </a:effectRef>
+          <a:fontRef idx="minor">
+            <a:schemeClr val="lt1"/>
+          </a:fontRef>
+        </p:style>
+        <p:txBody>
+          <a:bodyPr rtlCol="0" anchor="ctr"/>
+          <a:lstStyle/>
+          <a:p>
+            <a:pPr algn="ctr"/>
+            <a:r>
+              <a:rPr lang="en-US" altLang="ko-KR" dirty="0" smtClean="0">
+                <a:solidFill>
+                  <a:schemeClr val="tx1"/>
+                </a:solidFill>
+              </a:rPr>
+              <a:t>W5</a:t>
+            </a:r>
+            <a:endParaRPr lang="ko-KR" altLang="en-US" dirty="0"/>
+          </a:p>
+        </p:txBody>
+      </p:sp>
+      <p:sp>
+        <p:nvSpPr>
+          <p:cNvPr id="71" name="직사각형 70"/>
+          <p:cNvSpPr/>
+          <p:nvPr/>
+        </p:nvSpPr>
+        <p:spPr>
+          <a:xfrm>
+            <a:off x="2840093" y="3815786"/>
+            <a:ext cx="900000" cy="900000"/>
+          </a:xfrm>
+          <a:prstGeom prst="rect">
+            <a:avLst/>
+          </a:prstGeom>
+          <a:noFill/>
+          <a:ln>
+            <a:solidFill>
+              <a:schemeClr val="tx1"/>
+            </a:solidFill>
+          </a:ln>
+        </p:spPr>
+        <p:style>
+          <a:lnRef idx="2">
+            <a:schemeClr val="accent1">
+              <a:shade val="50000"/>
+            </a:schemeClr>
+          </a:lnRef>
+          <a:fillRef idx="1">
+            <a:schemeClr val="accent1"/>
+          </a:fillRef>
+          <a:effectRef idx="0">
+            <a:schemeClr val="accent1"/>
+          </a:effectRef>
+          <a:fontRef idx="minor">
+            <a:schemeClr val="lt1"/>
+          </a:fontRef>
+        </p:style>
+        <p:txBody>
+          <a:bodyPr rtlCol="0" anchor="ctr"/>
+          <a:lstStyle/>
+          <a:p>
+            <a:pPr algn="ctr"/>
+            <a:r>
+              <a:rPr lang="en-US" altLang="ko-KR" dirty="0" smtClean="0">
+                <a:solidFill>
+                  <a:schemeClr val="tx1"/>
+                </a:solidFill>
+              </a:rPr>
+              <a:t>R5</a:t>
+            </a:r>
+            <a:endParaRPr lang="ko-KR" altLang="en-US" dirty="0"/>
+          </a:p>
+        </p:txBody>
+      </p:sp>
+      <p:sp>
+        <p:nvSpPr>
+          <p:cNvPr id="72" name="직사각형 71"/>
+          <p:cNvSpPr/>
+          <p:nvPr/>
+        </p:nvSpPr>
+        <p:spPr>
+          <a:xfrm>
+            <a:off x="2840093" y="2015786"/>
+            <a:ext cx="900000" cy="900000"/>
+          </a:xfrm>
+          <a:prstGeom prst="rect">
+            <a:avLst/>
+          </a:prstGeom>
+          <a:noFill/>
+          <a:ln>
+            <a:solidFill>
+              <a:schemeClr val="tx1"/>
+            </a:solidFill>
+          </a:ln>
+        </p:spPr>
+        <p:style>
+          <a:lnRef idx="2">
+            <a:schemeClr val="accent1">
+              <a:shade val="50000"/>
+            </a:schemeClr>
+          </a:lnRef>
+          <a:fillRef idx="1">
+            <a:schemeClr val="accent1"/>
+          </a:fillRef>
+          <a:effectRef idx="0">
+            <a:schemeClr val="accent1"/>
+          </a:effectRef>
+          <a:fontRef idx="minor">
+            <a:schemeClr val="lt1"/>
+          </a:fontRef>
+        </p:style>
+        <p:txBody>
+          <a:bodyPr rtlCol="0" anchor="ctr"/>
+          <a:lstStyle/>
+          <a:p>
+            <a:pPr algn="ctr"/>
+            <a:r>
+              <a:rPr lang="en-US" altLang="ko-KR" dirty="0" smtClean="0">
+                <a:solidFill>
+                  <a:schemeClr val="tx1"/>
+                </a:solidFill>
+              </a:rPr>
+              <a:t>R3</a:t>
+            </a:r>
+          </a:p>
+        </p:txBody>
+      </p:sp>
+      <p:sp>
+        <p:nvSpPr>
+          <p:cNvPr id="73" name="직사각형 72"/>
+          <p:cNvSpPr/>
+          <p:nvPr/>
+        </p:nvSpPr>
+        <p:spPr>
+          <a:xfrm>
+            <a:off x="3740093" y="4715786"/>
+            <a:ext cx="900000" cy="900000"/>
+          </a:xfrm>
+          <a:prstGeom prst="rect">
+            <a:avLst/>
+          </a:prstGeom>
+          <a:noFill/>
+          <a:ln>
+            <a:solidFill>
+              <a:schemeClr val="tx1"/>
+            </a:solidFill>
+          </a:ln>
+        </p:spPr>
+        <p:style>
+          <a:lnRef idx="2">
+            <a:schemeClr val="accent1">
+              <a:shade val="50000"/>
+            </a:schemeClr>
+          </a:lnRef>
+          <a:fillRef idx="1">
+            <a:schemeClr val="accent1"/>
+          </a:fillRef>
+          <a:effectRef idx="0">
+            <a:schemeClr val="accent1"/>
+          </a:effectRef>
+          <a:fontRef idx="minor">
+            <a:schemeClr val="lt1"/>
+          </a:fontRef>
+        </p:style>
+        <p:txBody>
+          <a:bodyPr rtlCol="0" anchor="ctr"/>
+          <a:lstStyle/>
+          <a:p>
+            <a:pPr algn="ctr"/>
+            <a:r>
+              <a:rPr lang="en-US" altLang="ko-KR" dirty="0" smtClean="0">
+                <a:solidFill>
+                  <a:schemeClr val="tx1"/>
+                </a:solidFill>
+              </a:rPr>
+              <a:t>W6</a:t>
+            </a:r>
+            <a:endParaRPr lang="ko-KR" altLang="en-US" dirty="0"/>
+          </a:p>
+        </p:txBody>
+      </p:sp>
+      <p:sp>
+        <p:nvSpPr>
+          <p:cNvPr id="74" name="직사각형 73"/>
+          <p:cNvSpPr/>
+          <p:nvPr/>
+        </p:nvSpPr>
+        <p:spPr>
+          <a:xfrm>
+            <a:off x="3740093" y="1115786"/>
+            <a:ext cx="900000" cy="900000"/>
+          </a:xfrm>
+          <a:prstGeom prst="rect">
+            <a:avLst/>
+          </a:prstGeom>
+          <a:noFill/>
+          <a:ln>
+            <a:solidFill>
+              <a:schemeClr val="tx1"/>
+            </a:solidFill>
+          </a:ln>
+        </p:spPr>
+        <p:style>
+          <a:lnRef idx="2">
+            <a:schemeClr val="accent1">
+              <a:shade val="50000"/>
+            </a:schemeClr>
+          </a:lnRef>
+          <a:fillRef idx="1">
+            <a:schemeClr val="accent1"/>
+          </a:fillRef>
+          <a:effectRef idx="0">
+            <a:schemeClr val="accent1"/>
+          </a:effectRef>
+          <a:fontRef idx="minor">
+            <a:schemeClr val="lt1"/>
+          </a:fontRef>
+        </p:style>
+        <p:txBody>
+          <a:bodyPr rtlCol="0" anchor="ctr"/>
+          <a:lstStyle/>
+          <a:p>
+            <a:pPr algn="ctr"/>
+            <a:r>
+              <a:rPr lang="en-US" altLang="ko-KR" dirty="0" smtClean="0">
+                <a:solidFill>
+                  <a:schemeClr val="tx1"/>
+                </a:solidFill>
+              </a:rPr>
+              <a:t>W1</a:t>
+            </a:r>
+          </a:p>
+        </p:txBody>
+      </p:sp>
+      <p:sp>
+        <p:nvSpPr>
+          <p:cNvPr id="75" name="직사각형 74"/>
+          <p:cNvSpPr/>
+          <p:nvPr/>
+        </p:nvSpPr>
+        <p:spPr>
+          <a:xfrm>
+            <a:off x="3740093" y="3815786"/>
+            <a:ext cx="900000" cy="900000"/>
+          </a:xfrm>
+          <a:prstGeom prst="rect">
+            <a:avLst/>
+          </a:prstGeom>
+          <a:noFill/>
+          <a:ln>
+            <a:solidFill>
+              <a:schemeClr val="tx1"/>
+            </a:solidFill>
+          </a:ln>
+        </p:spPr>
+        <p:style>
+          <a:lnRef idx="2">
+            <a:schemeClr val="accent1">
+              <a:shade val="50000"/>
+            </a:schemeClr>
+          </a:lnRef>
+          <a:fillRef idx="1">
+            <a:schemeClr val="accent1"/>
+          </a:fillRef>
+          <a:effectRef idx="0">
+            <a:schemeClr val="accent1"/>
+          </a:effectRef>
+          <a:fontRef idx="minor">
+            <a:schemeClr val="lt1"/>
+          </a:fontRef>
+        </p:style>
+        <p:txBody>
+          <a:bodyPr rtlCol="0" anchor="ctr"/>
+          <a:lstStyle/>
+          <a:p>
+            <a:pPr algn="ctr"/>
+            <a:r>
+              <a:rPr lang="en-US" altLang="ko-KR" dirty="0" smtClean="0">
+                <a:solidFill>
+                  <a:schemeClr val="tx1"/>
+                </a:solidFill>
+              </a:rPr>
+              <a:t>U3</a:t>
+            </a:r>
+            <a:endParaRPr lang="ko-KR" altLang="en-US" dirty="0"/>
+          </a:p>
+        </p:txBody>
+      </p:sp>
+      <p:sp>
+        <p:nvSpPr>
+          <p:cNvPr id="76" name="직사각형 75"/>
+          <p:cNvSpPr/>
+          <p:nvPr/>
+        </p:nvSpPr>
+        <p:spPr>
+          <a:xfrm>
+            <a:off x="3740093" y="2015786"/>
+            <a:ext cx="900000" cy="900000"/>
+          </a:xfrm>
+          <a:prstGeom prst="rect">
+            <a:avLst/>
+          </a:prstGeom>
+          <a:noFill/>
+          <a:ln>
+            <a:solidFill>
+              <a:schemeClr val="tx1"/>
+            </a:solidFill>
+          </a:ln>
+        </p:spPr>
+        <p:style>
+          <a:lnRef idx="2">
+            <a:schemeClr val="accent1">
+              <a:shade val="50000"/>
+            </a:schemeClr>
+          </a:lnRef>
+          <a:fillRef idx="1">
+            <a:schemeClr val="accent1"/>
+          </a:fillRef>
+          <a:effectRef idx="0">
+            <a:schemeClr val="accent1"/>
+          </a:effectRef>
+          <a:fontRef idx="minor">
+            <a:schemeClr val="lt1"/>
+          </a:fontRef>
+        </p:style>
+        <p:txBody>
+          <a:bodyPr rtlCol="0" anchor="ctr"/>
+          <a:lstStyle/>
+          <a:p>
+            <a:pPr algn="ctr"/>
+            <a:r>
+              <a:rPr lang="en-US" altLang="ko-KR" dirty="0" smtClean="0">
+                <a:solidFill>
+                  <a:schemeClr val="tx1"/>
+                </a:solidFill>
+              </a:rPr>
+              <a:t>F1</a:t>
+            </a:r>
+            <a:endParaRPr lang="ko-KR" altLang="en-US" dirty="0"/>
+          </a:p>
+        </p:txBody>
+      </p:sp>
+      <p:sp>
+        <p:nvSpPr>
+          <p:cNvPr id="77" name="직사각형 76"/>
+          <p:cNvSpPr/>
+          <p:nvPr/>
+        </p:nvSpPr>
+        <p:spPr>
+          <a:xfrm>
+            <a:off x="4640093" y="4715786"/>
+            <a:ext cx="900000" cy="900000"/>
+          </a:xfrm>
+          <a:prstGeom prst="rect">
+            <a:avLst/>
+          </a:prstGeom>
+          <a:noFill/>
+          <a:ln>
+            <a:solidFill>
+              <a:schemeClr val="tx1"/>
+            </a:solidFill>
+          </a:ln>
+        </p:spPr>
+        <p:style>
+          <a:lnRef idx="2">
+            <a:schemeClr val="accent1">
+              <a:shade val="50000"/>
+            </a:schemeClr>
+          </a:lnRef>
+          <a:fillRef idx="1">
+            <a:schemeClr val="accent1"/>
+          </a:fillRef>
+          <a:effectRef idx="0">
+            <a:schemeClr val="accent1"/>
+          </a:effectRef>
+          <a:fontRef idx="minor">
+            <a:schemeClr val="lt1"/>
+          </a:fontRef>
+        </p:style>
+        <p:txBody>
+          <a:bodyPr rtlCol="0" anchor="ctr"/>
+          <a:lstStyle/>
+          <a:p>
+            <a:pPr algn="ctr"/>
+            <a:r>
+              <a:rPr lang="en-US" altLang="ko-KR" dirty="0" smtClean="0">
+                <a:solidFill>
+                  <a:schemeClr val="tx1"/>
+                </a:solidFill>
+              </a:rPr>
+              <a:t>F12</a:t>
+            </a:r>
+            <a:endParaRPr lang="ko-KR" altLang="en-US" dirty="0"/>
+          </a:p>
+        </p:txBody>
+      </p:sp>
+      <p:sp>
+        <p:nvSpPr>
+          <p:cNvPr id="78" name="직사각형 77"/>
+          <p:cNvSpPr/>
+          <p:nvPr/>
+        </p:nvSpPr>
+        <p:spPr>
+          <a:xfrm>
+            <a:off x="4640093" y="1115786"/>
+            <a:ext cx="900000" cy="900000"/>
+          </a:xfrm>
+          <a:prstGeom prst="rect">
+            <a:avLst/>
+          </a:prstGeom>
+          <a:noFill/>
+          <a:ln>
+            <a:solidFill>
+              <a:schemeClr val="tx1"/>
+            </a:solidFill>
+          </a:ln>
+        </p:spPr>
+        <p:style>
+          <a:lnRef idx="2">
+            <a:schemeClr val="accent1">
+              <a:shade val="50000"/>
+            </a:schemeClr>
+          </a:lnRef>
+          <a:fillRef idx="1">
+            <a:schemeClr val="accent1"/>
+          </a:fillRef>
+          <a:effectRef idx="0">
+            <a:schemeClr val="accent1"/>
+          </a:effectRef>
+          <a:fontRef idx="minor">
+            <a:schemeClr val="lt1"/>
+          </a:fontRef>
+        </p:style>
+        <p:txBody>
+          <a:bodyPr rtlCol="0" anchor="ctr"/>
+          <a:lstStyle/>
+          <a:p>
+            <a:pPr algn="ctr"/>
+            <a:r>
+              <a:rPr lang="en-US" altLang="ko-KR" dirty="0" smtClean="0">
+                <a:solidFill>
+                  <a:schemeClr val="tx1"/>
+                </a:solidFill>
+              </a:rPr>
+              <a:t>R1</a:t>
+            </a:r>
+            <a:endParaRPr lang="ko-KR" altLang="en-US" dirty="0"/>
+          </a:p>
+        </p:txBody>
+      </p:sp>
+      <p:sp>
+        <p:nvSpPr>
+          <p:cNvPr id="79" name="직사각형 78"/>
+          <p:cNvSpPr/>
+          <p:nvPr/>
+        </p:nvSpPr>
+        <p:spPr>
+          <a:xfrm>
+            <a:off x="4640093" y="3815786"/>
+            <a:ext cx="900000" cy="900000"/>
+          </a:xfrm>
+          <a:prstGeom prst="rect">
+            <a:avLst/>
+          </a:prstGeom>
+          <a:noFill/>
+          <a:ln>
+            <a:solidFill>
+              <a:schemeClr val="tx1"/>
+            </a:solidFill>
+          </a:ln>
+        </p:spPr>
+        <p:style>
+          <a:lnRef idx="2">
+            <a:schemeClr val="accent1">
+              <a:shade val="50000"/>
+            </a:schemeClr>
+          </a:lnRef>
+          <a:fillRef idx="1">
+            <a:schemeClr val="accent1"/>
+          </a:fillRef>
+          <a:effectRef idx="0">
+            <a:schemeClr val="accent1"/>
+          </a:effectRef>
+          <a:fontRef idx="minor">
+            <a:schemeClr val="lt1"/>
+          </a:fontRef>
+        </p:style>
+        <p:txBody>
+          <a:bodyPr rtlCol="0" anchor="ctr"/>
+          <a:lstStyle/>
+          <a:p>
+            <a:pPr algn="ctr"/>
+            <a:r>
+              <a:rPr lang="en-US" altLang="ko-KR" dirty="0" smtClean="0">
+                <a:solidFill>
+                  <a:schemeClr val="tx1"/>
+                </a:solidFill>
+              </a:rPr>
+              <a:t>F9</a:t>
+            </a:r>
+            <a:endParaRPr lang="ko-KR" altLang="en-US" dirty="0"/>
+          </a:p>
+        </p:txBody>
+      </p:sp>
+      <p:sp>
+        <p:nvSpPr>
+          <p:cNvPr id="80" name="직사각형 79"/>
+          <p:cNvSpPr/>
+          <p:nvPr/>
+        </p:nvSpPr>
+        <p:spPr>
+          <a:xfrm>
+            <a:off x="4640093" y="2015786"/>
+            <a:ext cx="900000" cy="900000"/>
+          </a:xfrm>
+          <a:prstGeom prst="rect">
+            <a:avLst/>
+          </a:prstGeom>
+          <a:noFill/>
+          <a:ln>
+            <a:solidFill>
+              <a:schemeClr val="tx1"/>
+            </a:solidFill>
+          </a:ln>
+        </p:spPr>
+        <p:style>
+          <a:lnRef idx="2">
+            <a:schemeClr val="accent1">
+              <a:shade val="50000"/>
+            </a:schemeClr>
+          </a:lnRef>
+          <a:fillRef idx="1">
+            <a:schemeClr val="accent1"/>
+          </a:fillRef>
+          <a:effectRef idx="0">
+            <a:schemeClr val="accent1"/>
+          </a:effectRef>
+          <a:fontRef idx="minor">
+            <a:schemeClr val="lt1"/>
+          </a:fontRef>
+        </p:style>
+        <p:txBody>
+          <a:bodyPr rtlCol="0" anchor="ctr"/>
+          <a:lstStyle/>
+          <a:p>
+            <a:pPr algn="ctr"/>
+            <a:r>
+              <a:rPr lang="en-US" altLang="ko-KR" dirty="0" smtClean="0">
+                <a:solidFill>
+                  <a:schemeClr val="tx1"/>
+                </a:solidFill>
+              </a:rPr>
+              <a:t>U1</a:t>
+            </a:r>
+            <a:endParaRPr lang="ko-KR" altLang="en-US" dirty="0"/>
+          </a:p>
+        </p:txBody>
+      </p:sp>
+      <p:sp>
+        <p:nvSpPr>
+          <p:cNvPr id="81" name="직사각형 80"/>
+          <p:cNvSpPr/>
+          <p:nvPr/>
+        </p:nvSpPr>
+        <p:spPr>
+          <a:xfrm>
+            <a:off x="5540093" y="4715786"/>
+            <a:ext cx="900000" cy="900000"/>
+          </a:xfrm>
+          <a:prstGeom prst="rect">
+            <a:avLst/>
+          </a:prstGeom>
+          <a:noFill/>
+          <a:ln>
+            <a:solidFill>
+              <a:schemeClr val="tx1"/>
+            </a:solidFill>
+          </a:ln>
+        </p:spPr>
+        <p:style>
+          <a:lnRef idx="2">
+            <a:schemeClr val="accent1">
+              <a:shade val="50000"/>
+            </a:schemeClr>
+          </a:lnRef>
+          <a:fillRef idx="1">
+            <a:schemeClr val="accent1"/>
+          </a:fillRef>
+          <a:effectRef idx="0">
+            <a:schemeClr val="accent1"/>
+          </a:effectRef>
+          <a:fontRef idx="minor">
+            <a:schemeClr val="lt1"/>
+          </a:fontRef>
+        </p:style>
+        <p:txBody>
+          <a:bodyPr rtlCol="0" anchor="ctr"/>
+          <a:lstStyle/>
+          <a:p>
+            <a:pPr algn="ctr"/>
+            <a:r>
+              <a:rPr lang="en-US" altLang="ko-KR" dirty="0" smtClean="0">
+                <a:solidFill>
+                  <a:schemeClr val="tx1"/>
+                </a:solidFill>
+              </a:rPr>
+              <a:t>F13</a:t>
+            </a:r>
+            <a:endParaRPr lang="ko-KR" altLang="en-US" dirty="0"/>
+          </a:p>
+        </p:txBody>
+      </p:sp>
+      <p:sp>
+        <p:nvSpPr>
+          <p:cNvPr id="82" name="직사각형 81"/>
+          <p:cNvSpPr/>
+          <p:nvPr/>
+        </p:nvSpPr>
+        <p:spPr>
+          <a:xfrm>
+            <a:off x="5540093" y="1115786"/>
+            <a:ext cx="900000" cy="900000"/>
+          </a:xfrm>
+          <a:prstGeom prst="rect">
+            <a:avLst/>
+          </a:prstGeom>
+          <a:noFill/>
+          <a:ln>
+            <a:solidFill>
+              <a:schemeClr val="tx1"/>
+            </a:solidFill>
+          </a:ln>
+        </p:spPr>
+        <p:style>
+          <a:lnRef idx="2">
+            <a:schemeClr val="accent1">
+              <a:shade val="50000"/>
+            </a:schemeClr>
+          </a:lnRef>
+          <a:fillRef idx="1">
+            <a:schemeClr val="accent1"/>
+          </a:fillRef>
+          <a:effectRef idx="0">
+            <a:schemeClr val="accent1"/>
+          </a:effectRef>
+          <a:fontRef idx="minor">
+            <a:schemeClr val="lt1"/>
+          </a:fontRef>
+        </p:style>
+        <p:txBody>
+          <a:bodyPr rtlCol="0" anchor="ctr"/>
+          <a:lstStyle/>
+          <a:p>
+            <a:pPr algn="ctr"/>
+            <a:r>
+              <a:rPr lang="en-US" altLang="ko-KR" dirty="0" smtClean="0">
+                <a:solidFill>
+                  <a:schemeClr val="tx1"/>
+                </a:solidFill>
+              </a:rPr>
+              <a:t>W2</a:t>
+            </a:r>
+            <a:endParaRPr lang="ko-KR" altLang="en-US" dirty="0"/>
+          </a:p>
+        </p:txBody>
+      </p:sp>
+      <p:sp>
+        <p:nvSpPr>
+          <p:cNvPr id="83" name="직사각형 82"/>
+          <p:cNvSpPr/>
+          <p:nvPr/>
+        </p:nvSpPr>
+        <p:spPr>
+          <a:xfrm>
+            <a:off x="5540093" y="3815786"/>
+            <a:ext cx="900000" cy="900000"/>
+          </a:xfrm>
+          <a:prstGeom prst="rect">
+            <a:avLst/>
+          </a:prstGeom>
+          <a:noFill/>
+          <a:ln>
+            <a:solidFill>
+              <a:schemeClr val="tx1"/>
+            </a:solidFill>
+          </a:ln>
+        </p:spPr>
+        <p:style>
+          <a:lnRef idx="2">
+            <a:schemeClr val="accent1">
+              <a:shade val="50000"/>
+            </a:schemeClr>
+          </a:lnRef>
+          <a:fillRef idx="1">
+            <a:schemeClr val="accent1"/>
+          </a:fillRef>
+          <a:effectRef idx="0">
+            <a:schemeClr val="accent1"/>
+          </a:effectRef>
+          <a:fontRef idx="minor">
+            <a:schemeClr val="lt1"/>
+          </a:fontRef>
+        </p:style>
+        <p:txBody>
+          <a:bodyPr rtlCol="0" anchor="ctr"/>
+          <a:lstStyle/>
+          <a:p>
+            <a:pPr algn="ctr"/>
+            <a:r>
+              <a:rPr lang="en-US" altLang="ko-KR" dirty="0" smtClean="0">
+                <a:solidFill>
+                  <a:schemeClr val="tx1"/>
+                </a:solidFill>
+              </a:rPr>
+              <a:t>KS</a:t>
+            </a:r>
+            <a:endParaRPr lang="ko-KR" altLang="en-US" dirty="0"/>
+          </a:p>
+        </p:txBody>
+      </p:sp>
+      <p:sp>
+        <p:nvSpPr>
+          <p:cNvPr id="84" name="직사각형 83"/>
+          <p:cNvSpPr/>
+          <p:nvPr/>
+        </p:nvSpPr>
+        <p:spPr>
+          <a:xfrm>
+            <a:off x="5540093" y="2015786"/>
+            <a:ext cx="900000" cy="900000"/>
+          </a:xfrm>
+          <a:prstGeom prst="rect">
+            <a:avLst/>
+          </a:prstGeom>
+          <a:noFill/>
+          <a:ln>
+            <a:solidFill>
+              <a:schemeClr val="tx1"/>
+            </a:solidFill>
+          </a:ln>
+        </p:spPr>
+        <p:style>
+          <a:lnRef idx="2">
+            <a:schemeClr val="accent1">
+              <a:shade val="50000"/>
+            </a:schemeClr>
+          </a:lnRef>
+          <a:fillRef idx="1">
+            <a:schemeClr val="accent1"/>
+          </a:fillRef>
+          <a:effectRef idx="0">
+            <a:schemeClr val="accent1"/>
+          </a:effectRef>
+          <a:fontRef idx="minor">
+            <a:schemeClr val="lt1"/>
+          </a:fontRef>
+        </p:style>
+        <p:txBody>
+          <a:bodyPr rtlCol="0" anchor="ctr"/>
+          <a:lstStyle/>
+          <a:p>
+            <a:pPr algn="ctr"/>
+            <a:r>
+              <a:rPr lang="en-US" altLang="ko-KR" dirty="0" smtClean="0">
+                <a:solidFill>
+                  <a:schemeClr val="tx1"/>
+                </a:solidFill>
+              </a:rPr>
+              <a:t>F2</a:t>
+            </a:r>
+            <a:endParaRPr lang="ko-KR" altLang="en-US" dirty="0"/>
+          </a:p>
+        </p:txBody>
+      </p:sp>
+      <p:sp>
+        <p:nvSpPr>
+          <p:cNvPr id="85" name="직사각형 84"/>
+          <p:cNvSpPr/>
+          <p:nvPr/>
+        </p:nvSpPr>
+        <p:spPr>
+          <a:xfrm>
+            <a:off x="6440093" y="4715786"/>
+            <a:ext cx="900000" cy="900000"/>
+          </a:xfrm>
+          <a:prstGeom prst="rect">
+            <a:avLst/>
+          </a:prstGeom>
+          <a:noFill/>
+          <a:ln>
+            <a:solidFill>
+              <a:schemeClr val="tx1"/>
+            </a:solidFill>
+          </a:ln>
+        </p:spPr>
+        <p:style>
+          <a:lnRef idx="2">
+            <a:schemeClr val="accent1">
+              <a:shade val="50000"/>
+            </a:schemeClr>
+          </a:lnRef>
+          <a:fillRef idx="1">
+            <a:schemeClr val="accent1"/>
+          </a:fillRef>
+          <a:effectRef idx="0">
+            <a:schemeClr val="accent1"/>
+          </a:effectRef>
+          <a:fontRef idx="minor">
+            <a:schemeClr val="lt1"/>
+          </a:fontRef>
+        </p:style>
+        <p:txBody>
+          <a:bodyPr rtlCol="0" anchor="ctr"/>
+          <a:lstStyle/>
+          <a:p>
+            <a:pPr algn="ctr"/>
+            <a:r>
+              <a:rPr lang="en-US" altLang="ko-KR" dirty="0" smtClean="0">
+                <a:solidFill>
+                  <a:schemeClr val="tx1"/>
+                </a:solidFill>
+              </a:rPr>
+              <a:t>F14</a:t>
+            </a:r>
+            <a:endParaRPr lang="ko-KR" altLang="en-US" dirty="0"/>
+          </a:p>
+        </p:txBody>
+      </p:sp>
+      <p:sp>
+        <p:nvSpPr>
+          <p:cNvPr id="86" name="직사각형 85"/>
+          <p:cNvSpPr/>
+          <p:nvPr/>
+        </p:nvSpPr>
+        <p:spPr>
+          <a:xfrm>
+            <a:off x="6440093" y="1115786"/>
+            <a:ext cx="900000" cy="900000"/>
+          </a:xfrm>
+          <a:prstGeom prst="rect">
+            <a:avLst/>
+          </a:prstGeom>
+          <a:noFill/>
+          <a:ln>
+            <a:solidFill>
+              <a:schemeClr val="tx1"/>
+            </a:solidFill>
+          </a:ln>
+        </p:spPr>
+        <p:style>
+          <a:lnRef idx="2">
+            <a:schemeClr val="accent1">
+              <a:shade val="50000"/>
+            </a:schemeClr>
+          </a:lnRef>
+          <a:fillRef idx="1">
+            <a:schemeClr val="accent1"/>
+          </a:fillRef>
+          <a:effectRef idx="0">
+            <a:schemeClr val="accent1"/>
+          </a:effectRef>
+          <a:fontRef idx="minor">
+            <a:schemeClr val="lt1"/>
+          </a:fontRef>
+        </p:style>
+        <p:txBody>
+          <a:bodyPr rtlCol="0" anchor="ctr"/>
+          <a:lstStyle/>
+          <a:p>
+            <a:pPr algn="ctr"/>
+            <a:r>
+              <a:rPr lang="en-US" altLang="ko-KR" dirty="0" smtClean="0">
+                <a:solidFill>
+                  <a:schemeClr val="tx1"/>
+                </a:solidFill>
+              </a:rPr>
+              <a:t>R2</a:t>
+            </a:r>
+            <a:endParaRPr lang="ko-KR" altLang="en-US" dirty="0"/>
+          </a:p>
+        </p:txBody>
+      </p:sp>
+      <p:sp>
+        <p:nvSpPr>
+          <p:cNvPr id="87" name="직사각형 86"/>
+          <p:cNvSpPr/>
+          <p:nvPr/>
+        </p:nvSpPr>
+        <p:spPr>
+          <a:xfrm>
+            <a:off x="6440093" y="3815786"/>
+            <a:ext cx="900000" cy="900000"/>
+          </a:xfrm>
+          <a:prstGeom prst="rect">
+            <a:avLst/>
+          </a:prstGeom>
+          <a:noFill/>
+          <a:ln>
+            <a:solidFill>
+              <a:schemeClr val="tx1"/>
+            </a:solidFill>
+          </a:ln>
+        </p:spPr>
+        <p:style>
+          <a:lnRef idx="2">
+            <a:schemeClr val="accent1">
+              <a:shade val="50000"/>
+            </a:schemeClr>
+          </a:lnRef>
+          <a:fillRef idx="1">
+            <a:schemeClr val="accent1"/>
+          </a:fillRef>
+          <a:effectRef idx="0">
+            <a:schemeClr val="accent1"/>
+          </a:effectRef>
+          <a:fontRef idx="minor">
+            <a:schemeClr val="lt1"/>
+          </a:fontRef>
+        </p:style>
+        <p:txBody>
+          <a:bodyPr rtlCol="0" anchor="ctr"/>
+          <a:lstStyle/>
+          <a:p>
+            <a:pPr algn="ctr"/>
+            <a:r>
+              <a:rPr lang="en-US" altLang="ko-KR" dirty="0" smtClean="0">
+                <a:solidFill>
+                  <a:schemeClr val="tx1"/>
+                </a:solidFill>
+              </a:rPr>
+              <a:t>F10</a:t>
+            </a:r>
+            <a:endParaRPr lang="ko-KR" altLang="en-US" dirty="0"/>
+          </a:p>
+        </p:txBody>
+      </p:sp>
+      <p:sp>
+        <p:nvSpPr>
+          <p:cNvPr id="88" name="직사각형 87"/>
+          <p:cNvSpPr/>
+          <p:nvPr/>
+        </p:nvSpPr>
+        <p:spPr>
+          <a:xfrm>
+            <a:off x="6440093" y="2015786"/>
+            <a:ext cx="900000" cy="900000"/>
+          </a:xfrm>
+          <a:prstGeom prst="rect">
+            <a:avLst/>
+          </a:prstGeom>
+          <a:noFill/>
+          <a:ln>
+            <a:solidFill>
+              <a:schemeClr val="tx1"/>
+            </a:solidFill>
+          </a:ln>
+        </p:spPr>
+        <p:style>
+          <a:lnRef idx="2">
+            <a:schemeClr val="accent1">
+              <a:shade val="50000"/>
+            </a:schemeClr>
+          </a:lnRef>
+          <a:fillRef idx="1">
+            <a:schemeClr val="accent1"/>
+          </a:fillRef>
+          <a:effectRef idx="0">
+            <a:schemeClr val="accent1"/>
+          </a:effectRef>
+          <a:fontRef idx="minor">
+            <a:schemeClr val="lt1"/>
+          </a:fontRef>
+        </p:style>
+        <p:txBody>
+          <a:bodyPr rtlCol="0" anchor="ctr"/>
+          <a:lstStyle/>
+          <a:p>
+            <a:pPr algn="ctr"/>
+            <a:r>
+              <a:rPr lang="en-US" altLang="ko-KR" dirty="0" smtClean="0">
+                <a:solidFill>
+                  <a:schemeClr val="tx1"/>
+                </a:solidFill>
+              </a:rPr>
+              <a:t>F3</a:t>
+            </a:r>
+            <a:endParaRPr lang="ko-KR" altLang="en-US" dirty="0"/>
+          </a:p>
+        </p:txBody>
+      </p:sp>
+      <p:sp>
+        <p:nvSpPr>
+          <p:cNvPr id="89" name="직사각형 88"/>
+          <p:cNvSpPr/>
+          <p:nvPr/>
+        </p:nvSpPr>
+        <p:spPr>
+          <a:xfrm>
+            <a:off x="7340093" y="4715786"/>
+            <a:ext cx="900000" cy="900000"/>
+          </a:xfrm>
+          <a:prstGeom prst="rect">
+            <a:avLst/>
+          </a:prstGeom>
+          <a:noFill/>
+          <a:ln>
+            <a:solidFill>
+              <a:schemeClr val="tx1"/>
+            </a:solidFill>
+          </a:ln>
+        </p:spPr>
+        <p:style>
+          <a:lnRef idx="2">
+            <a:schemeClr val="accent1">
+              <a:shade val="50000"/>
+            </a:schemeClr>
+          </a:lnRef>
+          <a:fillRef idx="1">
+            <a:schemeClr val="accent1"/>
+          </a:fillRef>
+          <a:effectRef idx="0">
+            <a:schemeClr val="accent1"/>
+          </a:effectRef>
+          <a:fontRef idx="minor">
+            <a:schemeClr val="lt1"/>
+          </a:fontRef>
+        </p:style>
+        <p:txBody>
+          <a:bodyPr rtlCol="0" anchor="ctr"/>
+          <a:lstStyle/>
+          <a:p>
+            <a:pPr algn="ctr"/>
+            <a:r>
+              <a:rPr lang="en-US" altLang="ko-KR" dirty="0" smtClean="0">
+                <a:solidFill>
+                  <a:schemeClr val="tx1"/>
+                </a:solidFill>
+              </a:rPr>
+              <a:t>W7</a:t>
+            </a:r>
+            <a:endParaRPr lang="ko-KR" altLang="en-US" dirty="0"/>
+          </a:p>
+        </p:txBody>
+      </p:sp>
+      <p:sp>
+        <p:nvSpPr>
+          <p:cNvPr id="90" name="직사각형 89"/>
+          <p:cNvSpPr/>
+          <p:nvPr/>
+        </p:nvSpPr>
+        <p:spPr>
+          <a:xfrm>
+            <a:off x="7340093" y="1115786"/>
+            <a:ext cx="900000" cy="900000"/>
+          </a:xfrm>
+          <a:prstGeom prst="rect">
+            <a:avLst/>
+          </a:prstGeom>
+          <a:noFill/>
+          <a:ln>
+            <a:solidFill>
+              <a:schemeClr val="tx1"/>
+            </a:solidFill>
+          </a:ln>
+        </p:spPr>
+        <p:style>
+          <a:lnRef idx="2">
+            <a:schemeClr val="accent1">
+              <a:shade val="50000"/>
+            </a:schemeClr>
+          </a:lnRef>
+          <a:fillRef idx="1">
+            <a:schemeClr val="accent1"/>
+          </a:fillRef>
+          <a:effectRef idx="0">
+            <a:schemeClr val="accent1"/>
+          </a:effectRef>
+          <a:fontRef idx="minor">
+            <a:schemeClr val="lt1"/>
+          </a:fontRef>
+        </p:style>
+        <p:txBody>
+          <a:bodyPr rtlCol="0" anchor="ctr"/>
+          <a:lstStyle/>
+          <a:p>
+            <a:pPr algn="ctr"/>
+            <a:r>
+              <a:rPr lang="en-US" altLang="ko-KR" dirty="0" smtClean="0">
+                <a:solidFill>
+                  <a:schemeClr val="tx1"/>
+                </a:solidFill>
+              </a:rPr>
+              <a:t>W3</a:t>
+            </a:r>
+            <a:endParaRPr lang="ko-KR" altLang="en-US" dirty="0"/>
+          </a:p>
+        </p:txBody>
+      </p:sp>
+      <p:sp>
+        <p:nvSpPr>
+          <p:cNvPr id="91" name="직사각형 90"/>
+          <p:cNvSpPr/>
+          <p:nvPr/>
+        </p:nvSpPr>
+        <p:spPr>
+          <a:xfrm>
+            <a:off x="7340093" y="3815786"/>
+            <a:ext cx="900000" cy="900000"/>
+          </a:xfrm>
+          <a:prstGeom prst="rect">
+            <a:avLst/>
+          </a:prstGeom>
+          <a:noFill/>
+          <a:ln>
+            <a:solidFill>
+              <a:schemeClr val="tx1"/>
+            </a:solidFill>
+          </a:ln>
+        </p:spPr>
+        <p:style>
+          <a:lnRef idx="2">
+            <a:schemeClr val="accent1">
+              <a:shade val="50000"/>
+            </a:schemeClr>
+          </a:lnRef>
+          <a:fillRef idx="1">
+            <a:schemeClr val="accent1"/>
+          </a:fillRef>
+          <a:effectRef idx="0">
+            <a:schemeClr val="accent1"/>
+          </a:effectRef>
+          <a:fontRef idx="minor">
+            <a:schemeClr val="lt1"/>
+          </a:fontRef>
+        </p:style>
+        <p:txBody>
+          <a:bodyPr rtlCol="0" anchor="ctr"/>
+          <a:lstStyle/>
+          <a:p>
+            <a:pPr algn="ctr"/>
+            <a:r>
+              <a:rPr lang="en-US" altLang="ko-KR" dirty="0" smtClean="0">
+                <a:solidFill>
+                  <a:schemeClr val="tx1"/>
+                </a:solidFill>
+              </a:rPr>
+              <a:t>F11</a:t>
+            </a:r>
+            <a:endParaRPr lang="ko-KR" altLang="en-US" dirty="0"/>
+          </a:p>
+        </p:txBody>
+      </p:sp>
+      <p:sp>
+        <p:nvSpPr>
+          <p:cNvPr id="92" name="직사각형 91"/>
+          <p:cNvSpPr/>
+          <p:nvPr/>
+        </p:nvSpPr>
+        <p:spPr>
+          <a:xfrm>
+            <a:off x="7340093" y="2015786"/>
+            <a:ext cx="900000" cy="900000"/>
+          </a:xfrm>
+          <a:prstGeom prst="rect">
+            <a:avLst/>
+          </a:prstGeom>
+          <a:noFill/>
+          <a:ln>
+            <a:solidFill>
+              <a:schemeClr val="tx1"/>
+            </a:solidFill>
+          </a:ln>
+        </p:spPr>
+        <p:style>
+          <a:lnRef idx="2">
+            <a:schemeClr val="accent1">
+              <a:shade val="50000"/>
+            </a:schemeClr>
+          </a:lnRef>
+          <a:fillRef idx="1">
+            <a:schemeClr val="accent1"/>
+          </a:fillRef>
+          <a:effectRef idx="0">
+            <a:schemeClr val="accent1"/>
+          </a:effectRef>
+          <a:fontRef idx="minor">
+            <a:schemeClr val="lt1"/>
+          </a:fontRef>
+        </p:style>
+        <p:txBody>
+          <a:bodyPr rtlCol="0" anchor="ctr"/>
+          <a:lstStyle/>
+          <a:p>
+            <a:pPr algn="ctr"/>
+            <a:r>
+              <a:rPr lang="en-US" altLang="ko-KR" dirty="0" smtClean="0">
+                <a:solidFill>
+                  <a:schemeClr val="tx1"/>
+                </a:solidFill>
+              </a:rPr>
+              <a:t>F4</a:t>
+            </a:r>
+            <a:endParaRPr lang="ko-KR" altLang="en-US" dirty="0"/>
+          </a:p>
+        </p:txBody>
+      </p:sp>
+      <p:sp>
+        <p:nvSpPr>
+          <p:cNvPr id="93" name="직사각형 92"/>
+          <p:cNvSpPr/>
+          <p:nvPr/>
+        </p:nvSpPr>
+        <p:spPr>
+          <a:xfrm>
+            <a:off x="8240093" y="3815786"/>
+            <a:ext cx="900000" cy="900000"/>
+          </a:xfrm>
+          <a:prstGeom prst="rect">
+            <a:avLst/>
+          </a:prstGeom>
+          <a:noFill/>
+          <a:ln>
+            <a:solidFill>
+              <a:schemeClr val="tx1"/>
+            </a:solidFill>
+          </a:ln>
+        </p:spPr>
+        <p:style>
+          <a:lnRef idx="2">
+            <a:schemeClr val="accent1">
+              <a:shade val="50000"/>
+            </a:schemeClr>
+          </a:lnRef>
+          <a:fillRef idx="1">
+            <a:schemeClr val="accent1"/>
+          </a:fillRef>
+          <a:effectRef idx="0">
+            <a:schemeClr val="accent1"/>
+          </a:effectRef>
+          <a:fontRef idx="minor">
+            <a:schemeClr val="lt1"/>
+          </a:fontRef>
+        </p:style>
+        <p:txBody>
+          <a:bodyPr rtlCol="0" anchor="ctr"/>
+          <a:lstStyle/>
+          <a:p>
+            <a:pPr algn="ctr"/>
+            <a:r>
+              <a:rPr lang="en-US" altLang="ko-KR" dirty="0" smtClean="0">
+                <a:solidFill>
+                  <a:schemeClr val="tx1"/>
+                </a:solidFill>
+              </a:rPr>
+              <a:t>R6</a:t>
+            </a:r>
+            <a:endParaRPr lang="ko-KR" altLang="en-US" dirty="0"/>
+          </a:p>
+        </p:txBody>
+      </p:sp>
+      <p:sp>
+        <p:nvSpPr>
+          <p:cNvPr id="94" name="직사각형 93"/>
+          <p:cNvSpPr/>
+          <p:nvPr/>
+        </p:nvSpPr>
+        <p:spPr>
+          <a:xfrm>
+            <a:off x="8240093" y="2015786"/>
+            <a:ext cx="900000" cy="900000"/>
+          </a:xfrm>
+          <a:prstGeom prst="rect">
+            <a:avLst/>
+          </a:prstGeom>
+          <a:noFill/>
+          <a:ln>
+            <a:solidFill>
+              <a:schemeClr val="tx1"/>
+            </a:solidFill>
+          </a:ln>
+        </p:spPr>
+        <p:style>
+          <a:lnRef idx="2">
+            <a:schemeClr val="accent1">
+              <a:shade val="50000"/>
+            </a:schemeClr>
+          </a:lnRef>
+          <a:fillRef idx="1">
+            <a:schemeClr val="accent1"/>
+          </a:fillRef>
+          <a:effectRef idx="0">
+            <a:schemeClr val="accent1"/>
+          </a:effectRef>
+          <a:fontRef idx="minor">
+            <a:schemeClr val="lt1"/>
+          </a:fontRef>
+        </p:style>
+        <p:txBody>
+          <a:bodyPr rtlCol="0" anchor="ctr"/>
+          <a:lstStyle/>
+          <a:p>
+            <a:pPr algn="ctr"/>
+            <a:r>
+              <a:rPr lang="en-US" altLang="ko-KR" dirty="0" smtClean="0">
+                <a:solidFill>
+                  <a:schemeClr val="tx1"/>
+                </a:solidFill>
+              </a:rPr>
+              <a:t>R4</a:t>
+            </a:r>
+          </a:p>
+        </p:txBody>
+      </p:sp>
+      <p:sp>
+        <p:nvSpPr>
+          <p:cNvPr id="95" name="직사각형 94"/>
+          <p:cNvSpPr/>
+          <p:nvPr/>
+        </p:nvSpPr>
+        <p:spPr>
+          <a:xfrm>
+            <a:off x="967522" y="2848785"/>
+            <a:ext cx="900000" cy="900000"/>
+          </a:xfrm>
+          <a:prstGeom prst="rect">
+            <a:avLst/>
+          </a:prstGeom>
+          <a:noFill/>
+          <a:ln>
+            <a:solidFill>
+              <a:schemeClr val="tx1"/>
+            </a:solidFill>
+          </a:ln>
+        </p:spPr>
+        <p:style>
+          <a:lnRef idx="2">
+            <a:schemeClr val="accent1">
+              <a:shade val="50000"/>
+            </a:schemeClr>
+          </a:lnRef>
+          <a:fillRef idx="1">
+            <a:schemeClr val="accent1"/>
+          </a:fillRef>
+          <a:effectRef idx="0">
+            <a:schemeClr val="accent1"/>
+          </a:effectRef>
+          <a:fontRef idx="minor">
+            <a:schemeClr val="lt1"/>
+          </a:fontRef>
+        </p:style>
+        <p:txBody>
+          <a:bodyPr rtlCol="0" anchor="ctr"/>
+          <a:lstStyle/>
+          <a:p>
+            <a:pPr algn="ctr"/>
+            <a:r>
+              <a:rPr lang="en-US" altLang="ko-KR" dirty="0" smtClean="0">
+                <a:solidFill>
+                  <a:schemeClr val="tx1"/>
+                </a:solidFill>
+              </a:rPr>
+              <a:t>E</a:t>
+            </a:r>
+          </a:p>
+        </p:txBody>
+      </p:sp>
+      <p:sp>
+        <p:nvSpPr>
+          <p:cNvPr id="36" name="TextBox 35"/>
+          <p:cNvSpPr txBox="1"/>
+          <p:nvPr/>
+        </p:nvSpPr>
+        <p:spPr>
+          <a:xfrm>
+            <a:off x="8690093" y="182704"/>
+            <a:ext cx="3143718" cy="369332"/>
+          </a:xfrm>
+          <a:prstGeom prst="rect">
+            <a:avLst/>
+          </a:prstGeom>
+          <a:noFill/>
+        </p:spPr>
+        <p:txBody>
+          <a:bodyPr wrap="square" rtlCol="0">
+            <a:spAutoFit/>
+          </a:bodyPr>
+          <a:lstStyle/>
+          <a:p>
+            <a:r>
+              <a:rPr lang="en-US" altLang="ko-KR" dirty="0" smtClean="0"/>
+              <a:t>19_07_</a:t>
+            </a:r>
+            <a:r>
+              <a:rPr lang="ko-KR" altLang="en-US" dirty="0" smtClean="0"/>
+              <a:t>생존자</a:t>
+            </a:r>
+            <a:r>
+              <a:rPr lang="en-US" altLang="ko-KR" dirty="0" smtClean="0"/>
+              <a:t>(vs</a:t>
+            </a:r>
+            <a:r>
+              <a:rPr lang="ko-KR" altLang="en-US" dirty="0" err="1" smtClean="0"/>
+              <a:t>해그</a:t>
+            </a:r>
+            <a:r>
+              <a:rPr lang="en-US" altLang="ko-KR" dirty="0" smtClean="0"/>
+              <a:t>)</a:t>
+            </a:r>
+            <a:endParaRPr lang="ko-KR" altLang="en-US" dirty="0"/>
+          </a:p>
+        </p:txBody>
+      </p:sp>
+    </p:spTree>
+    <p:extLst>
+      <p:ext uri="{BB962C8B-B14F-4D97-AF65-F5344CB8AC3E}">
+        <p14:creationId xmlns:p14="http://schemas.microsoft.com/office/powerpoint/2010/main" val="2634532908"/>
+      </p:ext>
+    </p:extLst>
+  </p:cSld>
+  <p:clrMapOvr>
+    <a:masterClrMapping/>
+  </p:clrMapOvr>
+  <p:timing>
+    <p:tnLst>
+      <p:par>
+        <p:cTn id="1" dur="indefinite" restart="never" nodeType="tmRoot"/>
+      </p:par>
+    </p:tnLst>
+  </p:timing>
+</p:sld>
+</file>
+
 <file path=ppt/slides/slide2.xml><?xml version="1.0" encoding="utf-8"?>
 <p:sld xmlns:a="http://schemas.openxmlformats.org/drawingml/2006/main" xmlns:r="http://schemas.openxmlformats.org/officeDocument/2006/relationships" xmlns:p="http://schemas.openxmlformats.org/presentationml/2006/main">
   <p:cSld>
@@ -28767,7 +35869,7 @@
   <a:extraClrSchemeLst/>
   <a:extLst>
     <a:ext uri="{05A4C25C-085E-4340-85A3-A5531E510DB2}">
-      <thm15:themeFamily xmlns:thm15="http://schemas.microsoft.com/office/thememl/2012/main" xmlns="" name="Office Theme" id="{62F939B6-93AF-4DB8-9C6B-D6C7DFDC589F}" vid="{4A3C46E8-61CC-4603-A589-7422A47A8E4A}"/>
+      <thm15:themeFamily xmlns:thm15="http://schemas.microsoft.com/office/thememl/2012/main" name="Office Theme" id="{62F939B6-93AF-4DB8-9C6B-D6C7DFDC589F}" vid="{4A3C46E8-61CC-4603-A589-7422A47A8E4A}"/>
     </a:ext>
   </a:extLst>
 </a:theme>
@@ -29028,7 +36130,7 @@
   <a:extraClrSchemeLst/>
   <a:extLst>
     <a:ext uri="{05A4C25C-085E-4340-85A3-A5531E510DB2}">
-      <thm15:themeFamily xmlns:thm15="http://schemas.microsoft.com/office/thememl/2012/main" xmlns="" name="Office Theme" id="{62F939B6-93AF-4DB8-9C6B-D6C7DFDC589F}" vid="{4A3C46E8-61CC-4603-A589-7422A47A8E4A}"/>
+      <thm15:themeFamily xmlns:thm15="http://schemas.microsoft.com/office/thememl/2012/main" name="Office Theme" id="{62F939B6-93AF-4DB8-9C6B-D6C7DFDC589F}" vid="{4A3C46E8-61CC-4603-A589-7422A47A8E4A}"/>
     </a:ext>
   </a:extLst>
 </a:theme>
